--- a/courses/compilers/lectures/H-ASTs.pptx
+++ b/courses/compilers/lectures/H-ASTs.pptx
@@ -5,47 +5,43 @@
     <p:sldMasterId id="2147483792" r:id="rId1"/>
   </p:sldMasterIdLst>
   <p:notesMasterIdLst>
-    <p:notesMasterId r:id="rId32"/>
+    <p:notesMasterId r:id="rId28"/>
   </p:notesMasterIdLst>
   <p:handoutMasterIdLst>
-    <p:handoutMasterId r:id="rId33"/>
+    <p:handoutMasterId r:id="rId29"/>
   </p:handoutMasterIdLst>
   <p:sldIdLst>
     <p:sldId id="256" r:id="rId2"/>
-    <p:sldId id="306" r:id="rId3"/>
-    <p:sldId id="257" r:id="rId4"/>
-    <p:sldId id="294" r:id="rId5"/>
-    <p:sldId id="300" r:id="rId6"/>
-    <p:sldId id="301" r:id="rId7"/>
-    <p:sldId id="302" r:id="rId8"/>
-    <p:sldId id="303" r:id="rId9"/>
-    <p:sldId id="304" r:id="rId10"/>
-    <p:sldId id="305" r:id="rId11"/>
-    <p:sldId id="271" r:id="rId12"/>
-    <p:sldId id="295" r:id="rId13"/>
-    <p:sldId id="272" r:id="rId14"/>
-    <p:sldId id="273" r:id="rId15"/>
-    <p:sldId id="274" r:id="rId16"/>
-    <p:sldId id="275" r:id="rId17"/>
-    <p:sldId id="276" r:id="rId18"/>
-    <p:sldId id="277" r:id="rId19"/>
-    <p:sldId id="278" r:id="rId20"/>
-    <p:sldId id="293" r:id="rId21"/>
-    <p:sldId id="280" r:id="rId22"/>
-    <p:sldId id="283" r:id="rId23"/>
-    <p:sldId id="296" r:id="rId24"/>
-    <p:sldId id="284" r:id="rId25"/>
-    <p:sldId id="287" r:id="rId26"/>
-    <p:sldId id="285" r:id="rId27"/>
-    <p:sldId id="298" r:id="rId28"/>
-    <p:sldId id="299" r:id="rId29"/>
-    <p:sldId id="291" r:id="rId30"/>
-    <p:sldId id="290" r:id="rId31"/>
+    <p:sldId id="257" r:id="rId3"/>
+    <p:sldId id="294" r:id="rId4"/>
+    <p:sldId id="300" r:id="rId5"/>
+    <p:sldId id="302" r:id="rId6"/>
+    <p:sldId id="303" r:id="rId7"/>
+    <p:sldId id="271" r:id="rId8"/>
+    <p:sldId id="295" r:id="rId9"/>
+    <p:sldId id="272" r:id="rId10"/>
+    <p:sldId id="273" r:id="rId11"/>
+    <p:sldId id="274" r:id="rId12"/>
+    <p:sldId id="275" r:id="rId13"/>
+    <p:sldId id="276" r:id="rId14"/>
+    <p:sldId id="277" r:id="rId15"/>
+    <p:sldId id="278" r:id="rId16"/>
+    <p:sldId id="293" r:id="rId17"/>
+    <p:sldId id="280" r:id="rId18"/>
+    <p:sldId id="283" r:id="rId19"/>
+    <p:sldId id="296" r:id="rId20"/>
+    <p:sldId id="284" r:id="rId21"/>
+    <p:sldId id="287" r:id="rId22"/>
+    <p:sldId id="285" r:id="rId23"/>
+    <p:sldId id="298" r:id="rId24"/>
+    <p:sldId id="299" r:id="rId25"/>
+    <p:sldId id="291" r:id="rId26"/>
+    <p:sldId id="290" r:id="rId27"/>
   </p:sldIdLst>
   <p:sldSz cx="9144000" cy="6858000" type="screen4x3"/>
   <p:notesSz cx="6934200" cy="9080500"/>
   <p:custDataLst>
-    <p:tags r:id="rId34"/>
+    <p:tags r:id="rId30"/>
   </p:custDataLst>
   <p:defaultTextStyle>
     <a:defPPr>
@@ -507,7 +503,7 @@
           </a:ln>
           <a:extLst>
             <a:ext uri="{909E8E84-426E-40dd-AFC4-6F175D3DCCD1}">
-              <a14:hiddenFill xmlns="" xmlns:a14="http://schemas.microsoft.com/office/drawing/2010/main">
+              <a14:hiddenFill xmlns:a14="http://schemas.microsoft.com/office/drawing/2010/main" xmlns="">
                 <a:solidFill>
                   <a:srgbClr val="FFFFFF"/>
                 </a:solidFill>
@@ -856,14 +852,14 @@
           <a:ln/>
           <a:extLst>
             <a:ext uri="{909E8E84-426E-40dd-AFC4-6F175D3DCCD1}">
-              <a14:hiddenFill xmlns="" xmlns:a14="http://schemas.microsoft.com/office/drawing/2010/main">
+              <a14:hiddenFill xmlns:a14="http://schemas.microsoft.com/office/drawing/2010/main" xmlns="">
                 <a:solidFill>
                   <a:srgbClr val="FFFFFF"/>
                 </a:solidFill>
               </a14:hiddenFill>
             </a:ext>
             <a:ext uri="{91240B29-F687-4f45-9708-019B960494DF}">
-              <a14:hiddenLine xmlns="" xmlns:a14="http://schemas.microsoft.com/office/drawing/2010/main" w="9525">
+              <a14:hiddenLine xmlns:a14="http://schemas.microsoft.com/office/drawing/2010/main" xmlns="" w="9525">
                 <a:solidFill>
                   <a:srgbClr val="000000"/>
                 </a:solidFill>
@@ -980,7 +976,7 @@
                 <a:latin typeface="Arial" charset="0"/>
               </a:rPr>
               <a:pPr/>
-              <a:t>3</a:t>
+              <a:t>2</a:t>
             </a:fld>
             <a:endParaRPr lang="en-US">
               <a:latin typeface="Arial" charset="0"/>
@@ -1017,14 +1013,14 @@
           <a:ln/>
           <a:extLst>
             <a:ext uri="{909E8E84-426E-40dd-AFC4-6F175D3DCCD1}">
-              <a14:hiddenFill xmlns="" xmlns:a14="http://schemas.microsoft.com/office/drawing/2010/main">
+              <a14:hiddenFill xmlns:a14="http://schemas.microsoft.com/office/drawing/2010/main" xmlns="">
                 <a:solidFill>
                   <a:srgbClr val="FFFFFF"/>
                 </a:solidFill>
               </a14:hiddenFill>
             </a:ext>
             <a:ext uri="{91240B29-F687-4f45-9708-019B960494DF}">
-              <a14:hiddenLine xmlns="" xmlns:a14="http://schemas.microsoft.com/office/drawing/2010/main" w="9525">
+              <a14:hiddenLine xmlns:a14="http://schemas.microsoft.com/office/drawing/2010/main" xmlns="" w="9525">
                 <a:solidFill>
                   <a:srgbClr val="000000"/>
                 </a:solidFill>
@@ -1084,14 +1080,14 @@
           <a:ln/>
           <a:extLst>
             <a:ext uri="{909E8E84-426E-40dd-AFC4-6F175D3DCCD1}">
-              <a14:hiddenFill xmlns="" xmlns:a14="http://schemas.microsoft.com/office/drawing/2010/main">
+              <a14:hiddenFill xmlns:a14="http://schemas.microsoft.com/office/drawing/2010/main" xmlns="">
                 <a:solidFill>
                   <a:srgbClr val="FFFFFF"/>
                 </a:solidFill>
               </a14:hiddenFill>
             </a:ext>
             <a:ext uri="{91240B29-F687-4f45-9708-019B960494DF}">
-              <a14:hiddenLine xmlns="" xmlns:a14="http://schemas.microsoft.com/office/drawing/2010/main" w="9525">
+              <a14:hiddenLine xmlns:a14="http://schemas.microsoft.com/office/drawing/2010/main" xmlns="" w="9525">
                 <a:solidFill>
                   <a:srgbClr val="000000"/>
                 </a:solidFill>
@@ -1208,7 +1204,7 @@
                 <a:latin typeface="Arial" charset="0"/>
               </a:rPr>
               <a:pPr/>
-              <a:t>17</a:t>
+              <a:t>13</a:t>
             </a:fld>
             <a:endParaRPr lang="en-US">
               <a:latin typeface="Arial" charset="0"/>
@@ -1245,14 +1241,14 @@
           <a:ln/>
           <a:extLst>
             <a:ext uri="{909E8E84-426E-40dd-AFC4-6F175D3DCCD1}">
-              <a14:hiddenFill xmlns="" xmlns:a14="http://schemas.microsoft.com/office/drawing/2010/main">
+              <a14:hiddenFill xmlns:a14="http://schemas.microsoft.com/office/drawing/2010/main" xmlns="">
                 <a:solidFill>
                   <a:srgbClr val="FFFFFF"/>
                 </a:solidFill>
               </a14:hiddenFill>
             </a:ext>
             <a:ext uri="{91240B29-F687-4f45-9708-019B960494DF}">
-              <a14:hiddenLine xmlns="" xmlns:a14="http://schemas.microsoft.com/office/drawing/2010/main" w="9525">
+              <a14:hiddenLine xmlns:a14="http://schemas.microsoft.com/office/drawing/2010/main" xmlns="" w="9525">
                 <a:solidFill>
                   <a:srgbClr val="000000"/>
                 </a:solidFill>
@@ -1467,7 +1463,7 @@
             </a:pPr>
             <a:fld id="{B60AD7FB-F1F3-2948-9E6C-2A87604025D1}" type="datetime1">
               <a:rPr lang="en-US" smtClean="0"/>
-              <a:t>4/29/19</a:t>
+              <a:t>3/28/20</a:t>
             </a:fld>
             <a:endParaRPr lang="en-US"/>
           </a:p>
@@ -1493,7 +1489,7 @@
             </a:pPr>
             <a:r>
               <a:rPr lang="pl-PL" dirty="0"/>
-              <a:t>UW CSE P 501 Spring 2018</a:t>
+              <a:t>Compiler Design</a:t>
             </a:r>
             <a:endParaRPr lang="en-US" dirty="0"/>
           </a:p>
@@ -1655,7 +1651,7 @@
             </a:pPr>
             <a:fld id="{023AF736-56C2-4348-8E1B-BD2CDB88AAC5}" type="datetime1">
               <a:rPr lang="en-US" smtClean="0"/>
-              <a:t>4/29/19</a:t>
+              <a:t>3/28/20</a:t>
             </a:fld>
             <a:endParaRPr lang="en-US"/>
           </a:p>
@@ -1681,7 +1677,7 @@
             </a:pPr>
             <a:r>
               <a:rPr lang="pl-PL" dirty="0"/>
-              <a:t>UW CSE P 501 Spring 2018</a:t>
+              <a:t>Compiler Design</a:t>
             </a:r>
             <a:endParaRPr lang="en-US" dirty="0"/>
           </a:p>
@@ -1853,7 +1849,7 @@
             </a:pPr>
             <a:fld id="{0ABC9D49-02E6-5040-AF49-C7CF73F22999}" type="datetime1">
               <a:rPr lang="en-US" smtClean="0"/>
-              <a:t>4/29/19</a:t>
+              <a:t>3/28/20</a:t>
             </a:fld>
             <a:endParaRPr lang="en-US"/>
           </a:p>
@@ -1879,7 +1875,7 @@
             </a:pPr>
             <a:r>
               <a:rPr lang="pl-PL" dirty="0"/>
-              <a:t>UW CSE P 501 Spring 2018</a:t>
+              <a:t>Compiler Design</a:t>
             </a:r>
             <a:endParaRPr lang="en-US" dirty="0"/>
           </a:p>
@@ -2041,7 +2037,7 @@
             </a:pPr>
             <a:fld id="{44D32EFF-4EAD-1C43-B42D-6DA85B621DBE}" type="datetime1">
               <a:rPr lang="en-US" smtClean="0"/>
-              <a:t>4/29/19</a:t>
+              <a:t>3/28/20</a:t>
             </a:fld>
             <a:endParaRPr lang="en-US"/>
           </a:p>
@@ -2067,7 +2063,7 @@
             </a:pPr>
             <a:r>
               <a:rPr lang="pl-PL" dirty="0"/>
-              <a:t>UW CSE P 501 Spring 2018</a:t>
+              <a:t>Compiler Design</a:t>
             </a:r>
             <a:endParaRPr lang="en-US" dirty="0"/>
           </a:p>
@@ -2306,7 +2302,7 @@
             </a:pPr>
             <a:fld id="{85E06CE7-2982-E948-BB45-43F495A20D0F}" type="datetime1">
               <a:rPr lang="en-US" smtClean="0"/>
-              <a:t>4/29/19</a:t>
+              <a:t>3/28/20</a:t>
             </a:fld>
             <a:endParaRPr lang="en-US"/>
           </a:p>
@@ -2332,7 +2328,7 @@
             </a:pPr>
             <a:r>
               <a:rPr lang="pl-PL" dirty="0"/>
-              <a:t>UW CSE P 501 Spring 2018</a:t>
+              <a:t>Compiler Design</a:t>
             </a:r>
             <a:endParaRPr lang="en-US" dirty="0"/>
           </a:p>
@@ -2611,7 +2607,7 @@
             </a:pPr>
             <a:fld id="{BFB1A2D5-20BC-0449-B9EE-50CD44C5F6D4}" type="datetime1">
               <a:rPr lang="en-US" smtClean="0"/>
-              <a:t>4/29/19</a:t>
+              <a:t>3/28/20</a:t>
             </a:fld>
             <a:endParaRPr lang="en-US"/>
           </a:p>
@@ -2637,7 +2633,7 @@
             </a:pPr>
             <a:r>
               <a:rPr lang="pl-PL" dirty="0"/>
-              <a:t>UW CSE P 501 Spring 2018</a:t>
+              <a:t>Compiler Design</a:t>
             </a:r>
             <a:endParaRPr lang="en-US" dirty="0"/>
           </a:p>
@@ -3050,7 +3046,7 @@
             </a:pPr>
             <a:fld id="{112EF4D4-06DB-B64A-9DE4-68D2FAEBD28B}" type="datetime1">
               <a:rPr lang="en-US" smtClean="0"/>
-              <a:t>4/29/19</a:t>
+              <a:t>3/28/20</a:t>
             </a:fld>
             <a:endParaRPr lang="en-US"/>
           </a:p>
@@ -3076,7 +3072,7 @@
             </a:pPr>
             <a:r>
               <a:rPr lang="pl-PL" dirty="0"/>
-              <a:t>UW CSE P 501 Spring 2018</a:t>
+              <a:t>Compiler Design</a:t>
             </a:r>
             <a:endParaRPr lang="en-US" dirty="0"/>
           </a:p>
@@ -3187,7 +3183,7 @@
             </a:pPr>
             <a:fld id="{F470BB67-EA51-DE42-B622-9DDA3F2D4F1F}" type="datetime1">
               <a:rPr lang="en-US" smtClean="0"/>
-              <a:t>4/29/19</a:t>
+              <a:t>3/28/20</a:t>
             </a:fld>
             <a:endParaRPr lang="en-US"/>
           </a:p>
@@ -3213,7 +3209,7 @@
             </a:pPr>
             <a:r>
               <a:rPr lang="pl-PL" dirty="0"/>
-              <a:t>UW CSE P 501 Spring 2018</a:t>
+              <a:t>Compiler Design</a:t>
             </a:r>
             <a:endParaRPr lang="en-US" dirty="0"/>
           </a:p>
@@ -3302,7 +3298,7 @@
             </a:pPr>
             <a:fld id="{12417D6C-0EA9-144F-989F-CC1BBD6FE5D7}" type="datetime1">
               <a:rPr lang="en-US" smtClean="0"/>
-              <a:t>4/29/19</a:t>
+              <a:t>3/28/20</a:t>
             </a:fld>
             <a:endParaRPr lang="en-US"/>
           </a:p>
@@ -3328,7 +3324,7 @@
             </a:pPr>
             <a:r>
               <a:rPr lang="pl-PL" dirty="0"/>
-              <a:t>UW CSE P 501 Spring 2018</a:t>
+              <a:t>Compiler Design</a:t>
             </a:r>
             <a:endParaRPr lang="en-US" dirty="0"/>
           </a:p>
@@ -3597,7 +3593,7 @@
             </a:pPr>
             <a:fld id="{0123977C-73AF-9141-B96E-21F799166FCD}" type="datetime1">
               <a:rPr lang="en-US" smtClean="0"/>
-              <a:t>4/29/19</a:t>
+              <a:t>3/28/20</a:t>
             </a:fld>
             <a:endParaRPr lang="en-US"/>
           </a:p>
@@ -3623,7 +3619,7 @@
             </a:pPr>
             <a:r>
               <a:rPr lang="pl-PL" dirty="0"/>
-              <a:t>UW CSE P 501 Spring 2018</a:t>
+              <a:t>Compiler Design</a:t>
             </a:r>
             <a:endParaRPr lang="en-US" dirty="0"/>
           </a:p>
@@ -3869,7 +3865,7 @@
             </a:pPr>
             <a:fld id="{2855FB36-E022-7A43-8B75-F14E7530852A}" type="datetime1">
               <a:rPr lang="en-US" smtClean="0"/>
-              <a:t>4/29/19</a:t>
+              <a:t>3/28/20</a:t>
             </a:fld>
             <a:endParaRPr lang="en-US"/>
           </a:p>
@@ -3895,7 +3891,7 @@
             </a:pPr>
             <a:r>
               <a:rPr lang="pl-PL" dirty="0"/>
-              <a:t>UW CSE P 501 Spring 2018</a:t>
+              <a:t>Compiler Design</a:t>
             </a:r>
             <a:endParaRPr lang="en-US" dirty="0"/>
           </a:p>
@@ -4101,7 +4097,7 @@
               <a:pPr>
                 <a:defRPr/>
               </a:pPr>
-              <a:t>4/29/19</a:t>
+              <a:t>3/28/20</a:t>
             </a:fld>
             <a:endParaRPr lang="en-US" dirty="0"/>
           </a:p>
@@ -4143,7 +4139,7 @@
             </a:pPr>
             <a:r>
               <a:rPr lang="pl-PL" dirty="0"/>
-              <a:t>UW CSE P 501 Spring 2018</a:t>
+              <a:t>Compiler Design</a:t>
             </a:r>
             <a:endParaRPr lang="en-US" dirty="0"/>
           </a:p>
@@ -4545,12 +4541,12 @@
       </p:sp>
       <p:sp>
         <p:nvSpPr>
-          <p:cNvPr id="13315" name="Rectangle 15"/>
+          <p:cNvPr id="13316" name="Rectangle 16"/>
           <p:cNvSpPr>
             <a:spLocks noGrp="1" noChangeArrowheads="1"/>
           </p:cNvSpPr>
           <p:nvPr>
-            <p:ph type="ftr" sz="quarter" idx="11"/>
+            <p:ph type="sldNum" sz="quarter" idx="12"/>
             <p:custDataLst>
               <p:tags r:id="rId3"/>
             </p:custDataLst>
@@ -4561,14 +4557,14 @@
           <a:ln/>
           <a:extLst>
             <a:ext uri="{909E8E84-426E-40dd-AFC4-6F175D3DCCD1}">
-              <a14:hiddenFill xmlns="" xmlns:a14="http://schemas.microsoft.com/office/drawing/2010/main">
+              <a14:hiddenFill xmlns:a14="http://schemas.microsoft.com/office/drawing/2010/main" xmlns="">
                 <a:solidFill>
                   <a:srgbClr val="FFFFFF"/>
                 </a:solidFill>
               </a14:hiddenFill>
             </a:ext>
             <a:ext uri="{91240B29-F687-4f45-9708-019B960494DF}">
-              <a14:hiddenLine xmlns="" xmlns:a14="http://schemas.microsoft.com/office/drawing/2010/main" w="9525">
+              <a14:hiddenLine xmlns:a14="http://schemas.microsoft.com/office/drawing/2010/main" xmlns="" w="9525">
                 <a:solidFill>
                   <a:srgbClr val="000000"/>
                 </a:solidFill>
@@ -4681,14 +4677,23 @@
           </a:lstStyle>
           <a:p>
             <a:r>
-              <a:rPr lang="pl-PL" dirty="0">
+              <a:rPr lang="en-US">
                 <a:solidFill>
                   <a:schemeClr val="bg2"/>
                 </a:solidFill>
               </a:rPr>
-              <a:t>UW CSE P 501 Spring 2018</a:t>
-            </a:r>
-            <a:endParaRPr lang="en-US" dirty="0">
+              <a:t>H-</a:t>
+            </a:r>
+            <a:fld id="{405AA495-7913-4DFC-8874-4230136F30FC}" type="slidenum">
+              <a:rPr lang="en-US" smtClean="0">
+                <a:solidFill>
+                  <a:schemeClr val="bg2"/>
+                </a:solidFill>
+              </a:rPr>
+              <a:pPr/>
+              <a:t>1</a:t>
+            </a:fld>
+            <a:endParaRPr lang="en-US">
               <a:solidFill>
                 <a:schemeClr val="bg2"/>
               </a:solidFill>
@@ -4698,12 +4703,12 @@
       </p:sp>
       <p:sp>
         <p:nvSpPr>
-          <p:cNvPr id="13316" name="Rectangle 16"/>
+          <p:cNvPr id="13315" name="Rectangle 15"/>
           <p:cNvSpPr>
             <a:spLocks noGrp="1" noChangeArrowheads="1"/>
           </p:cNvSpPr>
           <p:nvPr>
-            <p:ph type="sldNum" sz="quarter" idx="12"/>
+            <p:ph type="ftr" sz="quarter" idx="11"/>
             <p:custDataLst>
               <p:tags r:id="rId4"/>
             </p:custDataLst>
@@ -4714,14 +4719,14 @@
           <a:ln/>
           <a:extLst>
             <a:ext uri="{909E8E84-426E-40dd-AFC4-6F175D3DCCD1}">
-              <a14:hiddenFill xmlns="" xmlns:a14="http://schemas.microsoft.com/office/drawing/2010/main">
+              <a14:hiddenFill xmlns:a14="http://schemas.microsoft.com/office/drawing/2010/main" xmlns="">
                 <a:solidFill>
                   <a:srgbClr val="FFFFFF"/>
                 </a:solidFill>
               </a14:hiddenFill>
             </a:ext>
             <a:ext uri="{91240B29-F687-4f45-9708-019B960494DF}">
-              <a14:hiddenLine xmlns="" xmlns:a14="http://schemas.microsoft.com/office/drawing/2010/main" w="9525">
+              <a14:hiddenLine xmlns:a14="http://schemas.microsoft.com/office/drawing/2010/main" xmlns="" w="9525">
                 <a:solidFill>
                   <a:srgbClr val="000000"/>
                 </a:solidFill>
@@ -4834,23 +4839,14 @@
           </a:lstStyle>
           <a:p>
             <a:r>
-              <a:rPr lang="en-US">
+              <a:rPr lang="pl-PL" dirty="0">
                 <a:solidFill>
                   <a:schemeClr val="bg2"/>
                 </a:solidFill>
               </a:rPr>
-              <a:t>H-</a:t>
-            </a:r>
-            <a:fld id="{405AA495-7913-4DFC-8874-4230136F30FC}" type="slidenum">
-              <a:rPr lang="en-US" smtClean="0">
-                <a:solidFill>
-                  <a:schemeClr val="bg2"/>
-                </a:solidFill>
-              </a:rPr>
-              <a:pPr/>
-              <a:t>1</a:t>
-            </a:fld>
-            <a:endParaRPr lang="en-US">
+              <a:t>Compiler Design</a:t>
+            </a:r>
+            <a:endParaRPr lang="en-US" dirty="0">
               <a:solidFill>
                 <a:schemeClr val="bg2"/>
               </a:solidFill>
@@ -4867,2034 +4863,6 @@
 </file>
 
 <file path=ppt/slides/slide10.xml><?xml version="1.0" encoding="utf-8"?>
-<p:sld xmlns:a="http://schemas.openxmlformats.org/drawingml/2006/main" xmlns:r="http://schemas.openxmlformats.org/officeDocument/2006/relationships" xmlns:p="http://schemas.openxmlformats.org/presentationml/2006/main">
-  <p:cSld>
-    <p:spTree>
-      <p:nvGrpSpPr>
-        <p:cNvPr id="1" name=""/>
-        <p:cNvGrpSpPr/>
-        <p:nvPr/>
-      </p:nvGrpSpPr>
-      <p:grpSpPr>
-        <a:xfrm>
-          <a:off x="0" y="0"/>
-          <a:ext cx="0" cy="0"/>
-          <a:chOff x="0" y="0"/>
-          <a:chExt cx="0" cy="0"/>
-        </a:xfrm>
-      </p:grpSpPr>
-      <p:sp>
-        <p:nvSpPr>
-          <p:cNvPr id="27651" name="Footer Placeholder 4"/>
-          <p:cNvSpPr>
-            <a:spLocks noGrp="1"/>
-          </p:cNvSpPr>
-          <p:nvPr>
-            <p:ph type="ftr" sz="quarter" idx="11"/>
-            <p:custDataLst>
-              <p:tags r:id="rId1"/>
-            </p:custDataLst>
-          </p:nvPr>
-        </p:nvSpPr>
-        <p:spPr>
-          <a:noFill/>
-          <a:ln/>
-          <a:extLst>
-            <a:ext uri="{909E8E84-426E-40dd-AFC4-6F175D3DCCD1}">
-              <a14:hiddenFill xmlns="" xmlns:a14="http://schemas.microsoft.com/office/drawing/2010/main">
-                <a:solidFill>
-                  <a:srgbClr val="FFFFFF"/>
-                </a:solidFill>
-              </a14:hiddenFill>
-            </a:ext>
-            <a:ext uri="{91240B29-F687-4f45-9708-019B960494DF}">
-              <a14:hiddenLine xmlns="" xmlns:a14="http://schemas.microsoft.com/office/drawing/2010/main" w="9525">
-                <a:solidFill>
-                  <a:srgbClr val="000000"/>
-                </a:solidFill>
-                <a:miter lim="800000"/>
-                <a:headEnd/>
-                <a:tailEnd/>
-              </a14:hiddenLine>
-            </a:ext>
-          </a:extLst>
-        </p:spPr>
-        <p:txBody>
-          <a:bodyPr/>
-          <a:lstStyle>
-            <a:lvl1pPr>
-              <a:defRPr>
-                <a:solidFill>
-                  <a:schemeClr val="tx1"/>
-                </a:solidFill>
-                <a:latin typeface="Tahoma" charset="0"/>
-              </a:defRPr>
-            </a:lvl1pPr>
-            <a:lvl2pPr marL="742950" indent="-285750">
-              <a:defRPr>
-                <a:solidFill>
-                  <a:schemeClr val="tx1"/>
-                </a:solidFill>
-                <a:latin typeface="Tahoma" charset="0"/>
-              </a:defRPr>
-            </a:lvl2pPr>
-            <a:lvl3pPr marL="1143000" indent="-228600">
-              <a:defRPr>
-                <a:solidFill>
-                  <a:schemeClr val="tx1"/>
-                </a:solidFill>
-                <a:latin typeface="Tahoma" charset="0"/>
-              </a:defRPr>
-            </a:lvl3pPr>
-            <a:lvl4pPr marL="1600200" indent="-228600">
-              <a:defRPr>
-                <a:solidFill>
-                  <a:schemeClr val="tx1"/>
-                </a:solidFill>
-                <a:latin typeface="Tahoma" charset="0"/>
-              </a:defRPr>
-            </a:lvl4pPr>
-            <a:lvl5pPr marL="2057400" indent="-228600">
-              <a:defRPr>
-                <a:solidFill>
-                  <a:schemeClr val="tx1"/>
-                </a:solidFill>
-                <a:latin typeface="Tahoma" charset="0"/>
-              </a:defRPr>
-            </a:lvl5pPr>
-            <a:lvl6pPr marL="2514600" indent="-228600" eaLnBrk="0" fontAlgn="base" hangingPunct="0">
-              <a:spcBef>
-                <a:spcPct val="0"/>
-              </a:spcBef>
-              <a:spcAft>
-                <a:spcPct val="0"/>
-              </a:spcAft>
-              <a:defRPr>
-                <a:solidFill>
-                  <a:schemeClr val="tx1"/>
-                </a:solidFill>
-                <a:latin typeface="Tahoma" charset="0"/>
-              </a:defRPr>
-            </a:lvl6pPr>
-            <a:lvl7pPr marL="2971800" indent="-228600" eaLnBrk="0" fontAlgn="base" hangingPunct="0">
-              <a:spcBef>
-                <a:spcPct val="0"/>
-              </a:spcBef>
-              <a:spcAft>
-                <a:spcPct val="0"/>
-              </a:spcAft>
-              <a:defRPr>
-                <a:solidFill>
-                  <a:schemeClr val="tx1"/>
-                </a:solidFill>
-                <a:latin typeface="Tahoma" charset="0"/>
-              </a:defRPr>
-            </a:lvl7pPr>
-            <a:lvl8pPr marL="3429000" indent="-228600" eaLnBrk="0" fontAlgn="base" hangingPunct="0">
-              <a:spcBef>
-                <a:spcPct val="0"/>
-              </a:spcBef>
-              <a:spcAft>
-                <a:spcPct val="0"/>
-              </a:spcAft>
-              <a:defRPr>
-                <a:solidFill>
-                  <a:schemeClr val="tx1"/>
-                </a:solidFill>
-                <a:latin typeface="Tahoma" charset="0"/>
-              </a:defRPr>
-            </a:lvl8pPr>
-            <a:lvl9pPr marL="3886200" indent="-228600" eaLnBrk="0" fontAlgn="base" hangingPunct="0">
-              <a:spcBef>
-                <a:spcPct val="0"/>
-              </a:spcBef>
-              <a:spcAft>
-                <a:spcPct val="0"/>
-              </a:spcAft>
-              <a:defRPr>
-                <a:solidFill>
-                  <a:schemeClr val="tx1"/>
-                </a:solidFill>
-                <a:latin typeface="Tahoma" charset="0"/>
-              </a:defRPr>
-            </a:lvl9pPr>
-          </a:lstStyle>
-          <a:p>
-            <a:r>
-              <a:rPr lang="pl-PL" dirty="0"/>
-              <a:t>UW CSE P 501 Spring 2018</a:t>
-            </a:r>
-            <a:endParaRPr lang="en-US" dirty="0"/>
-          </a:p>
-        </p:txBody>
-      </p:sp>
-      <p:sp>
-        <p:nvSpPr>
-          <p:cNvPr id="27652" name="Slide Number Placeholder 5"/>
-          <p:cNvSpPr>
-            <a:spLocks noGrp="1"/>
-          </p:cNvSpPr>
-          <p:nvPr>
-            <p:ph type="sldNum" sz="quarter" idx="12"/>
-            <p:custDataLst>
-              <p:tags r:id="rId2"/>
-            </p:custDataLst>
-          </p:nvPr>
-        </p:nvSpPr>
-        <p:spPr>
-          <a:noFill/>
-          <a:ln/>
-          <a:extLst>
-            <a:ext uri="{909E8E84-426E-40dd-AFC4-6F175D3DCCD1}">
-              <a14:hiddenFill xmlns="" xmlns:a14="http://schemas.microsoft.com/office/drawing/2010/main">
-                <a:solidFill>
-                  <a:srgbClr val="FFFFFF"/>
-                </a:solidFill>
-              </a14:hiddenFill>
-            </a:ext>
-            <a:ext uri="{91240B29-F687-4f45-9708-019B960494DF}">
-              <a14:hiddenLine xmlns="" xmlns:a14="http://schemas.microsoft.com/office/drawing/2010/main" w="9525">
-                <a:solidFill>
-                  <a:srgbClr val="000000"/>
-                </a:solidFill>
-                <a:miter lim="800000"/>
-                <a:headEnd/>
-                <a:tailEnd/>
-              </a14:hiddenLine>
-            </a:ext>
-          </a:extLst>
-        </p:spPr>
-        <p:txBody>
-          <a:bodyPr/>
-          <a:lstStyle>
-            <a:lvl1pPr>
-              <a:defRPr>
-                <a:solidFill>
-                  <a:schemeClr val="tx1"/>
-                </a:solidFill>
-                <a:latin typeface="Tahoma" charset="0"/>
-              </a:defRPr>
-            </a:lvl1pPr>
-            <a:lvl2pPr marL="742950" indent="-285750">
-              <a:defRPr>
-                <a:solidFill>
-                  <a:schemeClr val="tx1"/>
-                </a:solidFill>
-                <a:latin typeface="Tahoma" charset="0"/>
-              </a:defRPr>
-            </a:lvl2pPr>
-            <a:lvl3pPr marL="1143000" indent="-228600">
-              <a:defRPr>
-                <a:solidFill>
-                  <a:schemeClr val="tx1"/>
-                </a:solidFill>
-                <a:latin typeface="Tahoma" charset="0"/>
-              </a:defRPr>
-            </a:lvl3pPr>
-            <a:lvl4pPr marL="1600200" indent="-228600">
-              <a:defRPr>
-                <a:solidFill>
-                  <a:schemeClr val="tx1"/>
-                </a:solidFill>
-                <a:latin typeface="Tahoma" charset="0"/>
-              </a:defRPr>
-            </a:lvl4pPr>
-            <a:lvl5pPr marL="2057400" indent="-228600">
-              <a:defRPr>
-                <a:solidFill>
-                  <a:schemeClr val="tx1"/>
-                </a:solidFill>
-                <a:latin typeface="Tahoma" charset="0"/>
-              </a:defRPr>
-            </a:lvl5pPr>
-            <a:lvl6pPr marL="2514600" indent="-228600" eaLnBrk="0" fontAlgn="base" hangingPunct="0">
-              <a:spcBef>
-                <a:spcPct val="0"/>
-              </a:spcBef>
-              <a:spcAft>
-                <a:spcPct val="0"/>
-              </a:spcAft>
-              <a:defRPr>
-                <a:solidFill>
-                  <a:schemeClr val="tx1"/>
-                </a:solidFill>
-                <a:latin typeface="Tahoma" charset="0"/>
-              </a:defRPr>
-            </a:lvl6pPr>
-            <a:lvl7pPr marL="2971800" indent="-228600" eaLnBrk="0" fontAlgn="base" hangingPunct="0">
-              <a:spcBef>
-                <a:spcPct val="0"/>
-              </a:spcBef>
-              <a:spcAft>
-                <a:spcPct val="0"/>
-              </a:spcAft>
-              <a:defRPr>
-                <a:solidFill>
-                  <a:schemeClr val="tx1"/>
-                </a:solidFill>
-                <a:latin typeface="Tahoma" charset="0"/>
-              </a:defRPr>
-            </a:lvl7pPr>
-            <a:lvl8pPr marL="3429000" indent="-228600" eaLnBrk="0" fontAlgn="base" hangingPunct="0">
-              <a:spcBef>
-                <a:spcPct val="0"/>
-              </a:spcBef>
-              <a:spcAft>
-                <a:spcPct val="0"/>
-              </a:spcAft>
-              <a:defRPr>
-                <a:solidFill>
-                  <a:schemeClr val="tx1"/>
-                </a:solidFill>
-                <a:latin typeface="Tahoma" charset="0"/>
-              </a:defRPr>
-            </a:lvl8pPr>
-            <a:lvl9pPr marL="3886200" indent="-228600" eaLnBrk="0" fontAlgn="base" hangingPunct="0">
-              <a:spcBef>
-                <a:spcPct val="0"/>
-              </a:spcBef>
-              <a:spcAft>
-                <a:spcPct val="0"/>
-              </a:spcAft>
-              <a:defRPr>
-                <a:solidFill>
-                  <a:schemeClr val="tx1"/>
-                </a:solidFill>
-                <a:latin typeface="Tahoma" charset="0"/>
-              </a:defRPr>
-            </a:lvl9pPr>
-          </a:lstStyle>
-          <a:p>
-            <a:r>
-              <a:rPr lang="en-US"/>
-              <a:t>H-</a:t>
-            </a:r>
-            <a:fld id="{A9AFC401-5209-4981-A756-4C9BD7B8BA72}" type="slidenum">
-              <a:rPr lang="en-US" smtClean="0"/>
-              <a:pPr/>
-              <a:t>10</a:t>
-            </a:fld>
-            <a:endParaRPr lang="en-US"/>
-          </a:p>
-        </p:txBody>
-      </p:sp>
-      <p:sp>
-        <p:nvSpPr>
-          <p:cNvPr id="27653" name="Rectangle 2"/>
-          <p:cNvSpPr>
-            <a:spLocks noGrp="1" noChangeArrowheads="1"/>
-          </p:cNvSpPr>
-          <p:nvPr>
-            <p:ph type="title"/>
-            <p:custDataLst>
-              <p:tags r:id="rId3"/>
-            </p:custDataLst>
-          </p:nvPr>
-        </p:nvSpPr>
-        <p:spPr/>
-        <p:txBody>
-          <a:bodyPr/>
-          <a:lstStyle/>
-          <a:p>
-            <a:pPr eaLnBrk="1" hangingPunct="1"/>
-            <a:r>
-              <a:rPr lang="en-US"/>
-              <a:t>YACC/CUP Parser Specification</a:t>
-            </a:r>
-          </a:p>
-        </p:txBody>
-      </p:sp>
-      <p:sp>
-        <p:nvSpPr>
-          <p:cNvPr id="27654" name="Rectangle 3"/>
-          <p:cNvSpPr>
-            <a:spLocks noGrp="1" noChangeArrowheads="1"/>
-          </p:cNvSpPr>
-          <p:nvPr>
-            <p:ph type="body" idx="1"/>
-            <p:custDataLst>
-              <p:tags r:id="rId4"/>
-            </p:custDataLst>
-          </p:nvPr>
-        </p:nvSpPr>
-        <p:spPr/>
-        <p:txBody>
-          <a:bodyPr/>
-          <a:lstStyle/>
-          <a:p>
-            <a:pPr eaLnBrk="1" hangingPunct="1"/>
-            <a:r>
-              <a:rPr lang="en-US" dirty="0"/>
-              <a:t>CUP code</a:t>
-            </a:r>
-          </a:p>
-          <a:p>
-            <a:pPr lvl="1" eaLnBrk="1" hangingPunct="1">
-              <a:buFont typeface="Wingdings" pitchFamily="2" charset="2"/>
-              <a:buNone/>
-            </a:pPr>
-            <a:r>
-              <a:rPr lang="en-US" dirty="0"/>
-              <a:t>	</a:t>
-            </a:r>
-            <a:r>
-              <a:rPr lang="en-US" sz="2000" dirty="0"/>
-              <a:t>non terminal </a:t>
-            </a:r>
-            <a:r>
-              <a:rPr lang="en-US" sz="2000" dirty="0" err="1"/>
-              <a:t>StmtNode</a:t>
-            </a:r>
-            <a:r>
-              <a:rPr lang="en-US" sz="2000" dirty="0"/>
-              <a:t> </a:t>
-            </a:r>
-            <a:r>
-              <a:rPr lang="en-US" sz="2000" dirty="0" err="1"/>
-              <a:t>stmt</a:t>
-            </a:r>
-            <a:r>
-              <a:rPr lang="en-US" sz="2000" dirty="0"/>
-              <a:t>, </a:t>
-            </a:r>
-            <a:r>
-              <a:rPr lang="en-US" sz="2000" dirty="0" err="1"/>
-              <a:t>whileStmt</a:t>
-            </a:r>
-            <a:r>
-              <a:rPr lang="en-US" sz="2000" dirty="0"/>
-              <a:t>;</a:t>
-            </a:r>
-          </a:p>
-          <a:p>
-            <a:pPr lvl="1" eaLnBrk="1" hangingPunct="1">
-              <a:buFont typeface="Wingdings" pitchFamily="2" charset="2"/>
-              <a:buNone/>
-            </a:pPr>
-            <a:r>
-              <a:rPr lang="en-US" sz="2000" dirty="0"/>
-              <a:t>	non terminal </a:t>
-            </a:r>
-            <a:r>
-              <a:rPr lang="en-US" sz="2000" dirty="0" err="1"/>
-              <a:t>ExpNode</a:t>
-            </a:r>
-            <a:r>
-              <a:rPr lang="en-US" sz="2000" dirty="0"/>
-              <a:t> </a:t>
-            </a:r>
-            <a:r>
-              <a:rPr lang="en-US" sz="2000" dirty="0" err="1"/>
-              <a:t>exp</a:t>
-            </a:r>
-            <a:r>
-              <a:rPr lang="en-US" sz="2000" dirty="0"/>
-              <a:t>;</a:t>
-            </a:r>
-          </a:p>
-          <a:p>
-            <a:pPr lvl="1" eaLnBrk="1" hangingPunct="1">
-              <a:buFont typeface="Wingdings" pitchFamily="2" charset="2"/>
-              <a:buNone/>
-            </a:pPr>
-            <a:r>
-              <a:rPr lang="en-US" sz="2000" dirty="0"/>
-              <a:t>	…</a:t>
-            </a:r>
-          </a:p>
-          <a:p>
-            <a:pPr lvl="1" eaLnBrk="1" hangingPunct="1">
-              <a:buFont typeface="Wingdings" pitchFamily="2" charset="2"/>
-              <a:buNone/>
-            </a:pPr>
-            <a:r>
-              <a:rPr lang="en-US" sz="2000" dirty="0"/>
-              <a:t>	</a:t>
-            </a:r>
-            <a:r>
-              <a:rPr lang="en-US" sz="2000" dirty="0" err="1"/>
-              <a:t>stmt</a:t>
-            </a:r>
-            <a:r>
-              <a:rPr lang="en-US" sz="2000" dirty="0"/>
-              <a:t> ::= …</a:t>
-            </a:r>
-          </a:p>
-          <a:p>
-            <a:pPr lvl="1" eaLnBrk="1" hangingPunct="1">
-              <a:buFont typeface="Wingdings" pitchFamily="2" charset="2"/>
-              <a:buNone/>
-            </a:pPr>
-            <a:r>
-              <a:rPr lang="en-US" sz="2000" dirty="0"/>
-              <a:t>	 	     | WHILE LPAREN </a:t>
-            </a:r>
-            <a:r>
-              <a:rPr lang="en-US" sz="2000" dirty="0" err="1"/>
-              <a:t>exp:e</a:t>
-            </a:r>
-            <a:r>
-              <a:rPr lang="en-US" sz="2000" dirty="0"/>
-              <a:t> RPAREN </a:t>
-            </a:r>
-            <a:r>
-              <a:rPr lang="en-US" sz="2000" dirty="0" err="1"/>
-              <a:t>stmt:s</a:t>
-            </a:r>
-            <a:endParaRPr lang="en-US" sz="2000" dirty="0"/>
-          </a:p>
-          <a:p>
-            <a:pPr lvl="1" eaLnBrk="1" hangingPunct="1">
-              <a:buFont typeface="Wingdings" pitchFamily="2" charset="2"/>
-              <a:buNone/>
-            </a:pPr>
-            <a:r>
-              <a:rPr lang="en-US" sz="2000" dirty="0"/>
-              <a:t>			{:  RESULT = new </a:t>
-            </a:r>
-            <a:r>
-              <a:rPr lang="en-US" sz="2000" dirty="0" err="1"/>
-              <a:t>WhileNode</a:t>
-            </a:r>
-            <a:r>
-              <a:rPr lang="en-US" sz="2000" dirty="0"/>
-              <a:t>(</a:t>
-            </a:r>
-            <a:r>
-              <a:rPr lang="en-US" sz="2000" dirty="0" err="1"/>
-              <a:t>e,s</a:t>
-            </a:r>
-            <a:r>
-              <a:rPr lang="en-US" sz="2000" dirty="0"/>
-              <a:t>);  :}</a:t>
-            </a:r>
-          </a:p>
-          <a:p>
-            <a:pPr lvl="1" eaLnBrk="1" hangingPunct="1">
-              <a:buFont typeface="Wingdings" pitchFamily="2" charset="2"/>
-              <a:buNone/>
-            </a:pPr>
-            <a:r>
-              <a:rPr lang="en-US" sz="2000" dirty="0"/>
-              <a:t>		     ;</a:t>
-            </a:r>
-          </a:p>
-          <a:p>
-            <a:pPr lvl="1" eaLnBrk="1" hangingPunct="1">
-              <a:buFont typeface="Wingdings" pitchFamily="2" charset="2"/>
-              <a:buNone/>
-            </a:pPr>
-            <a:endParaRPr lang="en-US" sz="2000" dirty="0"/>
-          </a:p>
-          <a:p>
-            <a:pPr lvl="1" eaLnBrk="1" hangingPunct="1"/>
-            <a:r>
-              <a:rPr lang="en-US" sz="2000" dirty="0"/>
-              <a:t>See the starter code for version with Locations that contain line numbers</a:t>
-            </a:r>
-          </a:p>
-        </p:txBody>
-      </p:sp>
-    </p:spTree>
-    <p:extLst>
-      <p:ext uri="{BB962C8B-B14F-4D97-AF65-F5344CB8AC3E}">
-        <p14:creationId xmlns:p14="http://schemas.microsoft.com/office/powerpoint/2010/main" val="1763786908"/>
-      </p:ext>
-    </p:extLst>
-  </p:cSld>
-  <p:clrMapOvr>
-    <a:masterClrMapping/>
-  </p:clrMapOvr>
-</p:sld>
-</file>
-
-<file path=ppt/slides/slide11.xml><?xml version="1.0" encoding="utf-8"?>
-<p:sld xmlns:a="http://schemas.openxmlformats.org/drawingml/2006/main" xmlns:r="http://schemas.openxmlformats.org/officeDocument/2006/relationships" xmlns:p="http://schemas.openxmlformats.org/presentationml/2006/main">
-  <p:cSld>
-    <p:spTree>
-      <p:nvGrpSpPr>
-        <p:cNvPr id="1" name=""/>
-        <p:cNvGrpSpPr/>
-        <p:nvPr/>
-      </p:nvGrpSpPr>
-      <p:grpSpPr>
-        <a:xfrm>
-          <a:off x="0" y="0"/>
-          <a:ext cx="0" cy="0"/>
-          <a:chOff x="0" y="0"/>
-          <a:chExt cx="0" cy="0"/>
-        </a:xfrm>
-      </p:grpSpPr>
-      <p:sp>
-        <p:nvSpPr>
-          <p:cNvPr id="29701" name="Rectangle 2"/>
-          <p:cNvSpPr>
-            <a:spLocks noGrp="1" noChangeArrowheads="1"/>
-          </p:cNvSpPr>
-          <p:nvPr>
-            <p:ph type="title"/>
-            <p:custDataLst>
-              <p:tags r:id="rId1"/>
-            </p:custDataLst>
-          </p:nvPr>
-        </p:nvSpPr>
-        <p:spPr/>
-        <p:txBody>
-          <a:bodyPr/>
-          <a:lstStyle/>
-          <a:p>
-            <a:r>
-              <a:rPr lang="en-US"/>
-              <a:t>Operations on ASTs</a:t>
-            </a:r>
-          </a:p>
-        </p:txBody>
-      </p:sp>
-      <p:sp>
-        <p:nvSpPr>
-          <p:cNvPr id="29702" name="Rectangle 3"/>
-          <p:cNvSpPr>
-            <a:spLocks noGrp="1" noChangeArrowheads="1"/>
-          </p:cNvSpPr>
-          <p:nvPr>
-            <p:ph idx="1"/>
-            <p:custDataLst>
-              <p:tags r:id="rId2"/>
-            </p:custDataLst>
-          </p:nvPr>
-        </p:nvSpPr>
-        <p:spPr/>
-        <p:txBody>
-          <a:bodyPr>
-            <a:normAutofit lnSpcReduction="10000"/>
-          </a:bodyPr>
-          <a:lstStyle/>
-          <a:p>
-            <a:r>
-              <a:rPr lang="en-US" dirty="0"/>
-              <a:t>Once we have the AST, we may want to:</a:t>
-            </a:r>
-          </a:p>
-          <a:p>
-            <a:pPr lvl="1"/>
-            <a:r>
-              <a:rPr lang="en-US" dirty="0"/>
-              <a:t>Print a readable dump of the tree (pretty printing)</a:t>
-            </a:r>
-          </a:p>
-          <a:p>
-            <a:pPr lvl="1"/>
-            <a:r>
-              <a:rPr lang="en-US" dirty="0"/>
-              <a:t>Do static semantic analysis:</a:t>
-            </a:r>
-          </a:p>
-          <a:p>
-            <a:pPr lvl="2"/>
-            <a:r>
-              <a:rPr lang="en-US" dirty="0"/>
-              <a:t>Type checking</a:t>
-            </a:r>
-          </a:p>
-          <a:p>
-            <a:pPr lvl="2"/>
-            <a:r>
-              <a:rPr lang="en-US" dirty="0"/>
-              <a:t>Verify that things are declared and initialized properly</a:t>
-            </a:r>
-          </a:p>
-          <a:p>
-            <a:pPr lvl="2"/>
-            <a:r>
-              <a:rPr lang="en-US" dirty="0"/>
-              <a:t>Etc. etc. etc. etc.</a:t>
-            </a:r>
-          </a:p>
-          <a:p>
-            <a:pPr lvl="1"/>
-            <a:r>
-              <a:rPr lang="en-US" dirty="0"/>
-              <a:t>Perform optimizing transformations on the tree</a:t>
-            </a:r>
-          </a:p>
-          <a:p>
-            <a:pPr lvl="1"/>
-            <a:r>
-              <a:rPr lang="en-US" dirty="0"/>
-              <a:t>Generate code from the tree</a:t>
-            </a:r>
-          </a:p>
-          <a:p>
-            <a:pPr lvl="1"/>
-            <a:r>
-              <a:rPr lang="en-US" dirty="0"/>
-              <a:t>Generate another IR from the tree for further processing</a:t>
-            </a:r>
-          </a:p>
-        </p:txBody>
-      </p:sp>
-      <p:sp>
-        <p:nvSpPr>
-          <p:cNvPr id="29699" name="Footer Placeholder 4"/>
-          <p:cNvSpPr>
-            <a:spLocks noGrp="1"/>
-          </p:cNvSpPr>
-          <p:nvPr>
-            <p:ph type="ftr" sz="quarter" idx="11"/>
-            <p:custDataLst>
-              <p:tags r:id="rId3"/>
-            </p:custDataLst>
-          </p:nvPr>
-        </p:nvSpPr>
-        <p:spPr/>
-        <p:txBody>
-          <a:bodyPr/>
-          <a:lstStyle>
-            <a:lvl1pPr>
-              <a:defRPr>
-                <a:solidFill>
-                  <a:schemeClr val="tx1"/>
-                </a:solidFill>
-                <a:latin typeface="Tahoma" charset="0"/>
-              </a:defRPr>
-            </a:lvl1pPr>
-            <a:lvl2pPr marL="742950" indent="-285750">
-              <a:defRPr>
-                <a:solidFill>
-                  <a:schemeClr val="tx1"/>
-                </a:solidFill>
-                <a:latin typeface="Tahoma" charset="0"/>
-              </a:defRPr>
-            </a:lvl2pPr>
-            <a:lvl3pPr marL="1143000" indent="-228600">
-              <a:defRPr>
-                <a:solidFill>
-                  <a:schemeClr val="tx1"/>
-                </a:solidFill>
-                <a:latin typeface="Tahoma" charset="0"/>
-              </a:defRPr>
-            </a:lvl3pPr>
-            <a:lvl4pPr marL="1600200" indent="-228600">
-              <a:defRPr>
-                <a:solidFill>
-                  <a:schemeClr val="tx1"/>
-                </a:solidFill>
-                <a:latin typeface="Tahoma" charset="0"/>
-              </a:defRPr>
-            </a:lvl4pPr>
-            <a:lvl5pPr marL="2057400" indent="-228600">
-              <a:defRPr>
-                <a:solidFill>
-                  <a:schemeClr val="tx1"/>
-                </a:solidFill>
-                <a:latin typeface="Tahoma" charset="0"/>
-              </a:defRPr>
-            </a:lvl5pPr>
-            <a:lvl6pPr marL="2514600" indent="-228600" eaLnBrk="0" fontAlgn="base" hangingPunct="0">
-              <a:spcBef>
-                <a:spcPct val="0"/>
-              </a:spcBef>
-              <a:spcAft>
-                <a:spcPct val="0"/>
-              </a:spcAft>
-              <a:defRPr>
-                <a:solidFill>
-                  <a:schemeClr val="tx1"/>
-                </a:solidFill>
-                <a:latin typeface="Tahoma" charset="0"/>
-              </a:defRPr>
-            </a:lvl6pPr>
-            <a:lvl7pPr marL="2971800" indent="-228600" eaLnBrk="0" fontAlgn="base" hangingPunct="0">
-              <a:spcBef>
-                <a:spcPct val="0"/>
-              </a:spcBef>
-              <a:spcAft>
-                <a:spcPct val="0"/>
-              </a:spcAft>
-              <a:defRPr>
-                <a:solidFill>
-                  <a:schemeClr val="tx1"/>
-                </a:solidFill>
-                <a:latin typeface="Tahoma" charset="0"/>
-              </a:defRPr>
-            </a:lvl7pPr>
-            <a:lvl8pPr marL="3429000" indent="-228600" eaLnBrk="0" fontAlgn="base" hangingPunct="0">
-              <a:spcBef>
-                <a:spcPct val="0"/>
-              </a:spcBef>
-              <a:spcAft>
-                <a:spcPct val="0"/>
-              </a:spcAft>
-              <a:defRPr>
-                <a:solidFill>
-                  <a:schemeClr val="tx1"/>
-                </a:solidFill>
-                <a:latin typeface="Tahoma" charset="0"/>
-              </a:defRPr>
-            </a:lvl8pPr>
-            <a:lvl9pPr marL="3886200" indent="-228600" eaLnBrk="0" fontAlgn="base" hangingPunct="0">
-              <a:spcBef>
-                <a:spcPct val="0"/>
-              </a:spcBef>
-              <a:spcAft>
-                <a:spcPct val="0"/>
-              </a:spcAft>
-              <a:defRPr>
-                <a:solidFill>
-                  <a:schemeClr val="tx1"/>
-                </a:solidFill>
-                <a:latin typeface="Tahoma" charset="0"/>
-              </a:defRPr>
-            </a:lvl9pPr>
-          </a:lstStyle>
-          <a:p>
-            <a:r>
-              <a:rPr lang="pl-PL" dirty="0"/>
-              <a:t>UW CSE P 501 Spring 2018</a:t>
-            </a:r>
-            <a:endParaRPr lang="en-US" dirty="0"/>
-          </a:p>
-        </p:txBody>
-      </p:sp>
-      <p:sp>
-        <p:nvSpPr>
-          <p:cNvPr id="29700" name="Slide Number Placeholder 5"/>
-          <p:cNvSpPr>
-            <a:spLocks noGrp="1"/>
-          </p:cNvSpPr>
-          <p:nvPr>
-            <p:ph type="sldNum" sz="quarter" idx="12"/>
-            <p:custDataLst>
-              <p:tags r:id="rId4"/>
-            </p:custDataLst>
-          </p:nvPr>
-        </p:nvSpPr>
-        <p:spPr/>
-        <p:txBody>
-          <a:bodyPr/>
-          <a:lstStyle>
-            <a:lvl1pPr>
-              <a:defRPr>
-                <a:solidFill>
-                  <a:schemeClr val="tx1"/>
-                </a:solidFill>
-                <a:latin typeface="Tahoma" charset="0"/>
-              </a:defRPr>
-            </a:lvl1pPr>
-            <a:lvl2pPr marL="742950" indent="-285750">
-              <a:defRPr>
-                <a:solidFill>
-                  <a:schemeClr val="tx1"/>
-                </a:solidFill>
-                <a:latin typeface="Tahoma" charset="0"/>
-              </a:defRPr>
-            </a:lvl2pPr>
-            <a:lvl3pPr marL="1143000" indent="-228600">
-              <a:defRPr>
-                <a:solidFill>
-                  <a:schemeClr val="tx1"/>
-                </a:solidFill>
-                <a:latin typeface="Tahoma" charset="0"/>
-              </a:defRPr>
-            </a:lvl3pPr>
-            <a:lvl4pPr marL="1600200" indent="-228600">
-              <a:defRPr>
-                <a:solidFill>
-                  <a:schemeClr val="tx1"/>
-                </a:solidFill>
-                <a:latin typeface="Tahoma" charset="0"/>
-              </a:defRPr>
-            </a:lvl4pPr>
-            <a:lvl5pPr marL="2057400" indent="-228600">
-              <a:defRPr>
-                <a:solidFill>
-                  <a:schemeClr val="tx1"/>
-                </a:solidFill>
-                <a:latin typeface="Tahoma" charset="0"/>
-              </a:defRPr>
-            </a:lvl5pPr>
-            <a:lvl6pPr marL="2514600" indent="-228600" eaLnBrk="0" fontAlgn="base" hangingPunct="0">
-              <a:spcBef>
-                <a:spcPct val="0"/>
-              </a:spcBef>
-              <a:spcAft>
-                <a:spcPct val="0"/>
-              </a:spcAft>
-              <a:defRPr>
-                <a:solidFill>
-                  <a:schemeClr val="tx1"/>
-                </a:solidFill>
-                <a:latin typeface="Tahoma" charset="0"/>
-              </a:defRPr>
-            </a:lvl6pPr>
-            <a:lvl7pPr marL="2971800" indent="-228600" eaLnBrk="0" fontAlgn="base" hangingPunct="0">
-              <a:spcBef>
-                <a:spcPct val="0"/>
-              </a:spcBef>
-              <a:spcAft>
-                <a:spcPct val="0"/>
-              </a:spcAft>
-              <a:defRPr>
-                <a:solidFill>
-                  <a:schemeClr val="tx1"/>
-                </a:solidFill>
-                <a:latin typeface="Tahoma" charset="0"/>
-              </a:defRPr>
-            </a:lvl7pPr>
-            <a:lvl8pPr marL="3429000" indent="-228600" eaLnBrk="0" fontAlgn="base" hangingPunct="0">
-              <a:spcBef>
-                <a:spcPct val="0"/>
-              </a:spcBef>
-              <a:spcAft>
-                <a:spcPct val="0"/>
-              </a:spcAft>
-              <a:defRPr>
-                <a:solidFill>
-                  <a:schemeClr val="tx1"/>
-                </a:solidFill>
-                <a:latin typeface="Tahoma" charset="0"/>
-              </a:defRPr>
-            </a:lvl8pPr>
-            <a:lvl9pPr marL="3886200" indent="-228600" eaLnBrk="0" fontAlgn="base" hangingPunct="0">
-              <a:spcBef>
-                <a:spcPct val="0"/>
-              </a:spcBef>
-              <a:spcAft>
-                <a:spcPct val="0"/>
-              </a:spcAft>
-              <a:defRPr>
-                <a:solidFill>
-                  <a:schemeClr val="tx1"/>
-                </a:solidFill>
-                <a:latin typeface="Tahoma" charset="0"/>
-              </a:defRPr>
-            </a:lvl9pPr>
-          </a:lstStyle>
-          <a:p>
-            <a:r>
-              <a:rPr lang="en-US"/>
-              <a:t>H-</a:t>
-            </a:r>
-            <a:fld id="{5B11F8BE-A88C-4D07-BF36-8FE086641624}" type="slidenum">
-              <a:rPr lang="en-US" smtClean="0"/>
-              <a:pPr/>
-              <a:t>11</a:t>
-            </a:fld>
-            <a:endParaRPr lang="en-US"/>
-          </a:p>
-        </p:txBody>
-      </p:sp>
-    </p:spTree>
-  </p:cSld>
-  <p:clrMapOvr>
-    <a:masterClrMapping/>
-  </p:clrMapOvr>
-</p:sld>
-</file>
-
-<file path=ppt/slides/slide12.xml><?xml version="1.0" encoding="utf-8"?>
-<p:sld xmlns:a="http://schemas.openxmlformats.org/drawingml/2006/main" xmlns:r="http://schemas.openxmlformats.org/officeDocument/2006/relationships" xmlns:p="http://schemas.openxmlformats.org/presentationml/2006/main">
-  <p:cSld>
-    <p:spTree>
-      <p:nvGrpSpPr>
-        <p:cNvPr id="1" name=""/>
-        <p:cNvGrpSpPr/>
-        <p:nvPr/>
-      </p:nvGrpSpPr>
-      <p:grpSpPr>
-        <a:xfrm>
-          <a:off x="0" y="0"/>
-          <a:ext cx="0" cy="0"/>
-          <a:chOff x="0" y="0"/>
-          <a:chExt cx="0" cy="0"/>
-        </a:xfrm>
-      </p:grpSpPr>
-      <p:sp>
-        <p:nvSpPr>
-          <p:cNvPr id="4098" name="Title 1"/>
-          <p:cNvSpPr>
-            <a:spLocks noGrp="1"/>
-          </p:cNvSpPr>
-          <p:nvPr>
-            <p:ph type="title"/>
-            <p:custDataLst>
-              <p:tags r:id="rId1"/>
-            </p:custDataLst>
-          </p:nvPr>
-        </p:nvSpPr>
-        <p:spPr/>
-        <p:txBody>
-          <a:bodyPr/>
-          <a:lstStyle/>
-          <a:p>
-            <a:r>
-              <a:rPr lang="en-US" dirty="0"/>
-              <a:t>Modularity</a:t>
-            </a:r>
-          </a:p>
-        </p:txBody>
-      </p:sp>
-      <p:sp>
-        <p:nvSpPr>
-          <p:cNvPr id="4099" name="Content Placeholder 2"/>
-          <p:cNvSpPr>
-            <a:spLocks noGrp="1"/>
-          </p:cNvSpPr>
-          <p:nvPr>
-            <p:ph idx="1"/>
-            <p:custDataLst>
-              <p:tags r:id="rId2"/>
-            </p:custDataLst>
-          </p:nvPr>
-        </p:nvSpPr>
-        <p:spPr/>
-        <p:txBody>
-          <a:bodyPr/>
-          <a:lstStyle/>
-          <a:p>
-            <a:r>
-              <a:rPr lang="en-US" dirty="0"/>
-              <a:t>Classic slogans:</a:t>
-            </a:r>
-          </a:p>
-          <a:p>
-            <a:pPr lvl="1"/>
-            <a:r>
-              <a:rPr lang="en-US" dirty="0"/>
-              <a:t>Do one thing well</a:t>
-            </a:r>
-          </a:p>
-          <a:p>
-            <a:pPr lvl="1"/>
-            <a:r>
-              <a:rPr lang="en-US" dirty="0"/>
-              <a:t>Minimize coupling, maximize cohesion</a:t>
-            </a:r>
-          </a:p>
-          <a:p>
-            <a:pPr lvl="1"/>
-            <a:r>
-              <a:rPr lang="en-US" dirty="0"/>
-              <a:t>Isolate operations/abstractions in modules</a:t>
-            </a:r>
-          </a:p>
-          <a:p>
-            <a:pPr lvl="1"/>
-            <a:r>
-              <a:rPr lang="en-US" dirty="0"/>
-              <a:t>Hide implementation details</a:t>
-            </a:r>
-          </a:p>
-          <a:p>
-            <a:pPr lvl="1"/>
-            <a:endParaRPr lang="en-US" dirty="0"/>
-          </a:p>
-          <a:p>
-            <a:r>
-              <a:rPr lang="en-US" dirty="0"/>
-              <a:t>Okay, so where does the </a:t>
-            </a:r>
-            <a:r>
-              <a:rPr lang="en-US" dirty="0" err="1"/>
-              <a:t>MiniJava</a:t>
-            </a:r>
-            <a:r>
-              <a:rPr lang="en-US" dirty="0"/>
-              <a:t> </a:t>
-            </a:r>
-            <a:r>
-              <a:rPr lang="en-US" dirty="0" err="1"/>
-              <a:t>typechecker</a:t>
-            </a:r>
-            <a:r>
-              <a:rPr lang="en-US" dirty="0"/>
-              <a:t> module belong in the code?</a:t>
-            </a:r>
-          </a:p>
-        </p:txBody>
-      </p:sp>
-      <p:sp>
-        <p:nvSpPr>
-          <p:cNvPr id="4101" name="Footer Placeholder 4"/>
-          <p:cNvSpPr>
-            <a:spLocks noGrp="1"/>
-          </p:cNvSpPr>
-          <p:nvPr>
-            <p:ph type="ftr" sz="quarter" idx="11"/>
-            <p:custDataLst>
-              <p:tags r:id="rId3"/>
-            </p:custDataLst>
-          </p:nvPr>
-        </p:nvSpPr>
-        <p:spPr/>
-        <p:txBody>
-          <a:bodyPr/>
-          <a:lstStyle>
-            <a:lvl1pPr>
-              <a:defRPr>
-                <a:solidFill>
-                  <a:schemeClr val="tx1"/>
-                </a:solidFill>
-                <a:latin typeface="Tahoma" charset="0"/>
-                <a:ea typeface="ＭＳ Ｐゴシック" charset="0"/>
-              </a:defRPr>
-            </a:lvl1pPr>
-            <a:lvl2pPr marL="742950" indent="-285750">
-              <a:defRPr>
-                <a:solidFill>
-                  <a:schemeClr val="tx1"/>
-                </a:solidFill>
-                <a:latin typeface="Tahoma" charset="0"/>
-                <a:ea typeface="ＭＳ Ｐゴシック" charset="0"/>
-              </a:defRPr>
-            </a:lvl2pPr>
-            <a:lvl3pPr marL="1143000" indent="-228600">
-              <a:defRPr>
-                <a:solidFill>
-                  <a:schemeClr val="tx1"/>
-                </a:solidFill>
-                <a:latin typeface="Tahoma" charset="0"/>
-                <a:ea typeface="ＭＳ Ｐゴシック" charset="0"/>
-              </a:defRPr>
-            </a:lvl3pPr>
-            <a:lvl4pPr marL="1600200" indent="-228600">
-              <a:defRPr>
-                <a:solidFill>
-                  <a:schemeClr val="tx1"/>
-                </a:solidFill>
-                <a:latin typeface="Tahoma" charset="0"/>
-                <a:ea typeface="ＭＳ Ｐゴシック" charset="0"/>
-              </a:defRPr>
-            </a:lvl4pPr>
-            <a:lvl5pPr marL="2057400" indent="-228600">
-              <a:defRPr>
-                <a:solidFill>
-                  <a:schemeClr val="tx1"/>
-                </a:solidFill>
-                <a:latin typeface="Tahoma" charset="0"/>
-                <a:ea typeface="ＭＳ Ｐゴシック" charset="0"/>
-              </a:defRPr>
-            </a:lvl5pPr>
-            <a:lvl6pPr marL="2514600" indent="-228600" eaLnBrk="0" fontAlgn="base" hangingPunct="0">
-              <a:spcBef>
-                <a:spcPct val="0"/>
-              </a:spcBef>
-              <a:spcAft>
-                <a:spcPct val="0"/>
-              </a:spcAft>
-              <a:defRPr>
-                <a:solidFill>
-                  <a:schemeClr val="tx1"/>
-                </a:solidFill>
-                <a:latin typeface="Tahoma" charset="0"/>
-                <a:ea typeface="ＭＳ Ｐゴシック" charset="0"/>
-              </a:defRPr>
-            </a:lvl6pPr>
-            <a:lvl7pPr marL="2971800" indent="-228600" eaLnBrk="0" fontAlgn="base" hangingPunct="0">
-              <a:spcBef>
-                <a:spcPct val="0"/>
-              </a:spcBef>
-              <a:spcAft>
-                <a:spcPct val="0"/>
-              </a:spcAft>
-              <a:defRPr>
-                <a:solidFill>
-                  <a:schemeClr val="tx1"/>
-                </a:solidFill>
-                <a:latin typeface="Tahoma" charset="0"/>
-                <a:ea typeface="ＭＳ Ｐゴシック" charset="0"/>
-              </a:defRPr>
-            </a:lvl7pPr>
-            <a:lvl8pPr marL="3429000" indent="-228600" eaLnBrk="0" fontAlgn="base" hangingPunct="0">
-              <a:spcBef>
-                <a:spcPct val="0"/>
-              </a:spcBef>
-              <a:spcAft>
-                <a:spcPct val="0"/>
-              </a:spcAft>
-              <a:defRPr>
-                <a:solidFill>
-                  <a:schemeClr val="tx1"/>
-                </a:solidFill>
-                <a:latin typeface="Tahoma" charset="0"/>
-                <a:ea typeface="ＭＳ Ｐゴシック" charset="0"/>
-              </a:defRPr>
-            </a:lvl8pPr>
-            <a:lvl9pPr marL="3886200" indent="-228600" eaLnBrk="0" fontAlgn="base" hangingPunct="0">
-              <a:spcBef>
-                <a:spcPct val="0"/>
-              </a:spcBef>
-              <a:spcAft>
-                <a:spcPct val="0"/>
-              </a:spcAft>
-              <a:defRPr>
-                <a:solidFill>
-                  <a:schemeClr val="tx1"/>
-                </a:solidFill>
-                <a:latin typeface="Tahoma" charset="0"/>
-                <a:ea typeface="ＭＳ Ｐゴシック" charset="0"/>
-              </a:defRPr>
-            </a:lvl9pPr>
-          </a:lstStyle>
-          <a:p>
-            <a:r>
-              <a:rPr lang="pl-PL" dirty="0"/>
-              <a:t>UW CSE P 501 Spring 2018</a:t>
-            </a:r>
-            <a:endParaRPr lang="en-US" dirty="0"/>
-          </a:p>
-        </p:txBody>
-      </p:sp>
-      <p:sp>
-        <p:nvSpPr>
-          <p:cNvPr id="4102" name="Slide Number Placeholder 5"/>
-          <p:cNvSpPr>
-            <a:spLocks noGrp="1"/>
-          </p:cNvSpPr>
-          <p:nvPr>
-            <p:ph type="sldNum" sz="quarter" idx="12"/>
-            <p:custDataLst>
-              <p:tags r:id="rId4"/>
-            </p:custDataLst>
-          </p:nvPr>
-        </p:nvSpPr>
-        <p:spPr/>
-        <p:txBody>
-          <a:bodyPr/>
-          <a:lstStyle>
-            <a:lvl1pPr>
-              <a:defRPr>
-                <a:solidFill>
-                  <a:schemeClr val="tx1"/>
-                </a:solidFill>
-                <a:latin typeface="Tahoma" charset="0"/>
-                <a:ea typeface="ＭＳ Ｐゴシック" charset="0"/>
-              </a:defRPr>
-            </a:lvl1pPr>
-            <a:lvl2pPr marL="742950" indent="-285750">
-              <a:defRPr>
-                <a:solidFill>
-                  <a:schemeClr val="tx1"/>
-                </a:solidFill>
-                <a:latin typeface="Tahoma" charset="0"/>
-                <a:ea typeface="ＭＳ Ｐゴシック" charset="0"/>
-              </a:defRPr>
-            </a:lvl2pPr>
-            <a:lvl3pPr marL="1143000" indent="-228600">
-              <a:defRPr>
-                <a:solidFill>
-                  <a:schemeClr val="tx1"/>
-                </a:solidFill>
-                <a:latin typeface="Tahoma" charset="0"/>
-                <a:ea typeface="ＭＳ Ｐゴシック" charset="0"/>
-              </a:defRPr>
-            </a:lvl3pPr>
-            <a:lvl4pPr marL="1600200" indent="-228600">
-              <a:defRPr>
-                <a:solidFill>
-                  <a:schemeClr val="tx1"/>
-                </a:solidFill>
-                <a:latin typeface="Tahoma" charset="0"/>
-                <a:ea typeface="ＭＳ Ｐゴシック" charset="0"/>
-              </a:defRPr>
-            </a:lvl4pPr>
-            <a:lvl5pPr marL="2057400" indent="-228600">
-              <a:defRPr>
-                <a:solidFill>
-                  <a:schemeClr val="tx1"/>
-                </a:solidFill>
-                <a:latin typeface="Tahoma" charset="0"/>
-                <a:ea typeface="ＭＳ Ｐゴシック" charset="0"/>
-              </a:defRPr>
-            </a:lvl5pPr>
-            <a:lvl6pPr marL="2514600" indent="-228600" eaLnBrk="0" fontAlgn="base" hangingPunct="0">
-              <a:spcBef>
-                <a:spcPct val="0"/>
-              </a:spcBef>
-              <a:spcAft>
-                <a:spcPct val="0"/>
-              </a:spcAft>
-              <a:defRPr>
-                <a:solidFill>
-                  <a:schemeClr val="tx1"/>
-                </a:solidFill>
-                <a:latin typeface="Tahoma" charset="0"/>
-                <a:ea typeface="ＭＳ Ｐゴシック" charset="0"/>
-              </a:defRPr>
-            </a:lvl6pPr>
-            <a:lvl7pPr marL="2971800" indent="-228600" eaLnBrk="0" fontAlgn="base" hangingPunct="0">
-              <a:spcBef>
-                <a:spcPct val="0"/>
-              </a:spcBef>
-              <a:spcAft>
-                <a:spcPct val="0"/>
-              </a:spcAft>
-              <a:defRPr>
-                <a:solidFill>
-                  <a:schemeClr val="tx1"/>
-                </a:solidFill>
-                <a:latin typeface="Tahoma" charset="0"/>
-                <a:ea typeface="ＭＳ Ｐゴシック" charset="0"/>
-              </a:defRPr>
-            </a:lvl7pPr>
-            <a:lvl8pPr marL="3429000" indent="-228600" eaLnBrk="0" fontAlgn="base" hangingPunct="0">
-              <a:spcBef>
-                <a:spcPct val="0"/>
-              </a:spcBef>
-              <a:spcAft>
-                <a:spcPct val="0"/>
-              </a:spcAft>
-              <a:defRPr>
-                <a:solidFill>
-                  <a:schemeClr val="tx1"/>
-                </a:solidFill>
-                <a:latin typeface="Tahoma" charset="0"/>
-                <a:ea typeface="ＭＳ Ｐゴシック" charset="0"/>
-              </a:defRPr>
-            </a:lvl8pPr>
-            <a:lvl9pPr marL="3886200" indent="-228600" eaLnBrk="0" fontAlgn="base" hangingPunct="0">
-              <a:spcBef>
-                <a:spcPct val="0"/>
-              </a:spcBef>
-              <a:spcAft>
-                <a:spcPct val="0"/>
-              </a:spcAft>
-              <a:defRPr>
-                <a:solidFill>
-                  <a:schemeClr val="tx1"/>
-                </a:solidFill>
-                <a:latin typeface="Tahoma" charset="0"/>
-                <a:ea typeface="ＭＳ Ｐゴシック" charset="0"/>
-              </a:defRPr>
-            </a:lvl9pPr>
-          </a:lstStyle>
-          <a:p>
-            <a:r>
-              <a:rPr lang="en-US"/>
-              <a:t>H-</a:t>
-            </a:r>
-            <a:fld id="{6ACB3464-9768-6449-AA67-5FB98A5269FA}" type="slidenum">
-              <a:rPr lang="en-US" smtClean="0"/>
-              <a:pPr/>
-              <a:t>12</a:t>
-            </a:fld>
-            <a:endParaRPr lang="en-US"/>
-          </a:p>
-        </p:txBody>
-      </p:sp>
-      <p:pic>
-        <p:nvPicPr>
-          <p:cNvPr id="4103" name="Picture 2" descr="C:\Documents and Settings\perkins\Local Settings\Temporary Internet Files\Content.IE5\63FNL8KE\MCj01571970000[1].wmf"/>
-          <p:cNvPicPr>
-            <a:picLocks noChangeAspect="1" noChangeArrowheads="1"/>
-          </p:cNvPicPr>
-          <p:nvPr>
-            <p:custDataLst>
-              <p:tags r:id="rId5"/>
-            </p:custDataLst>
-          </p:nvPr>
-        </p:nvPicPr>
-        <p:blipFill>
-          <a:blip r:embed="rId8">
-            <a:extLst>
-              <a:ext uri="{28A0092B-C50C-407E-A947-70E740481C1C}">
-                <a14:useLocalDpi xmlns:a14="http://schemas.microsoft.com/office/drawing/2010/main" val="0"/>
-              </a:ext>
-            </a:extLst>
-          </a:blip>
-          <a:srcRect/>
-          <a:stretch>
-            <a:fillRect/>
-          </a:stretch>
-        </p:blipFill>
-        <p:spPr bwMode="auto">
-          <a:xfrm>
-            <a:off x="5029200" y="990600"/>
-            <a:ext cx="889000" cy="1188183"/>
-          </a:xfrm>
-          <a:prstGeom prst="rect">
-            <a:avLst/>
-          </a:prstGeom>
-          <a:noFill/>
-          <a:ln>
-            <a:noFill/>
-          </a:ln>
-          <a:extLst>
-            <a:ext uri="{909E8E84-426E-40dd-AFC4-6F175D3DCCD1}">
-              <a14:hiddenFill xmlns="" xmlns:a14="http://schemas.microsoft.com/office/drawing/2010/main">
-                <a:solidFill>
-                  <a:srgbClr val="FFFFFF"/>
-                </a:solidFill>
-              </a14:hiddenFill>
-            </a:ext>
-            <a:ext uri="{91240B29-F687-4f45-9708-019B960494DF}">
-              <a14:hiddenLine xmlns="" xmlns:a14="http://schemas.microsoft.com/office/drawing/2010/main" w="9525">
-                <a:solidFill>
-                  <a:srgbClr val="000000"/>
-                </a:solidFill>
-                <a:miter lim="800000"/>
-                <a:headEnd/>
-                <a:tailEnd/>
-              </a14:hiddenLine>
-            </a:ext>
-          </a:extLst>
-        </p:spPr>
-      </p:pic>
-      <p:pic>
-        <p:nvPicPr>
-          <p:cNvPr id="4104" name="Picture 3" descr="C:\Documents and Settings\perkins\Local Settings\Temporary Internet Files\Content.IE5\63FNL8KE\MCj02289010000[1].wmf"/>
-          <p:cNvPicPr>
-            <a:picLocks noChangeAspect="1" noChangeArrowheads="1"/>
-          </p:cNvPicPr>
-          <p:nvPr>
-            <p:custDataLst>
-              <p:tags r:id="rId6"/>
-            </p:custDataLst>
-          </p:nvPr>
-        </p:nvPicPr>
-        <p:blipFill>
-          <a:blip r:embed="rId9">
-            <a:extLst>
-              <a:ext uri="{28A0092B-C50C-407E-A947-70E740481C1C}">
-                <a14:useLocalDpi xmlns:a14="http://schemas.microsoft.com/office/drawing/2010/main" val="0"/>
-              </a:ext>
-            </a:extLst>
-          </a:blip>
-          <a:srcRect/>
-          <a:stretch>
-            <a:fillRect/>
-          </a:stretch>
-        </p:blipFill>
-        <p:spPr bwMode="auto">
-          <a:xfrm>
-            <a:off x="6210300" y="1143000"/>
-            <a:ext cx="1638300" cy="914400"/>
-          </a:xfrm>
-          <a:prstGeom prst="rect">
-            <a:avLst/>
-          </a:prstGeom>
-          <a:noFill/>
-          <a:ln>
-            <a:noFill/>
-          </a:ln>
-          <a:extLst>
-            <a:ext uri="{909E8E84-426E-40dd-AFC4-6F175D3DCCD1}">
-              <a14:hiddenFill xmlns="" xmlns:a14="http://schemas.microsoft.com/office/drawing/2010/main">
-                <a:solidFill>
-                  <a:srgbClr val="FFFFFF"/>
-                </a:solidFill>
-              </a14:hiddenFill>
-            </a:ext>
-            <a:ext uri="{91240B29-F687-4f45-9708-019B960494DF}">
-              <a14:hiddenLine xmlns="" xmlns:a14="http://schemas.microsoft.com/office/drawing/2010/main" w="9525">
-                <a:solidFill>
-                  <a:srgbClr val="000000"/>
-                </a:solidFill>
-                <a:miter lim="800000"/>
-                <a:headEnd/>
-                <a:tailEnd/>
-              </a14:hiddenLine>
-            </a:ext>
-          </a:extLst>
-        </p:spPr>
-      </p:pic>
-    </p:spTree>
-    <p:extLst>
-      <p:ext uri="{BB962C8B-B14F-4D97-AF65-F5344CB8AC3E}">
-        <p14:creationId xmlns:p14="http://schemas.microsoft.com/office/powerpoint/2010/main" val="485402930"/>
-      </p:ext>
-    </p:extLst>
-  </p:cSld>
-  <p:clrMapOvr>
-    <a:masterClrMapping/>
-  </p:clrMapOvr>
-</p:sld>
-</file>
-
-<file path=ppt/slides/slide13.xml><?xml version="1.0" encoding="utf-8"?>
-<p:sld xmlns:a="http://schemas.openxmlformats.org/drawingml/2006/main" xmlns:r="http://schemas.openxmlformats.org/officeDocument/2006/relationships" xmlns:p="http://schemas.openxmlformats.org/presentationml/2006/main">
-  <p:cSld>
-    <p:spTree>
-      <p:nvGrpSpPr>
-        <p:cNvPr id="1" name=""/>
-        <p:cNvGrpSpPr/>
-        <p:nvPr/>
-      </p:nvGrpSpPr>
-      <p:grpSpPr>
-        <a:xfrm>
-          <a:off x="0" y="0"/>
-          <a:ext cx="0" cy="0"/>
-          <a:chOff x="0" y="0"/>
-          <a:chExt cx="0" cy="0"/>
-        </a:xfrm>
-      </p:grpSpPr>
-      <p:sp>
-        <p:nvSpPr>
-          <p:cNvPr id="30725" name="Rectangle 2"/>
-          <p:cNvSpPr>
-            <a:spLocks noGrp="1" noChangeArrowheads="1"/>
-          </p:cNvSpPr>
-          <p:nvPr>
-            <p:ph type="title"/>
-            <p:custDataLst>
-              <p:tags r:id="rId1"/>
-            </p:custDataLst>
-          </p:nvPr>
-        </p:nvSpPr>
-        <p:spPr/>
-        <p:txBody>
-          <a:bodyPr/>
-          <a:lstStyle/>
-          <a:p>
-            <a:pPr eaLnBrk="1" hangingPunct="1"/>
-            <a:r>
-              <a:rPr lang="en-US"/>
-              <a:t>Where do the Operations Go?</a:t>
-            </a:r>
-          </a:p>
-        </p:txBody>
-      </p:sp>
-      <p:sp>
-        <p:nvSpPr>
-          <p:cNvPr id="30726" name="Rectangle 3"/>
-          <p:cNvSpPr>
-            <a:spLocks noGrp="1" noChangeArrowheads="1"/>
-          </p:cNvSpPr>
-          <p:nvPr>
-            <p:ph idx="1"/>
-            <p:custDataLst>
-              <p:tags r:id="rId2"/>
-            </p:custDataLst>
-          </p:nvPr>
-        </p:nvSpPr>
-        <p:spPr/>
-        <p:txBody>
-          <a:bodyPr/>
-          <a:lstStyle/>
-          <a:p>
-            <a:pPr eaLnBrk="1" hangingPunct="1">
-              <a:lnSpc>
-                <a:spcPct val="90000"/>
-              </a:lnSpc>
-            </a:pPr>
-            <a:r>
-              <a:rPr lang="en-US" sz="2800" dirty="0"/>
-              <a:t>Pure “object-oriented” style</a:t>
-            </a:r>
-          </a:p>
-          <a:p>
-            <a:pPr lvl="1" eaLnBrk="1" hangingPunct="1">
-              <a:lnSpc>
-                <a:spcPct val="90000"/>
-              </a:lnSpc>
-            </a:pPr>
-            <a:r>
-              <a:rPr lang="en-US" sz="2400" dirty="0"/>
-              <a:t>Really, really, really smart AST nodes</a:t>
-            </a:r>
-          </a:p>
-          <a:p>
-            <a:pPr lvl="1" eaLnBrk="1" hangingPunct="1">
-              <a:lnSpc>
-                <a:spcPct val="90000"/>
-              </a:lnSpc>
-            </a:pPr>
-            <a:r>
-              <a:rPr lang="en-US" sz="2400" dirty="0"/>
-              <a:t>Each node knows how to perform every operation on itself</a:t>
-            </a:r>
-          </a:p>
-          <a:p>
-            <a:pPr lvl="1" eaLnBrk="1" hangingPunct="1">
-              <a:lnSpc>
-                <a:spcPct val="90000"/>
-              </a:lnSpc>
-              <a:buFont typeface="Wingdings" pitchFamily="2" charset="2"/>
-              <a:buNone/>
-            </a:pPr>
-            <a:r>
-              <a:rPr lang="en-US" sz="2400" dirty="0"/>
-              <a:t>		</a:t>
-            </a:r>
-            <a:r>
-              <a:rPr lang="en-US" sz="1800" dirty="0"/>
-              <a:t>public class </a:t>
-            </a:r>
-            <a:r>
-              <a:rPr lang="en-US" sz="1800" dirty="0" err="1"/>
-              <a:t>WhileNode</a:t>
-            </a:r>
-            <a:r>
-              <a:rPr lang="en-US" sz="1800" dirty="0"/>
-              <a:t> extends </a:t>
-            </a:r>
-            <a:r>
-              <a:rPr lang="en-US" sz="1800" dirty="0" err="1"/>
-              <a:t>StmtNode</a:t>
-            </a:r>
-            <a:r>
-              <a:rPr lang="en-US" sz="1800" dirty="0"/>
-              <a:t> {</a:t>
-            </a:r>
-          </a:p>
-          <a:p>
-            <a:pPr lvl="1" eaLnBrk="1" hangingPunct="1">
-              <a:lnSpc>
-                <a:spcPct val="90000"/>
-              </a:lnSpc>
-              <a:buFont typeface="Wingdings" pitchFamily="2" charset="2"/>
-              <a:buNone/>
-            </a:pPr>
-            <a:r>
-              <a:rPr lang="en-US" sz="1800" dirty="0"/>
-              <a:t>		   public </a:t>
-            </a:r>
-            <a:r>
-              <a:rPr lang="en-US" sz="1800" dirty="0" err="1"/>
-              <a:t>WhileNode</a:t>
-            </a:r>
-            <a:r>
-              <a:rPr lang="en-US" sz="1800" dirty="0"/>
-              <a:t>(…);</a:t>
-            </a:r>
-          </a:p>
-          <a:p>
-            <a:pPr lvl="1" eaLnBrk="1" hangingPunct="1">
-              <a:lnSpc>
-                <a:spcPct val="90000"/>
-              </a:lnSpc>
-              <a:buFont typeface="Wingdings" pitchFamily="2" charset="2"/>
-              <a:buNone/>
-            </a:pPr>
-            <a:r>
-              <a:rPr lang="en-US" sz="1800" dirty="0"/>
-              <a:t>		   public </a:t>
-            </a:r>
-            <a:r>
-              <a:rPr lang="en-US" sz="1800" dirty="0" err="1"/>
-              <a:t>typeCheck</a:t>
-            </a:r>
-            <a:r>
-              <a:rPr lang="en-US" sz="1800" dirty="0"/>
-              <a:t>(…);</a:t>
-            </a:r>
-          </a:p>
-          <a:p>
-            <a:pPr lvl="1" eaLnBrk="1" hangingPunct="1">
-              <a:lnSpc>
-                <a:spcPct val="90000"/>
-              </a:lnSpc>
-              <a:buFont typeface="Wingdings" pitchFamily="2" charset="2"/>
-              <a:buNone/>
-            </a:pPr>
-            <a:r>
-              <a:rPr lang="en-US" sz="1800" dirty="0"/>
-              <a:t>		   public </a:t>
-            </a:r>
-            <a:r>
-              <a:rPr lang="en-US" sz="1800" dirty="0" err="1"/>
-              <a:t>StrengthReductionOptimize</a:t>
-            </a:r>
-            <a:r>
-              <a:rPr lang="en-US" sz="1800" dirty="0"/>
-              <a:t>(…);</a:t>
-            </a:r>
-          </a:p>
-          <a:p>
-            <a:pPr lvl="1" eaLnBrk="1" hangingPunct="1">
-              <a:lnSpc>
-                <a:spcPct val="90000"/>
-              </a:lnSpc>
-              <a:buFont typeface="Wingdings" pitchFamily="2" charset="2"/>
-              <a:buNone/>
-            </a:pPr>
-            <a:r>
-              <a:rPr lang="en-US" sz="1800" dirty="0"/>
-              <a:t>		   public </a:t>
-            </a:r>
-            <a:r>
-              <a:rPr lang="en-US" sz="1800" dirty="0" err="1"/>
-              <a:t>DeadCodeEliminationOptimize</a:t>
-            </a:r>
-            <a:r>
-              <a:rPr lang="en-US" sz="1800" dirty="0"/>
-              <a:t>(…);</a:t>
-            </a:r>
-          </a:p>
-          <a:p>
-            <a:pPr lvl="1" eaLnBrk="1" hangingPunct="1">
-              <a:lnSpc>
-                <a:spcPct val="90000"/>
-              </a:lnSpc>
-              <a:buFont typeface="Wingdings" pitchFamily="2" charset="2"/>
-              <a:buNone/>
-            </a:pPr>
-            <a:r>
-              <a:rPr lang="en-US" sz="1800" dirty="0"/>
-              <a:t>		   public </a:t>
-            </a:r>
-            <a:r>
-              <a:rPr lang="en-US" sz="1800" dirty="0" err="1"/>
-              <a:t>generateCode</a:t>
-            </a:r>
-            <a:r>
-              <a:rPr lang="en-US" sz="1800" dirty="0"/>
-              <a:t>(…);</a:t>
-            </a:r>
-          </a:p>
-          <a:p>
-            <a:pPr lvl="1" eaLnBrk="1" hangingPunct="1">
-              <a:lnSpc>
-                <a:spcPct val="90000"/>
-              </a:lnSpc>
-              <a:buFont typeface="Wingdings" pitchFamily="2" charset="2"/>
-              <a:buNone/>
-            </a:pPr>
-            <a:r>
-              <a:rPr lang="en-US" sz="1800" dirty="0"/>
-              <a:t>		   public </a:t>
-            </a:r>
-            <a:r>
-              <a:rPr lang="en-US" sz="1800" dirty="0" err="1"/>
-              <a:t>prettyPrint</a:t>
-            </a:r>
-            <a:r>
-              <a:rPr lang="en-US" sz="1800" dirty="0"/>
-              <a:t>(…);</a:t>
-            </a:r>
-          </a:p>
-          <a:p>
-            <a:pPr lvl="1" eaLnBrk="1" hangingPunct="1">
-              <a:lnSpc>
-                <a:spcPct val="90000"/>
-              </a:lnSpc>
-              <a:buFont typeface="Wingdings" pitchFamily="2" charset="2"/>
-              <a:buNone/>
-            </a:pPr>
-            <a:r>
-              <a:rPr lang="en-US" sz="1800" dirty="0"/>
-              <a:t>		   …</a:t>
-            </a:r>
-          </a:p>
-          <a:p>
-            <a:pPr lvl="1" eaLnBrk="1" hangingPunct="1">
-              <a:lnSpc>
-                <a:spcPct val="90000"/>
-              </a:lnSpc>
-              <a:buFont typeface="Wingdings" pitchFamily="2" charset="2"/>
-              <a:buNone/>
-            </a:pPr>
-            <a:r>
-              <a:rPr lang="en-US" sz="1800" dirty="0"/>
-              <a:t>		}</a:t>
-            </a:r>
-          </a:p>
-        </p:txBody>
-      </p:sp>
-      <p:sp>
-        <p:nvSpPr>
-          <p:cNvPr id="30723" name="Footer Placeholder 4"/>
-          <p:cNvSpPr>
-            <a:spLocks noGrp="1"/>
-          </p:cNvSpPr>
-          <p:nvPr>
-            <p:ph type="ftr" sz="quarter" idx="11"/>
-            <p:custDataLst>
-              <p:tags r:id="rId3"/>
-            </p:custDataLst>
-          </p:nvPr>
-        </p:nvSpPr>
-        <p:spPr>
-          <a:noFill/>
-          <a:ln/>
-          <a:extLst>
-            <a:ext uri="{909E8E84-426E-40dd-AFC4-6F175D3DCCD1}">
-              <a14:hiddenFill xmlns="" xmlns:a14="http://schemas.microsoft.com/office/drawing/2010/main">
-                <a:solidFill>
-                  <a:srgbClr val="FFFFFF"/>
-                </a:solidFill>
-              </a14:hiddenFill>
-            </a:ext>
-            <a:ext uri="{91240B29-F687-4f45-9708-019B960494DF}">
-              <a14:hiddenLine xmlns="" xmlns:a14="http://schemas.microsoft.com/office/drawing/2010/main" w="9525">
-                <a:solidFill>
-                  <a:srgbClr val="000000"/>
-                </a:solidFill>
-                <a:miter lim="800000"/>
-                <a:headEnd/>
-                <a:tailEnd/>
-              </a14:hiddenLine>
-            </a:ext>
-          </a:extLst>
-        </p:spPr>
-        <p:txBody>
-          <a:bodyPr/>
-          <a:lstStyle>
-            <a:lvl1pPr>
-              <a:defRPr>
-                <a:solidFill>
-                  <a:schemeClr val="tx1"/>
-                </a:solidFill>
-                <a:latin typeface="Tahoma" charset="0"/>
-              </a:defRPr>
-            </a:lvl1pPr>
-            <a:lvl2pPr marL="742950" indent="-285750">
-              <a:defRPr>
-                <a:solidFill>
-                  <a:schemeClr val="tx1"/>
-                </a:solidFill>
-                <a:latin typeface="Tahoma" charset="0"/>
-              </a:defRPr>
-            </a:lvl2pPr>
-            <a:lvl3pPr marL="1143000" indent="-228600">
-              <a:defRPr>
-                <a:solidFill>
-                  <a:schemeClr val="tx1"/>
-                </a:solidFill>
-                <a:latin typeface="Tahoma" charset="0"/>
-              </a:defRPr>
-            </a:lvl3pPr>
-            <a:lvl4pPr marL="1600200" indent="-228600">
-              <a:defRPr>
-                <a:solidFill>
-                  <a:schemeClr val="tx1"/>
-                </a:solidFill>
-                <a:latin typeface="Tahoma" charset="0"/>
-              </a:defRPr>
-            </a:lvl4pPr>
-            <a:lvl5pPr marL="2057400" indent="-228600">
-              <a:defRPr>
-                <a:solidFill>
-                  <a:schemeClr val="tx1"/>
-                </a:solidFill>
-                <a:latin typeface="Tahoma" charset="0"/>
-              </a:defRPr>
-            </a:lvl5pPr>
-            <a:lvl6pPr marL="2514600" indent="-228600" eaLnBrk="0" fontAlgn="base" hangingPunct="0">
-              <a:spcBef>
-                <a:spcPct val="0"/>
-              </a:spcBef>
-              <a:spcAft>
-                <a:spcPct val="0"/>
-              </a:spcAft>
-              <a:defRPr>
-                <a:solidFill>
-                  <a:schemeClr val="tx1"/>
-                </a:solidFill>
-                <a:latin typeface="Tahoma" charset="0"/>
-              </a:defRPr>
-            </a:lvl6pPr>
-            <a:lvl7pPr marL="2971800" indent="-228600" eaLnBrk="0" fontAlgn="base" hangingPunct="0">
-              <a:spcBef>
-                <a:spcPct val="0"/>
-              </a:spcBef>
-              <a:spcAft>
-                <a:spcPct val="0"/>
-              </a:spcAft>
-              <a:defRPr>
-                <a:solidFill>
-                  <a:schemeClr val="tx1"/>
-                </a:solidFill>
-                <a:latin typeface="Tahoma" charset="0"/>
-              </a:defRPr>
-            </a:lvl7pPr>
-            <a:lvl8pPr marL="3429000" indent="-228600" eaLnBrk="0" fontAlgn="base" hangingPunct="0">
-              <a:spcBef>
-                <a:spcPct val="0"/>
-              </a:spcBef>
-              <a:spcAft>
-                <a:spcPct val="0"/>
-              </a:spcAft>
-              <a:defRPr>
-                <a:solidFill>
-                  <a:schemeClr val="tx1"/>
-                </a:solidFill>
-                <a:latin typeface="Tahoma" charset="0"/>
-              </a:defRPr>
-            </a:lvl8pPr>
-            <a:lvl9pPr marL="3886200" indent="-228600" eaLnBrk="0" fontAlgn="base" hangingPunct="0">
-              <a:spcBef>
-                <a:spcPct val="0"/>
-              </a:spcBef>
-              <a:spcAft>
-                <a:spcPct val="0"/>
-              </a:spcAft>
-              <a:defRPr>
-                <a:solidFill>
-                  <a:schemeClr val="tx1"/>
-                </a:solidFill>
-                <a:latin typeface="Tahoma" charset="0"/>
-              </a:defRPr>
-            </a:lvl9pPr>
-          </a:lstStyle>
-          <a:p>
-            <a:r>
-              <a:rPr lang="pl-PL" dirty="0"/>
-              <a:t>UW CSE P 501 Spring 2018</a:t>
-            </a:r>
-            <a:endParaRPr lang="en-US" dirty="0"/>
-          </a:p>
-        </p:txBody>
-      </p:sp>
-      <p:sp>
-        <p:nvSpPr>
-          <p:cNvPr id="30724" name="Slide Number Placeholder 5"/>
-          <p:cNvSpPr>
-            <a:spLocks noGrp="1"/>
-          </p:cNvSpPr>
-          <p:nvPr>
-            <p:ph type="sldNum" sz="quarter" idx="12"/>
-            <p:custDataLst>
-              <p:tags r:id="rId4"/>
-            </p:custDataLst>
-          </p:nvPr>
-        </p:nvSpPr>
-        <p:spPr>
-          <a:noFill/>
-          <a:ln/>
-          <a:extLst>
-            <a:ext uri="{909E8E84-426E-40dd-AFC4-6F175D3DCCD1}">
-              <a14:hiddenFill xmlns="" xmlns:a14="http://schemas.microsoft.com/office/drawing/2010/main">
-                <a:solidFill>
-                  <a:srgbClr val="FFFFFF"/>
-                </a:solidFill>
-              </a14:hiddenFill>
-            </a:ext>
-            <a:ext uri="{91240B29-F687-4f45-9708-019B960494DF}">
-              <a14:hiddenLine xmlns="" xmlns:a14="http://schemas.microsoft.com/office/drawing/2010/main" w="9525">
-                <a:solidFill>
-                  <a:srgbClr val="000000"/>
-                </a:solidFill>
-                <a:miter lim="800000"/>
-                <a:headEnd/>
-                <a:tailEnd/>
-              </a14:hiddenLine>
-            </a:ext>
-          </a:extLst>
-        </p:spPr>
-        <p:txBody>
-          <a:bodyPr/>
-          <a:lstStyle>
-            <a:lvl1pPr>
-              <a:defRPr>
-                <a:solidFill>
-                  <a:schemeClr val="tx1"/>
-                </a:solidFill>
-                <a:latin typeface="Tahoma" charset="0"/>
-              </a:defRPr>
-            </a:lvl1pPr>
-            <a:lvl2pPr marL="742950" indent="-285750">
-              <a:defRPr>
-                <a:solidFill>
-                  <a:schemeClr val="tx1"/>
-                </a:solidFill>
-                <a:latin typeface="Tahoma" charset="0"/>
-              </a:defRPr>
-            </a:lvl2pPr>
-            <a:lvl3pPr marL="1143000" indent="-228600">
-              <a:defRPr>
-                <a:solidFill>
-                  <a:schemeClr val="tx1"/>
-                </a:solidFill>
-                <a:latin typeface="Tahoma" charset="0"/>
-              </a:defRPr>
-            </a:lvl3pPr>
-            <a:lvl4pPr marL="1600200" indent="-228600">
-              <a:defRPr>
-                <a:solidFill>
-                  <a:schemeClr val="tx1"/>
-                </a:solidFill>
-                <a:latin typeface="Tahoma" charset="0"/>
-              </a:defRPr>
-            </a:lvl4pPr>
-            <a:lvl5pPr marL="2057400" indent="-228600">
-              <a:defRPr>
-                <a:solidFill>
-                  <a:schemeClr val="tx1"/>
-                </a:solidFill>
-                <a:latin typeface="Tahoma" charset="0"/>
-              </a:defRPr>
-            </a:lvl5pPr>
-            <a:lvl6pPr marL="2514600" indent="-228600" eaLnBrk="0" fontAlgn="base" hangingPunct="0">
-              <a:spcBef>
-                <a:spcPct val="0"/>
-              </a:spcBef>
-              <a:spcAft>
-                <a:spcPct val="0"/>
-              </a:spcAft>
-              <a:defRPr>
-                <a:solidFill>
-                  <a:schemeClr val="tx1"/>
-                </a:solidFill>
-                <a:latin typeface="Tahoma" charset="0"/>
-              </a:defRPr>
-            </a:lvl6pPr>
-            <a:lvl7pPr marL="2971800" indent="-228600" eaLnBrk="0" fontAlgn="base" hangingPunct="0">
-              <a:spcBef>
-                <a:spcPct val="0"/>
-              </a:spcBef>
-              <a:spcAft>
-                <a:spcPct val="0"/>
-              </a:spcAft>
-              <a:defRPr>
-                <a:solidFill>
-                  <a:schemeClr val="tx1"/>
-                </a:solidFill>
-                <a:latin typeface="Tahoma" charset="0"/>
-              </a:defRPr>
-            </a:lvl7pPr>
-            <a:lvl8pPr marL="3429000" indent="-228600" eaLnBrk="0" fontAlgn="base" hangingPunct="0">
-              <a:spcBef>
-                <a:spcPct val="0"/>
-              </a:spcBef>
-              <a:spcAft>
-                <a:spcPct val="0"/>
-              </a:spcAft>
-              <a:defRPr>
-                <a:solidFill>
-                  <a:schemeClr val="tx1"/>
-                </a:solidFill>
-                <a:latin typeface="Tahoma" charset="0"/>
-              </a:defRPr>
-            </a:lvl8pPr>
-            <a:lvl9pPr marL="3886200" indent="-228600" eaLnBrk="0" fontAlgn="base" hangingPunct="0">
-              <a:spcBef>
-                <a:spcPct val="0"/>
-              </a:spcBef>
-              <a:spcAft>
-                <a:spcPct val="0"/>
-              </a:spcAft>
-              <a:defRPr>
-                <a:solidFill>
-                  <a:schemeClr val="tx1"/>
-                </a:solidFill>
-                <a:latin typeface="Tahoma" charset="0"/>
-              </a:defRPr>
-            </a:lvl9pPr>
-          </a:lstStyle>
-          <a:p>
-            <a:r>
-              <a:rPr lang="en-US"/>
-              <a:t>H-</a:t>
-            </a:r>
-            <a:fld id="{201123ED-175A-4236-B91A-C943A74A4F9E}" type="slidenum">
-              <a:rPr lang="en-US" smtClean="0"/>
-              <a:pPr/>
-              <a:t>13</a:t>
-            </a:fld>
-            <a:endParaRPr lang="en-US"/>
-          </a:p>
-        </p:txBody>
-      </p:sp>
-    </p:spTree>
-  </p:cSld>
-  <p:clrMapOvr>
-    <a:masterClrMapping/>
-  </p:clrMapOvr>
-</p:sld>
-</file>
-
-<file path=ppt/slides/slide14.xml><?xml version="1.0" encoding="utf-8"?>
 <p:sld xmlns:a="http://schemas.openxmlformats.org/drawingml/2006/main" xmlns:r="http://schemas.openxmlformats.org/officeDocument/2006/relationships" xmlns:p="http://schemas.openxmlformats.org/presentationml/2006/main">
   <p:cSld>
     <p:spTree>
@@ -7120,7 +5088,7 @@
           <a:p>
             <a:r>
               <a:rPr lang="pl-PL" dirty="0"/>
-              <a:t>UW CSE P 501 Spring 2018</a:t>
+              <a:t>Compiler Design</a:t>
             </a:r>
             <a:endParaRPr lang="en-US" dirty="0"/>
           </a:p>
@@ -7248,7 +5216,7 @@
             <a:fld id="{E353E6E0-BD4E-490F-8E2F-871809603F36}" type="slidenum">
               <a:rPr lang="en-US" smtClean="0"/>
               <a:pPr/>
-              <a:t>14</a:t>
+              <a:t>10</a:t>
             </a:fld>
             <a:endParaRPr lang="en-US"/>
           </a:p>
@@ -7262,7 +5230,7 @@
 </p:sld>
 </file>
 
-<file path=ppt/slides/slide15.xml><?xml version="1.0" encoding="utf-8"?>
+<file path=ppt/slides/slide11.xml><?xml version="1.0" encoding="utf-8"?>
 <p:sld xmlns:a="http://schemas.openxmlformats.org/drawingml/2006/main" xmlns:r="http://schemas.openxmlformats.org/officeDocument/2006/relationships" xmlns:p="http://schemas.openxmlformats.org/presentationml/2006/main">
   <p:cSld>
     <p:spTree>
@@ -7474,7 +5442,7 @@
           <a:p>
             <a:r>
               <a:rPr lang="pl-PL" dirty="0"/>
-              <a:t>UW CSE P 501 Spring 2018</a:t>
+              <a:t>Compiler Design</a:t>
             </a:r>
             <a:endParaRPr lang="en-US" dirty="0"/>
           </a:p>
@@ -7602,7 +5570,7 @@
             <a:fld id="{0CE2AA3E-5D9E-4DCA-AF7D-6141B8AF220A}" type="slidenum">
               <a:rPr lang="en-US" smtClean="0"/>
               <a:pPr/>
-              <a:t>15</a:t>
+              <a:t>11</a:t>
             </a:fld>
             <a:endParaRPr lang="en-US"/>
           </a:p>
@@ -7616,7 +5584,7 @@
 </p:sld>
 </file>
 
-<file path=ppt/slides/slide16.xml><?xml version="1.0" encoding="utf-8"?>
+<file path=ppt/slides/slide12.xml><?xml version="1.0" encoding="utf-8"?>
 <p:sld xmlns:a="http://schemas.openxmlformats.org/drawingml/2006/main" xmlns:r="http://schemas.openxmlformats.org/officeDocument/2006/relationships" xmlns:p="http://schemas.openxmlformats.org/presentationml/2006/main">
   <p:cSld>
     <p:spTree>
@@ -7839,7 +5807,7 @@
           <a:p>
             <a:r>
               <a:rPr lang="pl-PL" dirty="0"/>
-              <a:t>UW CSE P 501 Spring 2018</a:t>
+              <a:t>Compiler Design</a:t>
             </a:r>
             <a:endParaRPr lang="en-US" dirty="0"/>
           </a:p>
@@ -7967,7 +5935,7 @@
             <a:fld id="{A103BD9F-6D27-4964-8CBD-9037A163627A}" type="slidenum">
               <a:rPr lang="en-US" smtClean="0"/>
               <a:pPr/>
-              <a:t>16</a:t>
+              <a:t>12</a:t>
             </a:fld>
             <a:endParaRPr lang="en-US"/>
           </a:p>
@@ -7981,7 +5949,7 @@
 </p:sld>
 </file>
 
-<file path=ppt/slides/slide17.xml><?xml version="1.0" encoding="utf-8"?>
+<file path=ppt/slides/slide13.xml><?xml version="1.0" encoding="utf-8"?>
 <p:sld xmlns:a="http://schemas.openxmlformats.org/drawingml/2006/main" xmlns:r="http://schemas.openxmlformats.org/officeDocument/2006/relationships" xmlns:p="http://schemas.openxmlformats.org/presentationml/2006/main">
   <p:cSld>
     <p:spTree>
@@ -8042,14 +6010,14 @@
           <a:ln/>
           <a:extLst>
             <a:ext uri="{909E8E84-426E-40dd-AFC4-6F175D3DCCD1}">
-              <a14:hiddenFill xmlns="" xmlns:a14="http://schemas.microsoft.com/office/drawing/2010/main">
+              <a14:hiddenFill xmlns:a14="http://schemas.microsoft.com/office/drawing/2010/main" xmlns="">
                 <a:solidFill>
                   <a:srgbClr val="FFFFFF"/>
                 </a:solidFill>
               </a14:hiddenFill>
             </a:ext>
             <a:ext uri="{91240B29-F687-4f45-9708-019B960494DF}">
-              <a14:hiddenLine xmlns="" xmlns:a14="http://schemas.microsoft.com/office/drawing/2010/main" w="9525">
+              <a14:hiddenLine xmlns:a14="http://schemas.microsoft.com/office/drawing/2010/main" xmlns="" w="9525">
                 <a:solidFill>
                   <a:srgbClr val="000000"/>
                 </a:solidFill>
@@ -8163,7 +6131,7 @@
           <a:p>
             <a:r>
               <a:rPr lang="pl-PL" dirty="0"/>
-              <a:t>UW CSE P 501 Spring 2018</a:t>
+              <a:t>Compiler Design</a:t>
             </a:r>
             <a:endParaRPr lang="en-US" dirty="0"/>
           </a:p>
@@ -8187,14 +6155,14 @@
           <a:ln/>
           <a:extLst>
             <a:ext uri="{909E8E84-426E-40dd-AFC4-6F175D3DCCD1}">
-              <a14:hiddenFill xmlns="" xmlns:a14="http://schemas.microsoft.com/office/drawing/2010/main">
+              <a14:hiddenFill xmlns:a14="http://schemas.microsoft.com/office/drawing/2010/main" xmlns="">
                 <a:solidFill>
                   <a:srgbClr val="FFFFFF"/>
                 </a:solidFill>
               </a14:hiddenFill>
             </a:ext>
             <a:ext uri="{91240B29-F687-4f45-9708-019B960494DF}">
-              <a14:hiddenLine xmlns="" xmlns:a14="http://schemas.microsoft.com/office/drawing/2010/main" w="9525">
+              <a14:hiddenLine xmlns:a14="http://schemas.microsoft.com/office/drawing/2010/main" xmlns="" w="9525">
                 <a:solidFill>
                   <a:srgbClr val="000000"/>
                 </a:solidFill>
@@ -8313,7 +6281,7 @@
             <a:fld id="{DF0E7DF5-2ED0-4E6C-BEF6-FDD6D987CCF6}" type="slidenum">
               <a:rPr lang="en-US" smtClean="0"/>
               <a:pPr/>
-              <a:t>17</a:t>
+              <a:t>13</a:t>
             </a:fld>
             <a:endParaRPr lang="en-US"/>
           </a:p>
@@ -15692,7 +13660,7 @@
 </p:sld>
 </file>
 
-<file path=ppt/slides/slide18.xml><?xml version="1.0" encoding="utf-8"?>
+<file path=ppt/slides/slide14.xml><?xml version="1.0" encoding="utf-8"?>
 <p:sld xmlns:a="http://schemas.openxmlformats.org/drawingml/2006/main" xmlns:r="http://schemas.openxmlformats.org/officeDocument/2006/relationships" xmlns:p="http://schemas.openxmlformats.org/presentationml/2006/main">
   <p:cSld>
     <p:spTree>
@@ -15946,7 +13914,7 @@
           <a:p>
             <a:r>
               <a:rPr lang="pl-PL" dirty="0"/>
-              <a:t>UW CSE P 501 Spring 2018</a:t>
+              <a:t>Compiler Design</a:t>
             </a:r>
             <a:endParaRPr lang="en-US" dirty="0"/>
           </a:p>
@@ -16074,7 +14042,7 @@
             <a:fld id="{52F518F7-A151-4E7C-9CC9-D9B015E6513D}" type="slidenum">
               <a:rPr lang="en-US" smtClean="0"/>
               <a:pPr/>
-              <a:t>18</a:t>
+              <a:t>14</a:t>
             </a:fld>
             <a:endParaRPr lang="en-US"/>
           </a:p>
@@ -16088,7 +14056,7 @@
 </p:sld>
 </file>
 
-<file path=ppt/slides/slide19.xml><?xml version="1.0" encoding="utf-8"?>
+<file path=ppt/slides/slide15.xml><?xml version="1.0" encoding="utf-8"?>
 <p:sld xmlns:a="http://schemas.openxmlformats.org/drawingml/2006/main" xmlns:r="http://schemas.openxmlformats.org/officeDocument/2006/relationships" xmlns:p="http://schemas.openxmlformats.org/presentationml/2006/main">
   <p:cSld>
     <p:spTree>
@@ -16403,7 +14371,7 @@
           <a:p>
             <a:r>
               <a:rPr lang="pl-PL" dirty="0"/>
-              <a:t>UW CSE P 501 Spring 2018</a:t>
+              <a:t>Compiler Design</a:t>
             </a:r>
             <a:endParaRPr lang="en-US" dirty="0"/>
           </a:p>
@@ -16531,7 +14499,7 @@
             <a:fld id="{0DB0DABB-8E88-48DF-A4DF-10A235634F77}" type="slidenum">
               <a:rPr lang="en-US" smtClean="0"/>
               <a:pPr/>
-              <a:t>19</a:t>
+              <a:t>15</a:t>
             </a:fld>
             <a:endParaRPr lang="en-US"/>
           </a:p>
@@ -16545,251 +14513,7 @@
 </p:sld>
 </file>
 
-<file path=ppt/slides/slide2.xml><?xml version="1.0" encoding="utf-8"?>
-<p:sld xmlns:a="http://schemas.openxmlformats.org/drawingml/2006/main" xmlns:r="http://schemas.openxmlformats.org/officeDocument/2006/relationships" xmlns:p="http://schemas.openxmlformats.org/presentationml/2006/main">
-  <p:cSld>
-    <p:spTree>
-      <p:nvGrpSpPr>
-        <p:cNvPr id="1" name=""/>
-        <p:cNvGrpSpPr/>
-        <p:nvPr/>
-      </p:nvGrpSpPr>
-      <p:grpSpPr>
-        <a:xfrm>
-          <a:off x="0" y="0"/>
-          <a:ext cx="0" cy="0"/>
-          <a:chOff x="0" y="0"/>
-          <a:chExt cx="0" cy="0"/>
-        </a:xfrm>
-      </p:grpSpPr>
-      <p:sp>
-        <p:nvSpPr>
-          <p:cNvPr id="2" name="Title 1"/>
-          <p:cNvSpPr>
-            <a:spLocks noGrp="1"/>
-          </p:cNvSpPr>
-          <p:nvPr>
-            <p:ph type="title"/>
-          </p:nvPr>
-        </p:nvSpPr>
-        <p:spPr/>
-        <p:txBody>
-          <a:bodyPr/>
-          <a:lstStyle/>
-          <a:p>
-            <a:r>
-              <a:rPr lang="en-US" dirty="0" err="1"/>
-              <a:t>Administrivia</a:t>
-            </a:r>
-            <a:endParaRPr lang="en-US" dirty="0"/>
-          </a:p>
-        </p:txBody>
-      </p:sp>
-      <p:sp>
-        <p:nvSpPr>
-          <p:cNvPr id="3" name="Content Placeholder 2"/>
-          <p:cNvSpPr>
-            <a:spLocks noGrp="1"/>
-          </p:cNvSpPr>
-          <p:nvPr>
-            <p:ph idx="1"/>
-          </p:nvPr>
-        </p:nvSpPr>
-        <p:spPr>
-          <a:xfrm>
-            <a:off x="457200" y="1600200"/>
-            <a:ext cx="8229600" cy="4876800"/>
-          </a:xfrm>
-        </p:spPr>
-        <p:txBody>
-          <a:bodyPr>
-            <a:normAutofit fontScale="77500" lnSpcReduction="20000"/>
-          </a:bodyPr>
-          <a:lstStyle/>
-          <a:p>
-            <a:r>
-              <a:rPr lang="en-US" dirty="0"/>
-              <a:t>New HW3 (LR constr., LL grammars) due next Monday night</a:t>
-            </a:r>
-          </a:p>
-          <a:p>
-            <a:r>
-              <a:rPr lang="en-US" dirty="0"/>
-              <a:t>Scanner due next Monday night also</a:t>
-            </a:r>
-          </a:p>
-          <a:p>
-            <a:pPr lvl="1"/>
-            <a:r>
-              <a:rPr lang="en-US" dirty="0"/>
-              <a:t>Push to </a:t>
-            </a:r>
-            <a:r>
-              <a:rPr lang="en-US" dirty="0" err="1"/>
-              <a:t>Gitlab</a:t>
-            </a:r>
-            <a:r>
-              <a:rPr lang="en-US" dirty="0"/>
-              <a:t> then tag scanner-final and push tag.  </a:t>
-            </a:r>
-          </a:p>
-          <a:p>
-            <a:pPr lvl="2"/>
-            <a:r>
-              <a:rPr lang="en-US" dirty="0" err="1"/>
-              <a:t>GitLab</a:t>
-            </a:r>
-            <a:r>
-              <a:rPr lang="en-US" dirty="0"/>
-              <a:t> accounts OK?  Any other logistics issues?</a:t>
-            </a:r>
-          </a:p>
-          <a:p>
-            <a:pPr lvl="1"/>
-            <a:r>
-              <a:rPr lang="en-US" dirty="0"/>
-              <a:t>Scanner should be fairly straightforward, but does require figuring out what the tokens are</a:t>
-            </a:r>
-          </a:p>
-          <a:p>
-            <a:pPr lvl="1"/>
-            <a:r>
-              <a:rPr lang="en-US" dirty="0"/>
-              <a:t>Remember that the scanner doesn’t know or care if the token stream makes any sense as a </a:t>
-            </a:r>
-            <a:r>
-              <a:rPr lang="en-US" dirty="0" err="1"/>
-              <a:t>MiniJava</a:t>
-            </a:r>
-            <a:r>
-              <a:rPr lang="en-US" dirty="0"/>
-              <a:t> program.</a:t>
-            </a:r>
-          </a:p>
-          <a:p>
-            <a:pPr lvl="1"/>
-            <a:r>
-              <a:rPr lang="en-US" dirty="0"/>
-              <a:t>Will do our best to sanity check by later that week, then ….</a:t>
-            </a:r>
-          </a:p>
-          <a:p>
-            <a:r>
-              <a:rPr lang="en-US" dirty="0"/>
-              <a:t>Parser due in 2 weeks, out in next day or two</a:t>
-            </a:r>
-          </a:p>
-          <a:p>
-            <a:pPr lvl="1"/>
-            <a:r>
-              <a:rPr lang="en-US" dirty="0"/>
-              <a:t>Add parser rules for </a:t>
-            </a:r>
-            <a:r>
-              <a:rPr lang="en-US" dirty="0" err="1"/>
-              <a:t>MiniJava</a:t>
-            </a:r>
-            <a:r>
-              <a:rPr lang="en-US" dirty="0"/>
-              <a:t> + semantics to build AST</a:t>
-            </a:r>
-          </a:p>
-          <a:p>
-            <a:pPr lvl="1"/>
-            <a:r>
-              <a:rPr lang="en-US" dirty="0"/>
-              <a:t>Add new visitor to print AST as an indented tree structure</a:t>
-            </a:r>
-          </a:p>
-          <a:p>
-            <a:pPr lvl="2"/>
-            <a:r>
-              <a:rPr lang="en-US" dirty="0"/>
-              <a:t>Not the same as the AST-&gt;source formatter in starter code</a:t>
-            </a:r>
-          </a:p>
-          <a:p>
-            <a:pPr lvl="2"/>
-            <a:r>
-              <a:rPr lang="en-US" dirty="0"/>
-              <a:t>Needed in any compiler: formatted output of key data structure(s)</a:t>
-            </a:r>
-          </a:p>
-        </p:txBody>
-      </p:sp>
-      <p:sp>
-        <p:nvSpPr>
-          <p:cNvPr id="4" name="Footer Placeholder 3"/>
-          <p:cNvSpPr>
-            <a:spLocks noGrp="1"/>
-          </p:cNvSpPr>
-          <p:nvPr>
-            <p:ph type="ftr" sz="quarter" idx="11"/>
-          </p:nvPr>
-        </p:nvSpPr>
-        <p:spPr/>
-        <p:txBody>
-          <a:bodyPr/>
-          <a:lstStyle/>
-          <a:p>
-            <a:pPr>
-              <a:defRPr/>
-            </a:pPr>
-            <a:r>
-              <a:rPr lang="pl-PL" dirty="0"/>
-              <a:t>UW CSE P 501 Spring 2018</a:t>
-            </a:r>
-            <a:endParaRPr lang="en-US" dirty="0"/>
-          </a:p>
-        </p:txBody>
-      </p:sp>
-      <p:sp>
-        <p:nvSpPr>
-          <p:cNvPr id="5" name="Slide Number Placeholder 4"/>
-          <p:cNvSpPr>
-            <a:spLocks noGrp="1"/>
-          </p:cNvSpPr>
-          <p:nvPr>
-            <p:ph type="sldNum" sz="quarter" idx="12"/>
-          </p:nvPr>
-        </p:nvSpPr>
-        <p:spPr/>
-        <p:txBody>
-          <a:bodyPr/>
-          <a:lstStyle/>
-          <a:p>
-            <a:pPr>
-              <a:defRPr/>
-            </a:pPr>
-            <a:r>
-              <a:rPr lang="en-US"/>
-              <a:t>H-</a:t>
-            </a:r>
-            <a:fld id="{B5FA0D70-380C-4F61-8C89-BB3DB0647DA6}" type="slidenum">
-              <a:rPr lang="en-US" smtClean="0"/>
-              <a:pPr>
-                <a:defRPr/>
-              </a:pPr>
-              <a:t>2</a:t>
-            </a:fld>
-            <a:endParaRPr lang="en-US"/>
-          </a:p>
-        </p:txBody>
-      </p:sp>
-    </p:spTree>
-    <p:extLst>
-      <p:ext uri="{BB962C8B-B14F-4D97-AF65-F5344CB8AC3E}">
-        <p14:creationId xmlns:p14="http://schemas.microsoft.com/office/powerpoint/2010/main" val="2273421287"/>
-      </p:ext>
-    </p:extLst>
-  </p:cSld>
-  <p:clrMapOvr>
-    <a:masterClrMapping/>
-  </p:clrMapOvr>
-</p:sld>
-</file>
-
-<file path=ppt/slides/slide20.xml><?xml version="1.0" encoding="utf-8"?>
+<file path=ppt/slides/slide16.xml><?xml version="1.0" encoding="utf-8"?>
 <p:sld xmlns:a="http://schemas.openxmlformats.org/drawingml/2006/main" xmlns:r="http://schemas.openxmlformats.org/officeDocument/2006/relationships" xmlns:p="http://schemas.openxmlformats.org/presentationml/2006/main">
   <p:cSld>
     <p:spTree>
@@ -17097,7 +14821,7 @@
           <a:p>
             <a:r>
               <a:rPr lang="pl-PL" dirty="0"/>
-              <a:t>UW CSE P 501 Spring 2018</a:t>
+              <a:t>Compiler Design</a:t>
             </a:r>
             <a:endParaRPr lang="en-US" dirty="0"/>
           </a:p>
@@ -17225,7 +14949,7 @@
             <a:fld id="{0DB0DABB-8E88-48DF-A4DF-10A235634F77}" type="slidenum">
               <a:rPr lang="en-US" smtClean="0"/>
               <a:pPr/>
-              <a:t>20</a:t>
+              <a:t>16</a:t>
             </a:fld>
             <a:endParaRPr lang="en-US"/>
           </a:p>
@@ -17244,7 +14968,7 @@
 </p:sld>
 </file>
 
-<file path=ppt/slides/slide21.xml><?xml version="1.0" encoding="utf-8"?>
+<file path=ppt/slides/slide17.xml><?xml version="1.0" encoding="utf-8"?>
 <p:sld xmlns:a="http://schemas.openxmlformats.org/drawingml/2006/main" xmlns:r="http://schemas.openxmlformats.org/officeDocument/2006/relationships" xmlns:p="http://schemas.openxmlformats.org/presentationml/2006/main">
   <p:cSld>
     <p:spTree>
@@ -17561,7 +15285,7 @@
           <a:p>
             <a:r>
               <a:rPr lang="pl-PL" dirty="0"/>
-              <a:t>UW CSE P 501 Spring 2018</a:t>
+              <a:t>Compiler Design</a:t>
             </a:r>
             <a:endParaRPr lang="en-US" dirty="0"/>
           </a:p>
@@ -17689,7 +15413,7 @@
             <a:fld id="{42CFA3C9-E729-4C16-8826-A029F8587132}" type="slidenum">
               <a:rPr lang="en-US" smtClean="0"/>
               <a:pPr/>
-              <a:t>21</a:t>
+              <a:t>17</a:t>
             </a:fld>
             <a:endParaRPr lang="en-US"/>
           </a:p>
@@ -17703,7 +15427,7 @@
 </p:sld>
 </file>
 
-<file path=ppt/slides/slide22.xml><?xml version="1.0" encoding="utf-8"?>
+<file path=ppt/slides/slide18.xml><?xml version="1.0" encoding="utf-8"?>
 <p:sld xmlns:a="http://schemas.openxmlformats.org/drawingml/2006/main" xmlns:r="http://schemas.openxmlformats.org/officeDocument/2006/relationships" xmlns:p="http://schemas.openxmlformats.org/presentationml/2006/main">
   <p:cSld>
     <p:spTree>
@@ -18076,7 +15800,7 @@
           <a:p>
             <a:r>
               <a:rPr lang="pl-PL" dirty="0"/>
-              <a:t>UW CSE P 501 Spring 2018</a:t>
+              <a:t>Compiler Design</a:t>
             </a:r>
             <a:endParaRPr lang="en-US" dirty="0"/>
           </a:p>
@@ -18202,6 +15926,1969 @@
               <a:t>H-</a:t>
             </a:r>
             <a:fld id="{4CB4A8C2-C38F-4212-A101-7909F6956485}" type="slidenum">
+              <a:rPr lang="en-US" smtClean="0"/>
+              <a:pPr/>
+              <a:t>18</a:t>
+            </a:fld>
+            <a:endParaRPr lang="en-US"/>
+          </a:p>
+        </p:txBody>
+      </p:sp>
+    </p:spTree>
+  </p:cSld>
+  <p:clrMapOvr>
+    <a:masterClrMapping/>
+  </p:clrMapOvr>
+</p:sld>
+</file>
+
+<file path=ppt/slides/slide19.xml><?xml version="1.0" encoding="utf-8"?>
+<p:sld xmlns:a="http://schemas.openxmlformats.org/drawingml/2006/main" xmlns:r="http://schemas.openxmlformats.org/officeDocument/2006/relationships" xmlns:p="http://schemas.openxmlformats.org/presentationml/2006/main">
+  <p:cSld>
+    <p:spTree>
+      <p:nvGrpSpPr>
+        <p:cNvPr id="1" name=""/>
+        <p:cNvGrpSpPr/>
+        <p:nvPr/>
+      </p:nvGrpSpPr>
+      <p:grpSpPr>
+        <a:xfrm>
+          <a:off x="0" y="0"/>
+          <a:ext cx="0" cy="0"/>
+          <a:chOff x="0" y="0"/>
+          <a:chExt cx="0" cy="0"/>
+        </a:xfrm>
+      </p:grpSpPr>
+      <p:sp>
+        <p:nvSpPr>
+          <p:cNvPr id="2" name="Title 1"/>
+          <p:cNvSpPr>
+            <a:spLocks noGrp="1"/>
+          </p:cNvSpPr>
+          <p:nvPr>
+            <p:ph type="title"/>
+          </p:nvPr>
+        </p:nvSpPr>
+        <p:spPr/>
+        <p:txBody>
+          <a:bodyPr/>
+          <a:lstStyle/>
+          <a:p>
+            <a:r>
+              <a:rPr lang="en-US" dirty="0"/>
+              <a:t>Composite Objects (1)</a:t>
+            </a:r>
+          </a:p>
+        </p:txBody>
+      </p:sp>
+      <p:sp>
+        <p:nvSpPr>
+          <p:cNvPr id="3" name="Content Placeholder 2"/>
+          <p:cNvSpPr>
+            <a:spLocks noGrp="1"/>
+          </p:cNvSpPr>
+          <p:nvPr>
+            <p:ph idx="1"/>
+          </p:nvPr>
+        </p:nvSpPr>
+        <p:spPr/>
+        <p:txBody>
+          <a:bodyPr>
+            <a:normAutofit fontScale="85000" lnSpcReduction="10000"/>
+          </a:bodyPr>
+          <a:lstStyle/>
+          <a:p>
+            <a:r>
+              <a:rPr lang="en-US" dirty="0"/>
+              <a:t>How do we handle composite objects?</a:t>
+            </a:r>
+          </a:p>
+          <a:p>
+            <a:r>
+              <a:rPr lang="en-US" dirty="0"/>
+              <a:t>One  possibility: the accept method passes the visitor down to </a:t>
+            </a:r>
+            <a:r>
+              <a:rPr lang="en-US" dirty="0" err="1"/>
+              <a:t>subtrees</a:t>
+            </a:r>
+            <a:r>
+              <a:rPr lang="en-US" dirty="0"/>
+              <a:t> before (or after) visiting itself</a:t>
+            </a:r>
+          </a:p>
+          <a:p>
+            <a:pPr marL="857250" lvl="2" indent="0">
+              <a:buNone/>
+            </a:pPr>
+            <a:r>
+              <a:rPr lang="en-US" dirty="0"/>
+              <a:t>public class </a:t>
+            </a:r>
+            <a:r>
+              <a:rPr lang="en-US" dirty="0" err="1"/>
+              <a:t>WhileNode</a:t>
+            </a:r>
+            <a:r>
+              <a:rPr lang="en-US" dirty="0"/>
+              <a:t> extends </a:t>
+            </a:r>
+            <a:r>
+              <a:rPr lang="en-US" dirty="0" err="1"/>
+              <a:t>StmtNode</a:t>
+            </a:r>
+            <a:r>
+              <a:rPr lang="en-US" dirty="0"/>
+              <a:t> {</a:t>
+            </a:r>
+          </a:p>
+          <a:p>
+            <a:pPr marL="914400" lvl="2" indent="0">
+              <a:buNone/>
+            </a:pPr>
+            <a:r>
+              <a:rPr lang="en-US" dirty="0"/>
+              <a:t>  </a:t>
+            </a:r>
+            <a:r>
+              <a:rPr lang="en-US" dirty="0" err="1"/>
+              <a:t>Expr</a:t>
+            </a:r>
+            <a:r>
+              <a:rPr lang="en-US" dirty="0"/>
+              <a:t> </a:t>
+            </a:r>
+            <a:r>
+              <a:rPr lang="en-US" dirty="0" err="1"/>
+              <a:t>exp</a:t>
+            </a:r>
+            <a:r>
+              <a:rPr lang="en-US" dirty="0"/>
+              <a:t>; </a:t>
+            </a:r>
+            <a:r>
+              <a:rPr lang="en-US" dirty="0" err="1"/>
+              <a:t>Stmt</a:t>
+            </a:r>
+            <a:r>
+              <a:rPr lang="en-US" dirty="0"/>
+              <a:t> </a:t>
+            </a:r>
+            <a:r>
+              <a:rPr lang="en-US" dirty="0" err="1"/>
+              <a:t>stmt</a:t>
+            </a:r>
+            <a:r>
+              <a:rPr lang="en-US" dirty="0"/>
+              <a:t>;   // children</a:t>
+            </a:r>
+          </a:p>
+          <a:p>
+            <a:pPr marL="914400" lvl="2" indent="0">
+              <a:buNone/>
+            </a:pPr>
+            <a:r>
+              <a:rPr lang="en-US" dirty="0"/>
+              <a:t>  …</a:t>
+            </a:r>
+          </a:p>
+          <a:p>
+            <a:pPr marL="914400" lvl="2" indent="0">
+              <a:buNone/>
+            </a:pPr>
+            <a:r>
+              <a:rPr lang="en-US" dirty="0"/>
+              <a:t>  // accept a visit from visitor v</a:t>
+            </a:r>
+          </a:p>
+          <a:p>
+            <a:pPr marL="914400" lvl="2" indent="0">
+              <a:buNone/>
+            </a:pPr>
+            <a:r>
+              <a:rPr lang="en-US" dirty="0"/>
+              <a:t>  public void accept (Visitor v) {</a:t>
+            </a:r>
+          </a:p>
+          <a:p>
+            <a:pPr marL="914400" lvl="2" indent="0">
+              <a:buNone/>
+            </a:pPr>
+            <a:r>
+              <a:rPr lang="en-US" dirty="0"/>
+              <a:t>     </a:t>
+            </a:r>
+            <a:r>
+              <a:rPr lang="en-US" dirty="0" err="1"/>
+              <a:t>this.exp.accept</a:t>
+            </a:r>
+            <a:r>
+              <a:rPr lang="en-US" dirty="0"/>
+              <a:t>(v);</a:t>
+            </a:r>
+          </a:p>
+          <a:p>
+            <a:pPr marL="914400" lvl="2" indent="0">
+              <a:buNone/>
+            </a:pPr>
+            <a:r>
+              <a:rPr lang="en-US" dirty="0"/>
+              <a:t>     </a:t>
+            </a:r>
+            <a:r>
+              <a:rPr lang="en-US" dirty="0" err="1"/>
+              <a:t>this.stmt.accept</a:t>
+            </a:r>
+            <a:r>
+              <a:rPr lang="en-US" dirty="0"/>
+              <a:t>(v);</a:t>
+            </a:r>
+          </a:p>
+          <a:p>
+            <a:pPr marL="914400" lvl="2" indent="0">
+              <a:buNone/>
+            </a:pPr>
+            <a:r>
+              <a:rPr lang="en-US" dirty="0"/>
+              <a:t>     </a:t>
+            </a:r>
+            <a:r>
+              <a:rPr lang="en-US" dirty="0" err="1"/>
+              <a:t>v.visit</a:t>
+            </a:r>
+            <a:r>
+              <a:rPr lang="en-US" dirty="0"/>
+              <a:t>(this);</a:t>
+            </a:r>
+          </a:p>
+          <a:p>
+            <a:pPr marL="914400" lvl="2" indent="0">
+              <a:buNone/>
+            </a:pPr>
+            <a:r>
+              <a:rPr lang="en-US" dirty="0"/>
+              <a:t> }</a:t>
+            </a:r>
+          </a:p>
+        </p:txBody>
+      </p:sp>
+      <p:sp>
+        <p:nvSpPr>
+          <p:cNvPr id="4" name="Footer Placeholder 3"/>
+          <p:cNvSpPr>
+            <a:spLocks noGrp="1"/>
+          </p:cNvSpPr>
+          <p:nvPr>
+            <p:ph type="ftr" sz="quarter" idx="11"/>
+          </p:nvPr>
+        </p:nvSpPr>
+        <p:spPr/>
+        <p:txBody>
+          <a:bodyPr/>
+          <a:lstStyle/>
+          <a:p>
+            <a:pPr>
+              <a:defRPr/>
+            </a:pPr>
+            <a:r>
+              <a:rPr lang="pl-PL" dirty="0"/>
+              <a:t>Compiler Design</a:t>
+            </a:r>
+            <a:endParaRPr lang="en-US" dirty="0"/>
+          </a:p>
+        </p:txBody>
+      </p:sp>
+      <p:sp>
+        <p:nvSpPr>
+          <p:cNvPr id="5" name="Slide Number Placeholder 4"/>
+          <p:cNvSpPr>
+            <a:spLocks noGrp="1"/>
+          </p:cNvSpPr>
+          <p:nvPr>
+            <p:ph type="sldNum" sz="quarter" idx="12"/>
+          </p:nvPr>
+        </p:nvSpPr>
+        <p:spPr/>
+        <p:txBody>
+          <a:bodyPr/>
+          <a:lstStyle/>
+          <a:p>
+            <a:pPr>
+              <a:defRPr/>
+            </a:pPr>
+            <a:r>
+              <a:rPr lang="en-US"/>
+              <a:t>H-</a:t>
+            </a:r>
+            <a:fld id="{B5FA0D70-380C-4F61-8C89-BB3DB0647DA6}" type="slidenum">
+              <a:rPr lang="en-US" smtClean="0"/>
+              <a:pPr>
+                <a:defRPr/>
+              </a:pPr>
+              <a:t>19</a:t>
+            </a:fld>
+            <a:endParaRPr lang="en-US"/>
+          </a:p>
+        </p:txBody>
+      </p:sp>
+    </p:spTree>
+    <p:extLst>
+      <p:ext uri="{BB962C8B-B14F-4D97-AF65-F5344CB8AC3E}">
+        <p14:creationId xmlns:p14="http://schemas.microsoft.com/office/powerpoint/2010/main" val="3671630775"/>
+      </p:ext>
+    </p:extLst>
+  </p:cSld>
+  <p:clrMapOvr>
+    <a:masterClrMapping/>
+  </p:clrMapOvr>
+</p:sld>
+</file>
+
+<file path=ppt/slides/slide2.xml><?xml version="1.0" encoding="utf-8"?>
+<p:sld xmlns:a="http://schemas.openxmlformats.org/drawingml/2006/main" xmlns:r="http://schemas.openxmlformats.org/officeDocument/2006/relationships" xmlns:p="http://schemas.openxmlformats.org/presentationml/2006/main" showMasterPhAnim="0">
+  <p:cSld>
+    <p:spTree>
+      <p:nvGrpSpPr>
+        <p:cNvPr id="1" name=""/>
+        <p:cNvGrpSpPr/>
+        <p:nvPr/>
+      </p:nvGrpSpPr>
+      <p:grpSpPr>
+        <a:xfrm>
+          <a:off x="0" y="0"/>
+          <a:ext cx="0" cy="0"/>
+          <a:chOff x="0" y="0"/>
+          <a:chExt cx="0" cy="0"/>
+        </a:xfrm>
+      </p:grpSpPr>
+      <p:sp>
+        <p:nvSpPr>
+          <p:cNvPr id="14341" name="Rectangle 2"/>
+          <p:cNvSpPr>
+            <a:spLocks noGrp="1" noChangeArrowheads="1"/>
+          </p:cNvSpPr>
+          <p:nvPr>
+            <p:ph type="title"/>
+            <p:custDataLst>
+              <p:tags r:id="rId1"/>
+            </p:custDataLst>
+          </p:nvPr>
+        </p:nvSpPr>
+        <p:spPr/>
+        <p:txBody>
+          <a:bodyPr/>
+          <a:lstStyle/>
+          <a:p>
+            <a:r>
+              <a:rPr lang="en-US"/>
+              <a:t>Agenda</a:t>
+            </a:r>
+          </a:p>
+        </p:txBody>
+      </p:sp>
+      <p:sp>
+        <p:nvSpPr>
+          <p:cNvPr id="14342" name="Rectangle 3"/>
+          <p:cNvSpPr>
+            <a:spLocks noGrp="1" noChangeArrowheads="1"/>
+          </p:cNvSpPr>
+          <p:nvPr>
+            <p:ph idx="1"/>
+            <p:custDataLst>
+              <p:tags r:id="rId2"/>
+            </p:custDataLst>
+          </p:nvPr>
+        </p:nvSpPr>
+        <p:spPr/>
+        <p:txBody>
+          <a:bodyPr>
+            <a:normAutofit/>
+          </a:bodyPr>
+          <a:lstStyle/>
+          <a:p>
+            <a:r>
+              <a:rPr lang="en-US" dirty="0"/>
+              <a:t>Representation of ASTs as objects</a:t>
+            </a:r>
+          </a:p>
+          <a:p>
+            <a:r>
+              <a:rPr lang="en-US" dirty="0"/>
+              <a:t>Parser semantic actions and AST generation</a:t>
+            </a:r>
+          </a:p>
+          <a:p>
+            <a:r>
+              <a:rPr lang="en-US" dirty="0"/>
+              <a:t>AST operations: modularity and encapsulation</a:t>
+            </a:r>
+          </a:p>
+          <a:p>
+            <a:r>
+              <a:rPr lang="en-US" dirty="0"/>
+              <a:t>Visitor pattern: basic ideas and variations</a:t>
+            </a:r>
+          </a:p>
+          <a:p>
+            <a:r>
+              <a:rPr lang="en-US" dirty="0"/>
+              <a:t>Some of the “why” behind the “how”</a:t>
+            </a:r>
+          </a:p>
+        </p:txBody>
+      </p:sp>
+      <p:sp>
+        <p:nvSpPr>
+          <p:cNvPr id="14339" name="Footer Placeholder 4"/>
+          <p:cNvSpPr>
+            <a:spLocks noGrp="1"/>
+          </p:cNvSpPr>
+          <p:nvPr>
+            <p:ph type="ftr" sz="quarter" idx="11"/>
+            <p:custDataLst>
+              <p:tags r:id="rId3"/>
+            </p:custDataLst>
+          </p:nvPr>
+        </p:nvSpPr>
+        <p:spPr/>
+        <p:txBody>
+          <a:bodyPr/>
+          <a:lstStyle>
+            <a:lvl1pPr>
+              <a:defRPr>
+                <a:solidFill>
+                  <a:schemeClr val="tx1"/>
+                </a:solidFill>
+                <a:latin typeface="Tahoma" charset="0"/>
+              </a:defRPr>
+            </a:lvl1pPr>
+            <a:lvl2pPr marL="742950" indent="-285750">
+              <a:defRPr>
+                <a:solidFill>
+                  <a:schemeClr val="tx1"/>
+                </a:solidFill>
+                <a:latin typeface="Tahoma" charset="0"/>
+              </a:defRPr>
+            </a:lvl2pPr>
+            <a:lvl3pPr marL="1143000" indent="-228600">
+              <a:defRPr>
+                <a:solidFill>
+                  <a:schemeClr val="tx1"/>
+                </a:solidFill>
+                <a:latin typeface="Tahoma" charset="0"/>
+              </a:defRPr>
+            </a:lvl3pPr>
+            <a:lvl4pPr marL="1600200" indent="-228600">
+              <a:defRPr>
+                <a:solidFill>
+                  <a:schemeClr val="tx1"/>
+                </a:solidFill>
+                <a:latin typeface="Tahoma" charset="0"/>
+              </a:defRPr>
+            </a:lvl4pPr>
+            <a:lvl5pPr marL="2057400" indent="-228600">
+              <a:defRPr>
+                <a:solidFill>
+                  <a:schemeClr val="tx1"/>
+                </a:solidFill>
+                <a:latin typeface="Tahoma" charset="0"/>
+              </a:defRPr>
+            </a:lvl5pPr>
+            <a:lvl6pPr marL="2514600" indent="-228600" eaLnBrk="0" fontAlgn="base" hangingPunct="0">
+              <a:spcBef>
+                <a:spcPct val="0"/>
+              </a:spcBef>
+              <a:spcAft>
+                <a:spcPct val="0"/>
+              </a:spcAft>
+              <a:defRPr>
+                <a:solidFill>
+                  <a:schemeClr val="tx1"/>
+                </a:solidFill>
+                <a:latin typeface="Tahoma" charset="0"/>
+              </a:defRPr>
+            </a:lvl6pPr>
+            <a:lvl7pPr marL="2971800" indent="-228600" eaLnBrk="0" fontAlgn="base" hangingPunct="0">
+              <a:spcBef>
+                <a:spcPct val="0"/>
+              </a:spcBef>
+              <a:spcAft>
+                <a:spcPct val="0"/>
+              </a:spcAft>
+              <a:defRPr>
+                <a:solidFill>
+                  <a:schemeClr val="tx1"/>
+                </a:solidFill>
+                <a:latin typeface="Tahoma" charset="0"/>
+              </a:defRPr>
+            </a:lvl7pPr>
+            <a:lvl8pPr marL="3429000" indent="-228600" eaLnBrk="0" fontAlgn="base" hangingPunct="0">
+              <a:spcBef>
+                <a:spcPct val="0"/>
+              </a:spcBef>
+              <a:spcAft>
+                <a:spcPct val="0"/>
+              </a:spcAft>
+              <a:defRPr>
+                <a:solidFill>
+                  <a:schemeClr val="tx1"/>
+                </a:solidFill>
+                <a:latin typeface="Tahoma" charset="0"/>
+              </a:defRPr>
+            </a:lvl8pPr>
+            <a:lvl9pPr marL="3886200" indent="-228600" eaLnBrk="0" fontAlgn="base" hangingPunct="0">
+              <a:spcBef>
+                <a:spcPct val="0"/>
+              </a:spcBef>
+              <a:spcAft>
+                <a:spcPct val="0"/>
+              </a:spcAft>
+              <a:defRPr>
+                <a:solidFill>
+                  <a:schemeClr val="tx1"/>
+                </a:solidFill>
+                <a:latin typeface="Tahoma" charset="0"/>
+              </a:defRPr>
+            </a:lvl9pPr>
+          </a:lstStyle>
+          <a:p>
+            <a:r>
+              <a:rPr lang="pl-PL" dirty="0"/>
+              <a:t>Compiler Design</a:t>
+            </a:r>
+            <a:endParaRPr lang="en-US" dirty="0"/>
+          </a:p>
+        </p:txBody>
+      </p:sp>
+      <p:sp>
+        <p:nvSpPr>
+          <p:cNvPr id="14340" name="Slide Number Placeholder 5"/>
+          <p:cNvSpPr>
+            <a:spLocks noGrp="1"/>
+          </p:cNvSpPr>
+          <p:nvPr>
+            <p:ph type="sldNum" sz="quarter" idx="12"/>
+            <p:custDataLst>
+              <p:tags r:id="rId4"/>
+            </p:custDataLst>
+          </p:nvPr>
+        </p:nvSpPr>
+        <p:spPr/>
+        <p:txBody>
+          <a:bodyPr/>
+          <a:lstStyle>
+            <a:lvl1pPr>
+              <a:defRPr>
+                <a:solidFill>
+                  <a:schemeClr val="tx1"/>
+                </a:solidFill>
+                <a:latin typeface="Tahoma" charset="0"/>
+              </a:defRPr>
+            </a:lvl1pPr>
+            <a:lvl2pPr marL="742950" indent="-285750">
+              <a:defRPr>
+                <a:solidFill>
+                  <a:schemeClr val="tx1"/>
+                </a:solidFill>
+                <a:latin typeface="Tahoma" charset="0"/>
+              </a:defRPr>
+            </a:lvl2pPr>
+            <a:lvl3pPr marL="1143000" indent="-228600">
+              <a:defRPr>
+                <a:solidFill>
+                  <a:schemeClr val="tx1"/>
+                </a:solidFill>
+                <a:latin typeface="Tahoma" charset="0"/>
+              </a:defRPr>
+            </a:lvl3pPr>
+            <a:lvl4pPr marL="1600200" indent="-228600">
+              <a:defRPr>
+                <a:solidFill>
+                  <a:schemeClr val="tx1"/>
+                </a:solidFill>
+                <a:latin typeface="Tahoma" charset="0"/>
+              </a:defRPr>
+            </a:lvl4pPr>
+            <a:lvl5pPr marL="2057400" indent="-228600">
+              <a:defRPr>
+                <a:solidFill>
+                  <a:schemeClr val="tx1"/>
+                </a:solidFill>
+                <a:latin typeface="Tahoma" charset="0"/>
+              </a:defRPr>
+            </a:lvl5pPr>
+            <a:lvl6pPr marL="2514600" indent="-228600" eaLnBrk="0" fontAlgn="base" hangingPunct="0">
+              <a:spcBef>
+                <a:spcPct val="0"/>
+              </a:spcBef>
+              <a:spcAft>
+                <a:spcPct val="0"/>
+              </a:spcAft>
+              <a:defRPr>
+                <a:solidFill>
+                  <a:schemeClr val="tx1"/>
+                </a:solidFill>
+                <a:latin typeface="Tahoma" charset="0"/>
+              </a:defRPr>
+            </a:lvl6pPr>
+            <a:lvl7pPr marL="2971800" indent="-228600" eaLnBrk="0" fontAlgn="base" hangingPunct="0">
+              <a:spcBef>
+                <a:spcPct val="0"/>
+              </a:spcBef>
+              <a:spcAft>
+                <a:spcPct val="0"/>
+              </a:spcAft>
+              <a:defRPr>
+                <a:solidFill>
+                  <a:schemeClr val="tx1"/>
+                </a:solidFill>
+                <a:latin typeface="Tahoma" charset="0"/>
+              </a:defRPr>
+            </a:lvl7pPr>
+            <a:lvl8pPr marL="3429000" indent="-228600" eaLnBrk="0" fontAlgn="base" hangingPunct="0">
+              <a:spcBef>
+                <a:spcPct val="0"/>
+              </a:spcBef>
+              <a:spcAft>
+                <a:spcPct val="0"/>
+              </a:spcAft>
+              <a:defRPr>
+                <a:solidFill>
+                  <a:schemeClr val="tx1"/>
+                </a:solidFill>
+                <a:latin typeface="Tahoma" charset="0"/>
+              </a:defRPr>
+            </a:lvl8pPr>
+            <a:lvl9pPr marL="3886200" indent="-228600" eaLnBrk="0" fontAlgn="base" hangingPunct="0">
+              <a:spcBef>
+                <a:spcPct val="0"/>
+              </a:spcBef>
+              <a:spcAft>
+                <a:spcPct val="0"/>
+              </a:spcAft>
+              <a:defRPr>
+                <a:solidFill>
+                  <a:schemeClr val="tx1"/>
+                </a:solidFill>
+                <a:latin typeface="Tahoma" charset="0"/>
+              </a:defRPr>
+            </a:lvl9pPr>
+          </a:lstStyle>
+          <a:p>
+            <a:r>
+              <a:rPr lang="en-US"/>
+              <a:t>H-</a:t>
+            </a:r>
+            <a:fld id="{AF2CE54E-037D-4B6D-98A6-926BA540E595}" type="slidenum">
+              <a:rPr lang="en-US" smtClean="0"/>
+              <a:pPr/>
+              <a:t>2</a:t>
+            </a:fld>
+            <a:endParaRPr lang="en-US"/>
+          </a:p>
+        </p:txBody>
+      </p:sp>
+    </p:spTree>
+  </p:cSld>
+  <p:clrMapOvr>
+    <a:masterClrMapping/>
+  </p:clrMapOvr>
+  <p:transition/>
+</p:sld>
+</file>
+
+<file path=ppt/slides/slide20.xml><?xml version="1.0" encoding="utf-8"?>
+<p:sld xmlns:a="http://schemas.openxmlformats.org/drawingml/2006/main" xmlns:r="http://schemas.openxmlformats.org/officeDocument/2006/relationships" xmlns:p="http://schemas.openxmlformats.org/presentationml/2006/main">
+  <p:cSld>
+    <p:spTree>
+      <p:nvGrpSpPr>
+        <p:cNvPr id="1" name=""/>
+        <p:cNvGrpSpPr/>
+        <p:nvPr/>
+      </p:nvGrpSpPr>
+      <p:grpSpPr>
+        <a:xfrm>
+          <a:off x="0" y="0"/>
+          <a:ext cx="0" cy="0"/>
+          <a:chOff x="0" y="0"/>
+          <a:chExt cx="0" cy="0"/>
+        </a:xfrm>
+      </p:grpSpPr>
+      <p:sp>
+        <p:nvSpPr>
+          <p:cNvPr id="44037" name="Rectangle 2"/>
+          <p:cNvSpPr>
+            <a:spLocks noGrp="1" noChangeArrowheads="1"/>
+          </p:cNvSpPr>
+          <p:nvPr>
+            <p:ph type="title"/>
+            <p:custDataLst>
+              <p:tags r:id="rId1"/>
+            </p:custDataLst>
+          </p:nvPr>
+        </p:nvSpPr>
+        <p:spPr/>
+        <p:txBody>
+          <a:bodyPr/>
+          <a:lstStyle/>
+          <a:p>
+            <a:r>
+              <a:rPr lang="en-US" dirty="0"/>
+              <a:t>Composite Objects (2)</a:t>
+            </a:r>
+          </a:p>
+        </p:txBody>
+      </p:sp>
+      <p:sp>
+        <p:nvSpPr>
+          <p:cNvPr id="44038" name="Rectangle 3"/>
+          <p:cNvSpPr>
+            <a:spLocks noGrp="1" noChangeArrowheads="1"/>
+          </p:cNvSpPr>
+          <p:nvPr>
+            <p:ph idx="1"/>
+            <p:custDataLst>
+              <p:tags r:id="rId2"/>
+            </p:custDataLst>
+          </p:nvPr>
+        </p:nvSpPr>
+        <p:spPr/>
+        <p:txBody>
+          <a:bodyPr>
+            <a:normAutofit/>
+          </a:bodyPr>
+          <a:lstStyle/>
+          <a:p>
+            <a:r>
+              <a:rPr lang="en-US" dirty="0"/>
+              <a:t>Another possibility: the visitor can control the traversal inside the visit method for that particular kind of node</a:t>
+            </a:r>
+          </a:p>
+          <a:p>
+            <a:pPr marL="457200" lvl="1" indent="0">
+              <a:buNone/>
+            </a:pPr>
+            <a:r>
+              <a:rPr lang="en-US" dirty="0"/>
+              <a:t>	public void visit(</a:t>
+            </a:r>
+            <a:r>
+              <a:rPr lang="en-US" dirty="0" err="1"/>
+              <a:t>WhileNode</a:t>
+            </a:r>
+            <a:r>
+              <a:rPr lang="en-US" dirty="0"/>
+              <a:t> p) {</a:t>
+            </a:r>
+            <a:br>
+              <a:rPr lang="en-US" dirty="0"/>
+            </a:br>
+            <a:r>
+              <a:rPr lang="en-US" dirty="0"/>
+              <a:t>		</a:t>
+            </a:r>
+            <a:r>
+              <a:rPr lang="en-US" dirty="0" err="1"/>
+              <a:t>p.expr.accept</a:t>
+            </a:r>
+            <a:r>
+              <a:rPr lang="en-US" dirty="0"/>
+              <a:t>(this);</a:t>
+            </a:r>
+          </a:p>
+          <a:p>
+            <a:pPr marL="457200" lvl="1" indent="0">
+              <a:buNone/>
+            </a:pPr>
+            <a:r>
+              <a:rPr lang="en-US" dirty="0"/>
+              <a:t>		</a:t>
+            </a:r>
+            <a:r>
+              <a:rPr lang="en-US" dirty="0" err="1"/>
+              <a:t>p.stmt.accept</a:t>
+            </a:r>
+            <a:r>
+              <a:rPr lang="en-US" dirty="0"/>
+              <a:t>(this);</a:t>
+            </a:r>
+          </a:p>
+          <a:p>
+            <a:pPr marL="457200" lvl="1" indent="0">
+              <a:buNone/>
+            </a:pPr>
+            <a:r>
+              <a:rPr lang="en-US" dirty="0"/>
+              <a:t>	}</a:t>
+            </a:r>
+          </a:p>
+        </p:txBody>
+      </p:sp>
+      <p:sp>
+        <p:nvSpPr>
+          <p:cNvPr id="44035" name="Footer Placeholder 4"/>
+          <p:cNvSpPr>
+            <a:spLocks noGrp="1"/>
+          </p:cNvSpPr>
+          <p:nvPr>
+            <p:ph type="ftr" sz="quarter" idx="11"/>
+            <p:custDataLst>
+              <p:tags r:id="rId3"/>
+            </p:custDataLst>
+          </p:nvPr>
+        </p:nvSpPr>
+        <p:spPr/>
+        <p:txBody>
+          <a:bodyPr/>
+          <a:lstStyle>
+            <a:lvl1pPr>
+              <a:defRPr>
+                <a:solidFill>
+                  <a:schemeClr val="tx1"/>
+                </a:solidFill>
+                <a:latin typeface="Tahoma" charset="0"/>
+              </a:defRPr>
+            </a:lvl1pPr>
+            <a:lvl2pPr marL="742950" indent="-285750">
+              <a:defRPr>
+                <a:solidFill>
+                  <a:schemeClr val="tx1"/>
+                </a:solidFill>
+                <a:latin typeface="Tahoma" charset="0"/>
+              </a:defRPr>
+            </a:lvl2pPr>
+            <a:lvl3pPr marL="1143000" indent="-228600">
+              <a:defRPr>
+                <a:solidFill>
+                  <a:schemeClr val="tx1"/>
+                </a:solidFill>
+                <a:latin typeface="Tahoma" charset="0"/>
+              </a:defRPr>
+            </a:lvl3pPr>
+            <a:lvl4pPr marL="1600200" indent="-228600">
+              <a:defRPr>
+                <a:solidFill>
+                  <a:schemeClr val="tx1"/>
+                </a:solidFill>
+                <a:latin typeface="Tahoma" charset="0"/>
+              </a:defRPr>
+            </a:lvl4pPr>
+            <a:lvl5pPr marL="2057400" indent="-228600">
+              <a:defRPr>
+                <a:solidFill>
+                  <a:schemeClr val="tx1"/>
+                </a:solidFill>
+                <a:latin typeface="Tahoma" charset="0"/>
+              </a:defRPr>
+            </a:lvl5pPr>
+            <a:lvl6pPr marL="2514600" indent="-228600" eaLnBrk="0" fontAlgn="base" hangingPunct="0">
+              <a:spcBef>
+                <a:spcPct val="0"/>
+              </a:spcBef>
+              <a:spcAft>
+                <a:spcPct val="0"/>
+              </a:spcAft>
+              <a:defRPr>
+                <a:solidFill>
+                  <a:schemeClr val="tx1"/>
+                </a:solidFill>
+                <a:latin typeface="Tahoma" charset="0"/>
+              </a:defRPr>
+            </a:lvl6pPr>
+            <a:lvl7pPr marL="2971800" indent="-228600" eaLnBrk="0" fontAlgn="base" hangingPunct="0">
+              <a:spcBef>
+                <a:spcPct val="0"/>
+              </a:spcBef>
+              <a:spcAft>
+                <a:spcPct val="0"/>
+              </a:spcAft>
+              <a:defRPr>
+                <a:solidFill>
+                  <a:schemeClr val="tx1"/>
+                </a:solidFill>
+                <a:latin typeface="Tahoma" charset="0"/>
+              </a:defRPr>
+            </a:lvl7pPr>
+            <a:lvl8pPr marL="3429000" indent="-228600" eaLnBrk="0" fontAlgn="base" hangingPunct="0">
+              <a:spcBef>
+                <a:spcPct val="0"/>
+              </a:spcBef>
+              <a:spcAft>
+                <a:spcPct val="0"/>
+              </a:spcAft>
+              <a:defRPr>
+                <a:solidFill>
+                  <a:schemeClr val="tx1"/>
+                </a:solidFill>
+                <a:latin typeface="Tahoma" charset="0"/>
+              </a:defRPr>
+            </a:lvl8pPr>
+            <a:lvl9pPr marL="3886200" indent="-228600" eaLnBrk="0" fontAlgn="base" hangingPunct="0">
+              <a:spcBef>
+                <a:spcPct val="0"/>
+              </a:spcBef>
+              <a:spcAft>
+                <a:spcPct val="0"/>
+              </a:spcAft>
+              <a:defRPr>
+                <a:solidFill>
+                  <a:schemeClr val="tx1"/>
+                </a:solidFill>
+                <a:latin typeface="Tahoma" charset="0"/>
+              </a:defRPr>
+            </a:lvl9pPr>
+          </a:lstStyle>
+          <a:p>
+            <a:r>
+              <a:rPr lang="pl-PL" dirty="0"/>
+              <a:t>Compiler Design</a:t>
+            </a:r>
+            <a:endParaRPr lang="en-US" dirty="0"/>
+          </a:p>
+        </p:txBody>
+      </p:sp>
+      <p:sp>
+        <p:nvSpPr>
+          <p:cNvPr id="44036" name="Slide Number Placeholder 5"/>
+          <p:cNvSpPr>
+            <a:spLocks noGrp="1"/>
+          </p:cNvSpPr>
+          <p:nvPr>
+            <p:ph type="sldNum" sz="quarter" idx="12"/>
+            <p:custDataLst>
+              <p:tags r:id="rId4"/>
+            </p:custDataLst>
+          </p:nvPr>
+        </p:nvSpPr>
+        <p:spPr/>
+        <p:txBody>
+          <a:bodyPr/>
+          <a:lstStyle>
+            <a:lvl1pPr>
+              <a:defRPr>
+                <a:solidFill>
+                  <a:schemeClr val="tx1"/>
+                </a:solidFill>
+                <a:latin typeface="Tahoma" charset="0"/>
+              </a:defRPr>
+            </a:lvl1pPr>
+            <a:lvl2pPr marL="742950" indent="-285750">
+              <a:defRPr>
+                <a:solidFill>
+                  <a:schemeClr val="tx1"/>
+                </a:solidFill>
+                <a:latin typeface="Tahoma" charset="0"/>
+              </a:defRPr>
+            </a:lvl2pPr>
+            <a:lvl3pPr marL="1143000" indent="-228600">
+              <a:defRPr>
+                <a:solidFill>
+                  <a:schemeClr val="tx1"/>
+                </a:solidFill>
+                <a:latin typeface="Tahoma" charset="0"/>
+              </a:defRPr>
+            </a:lvl3pPr>
+            <a:lvl4pPr marL="1600200" indent="-228600">
+              <a:defRPr>
+                <a:solidFill>
+                  <a:schemeClr val="tx1"/>
+                </a:solidFill>
+                <a:latin typeface="Tahoma" charset="0"/>
+              </a:defRPr>
+            </a:lvl4pPr>
+            <a:lvl5pPr marL="2057400" indent="-228600">
+              <a:defRPr>
+                <a:solidFill>
+                  <a:schemeClr val="tx1"/>
+                </a:solidFill>
+                <a:latin typeface="Tahoma" charset="0"/>
+              </a:defRPr>
+            </a:lvl5pPr>
+            <a:lvl6pPr marL="2514600" indent="-228600" eaLnBrk="0" fontAlgn="base" hangingPunct="0">
+              <a:spcBef>
+                <a:spcPct val="0"/>
+              </a:spcBef>
+              <a:spcAft>
+                <a:spcPct val="0"/>
+              </a:spcAft>
+              <a:defRPr>
+                <a:solidFill>
+                  <a:schemeClr val="tx1"/>
+                </a:solidFill>
+                <a:latin typeface="Tahoma" charset="0"/>
+              </a:defRPr>
+            </a:lvl6pPr>
+            <a:lvl7pPr marL="2971800" indent="-228600" eaLnBrk="0" fontAlgn="base" hangingPunct="0">
+              <a:spcBef>
+                <a:spcPct val="0"/>
+              </a:spcBef>
+              <a:spcAft>
+                <a:spcPct val="0"/>
+              </a:spcAft>
+              <a:defRPr>
+                <a:solidFill>
+                  <a:schemeClr val="tx1"/>
+                </a:solidFill>
+                <a:latin typeface="Tahoma" charset="0"/>
+              </a:defRPr>
+            </a:lvl7pPr>
+            <a:lvl8pPr marL="3429000" indent="-228600" eaLnBrk="0" fontAlgn="base" hangingPunct="0">
+              <a:spcBef>
+                <a:spcPct val="0"/>
+              </a:spcBef>
+              <a:spcAft>
+                <a:spcPct val="0"/>
+              </a:spcAft>
+              <a:defRPr>
+                <a:solidFill>
+                  <a:schemeClr val="tx1"/>
+                </a:solidFill>
+                <a:latin typeface="Tahoma" charset="0"/>
+              </a:defRPr>
+            </a:lvl8pPr>
+            <a:lvl9pPr marL="3886200" indent="-228600" eaLnBrk="0" fontAlgn="base" hangingPunct="0">
+              <a:spcBef>
+                <a:spcPct val="0"/>
+              </a:spcBef>
+              <a:spcAft>
+                <a:spcPct val="0"/>
+              </a:spcAft>
+              <a:defRPr>
+                <a:solidFill>
+                  <a:schemeClr val="tx1"/>
+                </a:solidFill>
+                <a:latin typeface="Tahoma" charset="0"/>
+              </a:defRPr>
+            </a:lvl9pPr>
+          </a:lstStyle>
+          <a:p>
+            <a:r>
+              <a:rPr lang="en-US"/>
+              <a:t>H-</a:t>
+            </a:r>
+            <a:fld id="{B9773A87-9F99-40DF-B9FD-C4EFAA2C0440}" type="slidenum">
+              <a:rPr lang="en-US" smtClean="0"/>
+              <a:pPr/>
+              <a:t>20</a:t>
+            </a:fld>
+            <a:endParaRPr lang="en-US"/>
+          </a:p>
+        </p:txBody>
+      </p:sp>
+    </p:spTree>
+  </p:cSld>
+  <p:clrMapOvr>
+    <a:masterClrMapping/>
+  </p:clrMapOvr>
+</p:sld>
+</file>
+
+<file path=ppt/slides/slide21.xml><?xml version="1.0" encoding="utf-8"?>
+<p:sld xmlns:a="http://schemas.openxmlformats.org/drawingml/2006/main" xmlns:r="http://schemas.openxmlformats.org/officeDocument/2006/relationships" xmlns:p="http://schemas.openxmlformats.org/presentationml/2006/main">
+  <p:cSld>
+    <p:spTree>
+      <p:nvGrpSpPr>
+        <p:cNvPr id="1" name=""/>
+        <p:cNvGrpSpPr/>
+        <p:nvPr/>
+      </p:nvGrpSpPr>
+      <p:grpSpPr>
+        <a:xfrm>
+          <a:off x="0" y="0"/>
+          <a:ext cx="0" cy="0"/>
+          <a:chOff x="0" y="0"/>
+          <a:chExt cx="0" cy="0"/>
+        </a:xfrm>
+      </p:grpSpPr>
+      <p:sp>
+        <p:nvSpPr>
+          <p:cNvPr id="43013" name="Rectangle 2"/>
+          <p:cNvSpPr>
+            <a:spLocks noGrp="1" noChangeArrowheads="1"/>
+          </p:cNvSpPr>
+          <p:nvPr>
+            <p:ph type="title"/>
+            <p:custDataLst>
+              <p:tags r:id="rId1"/>
+            </p:custDataLst>
+          </p:nvPr>
+        </p:nvSpPr>
+        <p:spPr/>
+        <p:txBody>
+          <a:bodyPr/>
+          <a:lstStyle/>
+          <a:p>
+            <a:r>
+              <a:rPr lang="en-US"/>
+              <a:t>Encapsulation</a:t>
+            </a:r>
+          </a:p>
+        </p:txBody>
+      </p:sp>
+      <p:sp>
+        <p:nvSpPr>
+          <p:cNvPr id="43014" name="Rectangle 3"/>
+          <p:cNvSpPr>
+            <a:spLocks noGrp="1" noChangeArrowheads="1"/>
+          </p:cNvSpPr>
+          <p:nvPr>
+            <p:ph idx="1"/>
+            <p:custDataLst>
+              <p:tags r:id="rId2"/>
+            </p:custDataLst>
+          </p:nvPr>
+        </p:nvSpPr>
+        <p:spPr/>
+        <p:txBody>
+          <a:bodyPr/>
+          <a:lstStyle/>
+          <a:p>
+            <a:r>
+              <a:rPr lang="en-US" dirty="0"/>
+              <a:t>A visitor object often needs to be able to access state in the AST nodes</a:t>
+            </a:r>
+          </a:p>
+          <a:p>
+            <a:pPr lvl="1">
+              <a:buFont typeface="Symbol" charset="0"/>
+              <a:buChar char="\"/>
+            </a:pPr>
+            <a:r>
+              <a:rPr lang="en-US" dirty="0">
+                <a:sym typeface="Symbol" pitchFamily="18" charset="2"/>
+              </a:rPr>
+              <a:t>May need to expose more node state than we might have done otherwise</a:t>
+            </a:r>
+          </a:p>
+          <a:p>
+            <a:pPr lvl="2"/>
+            <a:r>
+              <a:rPr lang="en-US" dirty="0">
+                <a:sym typeface="Symbol" pitchFamily="18" charset="2"/>
+              </a:rPr>
+              <a:t>i.e., lots of public fields in AST node objects</a:t>
+            </a:r>
+          </a:p>
+          <a:p>
+            <a:pPr lvl="1"/>
+            <a:r>
+              <a:rPr lang="en-US" dirty="0">
+                <a:sym typeface="Symbol" pitchFamily="18" charset="2"/>
+              </a:rPr>
+              <a:t>Overall a good tradeoff – better modularity</a:t>
+            </a:r>
+          </a:p>
+          <a:p>
+            <a:pPr marL="914400" lvl="2" indent="0">
+              <a:buNone/>
+            </a:pPr>
+            <a:r>
+              <a:rPr lang="en-US" dirty="0">
+                <a:sym typeface="Symbol" pitchFamily="18" charset="2"/>
+              </a:rPr>
+              <a:t>(plus, the nodes are relatively simple data objects anyway – not hiding much of anything)</a:t>
+            </a:r>
+          </a:p>
+        </p:txBody>
+      </p:sp>
+      <p:sp>
+        <p:nvSpPr>
+          <p:cNvPr id="43011" name="Footer Placeholder 4"/>
+          <p:cNvSpPr>
+            <a:spLocks noGrp="1"/>
+          </p:cNvSpPr>
+          <p:nvPr>
+            <p:ph type="ftr" sz="quarter" idx="11"/>
+            <p:custDataLst>
+              <p:tags r:id="rId3"/>
+            </p:custDataLst>
+          </p:nvPr>
+        </p:nvSpPr>
+        <p:spPr/>
+        <p:txBody>
+          <a:bodyPr/>
+          <a:lstStyle>
+            <a:lvl1pPr>
+              <a:defRPr>
+                <a:solidFill>
+                  <a:schemeClr val="tx1"/>
+                </a:solidFill>
+                <a:latin typeface="Tahoma" charset="0"/>
+              </a:defRPr>
+            </a:lvl1pPr>
+            <a:lvl2pPr marL="742950" indent="-285750">
+              <a:defRPr>
+                <a:solidFill>
+                  <a:schemeClr val="tx1"/>
+                </a:solidFill>
+                <a:latin typeface="Tahoma" charset="0"/>
+              </a:defRPr>
+            </a:lvl2pPr>
+            <a:lvl3pPr marL="1143000" indent="-228600">
+              <a:defRPr>
+                <a:solidFill>
+                  <a:schemeClr val="tx1"/>
+                </a:solidFill>
+                <a:latin typeface="Tahoma" charset="0"/>
+              </a:defRPr>
+            </a:lvl3pPr>
+            <a:lvl4pPr marL="1600200" indent="-228600">
+              <a:defRPr>
+                <a:solidFill>
+                  <a:schemeClr val="tx1"/>
+                </a:solidFill>
+                <a:latin typeface="Tahoma" charset="0"/>
+              </a:defRPr>
+            </a:lvl4pPr>
+            <a:lvl5pPr marL="2057400" indent="-228600">
+              <a:defRPr>
+                <a:solidFill>
+                  <a:schemeClr val="tx1"/>
+                </a:solidFill>
+                <a:latin typeface="Tahoma" charset="0"/>
+              </a:defRPr>
+            </a:lvl5pPr>
+            <a:lvl6pPr marL="2514600" indent="-228600" eaLnBrk="0" fontAlgn="base" hangingPunct="0">
+              <a:spcBef>
+                <a:spcPct val="0"/>
+              </a:spcBef>
+              <a:spcAft>
+                <a:spcPct val="0"/>
+              </a:spcAft>
+              <a:defRPr>
+                <a:solidFill>
+                  <a:schemeClr val="tx1"/>
+                </a:solidFill>
+                <a:latin typeface="Tahoma" charset="0"/>
+              </a:defRPr>
+            </a:lvl6pPr>
+            <a:lvl7pPr marL="2971800" indent="-228600" eaLnBrk="0" fontAlgn="base" hangingPunct="0">
+              <a:spcBef>
+                <a:spcPct val="0"/>
+              </a:spcBef>
+              <a:spcAft>
+                <a:spcPct val="0"/>
+              </a:spcAft>
+              <a:defRPr>
+                <a:solidFill>
+                  <a:schemeClr val="tx1"/>
+                </a:solidFill>
+                <a:latin typeface="Tahoma" charset="0"/>
+              </a:defRPr>
+            </a:lvl7pPr>
+            <a:lvl8pPr marL="3429000" indent="-228600" eaLnBrk="0" fontAlgn="base" hangingPunct="0">
+              <a:spcBef>
+                <a:spcPct val="0"/>
+              </a:spcBef>
+              <a:spcAft>
+                <a:spcPct val="0"/>
+              </a:spcAft>
+              <a:defRPr>
+                <a:solidFill>
+                  <a:schemeClr val="tx1"/>
+                </a:solidFill>
+                <a:latin typeface="Tahoma" charset="0"/>
+              </a:defRPr>
+            </a:lvl8pPr>
+            <a:lvl9pPr marL="3886200" indent="-228600" eaLnBrk="0" fontAlgn="base" hangingPunct="0">
+              <a:spcBef>
+                <a:spcPct val="0"/>
+              </a:spcBef>
+              <a:spcAft>
+                <a:spcPct val="0"/>
+              </a:spcAft>
+              <a:defRPr>
+                <a:solidFill>
+                  <a:schemeClr val="tx1"/>
+                </a:solidFill>
+                <a:latin typeface="Tahoma" charset="0"/>
+              </a:defRPr>
+            </a:lvl9pPr>
+          </a:lstStyle>
+          <a:p>
+            <a:r>
+              <a:rPr lang="pl-PL" dirty="0"/>
+              <a:t>Compiler Design</a:t>
+            </a:r>
+            <a:endParaRPr lang="en-US" dirty="0"/>
+          </a:p>
+        </p:txBody>
+      </p:sp>
+      <p:sp>
+        <p:nvSpPr>
+          <p:cNvPr id="43012" name="Slide Number Placeholder 5"/>
+          <p:cNvSpPr>
+            <a:spLocks noGrp="1"/>
+          </p:cNvSpPr>
+          <p:nvPr>
+            <p:ph type="sldNum" sz="quarter" idx="12"/>
+            <p:custDataLst>
+              <p:tags r:id="rId4"/>
+            </p:custDataLst>
+          </p:nvPr>
+        </p:nvSpPr>
+        <p:spPr/>
+        <p:txBody>
+          <a:bodyPr/>
+          <a:lstStyle>
+            <a:lvl1pPr>
+              <a:defRPr>
+                <a:solidFill>
+                  <a:schemeClr val="tx1"/>
+                </a:solidFill>
+                <a:latin typeface="Tahoma" charset="0"/>
+              </a:defRPr>
+            </a:lvl1pPr>
+            <a:lvl2pPr marL="742950" indent="-285750">
+              <a:defRPr>
+                <a:solidFill>
+                  <a:schemeClr val="tx1"/>
+                </a:solidFill>
+                <a:latin typeface="Tahoma" charset="0"/>
+              </a:defRPr>
+            </a:lvl2pPr>
+            <a:lvl3pPr marL="1143000" indent="-228600">
+              <a:defRPr>
+                <a:solidFill>
+                  <a:schemeClr val="tx1"/>
+                </a:solidFill>
+                <a:latin typeface="Tahoma" charset="0"/>
+              </a:defRPr>
+            </a:lvl3pPr>
+            <a:lvl4pPr marL="1600200" indent="-228600">
+              <a:defRPr>
+                <a:solidFill>
+                  <a:schemeClr val="tx1"/>
+                </a:solidFill>
+                <a:latin typeface="Tahoma" charset="0"/>
+              </a:defRPr>
+            </a:lvl4pPr>
+            <a:lvl5pPr marL="2057400" indent="-228600">
+              <a:defRPr>
+                <a:solidFill>
+                  <a:schemeClr val="tx1"/>
+                </a:solidFill>
+                <a:latin typeface="Tahoma" charset="0"/>
+              </a:defRPr>
+            </a:lvl5pPr>
+            <a:lvl6pPr marL="2514600" indent="-228600" eaLnBrk="0" fontAlgn="base" hangingPunct="0">
+              <a:spcBef>
+                <a:spcPct val="0"/>
+              </a:spcBef>
+              <a:spcAft>
+                <a:spcPct val="0"/>
+              </a:spcAft>
+              <a:defRPr>
+                <a:solidFill>
+                  <a:schemeClr val="tx1"/>
+                </a:solidFill>
+                <a:latin typeface="Tahoma" charset="0"/>
+              </a:defRPr>
+            </a:lvl6pPr>
+            <a:lvl7pPr marL="2971800" indent="-228600" eaLnBrk="0" fontAlgn="base" hangingPunct="0">
+              <a:spcBef>
+                <a:spcPct val="0"/>
+              </a:spcBef>
+              <a:spcAft>
+                <a:spcPct val="0"/>
+              </a:spcAft>
+              <a:defRPr>
+                <a:solidFill>
+                  <a:schemeClr val="tx1"/>
+                </a:solidFill>
+                <a:latin typeface="Tahoma" charset="0"/>
+              </a:defRPr>
+            </a:lvl7pPr>
+            <a:lvl8pPr marL="3429000" indent="-228600" eaLnBrk="0" fontAlgn="base" hangingPunct="0">
+              <a:spcBef>
+                <a:spcPct val="0"/>
+              </a:spcBef>
+              <a:spcAft>
+                <a:spcPct val="0"/>
+              </a:spcAft>
+              <a:defRPr>
+                <a:solidFill>
+                  <a:schemeClr val="tx1"/>
+                </a:solidFill>
+                <a:latin typeface="Tahoma" charset="0"/>
+              </a:defRPr>
+            </a:lvl8pPr>
+            <a:lvl9pPr marL="3886200" indent="-228600" eaLnBrk="0" fontAlgn="base" hangingPunct="0">
+              <a:spcBef>
+                <a:spcPct val="0"/>
+              </a:spcBef>
+              <a:spcAft>
+                <a:spcPct val="0"/>
+              </a:spcAft>
+              <a:defRPr>
+                <a:solidFill>
+                  <a:schemeClr val="tx1"/>
+                </a:solidFill>
+                <a:latin typeface="Tahoma" charset="0"/>
+              </a:defRPr>
+            </a:lvl9pPr>
+          </a:lstStyle>
+          <a:p>
+            <a:r>
+              <a:rPr lang="en-US"/>
+              <a:t>H-</a:t>
+            </a:r>
+            <a:fld id="{611C07A8-10A4-4C25-82D2-411B0BA53205}" type="slidenum">
+              <a:rPr lang="en-US" smtClean="0"/>
+              <a:pPr/>
+              <a:t>21</a:t>
+            </a:fld>
+            <a:endParaRPr lang="en-US"/>
+          </a:p>
+        </p:txBody>
+      </p:sp>
+    </p:spTree>
+  </p:cSld>
+  <p:clrMapOvr>
+    <a:masterClrMapping/>
+  </p:clrMapOvr>
+</p:sld>
+</file>
+
+<file path=ppt/slides/slide22.xml><?xml version="1.0" encoding="utf-8"?>
+<p:sld xmlns:a="http://schemas.openxmlformats.org/drawingml/2006/main" xmlns:r="http://schemas.openxmlformats.org/officeDocument/2006/relationships" xmlns:p="http://schemas.openxmlformats.org/presentationml/2006/main">
+  <p:cSld>
+    <p:spTree>
+      <p:nvGrpSpPr>
+        <p:cNvPr id="1" name=""/>
+        <p:cNvGrpSpPr/>
+        <p:nvPr/>
+      </p:nvGrpSpPr>
+      <p:grpSpPr>
+        <a:xfrm>
+          <a:off x="0" y="0"/>
+          <a:ext cx="0" cy="0"/>
+          <a:chOff x="0" y="0"/>
+          <a:chExt cx="0" cy="0"/>
+        </a:xfrm>
+      </p:grpSpPr>
+      <p:sp>
+        <p:nvSpPr>
+          <p:cNvPr id="45061" name="Rectangle 2"/>
+          <p:cNvSpPr>
+            <a:spLocks noGrp="1" noChangeArrowheads="1"/>
+          </p:cNvSpPr>
+          <p:nvPr>
+            <p:ph type="title"/>
+            <p:custDataLst>
+              <p:tags r:id="rId1"/>
+            </p:custDataLst>
+          </p:nvPr>
+        </p:nvSpPr>
+        <p:spPr/>
+        <p:txBody>
+          <a:bodyPr/>
+          <a:lstStyle/>
+          <a:p>
+            <a:pPr eaLnBrk="1" hangingPunct="1"/>
+            <a:r>
+              <a:rPr lang="en-US"/>
+              <a:t>Visitor Actions and State</a:t>
+            </a:r>
+            <a:endParaRPr lang="en-US" dirty="0"/>
+          </a:p>
+        </p:txBody>
+      </p:sp>
+      <p:sp>
+        <p:nvSpPr>
+          <p:cNvPr id="45062" name="Rectangle 3"/>
+          <p:cNvSpPr>
+            <a:spLocks noGrp="1" noChangeArrowheads="1"/>
+          </p:cNvSpPr>
+          <p:nvPr>
+            <p:ph idx="1"/>
+            <p:custDataLst>
+              <p:tags r:id="rId2"/>
+            </p:custDataLst>
+          </p:nvPr>
+        </p:nvSpPr>
+        <p:spPr>
+          <a:xfrm>
+            <a:off x="457200" y="1447800"/>
+            <a:ext cx="8229600" cy="5105400"/>
+          </a:xfrm>
+        </p:spPr>
+        <p:txBody>
+          <a:bodyPr>
+            <a:normAutofit/>
+          </a:bodyPr>
+          <a:lstStyle/>
+          <a:p>
+            <a:pPr eaLnBrk="1" hangingPunct="1">
+              <a:lnSpc>
+                <a:spcPct val="80000"/>
+              </a:lnSpc>
+            </a:pPr>
+            <a:r>
+              <a:rPr lang="en-US" sz="2800" dirty="0"/>
+              <a:t>A visitor function has a reference to the node it is visiting (the parameter)</a:t>
+            </a:r>
+          </a:p>
+          <a:p>
+            <a:pPr lvl="1" eaLnBrk="1" hangingPunct="1">
+              <a:lnSpc>
+                <a:spcPct val="80000"/>
+              </a:lnSpc>
+              <a:buFont typeface="Symbol" charset="0"/>
+              <a:buChar char="\"/>
+            </a:pPr>
+            <a:r>
+              <a:rPr lang="en-US" sz="2400" dirty="0">
+                <a:sym typeface="Symbol" pitchFamily="18" charset="2"/>
+              </a:rPr>
+              <a:t>can access and manipulate </a:t>
+            </a:r>
+            <a:r>
+              <a:rPr lang="en-US" sz="2400" dirty="0" err="1">
+                <a:sym typeface="Symbol" pitchFamily="18" charset="2"/>
+              </a:rPr>
+              <a:t>subtrees</a:t>
+            </a:r>
+            <a:r>
+              <a:rPr lang="en-US" sz="2400" dirty="0">
+                <a:sym typeface="Symbol" pitchFamily="18" charset="2"/>
+              </a:rPr>
+              <a:t> directly</a:t>
+            </a:r>
+            <a:endParaRPr lang="en-US" sz="2400" dirty="0"/>
+          </a:p>
+          <a:p>
+            <a:pPr>
+              <a:lnSpc>
+                <a:spcPct val="80000"/>
+              </a:lnSpc>
+            </a:pPr>
+            <a:r>
+              <a:rPr lang="en-US" sz="2800" dirty="0"/>
+              <a:t>Visitor object can also include local data (state) shared by methods in the visitor</a:t>
+            </a:r>
+          </a:p>
+          <a:p>
+            <a:pPr lvl="1">
+              <a:lnSpc>
+                <a:spcPct val="80000"/>
+              </a:lnSpc>
+            </a:pPr>
+            <a:r>
+              <a:rPr lang="en-US" sz="2400" dirty="0"/>
+              <a:t>This data is effectively “global” to the methods that make up the visitor object, and can be used to store and pass around information as different kinds of nodes are visited</a:t>
+            </a:r>
+          </a:p>
+          <a:p>
+            <a:pPr lvl="1" eaLnBrk="1" hangingPunct="1">
+              <a:lnSpc>
+                <a:spcPct val="80000"/>
+              </a:lnSpc>
+              <a:buFont typeface="Wingdings" pitchFamily="2" charset="2"/>
+              <a:buNone/>
+            </a:pPr>
+            <a:endParaRPr lang="en-US" sz="1800" dirty="0"/>
+          </a:p>
+          <a:p>
+            <a:pPr lvl="1" eaLnBrk="1" hangingPunct="1">
+              <a:lnSpc>
+                <a:spcPct val="80000"/>
+              </a:lnSpc>
+              <a:buFont typeface="Wingdings" pitchFamily="2" charset="2"/>
+              <a:buNone/>
+            </a:pPr>
+            <a:r>
+              <a:rPr lang="en-US" sz="1800" dirty="0"/>
+              <a:t>public class </a:t>
+            </a:r>
+            <a:r>
+              <a:rPr lang="en-US" sz="1800" dirty="0" err="1"/>
+              <a:t>TypeCheckVisitor</a:t>
+            </a:r>
+            <a:r>
+              <a:rPr lang="en-US" sz="1800" dirty="0"/>
+              <a:t> extends </a:t>
+            </a:r>
+            <a:r>
+              <a:rPr lang="en-US" sz="1800" dirty="0" err="1"/>
+              <a:t>NodeVisitor</a:t>
+            </a:r>
+            <a:r>
+              <a:rPr lang="en-US" sz="1800" dirty="0"/>
+              <a:t> {</a:t>
+            </a:r>
+          </a:p>
+          <a:p>
+            <a:pPr lvl="1" eaLnBrk="1" hangingPunct="1">
+              <a:lnSpc>
+                <a:spcPct val="80000"/>
+              </a:lnSpc>
+              <a:buFont typeface="Wingdings" pitchFamily="2" charset="2"/>
+              <a:buNone/>
+            </a:pPr>
+            <a:r>
+              <a:rPr lang="en-US" sz="1800" dirty="0"/>
+              <a:t>	public void visit(</a:t>
+            </a:r>
+            <a:r>
+              <a:rPr lang="en-US" sz="1800" dirty="0" err="1"/>
+              <a:t>WhileNode</a:t>
+            </a:r>
+            <a:r>
+              <a:rPr lang="en-US" sz="1800" dirty="0"/>
+              <a:t> s) { … }</a:t>
+            </a:r>
+          </a:p>
+          <a:p>
+            <a:pPr lvl="1" eaLnBrk="1" hangingPunct="1">
+              <a:lnSpc>
+                <a:spcPct val="80000"/>
+              </a:lnSpc>
+              <a:buFont typeface="Wingdings" pitchFamily="2" charset="2"/>
+              <a:buNone/>
+            </a:pPr>
+            <a:r>
+              <a:rPr lang="en-US" sz="1800" dirty="0"/>
+              <a:t>	public void visit(</a:t>
+            </a:r>
+            <a:r>
+              <a:rPr lang="en-US" sz="1800" dirty="0" err="1"/>
+              <a:t>IfNode</a:t>
+            </a:r>
+            <a:r>
+              <a:rPr lang="en-US" sz="1800" dirty="0"/>
+              <a:t> s) { … }</a:t>
+            </a:r>
+          </a:p>
+          <a:p>
+            <a:pPr lvl="1" eaLnBrk="1" hangingPunct="1">
+              <a:lnSpc>
+                <a:spcPct val="80000"/>
+              </a:lnSpc>
+              <a:buFont typeface="Wingdings" pitchFamily="2" charset="2"/>
+              <a:buNone/>
+            </a:pPr>
+            <a:r>
+              <a:rPr lang="en-US" sz="1800" dirty="0"/>
+              <a:t>	…</a:t>
+            </a:r>
+          </a:p>
+          <a:p>
+            <a:pPr lvl="1" eaLnBrk="1" hangingPunct="1">
+              <a:lnSpc>
+                <a:spcPct val="80000"/>
+              </a:lnSpc>
+              <a:buFont typeface="Wingdings" pitchFamily="2" charset="2"/>
+              <a:buNone/>
+            </a:pPr>
+            <a:r>
+              <a:rPr lang="en-US" sz="1800" dirty="0"/>
+              <a:t>	private &lt;local state&gt;;  // all methods can read/write this</a:t>
+            </a:r>
+          </a:p>
+          <a:p>
+            <a:pPr lvl="1" eaLnBrk="1" hangingPunct="1">
+              <a:lnSpc>
+                <a:spcPct val="80000"/>
+              </a:lnSpc>
+              <a:buFont typeface="Wingdings" pitchFamily="2" charset="2"/>
+              <a:buNone/>
+            </a:pPr>
+            <a:r>
+              <a:rPr lang="en-US" sz="1800" dirty="0"/>
+              <a:t>}</a:t>
+            </a:r>
+            <a:endParaRPr lang="en-US" sz="2400" dirty="0"/>
+          </a:p>
+        </p:txBody>
+      </p:sp>
+      <p:sp>
+        <p:nvSpPr>
+          <p:cNvPr id="45059" name="Footer Placeholder 4"/>
+          <p:cNvSpPr>
+            <a:spLocks noGrp="1"/>
+          </p:cNvSpPr>
+          <p:nvPr>
+            <p:ph type="ftr" sz="quarter" idx="11"/>
+            <p:custDataLst>
+              <p:tags r:id="rId3"/>
+            </p:custDataLst>
+          </p:nvPr>
+        </p:nvSpPr>
+        <p:spPr>
+          <a:noFill/>
+          <a:ln/>
+          <a:extLst>
+            <a:ext uri="{909E8E84-426E-40dd-AFC4-6F175D3DCCD1}">
+              <a14:hiddenFill xmlns:a14="http://schemas.microsoft.com/office/drawing/2010/main" xmlns="">
+                <a:solidFill>
+                  <a:srgbClr val="FFFFFF"/>
+                </a:solidFill>
+              </a14:hiddenFill>
+            </a:ext>
+            <a:ext uri="{91240B29-F687-4f45-9708-019B960494DF}">
+              <a14:hiddenLine xmlns:a14="http://schemas.microsoft.com/office/drawing/2010/main" xmlns="" w="9525">
+                <a:solidFill>
+                  <a:srgbClr val="000000"/>
+                </a:solidFill>
+                <a:miter lim="800000"/>
+                <a:headEnd/>
+                <a:tailEnd/>
+              </a14:hiddenLine>
+            </a:ext>
+          </a:extLst>
+        </p:spPr>
+        <p:txBody>
+          <a:bodyPr/>
+          <a:lstStyle>
+            <a:lvl1pPr>
+              <a:defRPr>
+                <a:solidFill>
+                  <a:schemeClr val="tx1"/>
+                </a:solidFill>
+                <a:latin typeface="Tahoma" charset="0"/>
+              </a:defRPr>
+            </a:lvl1pPr>
+            <a:lvl2pPr marL="742950" indent="-285750">
+              <a:defRPr>
+                <a:solidFill>
+                  <a:schemeClr val="tx1"/>
+                </a:solidFill>
+                <a:latin typeface="Tahoma" charset="0"/>
+              </a:defRPr>
+            </a:lvl2pPr>
+            <a:lvl3pPr marL="1143000" indent="-228600">
+              <a:defRPr>
+                <a:solidFill>
+                  <a:schemeClr val="tx1"/>
+                </a:solidFill>
+                <a:latin typeface="Tahoma" charset="0"/>
+              </a:defRPr>
+            </a:lvl3pPr>
+            <a:lvl4pPr marL="1600200" indent="-228600">
+              <a:defRPr>
+                <a:solidFill>
+                  <a:schemeClr val="tx1"/>
+                </a:solidFill>
+                <a:latin typeface="Tahoma" charset="0"/>
+              </a:defRPr>
+            </a:lvl4pPr>
+            <a:lvl5pPr marL="2057400" indent="-228600">
+              <a:defRPr>
+                <a:solidFill>
+                  <a:schemeClr val="tx1"/>
+                </a:solidFill>
+                <a:latin typeface="Tahoma" charset="0"/>
+              </a:defRPr>
+            </a:lvl5pPr>
+            <a:lvl6pPr marL="2514600" indent="-228600" eaLnBrk="0" fontAlgn="base" hangingPunct="0">
+              <a:spcBef>
+                <a:spcPct val="0"/>
+              </a:spcBef>
+              <a:spcAft>
+                <a:spcPct val="0"/>
+              </a:spcAft>
+              <a:defRPr>
+                <a:solidFill>
+                  <a:schemeClr val="tx1"/>
+                </a:solidFill>
+                <a:latin typeface="Tahoma" charset="0"/>
+              </a:defRPr>
+            </a:lvl6pPr>
+            <a:lvl7pPr marL="2971800" indent="-228600" eaLnBrk="0" fontAlgn="base" hangingPunct="0">
+              <a:spcBef>
+                <a:spcPct val="0"/>
+              </a:spcBef>
+              <a:spcAft>
+                <a:spcPct val="0"/>
+              </a:spcAft>
+              <a:defRPr>
+                <a:solidFill>
+                  <a:schemeClr val="tx1"/>
+                </a:solidFill>
+                <a:latin typeface="Tahoma" charset="0"/>
+              </a:defRPr>
+            </a:lvl7pPr>
+            <a:lvl8pPr marL="3429000" indent="-228600" eaLnBrk="0" fontAlgn="base" hangingPunct="0">
+              <a:spcBef>
+                <a:spcPct val="0"/>
+              </a:spcBef>
+              <a:spcAft>
+                <a:spcPct val="0"/>
+              </a:spcAft>
+              <a:defRPr>
+                <a:solidFill>
+                  <a:schemeClr val="tx1"/>
+                </a:solidFill>
+                <a:latin typeface="Tahoma" charset="0"/>
+              </a:defRPr>
+            </a:lvl8pPr>
+            <a:lvl9pPr marL="3886200" indent="-228600" eaLnBrk="0" fontAlgn="base" hangingPunct="0">
+              <a:spcBef>
+                <a:spcPct val="0"/>
+              </a:spcBef>
+              <a:spcAft>
+                <a:spcPct val="0"/>
+              </a:spcAft>
+              <a:defRPr>
+                <a:solidFill>
+                  <a:schemeClr val="tx1"/>
+                </a:solidFill>
+                <a:latin typeface="Tahoma" charset="0"/>
+              </a:defRPr>
+            </a:lvl9pPr>
+          </a:lstStyle>
+          <a:p>
+            <a:r>
+              <a:rPr lang="pl-PL" dirty="0"/>
+              <a:t>Compiler Design</a:t>
+            </a:r>
+            <a:endParaRPr lang="en-US" dirty="0"/>
+          </a:p>
+        </p:txBody>
+      </p:sp>
+      <p:sp>
+        <p:nvSpPr>
+          <p:cNvPr id="45060" name="Slide Number Placeholder 5"/>
+          <p:cNvSpPr>
+            <a:spLocks noGrp="1"/>
+          </p:cNvSpPr>
+          <p:nvPr>
+            <p:ph type="sldNum" sz="quarter" idx="12"/>
+            <p:custDataLst>
+              <p:tags r:id="rId4"/>
+            </p:custDataLst>
+          </p:nvPr>
+        </p:nvSpPr>
+        <p:spPr>
+          <a:noFill/>
+          <a:ln/>
+          <a:extLst>
+            <a:ext uri="{909E8E84-426E-40dd-AFC4-6F175D3DCCD1}">
+              <a14:hiddenFill xmlns:a14="http://schemas.microsoft.com/office/drawing/2010/main" xmlns="">
+                <a:solidFill>
+                  <a:srgbClr val="FFFFFF"/>
+                </a:solidFill>
+              </a14:hiddenFill>
+            </a:ext>
+            <a:ext uri="{91240B29-F687-4f45-9708-019B960494DF}">
+              <a14:hiddenLine xmlns:a14="http://schemas.microsoft.com/office/drawing/2010/main" xmlns="" w="9525">
+                <a:solidFill>
+                  <a:srgbClr val="000000"/>
+                </a:solidFill>
+                <a:miter lim="800000"/>
+                <a:headEnd/>
+                <a:tailEnd/>
+              </a14:hiddenLine>
+            </a:ext>
+          </a:extLst>
+        </p:spPr>
+        <p:txBody>
+          <a:bodyPr/>
+          <a:lstStyle>
+            <a:lvl1pPr>
+              <a:defRPr>
+                <a:solidFill>
+                  <a:schemeClr val="tx1"/>
+                </a:solidFill>
+                <a:latin typeface="Tahoma" charset="0"/>
+              </a:defRPr>
+            </a:lvl1pPr>
+            <a:lvl2pPr marL="742950" indent="-285750">
+              <a:defRPr>
+                <a:solidFill>
+                  <a:schemeClr val="tx1"/>
+                </a:solidFill>
+                <a:latin typeface="Tahoma" charset="0"/>
+              </a:defRPr>
+            </a:lvl2pPr>
+            <a:lvl3pPr marL="1143000" indent="-228600">
+              <a:defRPr>
+                <a:solidFill>
+                  <a:schemeClr val="tx1"/>
+                </a:solidFill>
+                <a:latin typeface="Tahoma" charset="0"/>
+              </a:defRPr>
+            </a:lvl3pPr>
+            <a:lvl4pPr marL="1600200" indent="-228600">
+              <a:defRPr>
+                <a:solidFill>
+                  <a:schemeClr val="tx1"/>
+                </a:solidFill>
+                <a:latin typeface="Tahoma" charset="0"/>
+              </a:defRPr>
+            </a:lvl4pPr>
+            <a:lvl5pPr marL="2057400" indent="-228600">
+              <a:defRPr>
+                <a:solidFill>
+                  <a:schemeClr val="tx1"/>
+                </a:solidFill>
+                <a:latin typeface="Tahoma" charset="0"/>
+              </a:defRPr>
+            </a:lvl5pPr>
+            <a:lvl6pPr marL="2514600" indent="-228600" eaLnBrk="0" fontAlgn="base" hangingPunct="0">
+              <a:spcBef>
+                <a:spcPct val="0"/>
+              </a:spcBef>
+              <a:spcAft>
+                <a:spcPct val="0"/>
+              </a:spcAft>
+              <a:defRPr>
+                <a:solidFill>
+                  <a:schemeClr val="tx1"/>
+                </a:solidFill>
+                <a:latin typeface="Tahoma" charset="0"/>
+              </a:defRPr>
+            </a:lvl6pPr>
+            <a:lvl7pPr marL="2971800" indent="-228600" eaLnBrk="0" fontAlgn="base" hangingPunct="0">
+              <a:spcBef>
+                <a:spcPct val="0"/>
+              </a:spcBef>
+              <a:spcAft>
+                <a:spcPct val="0"/>
+              </a:spcAft>
+              <a:defRPr>
+                <a:solidFill>
+                  <a:schemeClr val="tx1"/>
+                </a:solidFill>
+                <a:latin typeface="Tahoma" charset="0"/>
+              </a:defRPr>
+            </a:lvl7pPr>
+            <a:lvl8pPr marL="3429000" indent="-228600" eaLnBrk="0" fontAlgn="base" hangingPunct="0">
+              <a:spcBef>
+                <a:spcPct val="0"/>
+              </a:spcBef>
+              <a:spcAft>
+                <a:spcPct val="0"/>
+              </a:spcAft>
+              <a:defRPr>
+                <a:solidFill>
+                  <a:schemeClr val="tx1"/>
+                </a:solidFill>
+                <a:latin typeface="Tahoma" charset="0"/>
+              </a:defRPr>
+            </a:lvl8pPr>
+            <a:lvl9pPr marL="3886200" indent="-228600" eaLnBrk="0" fontAlgn="base" hangingPunct="0">
+              <a:spcBef>
+                <a:spcPct val="0"/>
+              </a:spcBef>
+              <a:spcAft>
+                <a:spcPct val="0"/>
+              </a:spcAft>
+              <a:defRPr>
+                <a:solidFill>
+                  <a:schemeClr val="tx1"/>
+                </a:solidFill>
+                <a:latin typeface="Tahoma" charset="0"/>
+              </a:defRPr>
+            </a:lvl9pPr>
+          </a:lstStyle>
+          <a:p>
+            <a:r>
+              <a:rPr lang="en-US"/>
+              <a:t>H-</a:t>
+            </a:r>
+            <a:fld id="{BF8D0CC8-FA86-4492-88DE-AFA4A01EBFF8}" type="slidenum">
               <a:rPr lang="en-US" smtClean="0"/>
               <a:pPr/>
               <a:t>22</a:t>
@@ -18251,9 +17938,10 @@
           <a:lstStyle/>
           <a:p>
             <a:r>
-              <a:rPr lang="en-US" dirty="0"/>
-              <a:t>Composite Objects (1)</a:t>
-            </a:r>
+              <a:rPr lang="en-US"/>
+              <a:t>So which to choose?</a:t>
+            </a:r>
+            <a:endParaRPr lang="en-US" dirty="0"/>
           </a:p>
         </p:txBody>
       </p:sp>
@@ -18267,22 +17955,35 @@
             <p:ph idx="1"/>
           </p:nvPr>
         </p:nvSpPr>
-        <p:spPr/>
+        <p:spPr>
+          <a:xfrm>
+            <a:off x="457200" y="1295400"/>
+            <a:ext cx="8229600" cy="5105400"/>
+          </a:xfrm>
+        </p:spPr>
         <p:txBody>
           <a:bodyPr>
-            <a:normAutofit fontScale="85000" lnSpcReduction="10000"/>
+            <a:normAutofit fontScale="85000" lnSpcReduction="20000"/>
           </a:bodyPr>
           <a:lstStyle/>
           <a:p>
             <a:r>
               <a:rPr lang="en-US" dirty="0"/>
-              <a:t>How do we handle composite objects?</a:t>
-            </a:r>
-          </a:p>
-          <a:p>
+              <a:t>Possibilities:</a:t>
+            </a:r>
+          </a:p>
+          <a:p>
+            <a:pPr lvl="1"/>
             <a:r>
               <a:rPr lang="en-US" dirty="0"/>
-              <a:t>One  possibility: the accept method passes the visitor down to </a:t>
+              <a:t>Node objects drive the traversal and pass the visitors around the tree in standard ways</a:t>
+            </a:r>
+          </a:p>
+          <a:p>
+            <a:pPr lvl="1"/>
+            <a:r>
+              <a:rPr lang="en-US" dirty="0"/>
+              <a:t>Visitor object drives the traversal (the visitor has access to the node, including references to child </a:t>
             </a:r>
             <a:r>
               <a:rPr lang="en-US" dirty="0" err="1"/>
@@ -18290,160 +17991,49 @@
             </a:r>
             <a:r>
               <a:rPr lang="en-US" dirty="0"/>
-              <a:t> before (or after) visiting itself</a:t>
-            </a:r>
-          </a:p>
-          <a:p>
-            <a:pPr marL="857250" lvl="2" indent="0">
-              <a:buNone/>
-            </a:pPr>
+              <a:t>)</a:t>
+            </a:r>
+          </a:p>
+          <a:p>
             <a:r>
               <a:rPr lang="en-US" dirty="0"/>
-              <a:t>public class </a:t>
+              <a:t>In a compiler:</a:t>
+            </a:r>
+          </a:p>
+          <a:p>
+            <a:pPr lvl="1"/>
+            <a:r>
+              <a:rPr lang="en-US" dirty="0"/>
+              <a:t>First choice handles many common cases</a:t>
+            </a:r>
+          </a:p>
+          <a:p>
+            <a:pPr lvl="1"/>
+            <a:r>
+              <a:rPr lang="en-US" dirty="0"/>
+              <a:t>Big compilers often have multiple visitor schemes (e.g., several different traversals defined in Node interface plus custom traversals in some visitors)</a:t>
+            </a:r>
+          </a:p>
+          <a:p>
+            <a:pPr lvl="1"/>
+            <a:r>
+              <a:rPr lang="en-US" dirty="0"/>
+              <a:t>For </a:t>
             </a:r>
             <a:r>
               <a:rPr lang="en-US" dirty="0" err="1"/>
-              <a:t>WhileNode</a:t>
+              <a:t>MiniJava</a:t>
             </a:r>
             <a:r>
               <a:rPr lang="en-US" dirty="0"/>
-              <a:t> extends </a:t>
-            </a:r>
-            <a:r>
-              <a:rPr lang="en-US" dirty="0" err="1"/>
-              <a:t>StmtNode</a:t>
-            </a:r>
+              <a:t>: keep it simple and start with supplied examples, but if you really need to do something different, you can</a:t>
+            </a:r>
+          </a:p>
+          <a:p>
+            <a:pPr lvl="2"/>
             <a:r>
               <a:rPr lang="en-US" dirty="0"/>
-              <a:t> {</a:t>
-            </a:r>
-          </a:p>
-          <a:p>
-            <a:pPr marL="914400" lvl="2" indent="0">
-              <a:buNone/>
-            </a:pPr>
-            <a:r>
-              <a:rPr lang="en-US" dirty="0"/>
-              <a:t>  </a:t>
-            </a:r>
-            <a:r>
-              <a:rPr lang="en-US" dirty="0" err="1"/>
-              <a:t>Expr</a:t>
-            </a:r>
-            <a:r>
-              <a:rPr lang="en-US" dirty="0"/>
-              <a:t> </a:t>
-            </a:r>
-            <a:r>
-              <a:rPr lang="en-US" dirty="0" err="1"/>
-              <a:t>exp</a:t>
-            </a:r>
-            <a:r>
-              <a:rPr lang="en-US" dirty="0"/>
-              <a:t>; </a:t>
-            </a:r>
-            <a:r>
-              <a:rPr lang="en-US" dirty="0" err="1"/>
-              <a:t>Stmt</a:t>
-            </a:r>
-            <a:r>
-              <a:rPr lang="en-US" dirty="0"/>
-              <a:t> </a:t>
-            </a:r>
-            <a:r>
-              <a:rPr lang="en-US" dirty="0" err="1"/>
-              <a:t>stmt</a:t>
-            </a:r>
-            <a:r>
-              <a:rPr lang="en-US" dirty="0"/>
-              <a:t>;   // children</a:t>
-            </a:r>
-          </a:p>
-          <a:p>
-            <a:pPr marL="914400" lvl="2" indent="0">
-              <a:buNone/>
-            </a:pPr>
-            <a:r>
-              <a:rPr lang="en-US" dirty="0"/>
-              <a:t>  …</a:t>
-            </a:r>
-          </a:p>
-          <a:p>
-            <a:pPr marL="914400" lvl="2" indent="0">
-              <a:buNone/>
-            </a:pPr>
-            <a:r>
-              <a:rPr lang="en-US" dirty="0"/>
-              <a:t>  // accept a visit from visitor v</a:t>
-            </a:r>
-          </a:p>
-          <a:p>
-            <a:pPr marL="914400" lvl="2" indent="0">
-              <a:buNone/>
-            </a:pPr>
-            <a:r>
-              <a:rPr lang="en-US" dirty="0"/>
-              <a:t>  public void accept (Visitor v) {</a:t>
-            </a:r>
-          </a:p>
-          <a:p>
-            <a:pPr marL="914400" lvl="2" indent="0">
-              <a:buNone/>
-            </a:pPr>
-            <a:r>
-              <a:rPr lang="en-US" dirty="0"/>
-              <a:t>     </a:t>
-            </a:r>
-            <a:r>
-              <a:rPr lang="en-US" dirty="0" err="1"/>
-              <a:t>this.exp.accept</a:t>
-            </a:r>
-            <a:r>
-              <a:rPr lang="en-US" dirty="0"/>
-              <a:t>(v);</a:t>
-            </a:r>
-          </a:p>
-          <a:p>
-            <a:pPr marL="914400" lvl="2" indent="0">
-              <a:buNone/>
-            </a:pPr>
-            <a:r>
-              <a:rPr lang="en-US" dirty="0"/>
-              <a:t>     </a:t>
-            </a:r>
-            <a:r>
-              <a:rPr lang="en-US" dirty="0" err="1"/>
-              <a:t>this.stmt.accept</a:t>
-            </a:r>
-            <a:r>
-              <a:rPr lang="en-US" dirty="0"/>
-              <a:t>(v);</a:t>
-            </a:r>
-          </a:p>
-          <a:p>
-            <a:pPr marL="914400" lvl="2" indent="0">
-              <a:buNone/>
-            </a:pPr>
-            <a:r>
-              <a:rPr lang="en-US" dirty="0"/>
-              <a:t>     </a:t>
-            </a:r>
-            <a:r>
-              <a:rPr lang="en-US" dirty="0" err="1"/>
-              <a:t>v.visit</a:t>
-            </a:r>
-            <a:r>
-              <a:rPr lang="en-US" dirty="0"/>
-              <a:t>(this);</a:t>
-            </a:r>
-          </a:p>
-          <a:p>
-            <a:pPr marL="914400" lvl="2" indent="0">
-              <a:buNone/>
-            </a:pPr>
-            <a:r>
-              <a:rPr lang="en-US" dirty="0"/>
-              <a:t> }</a:t>
+              <a:t>(i.e., keep an open mind, but not so open that you create needless complexity)</a:t>
             </a:r>
           </a:p>
         </p:txBody>
@@ -18463,12 +18053,9 @@
           <a:bodyPr/>
           <a:lstStyle/>
           <a:p>
-            <a:pPr>
-              <a:defRPr/>
-            </a:pPr>
             <a:r>
               <a:rPr lang="pl-PL" dirty="0"/>
-              <a:t>UW CSE P 501 Spring 2018</a:t>
+              <a:t>Compiler Design</a:t>
             </a:r>
             <a:endParaRPr lang="en-US" dirty="0"/>
           </a:p>
@@ -18489,18 +18076,13 @@
           <a:bodyPr/>
           <a:lstStyle/>
           <a:p>
-            <a:pPr>
-              <a:defRPr/>
-            </a:pPr>
             <a:r>
               <a:rPr lang="en-US"/>
               <a:t>H-</a:t>
             </a:r>
             <a:fld id="{B5FA0D70-380C-4F61-8C89-BB3DB0647DA6}" type="slidenum">
               <a:rPr lang="en-US" smtClean="0"/>
-              <a:pPr>
-                <a:defRPr/>
-              </a:pPr>
+              <a:pPr/>
               <a:t>23</a:t>
             </a:fld>
             <a:endParaRPr lang="en-US"/>
@@ -18510,7 +18092,7 @@
     </p:spTree>
     <p:extLst>
       <p:ext uri="{BB962C8B-B14F-4D97-AF65-F5344CB8AC3E}">
-        <p14:creationId xmlns:p14="http://schemas.microsoft.com/office/powerpoint/2010/main" val="3671630775"/>
+        <p14:creationId xmlns:p14="http://schemas.microsoft.com/office/powerpoint/2010/main" val="4254717989"/>
       </p:ext>
     </p:extLst>
   </p:cSld>
@@ -18521,1314 +18103,6 @@
 </file>
 
 <file path=ppt/slides/slide24.xml><?xml version="1.0" encoding="utf-8"?>
-<p:sld xmlns:a="http://schemas.openxmlformats.org/drawingml/2006/main" xmlns:r="http://schemas.openxmlformats.org/officeDocument/2006/relationships" xmlns:p="http://schemas.openxmlformats.org/presentationml/2006/main">
-  <p:cSld>
-    <p:spTree>
-      <p:nvGrpSpPr>
-        <p:cNvPr id="1" name=""/>
-        <p:cNvGrpSpPr/>
-        <p:nvPr/>
-      </p:nvGrpSpPr>
-      <p:grpSpPr>
-        <a:xfrm>
-          <a:off x="0" y="0"/>
-          <a:ext cx="0" cy="0"/>
-          <a:chOff x="0" y="0"/>
-          <a:chExt cx="0" cy="0"/>
-        </a:xfrm>
-      </p:grpSpPr>
-      <p:sp>
-        <p:nvSpPr>
-          <p:cNvPr id="44037" name="Rectangle 2"/>
-          <p:cNvSpPr>
-            <a:spLocks noGrp="1" noChangeArrowheads="1"/>
-          </p:cNvSpPr>
-          <p:nvPr>
-            <p:ph type="title"/>
-            <p:custDataLst>
-              <p:tags r:id="rId1"/>
-            </p:custDataLst>
-          </p:nvPr>
-        </p:nvSpPr>
-        <p:spPr/>
-        <p:txBody>
-          <a:bodyPr/>
-          <a:lstStyle/>
-          <a:p>
-            <a:r>
-              <a:rPr lang="en-US" dirty="0"/>
-              <a:t>Composite Objects (2)</a:t>
-            </a:r>
-          </a:p>
-        </p:txBody>
-      </p:sp>
-      <p:sp>
-        <p:nvSpPr>
-          <p:cNvPr id="44038" name="Rectangle 3"/>
-          <p:cNvSpPr>
-            <a:spLocks noGrp="1" noChangeArrowheads="1"/>
-          </p:cNvSpPr>
-          <p:nvPr>
-            <p:ph idx="1"/>
-            <p:custDataLst>
-              <p:tags r:id="rId2"/>
-            </p:custDataLst>
-          </p:nvPr>
-        </p:nvSpPr>
-        <p:spPr/>
-        <p:txBody>
-          <a:bodyPr>
-            <a:normAutofit/>
-          </a:bodyPr>
-          <a:lstStyle/>
-          <a:p>
-            <a:r>
-              <a:rPr lang="en-US" dirty="0"/>
-              <a:t>Another possibility: the visitor can control the traversal inside the visit method for that particular kind of node</a:t>
-            </a:r>
-          </a:p>
-          <a:p>
-            <a:pPr marL="457200" lvl="1" indent="0">
-              <a:buNone/>
-            </a:pPr>
-            <a:r>
-              <a:rPr lang="en-US" dirty="0"/>
-              <a:t>	public void visit(</a:t>
-            </a:r>
-            <a:r>
-              <a:rPr lang="en-US" dirty="0" err="1"/>
-              <a:t>WhileNode</a:t>
-            </a:r>
-            <a:r>
-              <a:rPr lang="en-US" dirty="0"/>
-              <a:t> p) {</a:t>
-            </a:r>
-            <a:br>
-              <a:rPr lang="en-US" dirty="0"/>
-            </a:br>
-            <a:r>
-              <a:rPr lang="en-US" dirty="0"/>
-              <a:t>		</a:t>
-            </a:r>
-            <a:r>
-              <a:rPr lang="en-US" dirty="0" err="1"/>
-              <a:t>p.expr.accept</a:t>
-            </a:r>
-            <a:r>
-              <a:rPr lang="en-US" dirty="0"/>
-              <a:t>(this);</a:t>
-            </a:r>
-          </a:p>
-          <a:p>
-            <a:pPr marL="457200" lvl="1" indent="0">
-              <a:buNone/>
-            </a:pPr>
-            <a:r>
-              <a:rPr lang="en-US" dirty="0"/>
-              <a:t>		</a:t>
-            </a:r>
-            <a:r>
-              <a:rPr lang="en-US" dirty="0" err="1"/>
-              <a:t>p.stmt.accept</a:t>
-            </a:r>
-            <a:r>
-              <a:rPr lang="en-US" dirty="0"/>
-              <a:t>(this);</a:t>
-            </a:r>
-          </a:p>
-          <a:p>
-            <a:pPr marL="457200" lvl="1" indent="0">
-              <a:buNone/>
-            </a:pPr>
-            <a:r>
-              <a:rPr lang="en-US" dirty="0"/>
-              <a:t>	}</a:t>
-            </a:r>
-          </a:p>
-        </p:txBody>
-      </p:sp>
-      <p:sp>
-        <p:nvSpPr>
-          <p:cNvPr id="44035" name="Footer Placeholder 4"/>
-          <p:cNvSpPr>
-            <a:spLocks noGrp="1"/>
-          </p:cNvSpPr>
-          <p:nvPr>
-            <p:ph type="ftr" sz="quarter" idx="11"/>
-            <p:custDataLst>
-              <p:tags r:id="rId3"/>
-            </p:custDataLst>
-          </p:nvPr>
-        </p:nvSpPr>
-        <p:spPr/>
-        <p:txBody>
-          <a:bodyPr/>
-          <a:lstStyle>
-            <a:lvl1pPr>
-              <a:defRPr>
-                <a:solidFill>
-                  <a:schemeClr val="tx1"/>
-                </a:solidFill>
-                <a:latin typeface="Tahoma" charset="0"/>
-              </a:defRPr>
-            </a:lvl1pPr>
-            <a:lvl2pPr marL="742950" indent="-285750">
-              <a:defRPr>
-                <a:solidFill>
-                  <a:schemeClr val="tx1"/>
-                </a:solidFill>
-                <a:latin typeface="Tahoma" charset="0"/>
-              </a:defRPr>
-            </a:lvl2pPr>
-            <a:lvl3pPr marL="1143000" indent="-228600">
-              <a:defRPr>
-                <a:solidFill>
-                  <a:schemeClr val="tx1"/>
-                </a:solidFill>
-                <a:latin typeface="Tahoma" charset="0"/>
-              </a:defRPr>
-            </a:lvl3pPr>
-            <a:lvl4pPr marL="1600200" indent="-228600">
-              <a:defRPr>
-                <a:solidFill>
-                  <a:schemeClr val="tx1"/>
-                </a:solidFill>
-                <a:latin typeface="Tahoma" charset="0"/>
-              </a:defRPr>
-            </a:lvl4pPr>
-            <a:lvl5pPr marL="2057400" indent="-228600">
-              <a:defRPr>
-                <a:solidFill>
-                  <a:schemeClr val="tx1"/>
-                </a:solidFill>
-                <a:latin typeface="Tahoma" charset="0"/>
-              </a:defRPr>
-            </a:lvl5pPr>
-            <a:lvl6pPr marL="2514600" indent="-228600" eaLnBrk="0" fontAlgn="base" hangingPunct="0">
-              <a:spcBef>
-                <a:spcPct val="0"/>
-              </a:spcBef>
-              <a:spcAft>
-                <a:spcPct val="0"/>
-              </a:spcAft>
-              <a:defRPr>
-                <a:solidFill>
-                  <a:schemeClr val="tx1"/>
-                </a:solidFill>
-                <a:latin typeface="Tahoma" charset="0"/>
-              </a:defRPr>
-            </a:lvl6pPr>
-            <a:lvl7pPr marL="2971800" indent="-228600" eaLnBrk="0" fontAlgn="base" hangingPunct="0">
-              <a:spcBef>
-                <a:spcPct val="0"/>
-              </a:spcBef>
-              <a:spcAft>
-                <a:spcPct val="0"/>
-              </a:spcAft>
-              <a:defRPr>
-                <a:solidFill>
-                  <a:schemeClr val="tx1"/>
-                </a:solidFill>
-                <a:latin typeface="Tahoma" charset="0"/>
-              </a:defRPr>
-            </a:lvl7pPr>
-            <a:lvl8pPr marL="3429000" indent="-228600" eaLnBrk="0" fontAlgn="base" hangingPunct="0">
-              <a:spcBef>
-                <a:spcPct val="0"/>
-              </a:spcBef>
-              <a:spcAft>
-                <a:spcPct val="0"/>
-              </a:spcAft>
-              <a:defRPr>
-                <a:solidFill>
-                  <a:schemeClr val="tx1"/>
-                </a:solidFill>
-                <a:latin typeface="Tahoma" charset="0"/>
-              </a:defRPr>
-            </a:lvl8pPr>
-            <a:lvl9pPr marL="3886200" indent="-228600" eaLnBrk="0" fontAlgn="base" hangingPunct="0">
-              <a:spcBef>
-                <a:spcPct val="0"/>
-              </a:spcBef>
-              <a:spcAft>
-                <a:spcPct val="0"/>
-              </a:spcAft>
-              <a:defRPr>
-                <a:solidFill>
-                  <a:schemeClr val="tx1"/>
-                </a:solidFill>
-                <a:latin typeface="Tahoma" charset="0"/>
-              </a:defRPr>
-            </a:lvl9pPr>
-          </a:lstStyle>
-          <a:p>
-            <a:r>
-              <a:rPr lang="pl-PL" dirty="0"/>
-              <a:t>UW CSE P 501 Spring 2018</a:t>
-            </a:r>
-            <a:endParaRPr lang="en-US" dirty="0"/>
-          </a:p>
-        </p:txBody>
-      </p:sp>
-      <p:sp>
-        <p:nvSpPr>
-          <p:cNvPr id="44036" name="Slide Number Placeholder 5"/>
-          <p:cNvSpPr>
-            <a:spLocks noGrp="1"/>
-          </p:cNvSpPr>
-          <p:nvPr>
-            <p:ph type="sldNum" sz="quarter" idx="12"/>
-            <p:custDataLst>
-              <p:tags r:id="rId4"/>
-            </p:custDataLst>
-          </p:nvPr>
-        </p:nvSpPr>
-        <p:spPr/>
-        <p:txBody>
-          <a:bodyPr/>
-          <a:lstStyle>
-            <a:lvl1pPr>
-              <a:defRPr>
-                <a:solidFill>
-                  <a:schemeClr val="tx1"/>
-                </a:solidFill>
-                <a:latin typeface="Tahoma" charset="0"/>
-              </a:defRPr>
-            </a:lvl1pPr>
-            <a:lvl2pPr marL="742950" indent="-285750">
-              <a:defRPr>
-                <a:solidFill>
-                  <a:schemeClr val="tx1"/>
-                </a:solidFill>
-                <a:latin typeface="Tahoma" charset="0"/>
-              </a:defRPr>
-            </a:lvl2pPr>
-            <a:lvl3pPr marL="1143000" indent="-228600">
-              <a:defRPr>
-                <a:solidFill>
-                  <a:schemeClr val="tx1"/>
-                </a:solidFill>
-                <a:latin typeface="Tahoma" charset="0"/>
-              </a:defRPr>
-            </a:lvl3pPr>
-            <a:lvl4pPr marL="1600200" indent="-228600">
-              <a:defRPr>
-                <a:solidFill>
-                  <a:schemeClr val="tx1"/>
-                </a:solidFill>
-                <a:latin typeface="Tahoma" charset="0"/>
-              </a:defRPr>
-            </a:lvl4pPr>
-            <a:lvl5pPr marL="2057400" indent="-228600">
-              <a:defRPr>
-                <a:solidFill>
-                  <a:schemeClr val="tx1"/>
-                </a:solidFill>
-                <a:latin typeface="Tahoma" charset="0"/>
-              </a:defRPr>
-            </a:lvl5pPr>
-            <a:lvl6pPr marL="2514600" indent="-228600" eaLnBrk="0" fontAlgn="base" hangingPunct="0">
-              <a:spcBef>
-                <a:spcPct val="0"/>
-              </a:spcBef>
-              <a:spcAft>
-                <a:spcPct val="0"/>
-              </a:spcAft>
-              <a:defRPr>
-                <a:solidFill>
-                  <a:schemeClr val="tx1"/>
-                </a:solidFill>
-                <a:latin typeface="Tahoma" charset="0"/>
-              </a:defRPr>
-            </a:lvl6pPr>
-            <a:lvl7pPr marL="2971800" indent="-228600" eaLnBrk="0" fontAlgn="base" hangingPunct="0">
-              <a:spcBef>
-                <a:spcPct val="0"/>
-              </a:spcBef>
-              <a:spcAft>
-                <a:spcPct val="0"/>
-              </a:spcAft>
-              <a:defRPr>
-                <a:solidFill>
-                  <a:schemeClr val="tx1"/>
-                </a:solidFill>
-                <a:latin typeface="Tahoma" charset="0"/>
-              </a:defRPr>
-            </a:lvl7pPr>
-            <a:lvl8pPr marL="3429000" indent="-228600" eaLnBrk="0" fontAlgn="base" hangingPunct="0">
-              <a:spcBef>
-                <a:spcPct val="0"/>
-              </a:spcBef>
-              <a:spcAft>
-                <a:spcPct val="0"/>
-              </a:spcAft>
-              <a:defRPr>
-                <a:solidFill>
-                  <a:schemeClr val="tx1"/>
-                </a:solidFill>
-                <a:latin typeface="Tahoma" charset="0"/>
-              </a:defRPr>
-            </a:lvl8pPr>
-            <a:lvl9pPr marL="3886200" indent="-228600" eaLnBrk="0" fontAlgn="base" hangingPunct="0">
-              <a:spcBef>
-                <a:spcPct val="0"/>
-              </a:spcBef>
-              <a:spcAft>
-                <a:spcPct val="0"/>
-              </a:spcAft>
-              <a:defRPr>
-                <a:solidFill>
-                  <a:schemeClr val="tx1"/>
-                </a:solidFill>
-                <a:latin typeface="Tahoma" charset="0"/>
-              </a:defRPr>
-            </a:lvl9pPr>
-          </a:lstStyle>
-          <a:p>
-            <a:r>
-              <a:rPr lang="en-US"/>
-              <a:t>H-</a:t>
-            </a:r>
-            <a:fld id="{B9773A87-9F99-40DF-B9FD-C4EFAA2C0440}" type="slidenum">
-              <a:rPr lang="en-US" smtClean="0"/>
-              <a:pPr/>
-              <a:t>24</a:t>
-            </a:fld>
-            <a:endParaRPr lang="en-US"/>
-          </a:p>
-        </p:txBody>
-      </p:sp>
-    </p:spTree>
-  </p:cSld>
-  <p:clrMapOvr>
-    <a:masterClrMapping/>
-  </p:clrMapOvr>
-</p:sld>
-</file>
-
-<file path=ppt/slides/slide25.xml><?xml version="1.0" encoding="utf-8"?>
-<p:sld xmlns:a="http://schemas.openxmlformats.org/drawingml/2006/main" xmlns:r="http://schemas.openxmlformats.org/officeDocument/2006/relationships" xmlns:p="http://schemas.openxmlformats.org/presentationml/2006/main">
-  <p:cSld>
-    <p:spTree>
-      <p:nvGrpSpPr>
-        <p:cNvPr id="1" name=""/>
-        <p:cNvGrpSpPr/>
-        <p:nvPr/>
-      </p:nvGrpSpPr>
-      <p:grpSpPr>
-        <a:xfrm>
-          <a:off x="0" y="0"/>
-          <a:ext cx="0" cy="0"/>
-          <a:chOff x="0" y="0"/>
-          <a:chExt cx="0" cy="0"/>
-        </a:xfrm>
-      </p:grpSpPr>
-      <p:sp>
-        <p:nvSpPr>
-          <p:cNvPr id="43013" name="Rectangle 2"/>
-          <p:cNvSpPr>
-            <a:spLocks noGrp="1" noChangeArrowheads="1"/>
-          </p:cNvSpPr>
-          <p:nvPr>
-            <p:ph type="title"/>
-            <p:custDataLst>
-              <p:tags r:id="rId1"/>
-            </p:custDataLst>
-          </p:nvPr>
-        </p:nvSpPr>
-        <p:spPr/>
-        <p:txBody>
-          <a:bodyPr/>
-          <a:lstStyle/>
-          <a:p>
-            <a:r>
-              <a:rPr lang="en-US"/>
-              <a:t>Encapsulation</a:t>
-            </a:r>
-          </a:p>
-        </p:txBody>
-      </p:sp>
-      <p:sp>
-        <p:nvSpPr>
-          <p:cNvPr id="43014" name="Rectangle 3"/>
-          <p:cNvSpPr>
-            <a:spLocks noGrp="1" noChangeArrowheads="1"/>
-          </p:cNvSpPr>
-          <p:nvPr>
-            <p:ph idx="1"/>
-            <p:custDataLst>
-              <p:tags r:id="rId2"/>
-            </p:custDataLst>
-          </p:nvPr>
-        </p:nvSpPr>
-        <p:spPr/>
-        <p:txBody>
-          <a:bodyPr/>
-          <a:lstStyle/>
-          <a:p>
-            <a:r>
-              <a:rPr lang="en-US" dirty="0"/>
-              <a:t>A visitor object often needs to be able to access state in the AST nodes</a:t>
-            </a:r>
-          </a:p>
-          <a:p>
-            <a:pPr lvl="1">
-              <a:buFont typeface="Symbol" charset="0"/>
-              <a:buChar char="\"/>
-            </a:pPr>
-            <a:r>
-              <a:rPr lang="en-US" dirty="0">
-                <a:sym typeface="Symbol" pitchFamily="18" charset="2"/>
-              </a:rPr>
-              <a:t>May need to expose more node state than we might have done otherwise</a:t>
-            </a:r>
-          </a:p>
-          <a:p>
-            <a:pPr lvl="2"/>
-            <a:r>
-              <a:rPr lang="en-US" dirty="0">
-                <a:sym typeface="Symbol" pitchFamily="18" charset="2"/>
-              </a:rPr>
-              <a:t>i.e., lots of public fields in AST node objects</a:t>
-            </a:r>
-          </a:p>
-          <a:p>
-            <a:pPr lvl="1"/>
-            <a:r>
-              <a:rPr lang="en-US" dirty="0">
-                <a:sym typeface="Symbol" pitchFamily="18" charset="2"/>
-              </a:rPr>
-              <a:t>Overall a good tradeoff – better modularity</a:t>
-            </a:r>
-          </a:p>
-          <a:p>
-            <a:pPr marL="914400" lvl="2" indent="0">
-              <a:buNone/>
-            </a:pPr>
-            <a:r>
-              <a:rPr lang="en-US" dirty="0">
-                <a:sym typeface="Symbol" pitchFamily="18" charset="2"/>
-              </a:rPr>
-              <a:t>(plus, the nodes are relatively simple data objects anyway – not hiding much of anything)</a:t>
-            </a:r>
-          </a:p>
-        </p:txBody>
-      </p:sp>
-      <p:sp>
-        <p:nvSpPr>
-          <p:cNvPr id="43011" name="Footer Placeholder 4"/>
-          <p:cNvSpPr>
-            <a:spLocks noGrp="1"/>
-          </p:cNvSpPr>
-          <p:nvPr>
-            <p:ph type="ftr" sz="quarter" idx="11"/>
-            <p:custDataLst>
-              <p:tags r:id="rId3"/>
-            </p:custDataLst>
-          </p:nvPr>
-        </p:nvSpPr>
-        <p:spPr/>
-        <p:txBody>
-          <a:bodyPr/>
-          <a:lstStyle>
-            <a:lvl1pPr>
-              <a:defRPr>
-                <a:solidFill>
-                  <a:schemeClr val="tx1"/>
-                </a:solidFill>
-                <a:latin typeface="Tahoma" charset="0"/>
-              </a:defRPr>
-            </a:lvl1pPr>
-            <a:lvl2pPr marL="742950" indent="-285750">
-              <a:defRPr>
-                <a:solidFill>
-                  <a:schemeClr val="tx1"/>
-                </a:solidFill>
-                <a:latin typeface="Tahoma" charset="0"/>
-              </a:defRPr>
-            </a:lvl2pPr>
-            <a:lvl3pPr marL="1143000" indent="-228600">
-              <a:defRPr>
-                <a:solidFill>
-                  <a:schemeClr val="tx1"/>
-                </a:solidFill>
-                <a:latin typeface="Tahoma" charset="0"/>
-              </a:defRPr>
-            </a:lvl3pPr>
-            <a:lvl4pPr marL="1600200" indent="-228600">
-              <a:defRPr>
-                <a:solidFill>
-                  <a:schemeClr val="tx1"/>
-                </a:solidFill>
-                <a:latin typeface="Tahoma" charset="0"/>
-              </a:defRPr>
-            </a:lvl4pPr>
-            <a:lvl5pPr marL="2057400" indent="-228600">
-              <a:defRPr>
-                <a:solidFill>
-                  <a:schemeClr val="tx1"/>
-                </a:solidFill>
-                <a:latin typeface="Tahoma" charset="0"/>
-              </a:defRPr>
-            </a:lvl5pPr>
-            <a:lvl6pPr marL="2514600" indent="-228600" eaLnBrk="0" fontAlgn="base" hangingPunct="0">
-              <a:spcBef>
-                <a:spcPct val="0"/>
-              </a:spcBef>
-              <a:spcAft>
-                <a:spcPct val="0"/>
-              </a:spcAft>
-              <a:defRPr>
-                <a:solidFill>
-                  <a:schemeClr val="tx1"/>
-                </a:solidFill>
-                <a:latin typeface="Tahoma" charset="0"/>
-              </a:defRPr>
-            </a:lvl6pPr>
-            <a:lvl7pPr marL="2971800" indent="-228600" eaLnBrk="0" fontAlgn="base" hangingPunct="0">
-              <a:spcBef>
-                <a:spcPct val="0"/>
-              </a:spcBef>
-              <a:spcAft>
-                <a:spcPct val="0"/>
-              </a:spcAft>
-              <a:defRPr>
-                <a:solidFill>
-                  <a:schemeClr val="tx1"/>
-                </a:solidFill>
-                <a:latin typeface="Tahoma" charset="0"/>
-              </a:defRPr>
-            </a:lvl7pPr>
-            <a:lvl8pPr marL="3429000" indent="-228600" eaLnBrk="0" fontAlgn="base" hangingPunct="0">
-              <a:spcBef>
-                <a:spcPct val="0"/>
-              </a:spcBef>
-              <a:spcAft>
-                <a:spcPct val="0"/>
-              </a:spcAft>
-              <a:defRPr>
-                <a:solidFill>
-                  <a:schemeClr val="tx1"/>
-                </a:solidFill>
-                <a:latin typeface="Tahoma" charset="0"/>
-              </a:defRPr>
-            </a:lvl8pPr>
-            <a:lvl9pPr marL="3886200" indent="-228600" eaLnBrk="0" fontAlgn="base" hangingPunct="0">
-              <a:spcBef>
-                <a:spcPct val="0"/>
-              </a:spcBef>
-              <a:spcAft>
-                <a:spcPct val="0"/>
-              </a:spcAft>
-              <a:defRPr>
-                <a:solidFill>
-                  <a:schemeClr val="tx1"/>
-                </a:solidFill>
-                <a:latin typeface="Tahoma" charset="0"/>
-              </a:defRPr>
-            </a:lvl9pPr>
-          </a:lstStyle>
-          <a:p>
-            <a:r>
-              <a:rPr lang="pl-PL" dirty="0"/>
-              <a:t>UW CSE P 501 Spring 2018</a:t>
-            </a:r>
-            <a:endParaRPr lang="en-US" dirty="0"/>
-          </a:p>
-        </p:txBody>
-      </p:sp>
-      <p:sp>
-        <p:nvSpPr>
-          <p:cNvPr id="43012" name="Slide Number Placeholder 5"/>
-          <p:cNvSpPr>
-            <a:spLocks noGrp="1"/>
-          </p:cNvSpPr>
-          <p:nvPr>
-            <p:ph type="sldNum" sz="quarter" idx="12"/>
-            <p:custDataLst>
-              <p:tags r:id="rId4"/>
-            </p:custDataLst>
-          </p:nvPr>
-        </p:nvSpPr>
-        <p:spPr/>
-        <p:txBody>
-          <a:bodyPr/>
-          <a:lstStyle>
-            <a:lvl1pPr>
-              <a:defRPr>
-                <a:solidFill>
-                  <a:schemeClr val="tx1"/>
-                </a:solidFill>
-                <a:latin typeface="Tahoma" charset="0"/>
-              </a:defRPr>
-            </a:lvl1pPr>
-            <a:lvl2pPr marL="742950" indent="-285750">
-              <a:defRPr>
-                <a:solidFill>
-                  <a:schemeClr val="tx1"/>
-                </a:solidFill>
-                <a:latin typeface="Tahoma" charset="0"/>
-              </a:defRPr>
-            </a:lvl2pPr>
-            <a:lvl3pPr marL="1143000" indent="-228600">
-              <a:defRPr>
-                <a:solidFill>
-                  <a:schemeClr val="tx1"/>
-                </a:solidFill>
-                <a:latin typeface="Tahoma" charset="0"/>
-              </a:defRPr>
-            </a:lvl3pPr>
-            <a:lvl4pPr marL="1600200" indent="-228600">
-              <a:defRPr>
-                <a:solidFill>
-                  <a:schemeClr val="tx1"/>
-                </a:solidFill>
-                <a:latin typeface="Tahoma" charset="0"/>
-              </a:defRPr>
-            </a:lvl4pPr>
-            <a:lvl5pPr marL="2057400" indent="-228600">
-              <a:defRPr>
-                <a:solidFill>
-                  <a:schemeClr val="tx1"/>
-                </a:solidFill>
-                <a:latin typeface="Tahoma" charset="0"/>
-              </a:defRPr>
-            </a:lvl5pPr>
-            <a:lvl6pPr marL="2514600" indent="-228600" eaLnBrk="0" fontAlgn="base" hangingPunct="0">
-              <a:spcBef>
-                <a:spcPct val="0"/>
-              </a:spcBef>
-              <a:spcAft>
-                <a:spcPct val="0"/>
-              </a:spcAft>
-              <a:defRPr>
-                <a:solidFill>
-                  <a:schemeClr val="tx1"/>
-                </a:solidFill>
-                <a:latin typeface="Tahoma" charset="0"/>
-              </a:defRPr>
-            </a:lvl6pPr>
-            <a:lvl7pPr marL="2971800" indent="-228600" eaLnBrk="0" fontAlgn="base" hangingPunct="0">
-              <a:spcBef>
-                <a:spcPct val="0"/>
-              </a:spcBef>
-              <a:spcAft>
-                <a:spcPct val="0"/>
-              </a:spcAft>
-              <a:defRPr>
-                <a:solidFill>
-                  <a:schemeClr val="tx1"/>
-                </a:solidFill>
-                <a:latin typeface="Tahoma" charset="0"/>
-              </a:defRPr>
-            </a:lvl7pPr>
-            <a:lvl8pPr marL="3429000" indent="-228600" eaLnBrk="0" fontAlgn="base" hangingPunct="0">
-              <a:spcBef>
-                <a:spcPct val="0"/>
-              </a:spcBef>
-              <a:spcAft>
-                <a:spcPct val="0"/>
-              </a:spcAft>
-              <a:defRPr>
-                <a:solidFill>
-                  <a:schemeClr val="tx1"/>
-                </a:solidFill>
-                <a:latin typeface="Tahoma" charset="0"/>
-              </a:defRPr>
-            </a:lvl8pPr>
-            <a:lvl9pPr marL="3886200" indent="-228600" eaLnBrk="0" fontAlgn="base" hangingPunct="0">
-              <a:spcBef>
-                <a:spcPct val="0"/>
-              </a:spcBef>
-              <a:spcAft>
-                <a:spcPct val="0"/>
-              </a:spcAft>
-              <a:defRPr>
-                <a:solidFill>
-                  <a:schemeClr val="tx1"/>
-                </a:solidFill>
-                <a:latin typeface="Tahoma" charset="0"/>
-              </a:defRPr>
-            </a:lvl9pPr>
-          </a:lstStyle>
-          <a:p>
-            <a:r>
-              <a:rPr lang="en-US"/>
-              <a:t>H-</a:t>
-            </a:r>
-            <a:fld id="{611C07A8-10A4-4C25-82D2-411B0BA53205}" type="slidenum">
-              <a:rPr lang="en-US" smtClean="0"/>
-              <a:pPr/>
-              <a:t>25</a:t>
-            </a:fld>
-            <a:endParaRPr lang="en-US"/>
-          </a:p>
-        </p:txBody>
-      </p:sp>
-    </p:spTree>
-  </p:cSld>
-  <p:clrMapOvr>
-    <a:masterClrMapping/>
-  </p:clrMapOvr>
-</p:sld>
-</file>
-
-<file path=ppt/slides/slide26.xml><?xml version="1.0" encoding="utf-8"?>
-<p:sld xmlns:a="http://schemas.openxmlformats.org/drawingml/2006/main" xmlns:r="http://schemas.openxmlformats.org/officeDocument/2006/relationships" xmlns:p="http://schemas.openxmlformats.org/presentationml/2006/main">
-  <p:cSld>
-    <p:spTree>
-      <p:nvGrpSpPr>
-        <p:cNvPr id="1" name=""/>
-        <p:cNvGrpSpPr/>
-        <p:nvPr/>
-      </p:nvGrpSpPr>
-      <p:grpSpPr>
-        <a:xfrm>
-          <a:off x="0" y="0"/>
-          <a:ext cx="0" cy="0"/>
-          <a:chOff x="0" y="0"/>
-          <a:chExt cx="0" cy="0"/>
-        </a:xfrm>
-      </p:grpSpPr>
-      <p:sp>
-        <p:nvSpPr>
-          <p:cNvPr id="45061" name="Rectangle 2"/>
-          <p:cNvSpPr>
-            <a:spLocks noGrp="1" noChangeArrowheads="1"/>
-          </p:cNvSpPr>
-          <p:nvPr>
-            <p:ph type="title"/>
-            <p:custDataLst>
-              <p:tags r:id="rId1"/>
-            </p:custDataLst>
-          </p:nvPr>
-        </p:nvSpPr>
-        <p:spPr/>
-        <p:txBody>
-          <a:bodyPr/>
-          <a:lstStyle/>
-          <a:p>
-            <a:pPr eaLnBrk="1" hangingPunct="1"/>
-            <a:r>
-              <a:rPr lang="en-US"/>
-              <a:t>Visitor Actions and State</a:t>
-            </a:r>
-            <a:endParaRPr lang="en-US" dirty="0"/>
-          </a:p>
-        </p:txBody>
-      </p:sp>
-      <p:sp>
-        <p:nvSpPr>
-          <p:cNvPr id="45062" name="Rectangle 3"/>
-          <p:cNvSpPr>
-            <a:spLocks noGrp="1" noChangeArrowheads="1"/>
-          </p:cNvSpPr>
-          <p:nvPr>
-            <p:ph idx="1"/>
-            <p:custDataLst>
-              <p:tags r:id="rId2"/>
-            </p:custDataLst>
-          </p:nvPr>
-        </p:nvSpPr>
-        <p:spPr>
-          <a:xfrm>
-            <a:off x="457200" y="1447800"/>
-            <a:ext cx="8229600" cy="5105400"/>
-          </a:xfrm>
-        </p:spPr>
-        <p:txBody>
-          <a:bodyPr>
-            <a:normAutofit/>
-          </a:bodyPr>
-          <a:lstStyle/>
-          <a:p>
-            <a:pPr eaLnBrk="1" hangingPunct="1">
-              <a:lnSpc>
-                <a:spcPct val="80000"/>
-              </a:lnSpc>
-            </a:pPr>
-            <a:r>
-              <a:rPr lang="en-US" sz="2800" dirty="0"/>
-              <a:t>A visitor function has a reference to the node it is visiting (the parameter)</a:t>
-            </a:r>
-          </a:p>
-          <a:p>
-            <a:pPr lvl="1" eaLnBrk="1" hangingPunct="1">
-              <a:lnSpc>
-                <a:spcPct val="80000"/>
-              </a:lnSpc>
-              <a:buFont typeface="Symbol" charset="0"/>
-              <a:buChar char="\"/>
-            </a:pPr>
-            <a:r>
-              <a:rPr lang="en-US" sz="2400" dirty="0">
-                <a:sym typeface="Symbol" pitchFamily="18" charset="2"/>
-              </a:rPr>
-              <a:t>can access and manipulate </a:t>
-            </a:r>
-            <a:r>
-              <a:rPr lang="en-US" sz="2400" dirty="0" err="1">
-                <a:sym typeface="Symbol" pitchFamily="18" charset="2"/>
-              </a:rPr>
-              <a:t>subtrees</a:t>
-            </a:r>
-            <a:r>
-              <a:rPr lang="en-US" sz="2400" dirty="0">
-                <a:sym typeface="Symbol" pitchFamily="18" charset="2"/>
-              </a:rPr>
-              <a:t> directly</a:t>
-            </a:r>
-            <a:endParaRPr lang="en-US" sz="2400" dirty="0"/>
-          </a:p>
-          <a:p>
-            <a:pPr>
-              <a:lnSpc>
-                <a:spcPct val="80000"/>
-              </a:lnSpc>
-            </a:pPr>
-            <a:r>
-              <a:rPr lang="en-US" sz="2800" dirty="0"/>
-              <a:t>Visitor object can also include local data (state) shared by methods in the visitor</a:t>
-            </a:r>
-          </a:p>
-          <a:p>
-            <a:pPr lvl="1">
-              <a:lnSpc>
-                <a:spcPct val="80000"/>
-              </a:lnSpc>
-            </a:pPr>
-            <a:r>
-              <a:rPr lang="en-US" sz="2400" dirty="0"/>
-              <a:t>This data is effectively “global” to the methods that make up the visitor object, and can be used to store and pass around information as different kinds of nodes are visited</a:t>
-            </a:r>
-          </a:p>
-          <a:p>
-            <a:pPr lvl="1" eaLnBrk="1" hangingPunct="1">
-              <a:lnSpc>
-                <a:spcPct val="80000"/>
-              </a:lnSpc>
-              <a:buFont typeface="Wingdings" pitchFamily="2" charset="2"/>
-              <a:buNone/>
-            </a:pPr>
-            <a:endParaRPr lang="en-US" sz="1800" dirty="0"/>
-          </a:p>
-          <a:p>
-            <a:pPr lvl="1" eaLnBrk="1" hangingPunct="1">
-              <a:lnSpc>
-                <a:spcPct val="80000"/>
-              </a:lnSpc>
-              <a:buFont typeface="Wingdings" pitchFamily="2" charset="2"/>
-              <a:buNone/>
-            </a:pPr>
-            <a:r>
-              <a:rPr lang="en-US" sz="1800" dirty="0"/>
-              <a:t>public class </a:t>
-            </a:r>
-            <a:r>
-              <a:rPr lang="en-US" sz="1800" dirty="0" err="1"/>
-              <a:t>TypeCheckVisitor</a:t>
-            </a:r>
-            <a:r>
-              <a:rPr lang="en-US" sz="1800" dirty="0"/>
-              <a:t> extends </a:t>
-            </a:r>
-            <a:r>
-              <a:rPr lang="en-US" sz="1800" dirty="0" err="1"/>
-              <a:t>NodeVisitor</a:t>
-            </a:r>
-            <a:r>
-              <a:rPr lang="en-US" sz="1800" dirty="0"/>
-              <a:t> {</a:t>
-            </a:r>
-          </a:p>
-          <a:p>
-            <a:pPr lvl="1" eaLnBrk="1" hangingPunct="1">
-              <a:lnSpc>
-                <a:spcPct val="80000"/>
-              </a:lnSpc>
-              <a:buFont typeface="Wingdings" pitchFamily="2" charset="2"/>
-              <a:buNone/>
-            </a:pPr>
-            <a:r>
-              <a:rPr lang="en-US" sz="1800" dirty="0"/>
-              <a:t>	public void visit(</a:t>
-            </a:r>
-            <a:r>
-              <a:rPr lang="en-US" sz="1800" dirty="0" err="1"/>
-              <a:t>WhileNode</a:t>
-            </a:r>
-            <a:r>
-              <a:rPr lang="en-US" sz="1800" dirty="0"/>
-              <a:t> s) { … }</a:t>
-            </a:r>
-          </a:p>
-          <a:p>
-            <a:pPr lvl="1" eaLnBrk="1" hangingPunct="1">
-              <a:lnSpc>
-                <a:spcPct val="80000"/>
-              </a:lnSpc>
-              <a:buFont typeface="Wingdings" pitchFamily="2" charset="2"/>
-              <a:buNone/>
-            </a:pPr>
-            <a:r>
-              <a:rPr lang="en-US" sz="1800" dirty="0"/>
-              <a:t>	public void visit(</a:t>
-            </a:r>
-            <a:r>
-              <a:rPr lang="en-US" sz="1800" dirty="0" err="1"/>
-              <a:t>IfNode</a:t>
-            </a:r>
-            <a:r>
-              <a:rPr lang="en-US" sz="1800" dirty="0"/>
-              <a:t> s) { … }</a:t>
-            </a:r>
-          </a:p>
-          <a:p>
-            <a:pPr lvl="1" eaLnBrk="1" hangingPunct="1">
-              <a:lnSpc>
-                <a:spcPct val="80000"/>
-              </a:lnSpc>
-              <a:buFont typeface="Wingdings" pitchFamily="2" charset="2"/>
-              <a:buNone/>
-            </a:pPr>
-            <a:r>
-              <a:rPr lang="en-US" sz="1800" dirty="0"/>
-              <a:t>	…</a:t>
-            </a:r>
-          </a:p>
-          <a:p>
-            <a:pPr lvl="1" eaLnBrk="1" hangingPunct="1">
-              <a:lnSpc>
-                <a:spcPct val="80000"/>
-              </a:lnSpc>
-              <a:buFont typeface="Wingdings" pitchFamily="2" charset="2"/>
-              <a:buNone/>
-            </a:pPr>
-            <a:r>
-              <a:rPr lang="en-US" sz="1800" dirty="0"/>
-              <a:t>	private &lt;local state&gt;;  // all methods can read/write this</a:t>
-            </a:r>
-          </a:p>
-          <a:p>
-            <a:pPr lvl="1" eaLnBrk="1" hangingPunct="1">
-              <a:lnSpc>
-                <a:spcPct val="80000"/>
-              </a:lnSpc>
-              <a:buFont typeface="Wingdings" pitchFamily="2" charset="2"/>
-              <a:buNone/>
-            </a:pPr>
-            <a:r>
-              <a:rPr lang="en-US" sz="1800" dirty="0"/>
-              <a:t>}</a:t>
-            </a:r>
-            <a:endParaRPr lang="en-US" sz="2400" dirty="0"/>
-          </a:p>
-        </p:txBody>
-      </p:sp>
-      <p:sp>
-        <p:nvSpPr>
-          <p:cNvPr id="45059" name="Footer Placeholder 4"/>
-          <p:cNvSpPr>
-            <a:spLocks noGrp="1"/>
-          </p:cNvSpPr>
-          <p:nvPr>
-            <p:ph type="ftr" sz="quarter" idx="11"/>
-            <p:custDataLst>
-              <p:tags r:id="rId3"/>
-            </p:custDataLst>
-          </p:nvPr>
-        </p:nvSpPr>
-        <p:spPr>
-          <a:noFill/>
-          <a:ln/>
-          <a:extLst>
-            <a:ext uri="{909E8E84-426E-40dd-AFC4-6F175D3DCCD1}">
-              <a14:hiddenFill xmlns="" xmlns:a14="http://schemas.microsoft.com/office/drawing/2010/main">
-                <a:solidFill>
-                  <a:srgbClr val="FFFFFF"/>
-                </a:solidFill>
-              </a14:hiddenFill>
-            </a:ext>
-            <a:ext uri="{91240B29-F687-4f45-9708-019B960494DF}">
-              <a14:hiddenLine xmlns="" xmlns:a14="http://schemas.microsoft.com/office/drawing/2010/main" w="9525">
-                <a:solidFill>
-                  <a:srgbClr val="000000"/>
-                </a:solidFill>
-                <a:miter lim="800000"/>
-                <a:headEnd/>
-                <a:tailEnd/>
-              </a14:hiddenLine>
-            </a:ext>
-          </a:extLst>
-        </p:spPr>
-        <p:txBody>
-          <a:bodyPr/>
-          <a:lstStyle>
-            <a:lvl1pPr>
-              <a:defRPr>
-                <a:solidFill>
-                  <a:schemeClr val="tx1"/>
-                </a:solidFill>
-                <a:latin typeface="Tahoma" charset="0"/>
-              </a:defRPr>
-            </a:lvl1pPr>
-            <a:lvl2pPr marL="742950" indent="-285750">
-              <a:defRPr>
-                <a:solidFill>
-                  <a:schemeClr val="tx1"/>
-                </a:solidFill>
-                <a:latin typeface="Tahoma" charset="0"/>
-              </a:defRPr>
-            </a:lvl2pPr>
-            <a:lvl3pPr marL="1143000" indent="-228600">
-              <a:defRPr>
-                <a:solidFill>
-                  <a:schemeClr val="tx1"/>
-                </a:solidFill>
-                <a:latin typeface="Tahoma" charset="0"/>
-              </a:defRPr>
-            </a:lvl3pPr>
-            <a:lvl4pPr marL="1600200" indent="-228600">
-              <a:defRPr>
-                <a:solidFill>
-                  <a:schemeClr val="tx1"/>
-                </a:solidFill>
-                <a:latin typeface="Tahoma" charset="0"/>
-              </a:defRPr>
-            </a:lvl4pPr>
-            <a:lvl5pPr marL="2057400" indent="-228600">
-              <a:defRPr>
-                <a:solidFill>
-                  <a:schemeClr val="tx1"/>
-                </a:solidFill>
-                <a:latin typeface="Tahoma" charset="0"/>
-              </a:defRPr>
-            </a:lvl5pPr>
-            <a:lvl6pPr marL="2514600" indent="-228600" eaLnBrk="0" fontAlgn="base" hangingPunct="0">
-              <a:spcBef>
-                <a:spcPct val="0"/>
-              </a:spcBef>
-              <a:spcAft>
-                <a:spcPct val="0"/>
-              </a:spcAft>
-              <a:defRPr>
-                <a:solidFill>
-                  <a:schemeClr val="tx1"/>
-                </a:solidFill>
-                <a:latin typeface="Tahoma" charset="0"/>
-              </a:defRPr>
-            </a:lvl6pPr>
-            <a:lvl7pPr marL="2971800" indent="-228600" eaLnBrk="0" fontAlgn="base" hangingPunct="0">
-              <a:spcBef>
-                <a:spcPct val="0"/>
-              </a:spcBef>
-              <a:spcAft>
-                <a:spcPct val="0"/>
-              </a:spcAft>
-              <a:defRPr>
-                <a:solidFill>
-                  <a:schemeClr val="tx1"/>
-                </a:solidFill>
-                <a:latin typeface="Tahoma" charset="0"/>
-              </a:defRPr>
-            </a:lvl7pPr>
-            <a:lvl8pPr marL="3429000" indent="-228600" eaLnBrk="0" fontAlgn="base" hangingPunct="0">
-              <a:spcBef>
-                <a:spcPct val="0"/>
-              </a:spcBef>
-              <a:spcAft>
-                <a:spcPct val="0"/>
-              </a:spcAft>
-              <a:defRPr>
-                <a:solidFill>
-                  <a:schemeClr val="tx1"/>
-                </a:solidFill>
-                <a:latin typeface="Tahoma" charset="0"/>
-              </a:defRPr>
-            </a:lvl8pPr>
-            <a:lvl9pPr marL="3886200" indent="-228600" eaLnBrk="0" fontAlgn="base" hangingPunct="0">
-              <a:spcBef>
-                <a:spcPct val="0"/>
-              </a:spcBef>
-              <a:spcAft>
-                <a:spcPct val="0"/>
-              </a:spcAft>
-              <a:defRPr>
-                <a:solidFill>
-                  <a:schemeClr val="tx1"/>
-                </a:solidFill>
-                <a:latin typeface="Tahoma" charset="0"/>
-              </a:defRPr>
-            </a:lvl9pPr>
-          </a:lstStyle>
-          <a:p>
-            <a:r>
-              <a:rPr lang="pl-PL" dirty="0"/>
-              <a:t>UW CSE P 501 Spring 2018</a:t>
-            </a:r>
-            <a:endParaRPr lang="en-US" dirty="0"/>
-          </a:p>
-        </p:txBody>
-      </p:sp>
-      <p:sp>
-        <p:nvSpPr>
-          <p:cNvPr id="45060" name="Slide Number Placeholder 5"/>
-          <p:cNvSpPr>
-            <a:spLocks noGrp="1"/>
-          </p:cNvSpPr>
-          <p:nvPr>
-            <p:ph type="sldNum" sz="quarter" idx="12"/>
-            <p:custDataLst>
-              <p:tags r:id="rId4"/>
-            </p:custDataLst>
-          </p:nvPr>
-        </p:nvSpPr>
-        <p:spPr>
-          <a:noFill/>
-          <a:ln/>
-          <a:extLst>
-            <a:ext uri="{909E8E84-426E-40dd-AFC4-6F175D3DCCD1}">
-              <a14:hiddenFill xmlns="" xmlns:a14="http://schemas.microsoft.com/office/drawing/2010/main">
-                <a:solidFill>
-                  <a:srgbClr val="FFFFFF"/>
-                </a:solidFill>
-              </a14:hiddenFill>
-            </a:ext>
-            <a:ext uri="{91240B29-F687-4f45-9708-019B960494DF}">
-              <a14:hiddenLine xmlns="" xmlns:a14="http://schemas.microsoft.com/office/drawing/2010/main" w="9525">
-                <a:solidFill>
-                  <a:srgbClr val="000000"/>
-                </a:solidFill>
-                <a:miter lim="800000"/>
-                <a:headEnd/>
-                <a:tailEnd/>
-              </a14:hiddenLine>
-            </a:ext>
-          </a:extLst>
-        </p:spPr>
-        <p:txBody>
-          <a:bodyPr/>
-          <a:lstStyle>
-            <a:lvl1pPr>
-              <a:defRPr>
-                <a:solidFill>
-                  <a:schemeClr val="tx1"/>
-                </a:solidFill>
-                <a:latin typeface="Tahoma" charset="0"/>
-              </a:defRPr>
-            </a:lvl1pPr>
-            <a:lvl2pPr marL="742950" indent="-285750">
-              <a:defRPr>
-                <a:solidFill>
-                  <a:schemeClr val="tx1"/>
-                </a:solidFill>
-                <a:latin typeface="Tahoma" charset="0"/>
-              </a:defRPr>
-            </a:lvl2pPr>
-            <a:lvl3pPr marL="1143000" indent="-228600">
-              <a:defRPr>
-                <a:solidFill>
-                  <a:schemeClr val="tx1"/>
-                </a:solidFill>
-                <a:latin typeface="Tahoma" charset="0"/>
-              </a:defRPr>
-            </a:lvl3pPr>
-            <a:lvl4pPr marL="1600200" indent="-228600">
-              <a:defRPr>
-                <a:solidFill>
-                  <a:schemeClr val="tx1"/>
-                </a:solidFill>
-                <a:latin typeface="Tahoma" charset="0"/>
-              </a:defRPr>
-            </a:lvl4pPr>
-            <a:lvl5pPr marL="2057400" indent="-228600">
-              <a:defRPr>
-                <a:solidFill>
-                  <a:schemeClr val="tx1"/>
-                </a:solidFill>
-                <a:latin typeface="Tahoma" charset="0"/>
-              </a:defRPr>
-            </a:lvl5pPr>
-            <a:lvl6pPr marL="2514600" indent="-228600" eaLnBrk="0" fontAlgn="base" hangingPunct="0">
-              <a:spcBef>
-                <a:spcPct val="0"/>
-              </a:spcBef>
-              <a:spcAft>
-                <a:spcPct val="0"/>
-              </a:spcAft>
-              <a:defRPr>
-                <a:solidFill>
-                  <a:schemeClr val="tx1"/>
-                </a:solidFill>
-                <a:latin typeface="Tahoma" charset="0"/>
-              </a:defRPr>
-            </a:lvl6pPr>
-            <a:lvl7pPr marL="2971800" indent="-228600" eaLnBrk="0" fontAlgn="base" hangingPunct="0">
-              <a:spcBef>
-                <a:spcPct val="0"/>
-              </a:spcBef>
-              <a:spcAft>
-                <a:spcPct val="0"/>
-              </a:spcAft>
-              <a:defRPr>
-                <a:solidFill>
-                  <a:schemeClr val="tx1"/>
-                </a:solidFill>
-                <a:latin typeface="Tahoma" charset="0"/>
-              </a:defRPr>
-            </a:lvl7pPr>
-            <a:lvl8pPr marL="3429000" indent="-228600" eaLnBrk="0" fontAlgn="base" hangingPunct="0">
-              <a:spcBef>
-                <a:spcPct val="0"/>
-              </a:spcBef>
-              <a:spcAft>
-                <a:spcPct val="0"/>
-              </a:spcAft>
-              <a:defRPr>
-                <a:solidFill>
-                  <a:schemeClr val="tx1"/>
-                </a:solidFill>
-                <a:latin typeface="Tahoma" charset="0"/>
-              </a:defRPr>
-            </a:lvl8pPr>
-            <a:lvl9pPr marL="3886200" indent="-228600" eaLnBrk="0" fontAlgn="base" hangingPunct="0">
-              <a:spcBef>
-                <a:spcPct val="0"/>
-              </a:spcBef>
-              <a:spcAft>
-                <a:spcPct val="0"/>
-              </a:spcAft>
-              <a:defRPr>
-                <a:solidFill>
-                  <a:schemeClr val="tx1"/>
-                </a:solidFill>
-                <a:latin typeface="Tahoma" charset="0"/>
-              </a:defRPr>
-            </a:lvl9pPr>
-          </a:lstStyle>
-          <a:p>
-            <a:r>
-              <a:rPr lang="en-US"/>
-              <a:t>H-</a:t>
-            </a:r>
-            <a:fld id="{BF8D0CC8-FA86-4492-88DE-AFA4A01EBFF8}" type="slidenum">
-              <a:rPr lang="en-US" smtClean="0"/>
-              <a:pPr/>
-              <a:t>26</a:t>
-            </a:fld>
-            <a:endParaRPr lang="en-US"/>
-          </a:p>
-        </p:txBody>
-      </p:sp>
-    </p:spTree>
-  </p:cSld>
-  <p:clrMapOvr>
-    <a:masterClrMapping/>
-  </p:clrMapOvr>
-</p:sld>
-</file>
-
-<file path=ppt/slides/slide27.xml><?xml version="1.0" encoding="utf-8"?>
 <p:sld xmlns:a="http://schemas.openxmlformats.org/drawingml/2006/main" xmlns:r="http://schemas.openxmlformats.org/officeDocument/2006/relationships" xmlns:p="http://schemas.openxmlformats.org/presentationml/2006/main">
   <p:cSld>
     <p:spTree>
@@ -19862,7 +18136,7 @@
           <a:p>
             <a:r>
               <a:rPr lang="en-US"/>
-              <a:t>So which to choose?</a:t>
+              <a:t>Why is it so complicated?</a:t>
             </a:r>
             <a:endParaRPr lang="en-US" dirty="0"/>
           </a:p>
@@ -19878,85 +18152,34 @@
             <p:ph idx="1"/>
           </p:nvPr>
         </p:nvSpPr>
-        <p:spPr>
-          <a:xfrm>
-            <a:off x="457200" y="1295400"/>
-            <a:ext cx="8229600" cy="5105400"/>
-          </a:xfrm>
-        </p:spPr>
+        <p:spPr/>
         <p:txBody>
-          <a:bodyPr>
-            <a:normAutofit fontScale="85000" lnSpcReduction="20000"/>
-          </a:bodyPr>
+          <a:bodyPr/>
           <a:lstStyle/>
           <a:p>
             <a:r>
               <a:rPr lang="en-US" dirty="0"/>
-              <a:t>Possibilities:</a:t>
+              <a:t>What we’re really trying to do: 2-argument dynamic dispatch</a:t>
             </a:r>
           </a:p>
           <a:p>
             <a:pPr lvl="1"/>
             <a:r>
               <a:rPr lang="en-US" dirty="0"/>
-              <a:t>Node objects drive the traversal and pass the visitors around the tree in standard ways</a:t>
+              <a:t>Pick correct method to execute based on dynamic types of both the node and the visitor</a:t>
+            </a:r>
+          </a:p>
+          <a:p>
+            <a:r>
+              <a:rPr lang="en-US" dirty="0"/>
+              <a:t>But Java and most O-O languages only support single dispatch</a:t>
             </a:r>
           </a:p>
           <a:p>
             <a:pPr lvl="1"/>
             <a:r>
               <a:rPr lang="en-US" dirty="0"/>
-              <a:t>Visitor object drives the traversal (the visitor has access to the node, including references to child </a:t>
-            </a:r>
-            <a:r>
-              <a:rPr lang="en-US" dirty="0" err="1"/>
-              <a:t>subtrees</a:t>
-            </a:r>
-            <a:r>
-              <a:rPr lang="en-US" dirty="0"/>
-              <a:t>)</a:t>
-            </a:r>
-          </a:p>
-          <a:p>
-            <a:r>
-              <a:rPr lang="en-US" dirty="0"/>
-              <a:t>In a compiler:</a:t>
-            </a:r>
-          </a:p>
-          <a:p>
-            <a:pPr lvl="1"/>
-            <a:r>
-              <a:rPr lang="en-US" dirty="0"/>
-              <a:t>First choice handles many common cases</a:t>
-            </a:r>
-          </a:p>
-          <a:p>
-            <a:pPr lvl="1"/>
-            <a:r>
-              <a:rPr lang="en-US" dirty="0"/>
-              <a:t>Big compilers often have multiple visitor schemes (e.g., several different traversals defined in Node interface plus custom traversals in some visitors)</a:t>
-            </a:r>
-          </a:p>
-          <a:p>
-            <a:pPr lvl="1"/>
-            <a:r>
-              <a:rPr lang="en-US" dirty="0"/>
-              <a:t>For </a:t>
-            </a:r>
-            <a:r>
-              <a:rPr lang="en-US" dirty="0" err="1"/>
-              <a:t>MiniJava</a:t>
-            </a:r>
-            <a:r>
-              <a:rPr lang="en-US" dirty="0"/>
-              <a:t>: keep it simple and start with supplied examples, but if you really need to do something different, you can</a:t>
-            </a:r>
-          </a:p>
-          <a:p>
-            <a:pPr lvl="2"/>
-            <a:r>
-              <a:rPr lang="en-US" dirty="0"/>
-              <a:t>(i.e., keep an open mind, but not so open that you create needless complexity)</a:t>
+              <a:t>So we use it with overloading to get the effect we want</a:t>
             </a:r>
           </a:p>
         </p:txBody>
@@ -19978,7 +18201,7 @@
           <a:p>
             <a:r>
               <a:rPr lang="pl-PL" dirty="0"/>
-              <a:t>UW CSE P 501 Spring 2018</a:t>
+              <a:t>Compiler Design</a:t>
             </a:r>
             <a:endParaRPr lang="en-US" dirty="0"/>
           </a:p>
@@ -20006,153 +18229,7 @@
             <a:fld id="{B5FA0D70-380C-4F61-8C89-BB3DB0647DA6}" type="slidenum">
               <a:rPr lang="en-US" smtClean="0"/>
               <a:pPr/>
-              <a:t>27</a:t>
-            </a:fld>
-            <a:endParaRPr lang="en-US"/>
-          </a:p>
-        </p:txBody>
-      </p:sp>
-    </p:spTree>
-    <p:extLst>
-      <p:ext uri="{BB962C8B-B14F-4D97-AF65-F5344CB8AC3E}">
-        <p14:creationId xmlns:p14="http://schemas.microsoft.com/office/powerpoint/2010/main" val="4254717989"/>
-      </p:ext>
-    </p:extLst>
-  </p:cSld>
-  <p:clrMapOvr>
-    <a:masterClrMapping/>
-  </p:clrMapOvr>
-</p:sld>
-</file>
-
-<file path=ppt/slides/slide28.xml><?xml version="1.0" encoding="utf-8"?>
-<p:sld xmlns:a="http://schemas.openxmlformats.org/drawingml/2006/main" xmlns:r="http://schemas.openxmlformats.org/officeDocument/2006/relationships" xmlns:p="http://schemas.openxmlformats.org/presentationml/2006/main">
-  <p:cSld>
-    <p:spTree>
-      <p:nvGrpSpPr>
-        <p:cNvPr id="1" name=""/>
-        <p:cNvGrpSpPr/>
-        <p:nvPr/>
-      </p:nvGrpSpPr>
-      <p:grpSpPr>
-        <a:xfrm>
-          <a:off x="0" y="0"/>
-          <a:ext cx="0" cy="0"/>
-          <a:chOff x="0" y="0"/>
-          <a:chExt cx="0" cy="0"/>
-        </a:xfrm>
-      </p:grpSpPr>
-      <p:sp>
-        <p:nvSpPr>
-          <p:cNvPr id="2" name="Title 1"/>
-          <p:cNvSpPr>
-            <a:spLocks noGrp="1"/>
-          </p:cNvSpPr>
-          <p:nvPr>
-            <p:ph type="title"/>
-          </p:nvPr>
-        </p:nvSpPr>
-        <p:spPr/>
-        <p:txBody>
-          <a:bodyPr/>
-          <a:lstStyle/>
-          <a:p>
-            <a:r>
-              <a:rPr lang="en-US"/>
-              <a:t>Why is it so complicated?</a:t>
-            </a:r>
-            <a:endParaRPr lang="en-US" dirty="0"/>
-          </a:p>
-        </p:txBody>
-      </p:sp>
-      <p:sp>
-        <p:nvSpPr>
-          <p:cNvPr id="3" name="Content Placeholder 2"/>
-          <p:cNvSpPr>
-            <a:spLocks noGrp="1"/>
-          </p:cNvSpPr>
-          <p:nvPr>
-            <p:ph idx="1"/>
-          </p:nvPr>
-        </p:nvSpPr>
-        <p:spPr/>
-        <p:txBody>
-          <a:bodyPr/>
-          <a:lstStyle/>
-          <a:p>
-            <a:r>
-              <a:rPr lang="en-US" dirty="0"/>
-              <a:t>What we’re really trying to do: 2-argument dynamic dispatch</a:t>
-            </a:r>
-          </a:p>
-          <a:p>
-            <a:pPr lvl="1"/>
-            <a:r>
-              <a:rPr lang="en-US" dirty="0"/>
-              <a:t>Pick correct method to execute based on dynamic types of both the node and the visitor</a:t>
-            </a:r>
-          </a:p>
-          <a:p>
-            <a:r>
-              <a:rPr lang="en-US" dirty="0"/>
-              <a:t>But Java and most O-O languages only support single dispatch</a:t>
-            </a:r>
-          </a:p>
-          <a:p>
-            <a:pPr lvl="1"/>
-            <a:r>
-              <a:rPr lang="en-US" dirty="0"/>
-              <a:t>So we use it with overloading to get the effect we want</a:t>
-            </a:r>
-          </a:p>
-        </p:txBody>
-      </p:sp>
-      <p:sp>
-        <p:nvSpPr>
-          <p:cNvPr id="4" name="Footer Placeholder 3"/>
-          <p:cNvSpPr>
-            <a:spLocks noGrp="1"/>
-          </p:cNvSpPr>
-          <p:nvPr>
-            <p:ph type="ftr" sz="quarter" idx="11"/>
-          </p:nvPr>
-        </p:nvSpPr>
-        <p:spPr/>
-        <p:txBody>
-          <a:bodyPr/>
-          <a:lstStyle/>
-          <a:p>
-            <a:r>
-              <a:rPr lang="pl-PL" dirty="0"/>
-              <a:t>UW CSE P 501 Spring 2018</a:t>
-            </a:r>
-            <a:endParaRPr lang="en-US" dirty="0"/>
-          </a:p>
-        </p:txBody>
-      </p:sp>
-      <p:sp>
-        <p:nvSpPr>
-          <p:cNvPr id="5" name="Slide Number Placeholder 4"/>
-          <p:cNvSpPr>
-            <a:spLocks noGrp="1"/>
-          </p:cNvSpPr>
-          <p:nvPr>
-            <p:ph type="sldNum" sz="quarter" idx="12"/>
-          </p:nvPr>
-        </p:nvSpPr>
-        <p:spPr/>
-        <p:txBody>
-          <a:bodyPr/>
-          <a:lstStyle/>
-          <a:p>
-            <a:r>
-              <a:rPr lang="en-US"/>
-              <a:t>H-</a:t>
-            </a:r>
-            <a:fld id="{B5FA0D70-380C-4F61-8C89-BB3DB0647DA6}" type="slidenum">
-              <a:rPr lang="en-US" smtClean="0"/>
-              <a:pPr/>
-              <a:t>28</a:t>
+              <a:t>24</a:t>
             </a:fld>
             <a:endParaRPr lang="en-US"/>
           </a:p>
@@ -20171,7 +18248,7 @@
 </p:sld>
 </file>
 
-<file path=ppt/slides/slide29.xml><?xml version="1.0" encoding="utf-8"?>
+<file path=ppt/slides/slide25.xml><?xml version="1.0" encoding="utf-8"?>
 <p:sld xmlns:a="http://schemas.openxmlformats.org/drawingml/2006/main" xmlns:r="http://schemas.openxmlformats.org/officeDocument/2006/relationships" xmlns:p="http://schemas.openxmlformats.org/presentationml/2006/main">
   <p:cSld>
     <p:spTree>
@@ -20294,23 +18371,7 @@
           <a:p>
             <a:r>
               <a:rPr lang="en-US" dirty="0"/>
-              <a:t>Specific information for </a:t>
-            </a:r>
-            <a:r>
-              <a:rPr lang="en-US" dirty="0" err="1"/>
-              <a:t>MiniJava</a:t>
-            </a:r>
-            <a:r>
-              <a:rPr lang="en-US" dirty="0"/>
-              <a:t> AST and visitors in </a:t>
-            </a:r>
-            <a:r>
-              <a:rPr lang="en-US" dirty="0" err="1"/>
-              <a:t>Appel</a:t>
-            </a:r>
-            <a:r>
-              <a:rPr lang="en-US" dirty="0"/>
-              <a:t> textbook &amp; online</a:t>
+              <a:t>See Crafting Interpreters chapter 7</a:t>
             </a:r>
           </a:p>
         </p:txBody>
@@ -20432,7 +18493,7 @@
           <a:p>
             <a:r>
               <a:rPr lang="pl-PL" dirty="0"/>
-              <a:t>UW CSE P 501 Spring 2018</a:t>
+              <a:t>Compiler Design</a:t>
             </a:r>
             <a:endParaRPr lang="en-US" dirty="0"/>
           </a:p>
@@ -20560,7 +18621,7 @@
             <a:fld id="{57135580-31EB-4345-B80F-F4FD8A64F180}" type="slidenum">
               <a:rPr lang="en-US" smtClean="0"/>
               <a:pPr/>
-              <a:t>29</a:t>
+              <a:t>25</a:t>
             </a:fld>
             <a:endParaRPr lang="en-US"/>
           </a:p>
@@ -20574,377 +18635,7 @@
 </p:sld>
 </file>
 
-<file path=ppt/slides/slide3.xml><?xml version="1.0" encoding="utf-8"?>
-<p:sld xmlns:a="http://schemas.openxmlformats.org/drawingml/2006/main" xmlns:r="http://schemas.openxmlformats.org/officeDocument/2006/relationships" xmlns:p="http://schemas.openxmlformats.org/presentationml/2006/main" showMasterPhAnim="0">
-  <p:cSld>
-    <p:spTree>
-      <p:nvGrpSpPr>
-        <p:cNvPr id="1" name=""/>
-        <p:cNvGrpSpPr/>
-        <p:nvPr/>
-      </p:nvGrpSpPr>
-      <p:grpSpPr>
-        <a:xfrm>
-          <a:off x="0" y="0"/>
-          <a:ext cx="0" cy="0"/>
-          <a:chOff x="0" y="0"/>
-          <a:chExt cx="0" cy="0"/>
-        </a:xfrm>
-      </p:grpSpPr>
-      <p:sp>
-        <p:nvSpPr>
-          <p:cNvPr id="14341" name="Rectangle 2"/>
-          <p:cNvSpPr>
-            <a:spLocks noGrp="1" noChangeArrowheads="1"/>
-          </p:cNvSpPr>
-          <p:nvPr>
-            <p:ph type="title"/>
-            <p:custDataLst>
-              <p:tags r:id="rId1"/>
-            </p:custDataLst>
-          </p:nvPr>
-        </p:nvSpPr>
-        <p:spPr/>
-        <p:txBody>
-          <a:bodyPr/>
-          <a:lstStyle/>
-          <a:p>
-            <a:r>
-              <a:rPr lang="en-US"/>
-              <a:t>Agenda</a:t>
-            </a:r>
-          </a:p>
-        </p:txBody>
-      </p:sp>
-      <p:sp>
-        <p:nvSpPr>
-          <p:cNvPr id="14342" name="Rectangle 3"/>
-          <p:cNvSpPr>
-            <a:spLocks noGrp="1" noChangeArrowheads="1"/>
-          </p:cNvSpPr>
-          <p:nvPr>
-            <p:ph idx="1"/>
-            <p:custDataLst>
-              <p:tags r:id="rId2"/>
-            </p:custDataLst>
-          </p:nvPr>
-        </p:nvSpPr>
-        <p:spPr/>
-        <p:txBody>
-          <a:bodyPr>
-            <a:normAutofit lnSpcReduction="10000"/>
-          </a:bodyPr>
-          <a:lstStyle/>
-          <a:p>
-            <a:r>
-              <a:rPr lang="en-US" dirty="0"/>
-              <a:t>Representation of ASTs as Java objects</a:t>
-            </a:r>
-          </a:p>
-          <a:p>
-            <a:r>
-              <a:rPr lang="en-US" dirty="0"/>
-              <a:t>Parser semantic actions and AST generation</a:t>
-            </a:r>
-          </a:p>
-          <a:p>
-            <a:r>
-              <a:rPr lang="en-US" dirty="0"/>
-              <a:t>AST operations: modularity and encapsulation</a:t>
-            </a:r>
-          </a:p>
-          <a:p>
-            <a:r>
-              <a:rPr lang="en-US" dirty="0"/>
-              <a:t>Visitor pattern: basic ideas and variations</a:t>
-            </a:r>
-          </a:p>
-          <a:p>
-            <a:r>
-              <a:rPr lang="en-US" dirty="0"/>
-              <a:t>Some of the “why” behind the “how”</a:t>
-            </a:r>
-          </a:p>
-          <a:p>
-            <a:endParaRPr lang="en-US" dirty="0"/>
-          </a:p>
-          <a:p>
-            <a:r>
-              <a:rPr lang="en-US" dirty="0"/>
-              <a:t>For the project, see the </a:t>
-            </a:r>
-            <a:r>
-              <a:rPr lang="en-US" dirty="0" err="1"/>
-              <a:t>MiniJava</a:t>
-            </a:r>
-            <a:r>
-              <a:rPr lang="en-US" dirty="0"/>
-              <a:t> web site and starter code for more details / ideas</a:t>
-            </a:r>
-          </a:p>
-        </p:txBody>
-      </p:sp>
-      <p:sp>
-        <p:nvSpPr>
-          <p:cNvPr id="14339" name="Footer Placeholder 4"/>
-          <p:cNvSpPr>
-            <a:spLocks noGrp="1"/>
-          </p:cNvSpPr>
-          <p:nvPr>
-            <p:ph type="ftr" sz="quarter" idx="11"/>
-            <p:custDataLst>
-              <p:tags r:id="rId3"/>
-            </p:custDataLst>
-          </p:nvPr>
-        </p:nvSpPr>
-        <p:spPr/>
-        <p:txBody>
-          <a:bodyPr/>
-          <a:lstStyle>
-            <a:lvl1pPr>
-              <a:defRPr>
-                <a:solidFill>
-                  <a:schemeClr val="tx1"/>
-                </a:solidFill>
-                <a:latin typeface="Tahoma" charset="0"/>
-              </a:defRPr>
-            </a:lvl1pPr>
-            <a:lvl2pPr marL="742950" indent="-285750">
-              <a:defRPr>
-                <a:solidFill>
-                  <a:schemeClr val="tx1"/>
-                </a:solidFill>
-                <a:latin typeface="Tahoma" charset="0"/>
-              </a:defRPr>
-            </a:lvl2pPr>
-            <a:lvl3pPr marL="1143000" indent="-228600">
-              <a:defRPr>
-                <a:solidFill>
-                  <a:schemeClr val="tx1"/>
-                </a:solidFill>
-                <a:latin typeface="Tahoma" charset="0"/>
-              </a:defRPr>
-            </a:lvl3pPr>
-            <a:lvl4pPr marL="1600200" indent="-228600">
-              <a:defRPr>
-                <a:solidFill>
-                  <a:schemeClr val="tx1"/>
-                </a:solidFill>
-                <a:latin typeface="Tahoma" charset="0"/>
-              </a:defRPr>
-            </a:lvl4pPr>
-            <a:lvl5pPr marL="2057400" indent="-228600">
-              <a:defRPr>
-                <a:solidFill>
-                  <a:schemeClr val="tx1"/>
-                </a:solidFill>
-                <a:latin typeface="Tahoma" charset="0"/>
-              </a:defRPr>
-            </a:lvl5pPr>
-            <a:lvl6pPr marL="2514600" indent="-228600" eaLnBrk="0" fontAlgn="base" hangingPunct="0">
-              <a:spcBef>
-                <a:spcPct val="0"/>
-              </a:spcBef>
-              <a:spcAft>
-                <a:spcPct val="0"/>
-              </a:spcAft>
-              <a:defRPr>
-                <a:solidFill>
-                  <a:schemeClr val="tx1"/>
-                </a:solidFill>
-                <a:latin typeface="Tahoma" charset="0"/>
-              </a:defRPr>
-            </a:lvl6pPr>
-            <a:lvl7pPr marL="2971800" indent="-228600" eaLnBrk="0" fontAlgn="base" hangingPunct="0">
-              <a:spcBef>
-                <a:spcPct val="0"/>
-              </a:spcBef>
-              <a:spcAft>
-                <a:spcPct val="0"/>
-              </a:spcAft>
-              <a:defRPr>
-                <a:solidFill>
-                  <a:schemeClr val="tx1"/>
-                </a:solidFill>
-                <a:latin typeface="Tahoma" charset="0"/>
-              </a:defRPr>
-            </a:lvl7pPr>
-            <a:lvl8pPr marL="3429000" indent="-228600" eaLnBrk="0" fontAlgn="base" hangingPunct="0">
-              <a:spcBef>
-                <a:spcPct val="0"/>
-              </a:spcBef>
-              <a:spcAft>
-                <a:spcPct val="0"/>
-              </a:spcAft>
-              <a:defRPr>
-                <a:solidFill>
-                  <a:schemeClr val="tx1"/>
-                </a:solidFill>
-                <a:latin typeface="Tahoma" charset="0"/>
-              </a:defRPr>
-            </a:lvl8pPr>
-            <a:lvl9pPr marL="3886200" indent="-228600" eaLnBrk="0" fontAlgn="base" hangingPunct="0">
-              <a:spcBef>
-                <a:spcPct val="0"/>
-              </a:spcBef>
-              <a:spcAft>
-                <a:spcPct val="0"/>
-              </a:spcAft>
-              <a:defRPr>
-                <a:solidFill>
-                  <a:schemeClr val="tx1"/>
-                </a:solidFill>
-                <a:latin typeface="Tahoma" charset="0"/>
-              </a:defRPr>
-            </a:lvl9pPr>
-          </a:lstStyle>
-          <a:p>
-            <a:r>
-              <a:rPr lang="pl-PL" dirty="0"/>
-              <a:t>UW CSE P 501 Spring 2018</a:t>
-            </a:r>
-            <a:endParaRPr lang="en-US" dirty="0"/>
-          </a:p>
-        </p:txBody>
-      </p:sp>
-      <p:sp>
-        <p:nvSpPr>
-          <p:cNvPr id="14340" name="Slide Number Placeholder 5"/>
-          <p:cNvSpPr>
-            <a:spLocks noGrp="1"/>
-          </p:cNvSpPr>
-          <p:nvPr>
-            <p:ph type="sldNum" sz="quarter" idx="12"/>
-            <p:custDataLst>
-              <p:tags r:id="rId4"/>
-            </p:custDataLst>
-          </p:nvPr>
-        </p:nvSpPr>
-        <p:spPr/>
-        <p:txBody>
-          <a:bodyPr/>
-          <a:lstStyle>
-            <a:lvl1pPr>
-              <a:defRPr>
-                <a:solidFill>
-                  <a:schemeClr val="tx1"/>
-                </a:solidFill>
-                <a:latin typeface="Tahoma" charset="0"/>
-              </a:defRPr>
-            </a:lvl1pPr>
-            <a:lvl2pPr marL="742950" indent="-285750">
-              <a:defRPr>
-                <a:solidFill>
-                  <a:schemeClr val="tx1"/>
-                </a:solidFill>
-                <a:latin typeface="Tahoma" charset="0"/>
-              </a:defRPr>
-            </a:lvl2pPr>
-            <a:lvl3pPr marL="1143000" indent="-228600">
-              <a:defRPr>
-                <a:solidFill>
-                  <a:schemeClr val="tx1"/>
-                </a:solidFill>
-                <a:latin typeface="Tahoma" charset="0"/>
-              </a:defRPr>
-            </a:lvl3pPr>
-            <a:lvl4pPr marL="1600200" indent="-228600">
-              <a:defRPr>
-                <a:solidFill>
-                  <a:schemeClr val="tx1"/>
-                </a:solidFill>
-                <a:latin typeface="Tahoma" charset="0"/>
-              </a:defRPr>
-            </a:lvl4pPr>
-            <a:lvl5pPr marL="2057400" indent="-228600">
-              <a:defRPr>
-                <a:solidFill>
-                  <a:schemeClr val="tx1"/>
-                </a:solidFill>
-                <a:latin typeface="Tahoma" charset="0"/>
-              </a:defRPr>
-            </a:lvl5pPr>
-            <a:lvl6pPr marL="2514600" indent="-228600" eaLnBrk="0" fontAlgn="base" hangingPunct="0">
-              <a:spcBef>
-                <a:spcPct val="0"/>
-              </a:spcBef>
-              <a:spcAft>
-                <a:spcPct val="0"/>
-              </a:spcAft>
-              <a:defRPr>
-                <a:solidFill>
-                  <a:schemeClr val="tx1"/>
-                </a:solidFill>
-                <a:latin typeface="Tahoma" charset="0"/>
-              </a:defRPr>
-            </a:lvl6pPr>
-            <a:lvl7pPr marL="2971800" indent="-228600" eaLnBrk="0" fontAlgn="base" hangingPunct="0">
-              <a:spcBef>
-                <a:spcPct val="0"/>
-              </a:spcBef>
-              <a:spcAft>
-                <a:spcPct val="0"/>
-              </a:spcAft>
-              <a:defRPr>
-                <a:solidFill>
-                  <a:schemeClr val="tx1"/>
-                </a:solidFill>
-                <a:latin typeface="Tahoma" charset="0"/>
-              </a:defRPr>
-            </a:lvl7pPr>
-            <a:lvl8pPr marL="3429000" indent="-228600" eaLnBrk="0" fontAlgn="base" hangingPunct="0">
-              <a:spcBef>
-                <a:spcPct val="0"/>
-              </a:spcBef>
-              <a:spcAft>
-                <a:spcPct val="0"/>
-              </a:spcAft>
-              <a:defRPr>
-                <a:solidFill>
-                  <a:schemeClr val="tx1"/>
-                </a:solidFill>
-                <a:latin typeface="Tahoma" charset="0"/>
-              </a:defRPr>
-            </a:lvl8pPr>
-            <a:lvl9pPr marL="3886200" indent="-228600" eaLnBrk="0" fontAlgn="base" hangingPunct="0">
-              <a:spcBef>
-                <a:spcPct val="0"/>
-              </a:spcBef>
-              <a:spcAft>
-                <a:spcPct val="0"/>
-              </a:spcAft>
-              <a:defRPr>
-                <a:solidFill>
-                  <a:schemeClr val="tx1"/>
-                </a:solidFill>
-                <a:latin typeface="Tahoma" charset="0"/>
-              </a:defRPr>
-            </a:lvl9pPr>
-          </a:lstStyle>
-          <a:p>
-            <a:r>
-              <a:rPr lang="en-US"/>
-              <a:t>H-</a:t>
-            </a:r>
-            <a:fld id="{AF2CE54E-037D-4B6D-98A6-926BA540E595}" type="slidenum">
-              <a:rPr lang="en-US" smtClean="0"/>
-              <a:pPr/>
-              <a:t>3</a:t>
-            </a:fld>
-            <a:endParaRPr lang="en-US"/>
-          </a:p>
-        </p:txBody>
-      </p:sp>
-    </p:spTree>
-  </p:cSld>
-  <p:clrMapOvr>
-    <a:masterClrMapping/>
-  </p:clrMapOvr>
-  <p:transition/>
-</p:sld>
-</file>
-
-<file path=ppt/slides/slide30.xml><?xml version="1.0" encoding="utf-8"?>
+<file path=ppt/slides/slide26.xml><?xml version="1.0" encoding="utf-8"?>
 <p:sld xmlns:a="http://schemas.openxmlformats.org/drawingml/2006/main" xmlns:r="http://schemas.openxmlformats.org/officeDocument/2006/relationships" xmlns:p="http://schemas.openxmlformats.org/presentationml/2006/main">
   <p:cSld>
     <p:spTree>
@@ -21071,14 +18762,14 @@
           <a:ln/>
           <a:extLst>
             <a:ext uri="{909E8E84-426E-40dd-AFC4-6F175D3DCCD1}">
-              <a14:hiddenFill xmlns="" xmlns:a14="http://schemas.microsoft.com/office/drawing/2010/main">
+              <a14:hiddenFill xmlns:a14="http://schemas.microsoft.com/office/drawing/2010/main" xmlns="">
                 <a:solidFill>
                   <a:srgbClr val="FFFFFF"/>
                 </a:solidFill>
               </a14:hiddenFill>
             </a:ext>
             <a:ext uri="{91240B29-F687-4f45-9708-019B960494DF}">
-              <a14:hiddenLine xmlns="" xmlns:a14="http://schemas.microsoft.com/office/drawing/2010/main" w="9525">
+              <a14:hiddenLine xmlns:a14="http://schemas.microsoft.com/office/drawing/2010/main" xmlns="" w="9525">
                 <a:solidFill>
                   <a:srgbClr val="000000"/>
                 </a:solidFill>
@@ -21192,7 +18883,7 @@
           <a:p>
             <a:r>
               <a:rPr lang="pl-PL" dirty="0"/>
-              <a:t>UW CSE P 501 Spring 2018</a:t>
+              <a:t>Compiler Design</a:t>
             </a:r>
             <a:endParaRPr lang="en-US" dirty="0"/>
           </a:p>
@@ -21216,14 +18907,14 @@
           <a:ln/>
           <a:extLst>
             <a:ext uri="{909E8E84-426E-40dd-AFC4-6F175D3DCCD1}">
-              <a14:hiddenFill xmlns="" xmlns:a14="http://schemas.microsoft.com/office/drawing/2010/main">
+              <a14:hiddenFill xmlns:a14="http://schemas.microsoft.com/office/drawing/2010/main" xmlns="">
                 <a:solidFill>
                   <a:srgbClr val="FFFFFF"/>
                 </a:solidFill>
               </a14:hiddenFill>
             </a:ext>
             <a:ext uri="{91240B29-F687-4f45-9708-019B960494DF}">
-              <a14:hiddenLine xmlns="" xmlns:a14="http://schemas.microsoft.com/office/drawing/2010/main" w="9525">
+              <a14:hiddenLine xmlns:a14="http://schemas.microsoft.com/office/drawing/2010/main" xmlns="" w="9525">
                 <a:solidFill>
                   <a:srgbClr val="000000"/>
                 </a:solidFill>
@@ -21342,13 +19033,204 @@
             <a:fld id="{CE4A4533-164B-4860-8008-B22DB25116F5}" type="slidenum">
               <a:rPr lang="en-US" smtClean="0"/>
               <a:pPr/>
-              <a:t>30</a:t>
+              <a:t>26</a:t>
             </a:fld>
             <a:endParaRPr lang="en-US"/>
           </a:p>
         </p:txBody>
       </p:sp>
     </p:spTree>
+  </p:cSld>
+  <p:clrMapOvr>
+    <a:masterClrMapping/>
+  </p:clrMapOvr>
+</p:sld>
+</file>
+
+<file path=ppt/slides/slide3.xml><?xml version="1.0" encoding="utf-8"?>
+<p:sld xmlns:a="http://schemas.openxmlformats.org/drawingml/2006/main" xmlns:r="http://schemas.openxmlformats.org/officeDocument/2006/relationships" xmlns:p="http://schemas.openxmlformats.org/presentationml/2006/main">
+  <p:cSld>
+    <p:spTree>
+      <p:nvGrpSpPr>
+        <p:cNvPr id="1" name=""/>
+        <p:cNvGrpSpPr/>
+        <p:nvPr/>
+      </p:nvGrpSpPr>
+      <p:grpSpPr>
+        <a:xfrm>
+          <a:off x="0" y="0"/>
+          <a:ext cx="0" cy="0"/>
+          <a:chOff x="0" y="0"/>
+          <a:chExt cx="0" cy="0"/>
+        </a:xfrm>
+      </p:grpSpPr>
+      <p:sp>
+        <p:nvSpPr>
+          <p:cNvPr id="2" name="Title 1"/>
+          <p:cNvSpPr>
+            <a:spLocks noGrp="1"/>
+          </p:cNvSpPr>
+          <p:nvPr>
+            <p:ph type="title"/>
+          </p:nvPr>
+        </p:nvSpPr>
+        <p:spPr/>
+        <p:txBody>
+          <a:bodyPr>
+            <a:normAutofit fontScale="90000"/>
+          </a:bodyPr>
+          <a:lstStyle/>
+          <a:p>
+            <a:r>
+              <a:rPr lang="en-US" dirty="0"/>
+              <a:t>Abstract Syntax Trees (ASTs - review)</a:t>
+            </a:r>
+          </a:p>
+        </p:txBody>
+      </p:sp>
+      <p:sp>
+        <p:nvSpPr>
+          <p:cNvPr id="3" name="Content Placeholder 2"/>
+          <p:cNvSpPr>
+            <a:spLocks noGrp="1"/>
+          </p:cNvSpPr>
+          <p:nvPr>
+            <p:ph sz="half" idx="1"/>
+          </p:nvPr>
+        </p:nvSpPr>
+        <p:spPr/>
+        <p:txBody>
+          <a:bodyPr>
+            <a:normAutofit/>
+          </a:bodyPr>
+          <a:lstStyle/>
+          <a:p>
+            <a:r>
+              <a:rPr lang="en-US" dirty="0"/>
+              <a:t>Idea: capture the essential structure of a program; omit extraneous details</a:t>
+            </a:r>
+          </a:p>
+          <a:p>
+            <a:pPr lvl="1"/>
+            <a:r>
+              <a:rPr lang="en-US" dirty="0" err="1"/>
+              <a:t>i.e</a:t>
+            </a:r>
+            <a:r>
+              <a:rPr lang="en-US" dirty="0"/>
+              <a:t>, only what the rest of the compiler needs</a:t>
+            </a:r>
+          </a:p>
+          <a:p>
+            <a:pPr lvl="1"/>
+            <a:r>
+              <a:rPr lang="en-US" dirty="0"/>
+              <a:t>omit things used only to guide the parse (e.g., punctuation, chain productions, keywords)</a:t>
+            </a:r>
+          </a:p>
+          <a:p>
+            <a:pPr lvl="1"/>
+            <a:endParaRPr lang="en-US" dirty="0"/>
+          </a:p>
+        </p:txBody>
+      </p:sp>
+      <p:sp>
+        <p:nvSpPr>
+          <p:cNvPr id="6" name="Content Placeholder 5"/>
+          <p:cNvSpPr>
+            <a:spLocks noGrp="1"/>
+          </p:cNvSpPr>
+          <p:nvPr>
+            <p:ph sz="half" idx="2"/>
+          </p:nvPr>
+        </p:nvSpPr>
+        <p:spPr/>
+        <p:txBody>
+          <a:bodyPr/>
+          <a:lstStyle/>
+          <a:p>
+            <a:r>
+              <a:rPr lang="en-US" dirty="0"/>
+              <a:t>Example</a:t>
+            </a:r>
+          </a:p>
+          <a:p>
+            <a:pPr marL="914400" lvl="2" indent="0">
+              <a:buNone/>
+            </a:pPr>
+            <a:r>
+              <a:rPr lang="en-US" dirty="0"/>
+              <a:t>while (n &gt; 0)</a:t>
+            </a:r>
+          </a:p>
+          <a:p>
+            <a:pPr marL="914400" lvl="2" indent="0">
+              <a:buNone/>
+            </a:pPr>
+            <a:r>
+              <a:rPr lang="en-US" dirty="0"/>
+              <a:t>   n = n - 1;</a:t>
+            </a:r>
+          </a:p>
+        </p:txBody>
+      </p:sp>
+      <p:sp>
+        <p:nvSpPr>
+          <p:cNvPr id="4" name="Footer Placeholder 3"/>
+          <p:cNvSpPr>
+            <a:spLocks noGrp="1"/>
+          </p:cNvSpPr>
+          <p:nvPr>
+            <p:ph type="ftr" sz="quarter" idx="11"/>
+          </p:nvPr>
+        </p:nvSpPr>
+        <p:spPr/>
+        <p:txBody>
+          <a:bodyPr/>
+          <a:lstStyle/>
+          <a:p>
+            <a:r>
+              <a:rPr lang="pl-PL" dirty="0"/>
+              <a:t>Compiler Design</a:t>
+            </a:r>
+            <a:endParaRPr lang="en-US" dirty="0"/>
+          </a:p>
+        </p:txBody>
+      </p:sp>
+      <p:sp>
+        <p:nvSpPr>
+          <p:cNvPr id="5" name="Slide Number Placeholder 4"/>
+          <p:cNvSpPr>
+            <a:spLocks noGrp="1"/>
+          </p:cNvSpPr>
+          <p:nvPr>
+            <p:ph type="sldNum" sz="quarter" idx="12"/>
+          </p:nvPr>
+        </p:nvSpPr>
+        <p:spPr/>
+        <p:txBody>
+          <a:bodyPr/>
+          <a:lstStyle/>
+          <a:p>
+            <a:r>
+              <a:rPr lang="en-US"/>
+              <a:t>H-</a:t>
+            </a:r>
+            <a:fld id="{B5FA0D70-380C-4F61-8C89-BB3DB0647DA6}" type="slidenum">
+              <a:rPr lang="en-US" smtClean="0"/>
+              <a:pPr/>
+              <a:t>3</a:t>
+            </a:fld>
+            <a:endParaRPr lang="en-US"/>
+          </a:p>
+        </p:txBody>
+      </p:sp>
+    </p:spTree>
+    <p:extLst>
+      <p:ext uri="{BB962C8B-B14F-4D97-AF65-F5344CB8AC3E}">
+        <p14:creationId xmlns:p14="http://schemas.microsoft.com/office/powerpoint/2010/main" val="1327541848"/>
+      </p:ext>
+    </p:extLst>
   </p:cSld>
   <p:clrMapOvr>
     <a:masterClrMapping/>
@@ -21385,14 +19267,13 @@
         </p:nvSpPr>
         <p:spPr/>
         <p:txBody>
-          <a:bodyPr>
-            <a:normAutofit fontScale="90000"/>
-          </a:bodyPr>
+          <a:bodyPr/>
           <a:lstStyle/>
           <a:p>
+            <a:pPr algn="ctr"/>
             <a:r>
               <a:rPr lang="en-US" dirty="0"/>
-              <a:t>Abstract Syntax Trees (ASTs - review)</a:t>
+              <a:t>Abstract Syntax Trees</a:t>
             </a:r>
           </a:p>
         </p:txBody>
@@ -21404,7 +19285,7 @@
             <a:spLocks noGrp="1"/>
           </p:cNvSpPr>
           <p:nvPr>
-            <p:ph sz="half" idx="1"/>
+            <p:ph idx="1"/>
           </p:nvPr>
         </p:nvSpPr>
         <p:spPr/>
@@ -21416,69 +19297,54 @@
           <a:p>
             <a:r>
               <a:rPr lang="en-US" dirty="0"/>
-              <a:t>Idea: capture the essential structure of a program; omit extraneous details</a:t>
+              <a:t>Use objects as simple tree nodes (basically </a:t>
+            </a:r>
+            <a:r>
+              <a:rPr lang="en-US" dirty="0" err="1"/>
+              <a:t>structs</a:t>
+            </a:r>
+            <a:r>
+              <a:rPr lang="en-US" dirty="0"/>
+              <a:t> with constructors and maybe some convenience methods).  Instance variables:</a:t>
             </a:r>
           </a:p>
           <a:p>
             <a:pPr lvl="1"/>
             <a:r>
               <a:rPr lang="en-US" dirty="0" err="1"/>
-              <a:t>i.e</a:t>
+              <a:t>Subtree</a:t>
             </a:r>
             <a:r>
               <a:rPr lang="en-US" dirty="0"/>
-              <a:t>, only what the rest of the compiler needs</a:t>
+              <a:t> pointers</a:t>
             </a:r>
           </a:p>
           <a:p>
             <a:pPr lvl="1"/>
             <a:r>
               <a:rPr lang="en-US" dirty="0"/>
-              <a:t>omit things used only to guide the parse (e.g., punctuation, chain productions, keywords)</a:t>
+              <a:t>Source program coordinates (line numbers, …)</a:t>
             </a:r>
           </a:p>
           <a:p>
             <a:pPr lvl="1"/>
-            <a:endParaRPr lang="en-US" dirty="0"/>
-          </a:p>
-        </p:txBody>
-      </p:sp>
-      <p:sp>
-        <p:nvSpPr>
-          <p:cNvPr id="6" name="Content Placeholder 5"/>
-          <p:cNvSpPr>
-            <a:spLocks noGrp="1"/>
-          </p:cNvSpPr>
-          <p:nvPr>
-            <p:ph sz="half" idx="2"/>
-          </p:nvPr>
-        </p:nvSpPr>
-        <p:spPr/>
-        <p:txBody>
-          <a:bodyPr/>
-          <a:lstStyle/>
-          <a:p>
             <a:r>
               <a:rPr lang="en-US" dirty="0"/>
-              <a:t>Example</a:t>
-            </a:r>
-          </a:p>
-          <a:p>
-            <a:pPr marL="914400" lvl="2" indent="0">
-              <a:buNone/>
-            </a:pPr>
+              <a:t>Later, links to semantic info (symbol tables, types)</a:t>
+            </a:r>
+          </a:p>
+          <a:p>
+            <a:pPr lvl="1"/>
             <a:r>
               <a:rPr lang="en-US" dirty="0"/>
-              <a:t>while (n &gt; 0)</a:t>
-            </a:r>
-          </a:p>
-          <a:p>
-            <a:pPr marL="914400" lvl="2" indent="0">
-              <a:buNone/>
-            </a:pPr>
+              <a:t>…</a:t>
+            </a:r>
+          </a:p>
+          <a:p>
+            <a:pPr lvl="1"/>
             <a:r>
               <a:rPr lang="en-US" dirty="0"/>
-              <a:t>   n = n - 1;</a:t>
+              <a:t>But not much more!</a:t>
             </a:r>
           </a:p>
         </p:txBody>
@@ -21500,7 +19366,7 @@
           <a:p>
             <a:r>
               <a:rPr lang="pl-PL" dirty="0"/>
-              <a:t>UW CSE P 501 Spring 2018</a:t>
+              <a:t>Compiler Design</a:t>
             </a:r>
             <a:endParaRPr lang="en-US" dirty="0"/>
           </a:p>
@@ -21537,7 +19403,7 @@
     </p:spTree>
     <p:extLst>
       <p:ext uri="{BB962C8B-B14F-4D97-AF65-F5344CB8AC3E}">
-        <p14:creationId xmlns:p14="http://schemas.microsoft.com/office/powerpoint/2010/main" val="1327541848"/>
+        <p14:creationId xmlns:p14="http://schemas.microsoft.com/office/powerpoint/2010/main" val="562502659"/>
       </p:ext>
     </p:extLst>
   </p:cSld>
@@ -21576,14 +19442,15 @@
         </p:nvSpPr>
         <p:spPr/>
         <p:txBody>
-          <a:bodyPr/>
+          <a:bodyPr>
+            <a:normAutofit/>
+          </a:bodyPr>
           <a:lstStyle/>
           <a:p>
             <a:r>
-              <a:rPr lang="en-US"/>
-              <a:t>Abstract Syntax Trees in Java</a:t>
-            </a:r>
-            <a:endParaRPr lang="en-US" dirty="0"/>
+              <a:rPr lang="en-US" dirty="0"/>
+              <a:t>AST Generation</a:t>
+            </a:r>
           </a:p>
         </p:txBody>
       </p:sp>
@@ -21599,68 +19466,30 @@
         </p:nvSpPr>
         <p:spPr/>
         <p:txBody>
-          <a:bodyPr>
-            <a:normAutofit fontScale="92500" lnSpcReduction="20000"/>
-          </a:bodyPr>
+          <a:bodyPr/>
           <a:lstStyle/>
           <a:p>
             <a:r>
               <a:rPr lang="en-US" dirty="0"/>
-              <a:t>Use objects as simple tree nodes (basically </a:t>
+              <a:t>Idea: each time the parser recognizes a complete production, it produces as its result an AST node (with links to the </a:t>
             </a:r>
             <a:r>
               <a:rPr lang="en-US" dirty="0" err="1"/>
-              <a:t>structs</a:t>
+              <a:t>subtrees</a:t>
             </a:r>
             <a:r>
               <a:rPr lang="en-US" dirty="0"/>
-              <a:t> with constructors and maybe some convenience methods).  Instance variables:</a:t>
-            </a:r>
-          </a:p>
-          <a:p>
-            <a:pPr lvl="1"/>
-            <a:r>
-              <a:rPr lang="en-US" dirty="0" err="1"/>
-              <a:t>Subtree</a:t>
-            </a:r>
+              <a:t> that are the components of the production)</a:t>
+            </a:r>
+          </a:p>
+          <a:p>
             <a:r>
               <a:rPr lang="en-US" dirty="0"/>
-              <a:t> pointers</a:t>
-            </a:r>
-          </a:p>
-          <a:p>
-            <a:pPr lvl="1"/>
-            <a:r>
-              <a:rPr lang="en-US" dirty="0"/>
-              <a:t>Source program coordinates (line numbers, …)</a:t>
-            </a:r>
-          </a:p>
-          <a:p>
-            <a:pPr lvl="1"/>
-            <a:r>
-              <a:rPr lang="en-US" dirty="0"/>
-              <a:t>Later, links to semantic info (symbol tables, types)</a:t>
-            </a:r>
-          </a:p>
-          <a:p>
-            <a:pPr lvl="1"/>
-            <a:r>
-              <a:rPr lang="en-US" dirty="0"/>
-              <a:t>…</a:t>
-            </a:r>
-          </a:p>
-          <a:p>
-            <a:pPr lvl="1"/>
-            <a:r>
-              <a:rPr lang="en-US" dirty="0"/>
-              <a:t>But not much more!</a:t>
-            </a:r>
-          </a:p>
-          <a:p>
-            <a:r>
-              <a:rPr lang="en-US" dirty="0"/>
-              <a:t>Use Java type system and inheritance to factor common AST node information and allow polymorphic treatment of related nodes</a:t>
-            </a:r>
+              <a:t>When we finish parsing, the result of the goal symbol is the complete AST for the program</a:t>
+            </a:r>
+          </a:p>
+          <a:p>
+            <a:endParaRPr lang="en-US" dirty="0"/>
           </a:p>
         </p:txBody>
       </p:sp>
@@ -21679,9 +19508,12 @@
           <a:bodyPr/>
           <a:lstStyle/>
           <a:p>
+            <a:pPr>
+              <a:defRPr/>
+            </a:pPr>
             <a:r>
               <a:rPr lang="pl-PL" dirty="0"/>
-              <a:t>UW CSE P 501 Spring 2018</a:t>
+              <a:t>Compiler Design</a:t>
             </a:r>
             <a:endParaRPr lang="en-US" dirty="0"/>
           </a:p>
@@ -21702,371 +19534,6 @@
           <a:bodyPr/>
           <a:lstStyle/>
           <a:p>
-            <a:r>
-              <a:rPr lang="en-US"/>
-              <a:t>H-</a:t>
-            </a:r>
-            <a:fld id="{B5FA0D70-380C-4F61-8C89-BB3DB0647DA6}" type="slidenum">
-              <a:rPr lang="en-US" smtClean="0"/>
-              <a:pPr/>
-              <a:t>5</a:t>
-            </a:fld>
-            <a:endParaRPr lang="en-US"/>
-          </a:p>
-        </p:txBody>
-      </p:sp>
-    </p:spTree>
-    <p:extLst>
-      <p:ext uri="{BB962C8B-B14F-4D97-AF65-F5344CB8AC3E}">
-        <p14:creationId xmlns:p14="http://schemas.microsoft.com/office/powerpoint/2010/main" val="562502659"/>
-      </p:ext>
-    </p:extLst>
-  </p:cSld>
-  <p:clrMapOvr>
-    <a:masterClrMapping/>
-  </p:clrMapOvr>
-</p:sld>
-</file>
-
-<file path=ppt/slides/slide6.xml><?xml version="1.0" encoding="utf-8"?>
-<p:sld xmlns:a="http://schemas.openxmlformats.org/drawingml/2006/main" xmlns:r="http://schemas.openxmlformats.org/officeDocument/2006/relationships" xmlns:p="http://schemas.openxmlformats.org/presentationml/2006/main">
-  <p:cSld>
-    <p:spTree>
-      <p:nvGrpSpPr>
-        <p:cNvPr id="1" name=""/>
-        <p:cNvGrpSpPr/>
-        <p:nvPr/>
-      </p:nvGrpSpPr>
-      <p:grpSpPr>
-        <a:xfrm>
-          <a:off x="0" y="0"/>
-          <a:ext cx="0" cy="0"/>
-          <a:chOff x="0" y="0"/>
-          <a:chExt cx="0" cy="0"/>
-        </a:xfrm>
-      </p:grpSpPr>
-      <p:sp>
-        <p:nvSpPr>
-          <p:cNvPr id="2" name="Title 1"/>
-          <p:cNvSpPr>
-            <a:spLocks noGrp="1"/>
-          </p:cNvSpPr>
-          <p:nvPr>
-            <p:ph type="title"/>
-          </p:nvPr>
-        </p:nvSpPr>
-        <p:spPr/>
-        <p:txBody>
-          <a:bodyPr/>
-          <a:lstStyle/>
-          <a:p>
-            <a:r>
-              <a:rPr lang="en-US"/>
-              <a:t>MiniJava Starter Code</a:t>
-            </a:r>
-            <a:endParaRPr lang="en-US" dirty="0"/>
-          </a:p>
-        </p:txBody>
-      </p:sp>
-      <p:sp>
-        <p:nvSpPr>
-          <p:cNvPr id="3" name="Content Placeholder 2"/>
-          <p:cNvSpPr>
-            <a:spLocks noGrp="1"/>
-          </p:cNvSpPr>
-          <p:nvPr>
-            <p:ph idx="1"/>
-          </p:nvPr>
-        </p:nvSpPr>
-        <p:spPr/>
-        <p:txBody>
-          <a:bodyPr>
-            <a:normAutofit fontScale="85000" lnSpcReduction="10000"/>
-          </a:bodyPr>
-          <a:lstStyle/>
-          <a:p>
-            <a:r>
-              <a:rPr lang="en-US" dirty="0"/>
-              <a:t>AST type hierarchy: root is </a:t>
-            </a:r>
-            <a:r>
-              <a:rPr lang="en-US" dirty="0" err="1"/>
-              <a:t>ASTNode</a:t>
-            </a:r>
-            <a:r>
-              <a:rPr lang="en-US" dirty="0"/>
-              <a:t>.  Some subclasses:</a:t>
-            </a:r>
-          </a:p>
-          <a:p>
-            <a:pPr lvl="1"/>
-            <a:r>
-              <a:rPr lang="en-US" dirty="0" err="1"/>
-              <a:t>Exp</a:t>
-            </a:r>
-            <a:r>
-              <a:rPr lang="en-US" dirty="0"/>
-              <a:t> (subclasses: And, Plus, Times, True, Call, …)</a:t>
-            </a:r>
-          </a:p>
-          <a:p>
-            <a:pPr lvl="1"/>
-            <a:r>
-              <a:rPr lang="en-US" dirty="0"/>
-              <a:t>Statement (subclasses: While, Assign, If, Print, …)</a:t>
-            </a:r>
-          </a:p>
-          <a:p>
-            <a:pPr lvl="1"/>
-            <a:r>
-              <a:rPr lang="en-US" dirty="0"/>
-              <a:t>Type (abstract rep. of types, </a:t>
-            </a:r>
-            <a:r>
-              <a:rPr lang="en-US" i="1" dirty="0"/>
-              <a:t>not</a:t>
-            </a:r>
-            <a:r>
-              <a:rPr lang="en-US" dirty="0"/>
-              <a:t> source code type declarations – more about this when we get to semantics)</a:t>
-            </a:r>
-          </a:p>
-          <a:p>
-            <a:pPr lvl="1"/>
-            <a:r>
-              <a:rPr lang="en-US" dirty="0"/>
-              <a:t>Declarations, Classes, others parts of abstract grammar, …</a:t>
-            </a:r>
-          </a:p>
-          <a:p>
-            <a:r>
-              <a:rPr lang="en-US" dirty="0"/>
-              <a:t>Additional information in all AST nodes</a:t>
-            </a:r>
-          </a:p>
-          <a:p>
-            <a:pPr lvl="1"/>
-            <a:r>
-              <a:rPr lang="en-US" dirty="0"/>
-              <a:t>Source code position info (hooks in starter </a:t>
-            </a:r>
-            <a:r>
-              <a:rPr lang="en-US" dirty="0" err="1"/>
-              <a:t>JFlex</a:t>
-            </a:r>
-            <a:r>
-              <a:rPr lang="en-US" dirty="0"/>
-              <a:t> and CUP rules to capture this, use in error messages, AST printout)</a:t>
-            </a:r>
-          </a:p>
-          <a:p>
-            <a:pPr lvl="1"/>
-            <a:r>
-              <a:rPr lang="en-US" dirty="0"/>
-              <a:t>accept methods for visitors (more later this lecture)</a:t>
-            </a:r>
-          </a:p>
-          <a:p>
-            <a:r>
-              <a:rPr lang="en-US" dirty="0"/>
-              <a:t>Not required to use this AST, but it is </a:t>
-            </a:r>
-            <a:r>
-              <a:rPr lang="en-US" i="1" dirty="0"/>
-              <a:t>strongly</a:t>
-            </a:r>
-            <a:r>
-              <a:rPr lang="en-US" dirty="0"/>
-              <a:t> advised</a:t>
-            </a:r>
-          </a:p>
-        </p:txBody>
-      </p:sp>
-      <p:sp>
-        <p:nvSpPr>
-          <p:cNvPr id="4" name="Footer Placeholder 3"/>
-          <p:cNvSpPr>
-            <a:spLocks noGrp="1"/>
-          </p:cNvSpPr>
-          <p:nvPr>
-            <p:ph type="ftr" sz="quarter" idx="11"/>
-          </p:nvPr>
-        </p:nvSpPr>
-        <p:spPr/>
-        <p:txBody>
-          <a:bodyPr/>
-          <a:lstStyle/>
-          <a:p>
-            <a:r>
-              <a:rPr lang="pl-PL" dirty="0"/>
-              <a:t>UW CSE P 501 Spring 2018</a:t>
-            </a:r>
-            <a:endParaRPr lang="en-US" dirty="0"/>
-          </a:p>
-        </p:txBody>
-      </p:sp>
-      <p:sp>
-        <p:nvSpPr>
-          <p:cNvPr id="5" name="Slide Number Placeholder 4"/>
-          <p:cNvSpPr>
-            <a:spLocks noGrp="1"/>
-          </p:cNvSpPr>
-          <p:nvPr>
-            <p:ph type="sldNum" sz="quarter" idx="12"/>
-          </p:nvPr>
-        </p:nvSpPr>
-        <p:spPr/>
-        <p:txBody>
-          <a:bodyPr/>
-          <a:lstStyle/>
-          <a:p>
-            <a:r>
-              <a:rPr lang="en-US"/>
-              <a:t>H-</a:t>
-            </a:r>
-            <a:fld id="{B5FA0D70-380C-4F61-8C89-BB3DB0647DA6}" type="slidenum">
-              <a:rPr lang="en-US" smtClean="0"/>
-              <a:pPr/>
-              <a:t>6</a:t>
-            </a:fld>
-            <a:endParaRPr lang="en-US"/>
-          </a:p>
-        </p:txBody>
-      </p:sp>
-    </p:spTree>
-    <p:extLst>
-      <p:ext uri="{BB962C8B-B14F-4D97-AF65-F5344CB8AC3E}">
-        <p14:creationId xmlns:p14="http://schemas.microsoft.com/office/powerpoint/2010/main" val="2125087286"/>
-      </p:ext>
-    </p:extLst>
-  </p:cSld>
-  <p:clrMapOvr>
-    <a:masterClrMapping/>
-  </p:clrMapOvr>
-</p:sld>
-</file>
-
-<file path=ppt/slides/slide7.xml><?xml version="1.0" encoding="utf-8"?>
-<p:sld xmlns:a="http://schemas.openxmlformats.org/drawingml/2006/main" xmlns:r="http://schemas.openxmlformats.org/officeDocument/2006/relationships" xmlns:p="http://schemas.openxmlformats.org/presentationml/2006/main">
-  <p:cSld>
-    <p:spTree>
-      <p:nvGrpSpPr>
-        <p:cNvPr id="1" name=""/>
-        <p:cNvGrpSpPr/>
-        <p:nvPr/>
-      </p:nvGrpSpPr>
-      <p:grpSpPr>
-        <a:xfrm>
-          <a:off x="0" y="0"/>
-          <a:ext cx="0" cy="0"/>
-          <a:chOff x="0" y="0"/>
-          <a:chExt cx="0" cy="0"/>
-        </a:xfrm>
-      </p:grpSpPr>
-      <p:sp>
-        <p:nvSpPr>
-          <p:cNvPr id="2" name="Title 1"/>
-          <p:cNvSpPr>
-            <a:spLocks noGrp="1"/>
-          </p:cNvSpPr>
-          <p:nvPr>
-            <p:ph type="title"/>
-          </p:nvPr>
-        </p:nvSpPr>
-        <p:spPr/>
-        <p:txBody>
-          <a:bodyPr>
-            <a:normAutofit/>
-          </a:bodyPr>
-          <a:lstStyle/>
-          <a:p>
-            <a:r>
-              <a:rPr lang="en-US" dirty="0"/>
-              <a:t>AST Generation</a:t>
-            </a:r>
-          </a:p>
-        </p:txBody>
-      </p:sp>
-      <p:sp>
-        <p:nvSpPr>
-          <p:cNvPr id="3" name="Content Placeholder 2"/>
-          <p:cNvSpPr>
-            <a:spLocks noGrp="1"/>
-          </p:cNvSpPr>
-          <p:nvPr>
-            <p:ph idx="1"/>
-          </p:nvPr>
-        </p:nvSpPr>
-        <p:spPr/>
-        <p:txBody>
-          <a:bodyPr/>
-          <a:lstStyle/>
-          <a:p>
-            <a:r>
-              <a:rPr lang="en-US" dirty="0"/>
-              <a:t>Idea: each time the parser recognizes a complete production, it produces as its result an AST node (with links to the </a:t>
-            </a:r>
-            <a:r>
-              <a:rPr lang="en-US" dirty="0" err="1"/>
-              <a:t>subtrees</a:t>
-            </a:r>
-            <a:r>
-              <a:rPr lang="en-US" dirty="0"/>
-              <a:t> that are the components of the production)</a:t>
-            </a:r>
-          </a:p>
-          <a:p>
-            <a:r>
-              <a:rPr lang="en-US" dirty="0"/>
-              <a:t>When we finish parsing, the result of the goal symbol is the complete AST for the program</a:t>
-            </a:r>
-          </a:p>
-          <a:p>
-            <a:endParaRPr lang="en-US" dirty="0"/>
-          </a:p>
-        </p:txBody>
-      </p:sp>
-      <p:sp>
-        <p:nvSpPr>
-          <p:cNvPr id="4" name="Footer Placeholder 3"/>
-          <p:cNvSpPr>
-            <a:spLocks noGrp="1"/>
-          </p:cNvSpPr>
-          <p:nvPr>
-            <p:ph type="ftr" sz="quarter" idx="11"/>
-          </p:nvPr>
-        </p:nvSpPr>
-        <p:spPr/>
-        <p:txBody>
-          <a:bodyPr/>
-          <a:lstStyle/>
-          <a:p>
-            <a:pPr>
-              <a:defRPr/>
-            </a:pPr>
-            <a:r>
-              <a:rPr lang="pl-PL" dirty="0"/>
-              <a:t>UW CSE P 501 Spring 2018</a:t>
-            </a:r>
-            <a:endParaRPr lang="en-US" dirty="0"/>
-          </a:p>
-        </p:txBody>
-      </p:sp>
-      <p:sp>
-        <p:nvSpPr>
-          <p:cNvPr id="5" name="Slide Number Placeholder 4"/>
-          <p:cNvSpPr>
-            <a:spLocks noGrp="1"/>
-          </p:cNvSpPr>
-          <p:nvPr>
-            <p:ph type="sldNum" sz="quarter" idx="12"/>
-          </p:nvPr>
-        </p:nvSpPr>
-        <p:spPr/>
-        <p:txBody>
-          <a:bodyPr/>
-          <a:lstStyle/>
-          <a:p>
             <a:pPr>
               <a:defRPr/>
             </a:pPr>
@@ -22079,7 +19546,7 @@
               <a:pPr>
                 <a:defRPr/>
               </a:pPr>
-              <a:t>7</a:t>
+              <a:t>5</a:t>
             </a:fld>
             <a:endParaRPr lang="en-US"/>
           </a:p>
@@ -22098,7 +19565,7 @@
 </p:sld>
 </file>
 
-<file path=ppt/slides/slide8.xml><?xml version="1.0" encoding="utf-8"?>
+<file path=ppt/slides/slide6.xml><?xml version="1.0" encoding="utf-8"?>
 <p:sld xmlns:a="http://schemas.openxmlformats.org/drawingml/2006/main" xmlns:r="http://schemas.openxmlformats.org/officeDocument/2006/relationships" xmlns:p="http://schemas.openxmlformats.org/presentationml/2006/main">
   <p:cSld>
     <p:spTree>
@@ -22133,14 +19600,14 @@
           <a:ln/>
           <a:extLst>
             <a:ext uri="{909E8E84-426E-40dd-AFC4-6F175D3DCCD1}">
-              <a14:hiddenFill xmlns="" xmlns:a14="http://schemas.microsoft.com/office/drawing/2010/main">
+              <a14:hiddenFill xmlns:a14="http://schemas.microsoft.com/office/drawing/2010/main" xmlns="">
                 <a:solidFill>
                   <a:srgbClr val="FFFFFF"/>
                 </a:solidFill>
               </a14:hiddenFill>
             </a:ext>
             <a:ext uri="{91240B29-F687-4f45-9708-019B960494DF}">
-              <a14:hiddenLine xmlns="" xmlns:a14="http://schemas.microsoft.com/office/drawing/2010/main" w="9525">
+              <a14:hiddenLine xmlns:a14="http://schemas.microsoft.com/office/drawing/2010/main" xmlns="" w="9525">
                 <a:solidFill>
                   <a:srgbClr val="000000"/>
                 </a:solidFill>
@@ -22254,7 +19721,7 @@
           <a:p>
             <a:r>
               <a:rPr lang="pl-PL" dirty="0"/>
-              <a:t>UW CSE P 501 Spring 2018</a:t>
+              <a:t>Compiler Design</a:t>
             </a:r>
             <a:endParaRPr lang="en-US" dirty="0"/>
           </a:p>
@@ -22278,14 +19745,14 @@
           <a:ln/>
           <a:extLst>
             <a:ext uri="{909E8E84-426E-40dd-AFC4-6F175D3DCCD1}">
-              <a14:hiddenFill xmlns="" xmlns:a14="http://schemas.microsoft.com/office/drawing/2010/main">
+              <a14:hiddenFill xmlns:a14="http://schemas.microsoft.com/office/drawing/2010/main" xmlns="">
                 <a:solidFill>
                   <a:srgbClr val="FFFFFF"/>
                 </a:solidFill>
               </a14:hiddenFill>
             </a:ext>
             <a:ext uri="{91240B29-F687-4f45-9708-019B960494DF}">
-              <a14:hiddenLine xmlns="" xmlns:a14="http://schemas.microsoft.com/office/drawing/2010/main" w="9525">
+              <a14:hiddenLine xmlns:a14="http://schemas.microsoft.com/office/drawing/2010/main" xmlns="" w="9525">
                 <a:solidFill>
                   <a:srgbClr val="000000"/>
                 </a:solidFill>
@@ -22404,7 +19871,7 @@
             <a:fld id="{9760239C-AA31-4941-A134-E078F2B85111}" type="slidenum">
               <a:rPr lang="en-US" smtClean="0"/>
               <a:pPr/>
-              <a:t>8</a:t>
+              <a:t>6</a:t>
             </a:fld>
             <a:endParaRPr lang="en-US"/>
           </a:p>
@@ -22846,7 +20313,7 @@
           </a:ln>
           <a:extLst>
             <a:ext uri="{909E8E84-426E-40dd-AFC4-6F175D3DCCD1}">
-              <a14:hiddenFill xmlns="" xmlns:a14="http://schemas.microsoft.com/office/drawing/2010/main">
+              <a14:hiddenFill xmlns:a14="http://schemas.microsoft.com/office/drawing/2010/main" xmlns="">
                 <a:noFill/>
               </a14:hiddenFill>
             </a:ext>
@@ -22864,6 +20331,901 @@
     <p:extLst>
       <p:ext uri="{BB962C8B-B14F-4D97-AF65-F5344CB8AC3E}">
         <p14:creationId xmlns:p14="http://schemas.microsoft.com/office/powerpoint/2010/main" val="3788828084"/>
+      </p:ext>
+    </p:extLst>
+  </p:cSld>
+  <p:clrMapOvr>
+    <a:masterClrMapping/>
+  </p:clrMapOvr>
+</p:sld>
+</file>
+
+<file path=ppt/slides/slide7.xml><?xml version="1.0" encoding="utf-8"?>
+<p:sld xmlns:a="http://schemas.openxmlformats.org/drawingml/2006/main" xmlns:r="http://schemas.openxmlformats.org/officeDocument/2006/relationships" xmlns:p="http://schemas.openxmlformats.org/presentationml/2006/main">
+  <p:cSld>
+    <p:spTree>
+      <p:nvGrpSpPr>
+        <p:cNvPr id="1" name=""/>
+        <p:cNvGrpSpPr/>
+        <p:nvPr/>
+      </p:nvGrpSpPr>
+      <p:grpSpPr>
+        <a:xfrm>
+          <a:off x="0" y="0"/>
+          <a:ext cx="0" cy="0"/>
+          <a:chOff x="0" y="0"/>
+          <a:chExt cx="0" cy="0"/>
+        </a:xfrm>
+      </p:grpSpPr>
+      <p:sp>
+        <p:nvSpPr>
+          <p:cNvPr id="29701" name="Rectangle 2"/>
+          <p:cNvSpPr>
+            <a:spLocks noGrp="1" noChangeArrowheads="1"/>
+          </p:cNvSpPr>
+          <p:nvPr>
+            <p:ph type="title"/>
+            <p:custDataLst>
+              <p:tags r:id="rId1"/>
+            </p:custDataLst>
+          </p:nvPr>
+        </p:nvSpPr>
+        <p:spPr/>
+        <p:txBody>
+          <a:bodyPr/>
+          <a:lstStyle/>
+          <a:p>
+            <a:r>
+              <a:rPr lang="en-US"/>
+              <a:t>Operations on ASTs</a:t>
+            </a:r>
+          </a:p>
+        </p:txBody>
+      </p:sp>
+      <p:sp>
+        <p:nvSpPr>
+          <p:cNvPr id="29702" name="Rectangle 3"/>
+          <p:cNvSpPr>
+            <a:spLocks noGrp="1" noChangeArrowheads="1"/>
+          </p:cNvSpPr>
+          <p:nvPr>
+            <p:ph idx="1"/>
+            <p:custDataLst>
+              <p:tags r:id="rId2"/>
+            </p:custDataLst>
+          </p:nvPr>
+        </p:nvSpPr>
+        <p:spPr/>
+        <p:txBody>
+          <a:bodyPr>
+            <a:normAutofit lnSpcReduction="10000"/>
+          </a:bodyPr>
+          <a:lstStyle/>
+          <a:p>
+            <a:r>
+              <a:rPr lang="en-US" dirty="0"/>
+              <a:t>Once we have the AST, we may want to:</a:t>
+            </a:r>
+          </a:p>
+          <a:p>
+            <a:pPr lvl="1"/>
+            <a:r>
+              <a:rPr lang="en-US" dirty="0"/>
+              <a:t>Print a readable dump of the tree (pretty printing)</a:t>
+            </a:r>
+          </a:p>
+          <a:p>
+            <a:pPr lvl="1"/>
+            <a:r>
+              <a:rPr lang="en-US" dirty="0"/>
+              <a:t>Do static semantic analysis:</a:t>
+            </a:r>
+          </a:p>
+          <a:p>
+            <a:pPr lvl="2"/>
+            <a:r>
+              <a:rPr lang="en-US" dirty="0"/>
+              <a:t>Type checking</a:t>
+            </a:r>
+          </a:p>
+          <a:p>
+            <a:pPr lvl="2"/>
+            <a:r>
+              <a:rPr lang="en-US" dirty="0"/>
+              <a:t>Verify that things are declared and initialized properly</a:t>
+            </a:r>
+          </a:p>
+          <a:p>
+            <a:pPr lvl="2"/>
+            <a:r>
+              <a:rPr lang="en-US" dirty="0"/>
+              <a:t>Etc. etc. etc. etc.</a:t>
+            </a:r>
+          </a:p>
+          <a:p>
+            <a:pPr lvl="1"/>
+            <a:r>
+              <a:rPr lang="en-US" dirty="0"/>
+              <a:t>Perform optimizing transformations on the tree</a:t>
+            </a:r>
+          </a:p>
+          <a:p>
+            <a:pPr lvl="1"/>
+            <a:r>
+              <a:rPr lang="en-US" dirty="0"/>
+              <a:t>Generate code from the tree</a:t>
+            </a:r>
+          </a:p>
+          <a:p>
+            <a:pPr lvl="1"/>
+            <a:r>
+              <a:rPr lang="en-US" dirty="0"/>
+              <a:t>Generate another IR from the tree for further processing</a:t>
+            </a:r>
+          </a:p>
+        </p:txBody>
+      </p:sp>
+      <p:sp>
+        <p:nvSpPr>
+          <p:cNvPr id="29699" name="Footer Placeholder 4"/>
+          <p:cNvSpPr>
+            <a:spLocks noGrp="1"/>
+          </p:cNvSpPr>
+          <p:nvPr>
+            <p:ph type="ftr" sz="quarter" idx="11"/>
+            <p:custDataLst>
+              <p:tags r:id="rId3"/>
+            </p:custDataLst>
+          </p:nvPr>
+        </p:nvSpPr>
+        <p:spPr/>
+        <p:txBody>
+          <a:bodyPr/>
+          <a:lstStyle>
+            <a:lvl1pPr>
+              <a:defRPr>
+                <a:solidFill>
+                  <a:schemeClr val="tx1"/>
+                </a:solidFill>
+                <a:latin typeface="Tahoma" charset="0"/>
+              </a:defRPr>
+            </a:lvl1pPr>
+            <a:lvl2pPr marL="742950" indent="-285750">
+              <a:defRPr>
+                <a:solidFill>
+                  <a:schemeClr val="tx1"/>
+                </a:solidFill>
+                <a:latin typeface="Tahoma" charset="0"/>
+              </a:defRPr>
+            </a:lvl2pPr>
+            <a:lvl3pPr marL="1143000" indent="-228600">
+              <a:defRPr>
+                <a:solidFill>
+                  <a:schemeClr val="tx1"/>
+                </a:solidFill>
+                <a:latin typeface="Tahoma" charset="0"/>
+              </a:defRPr>
+            </a:lvl3pPr>
+            <a:lvl4pPr marL="1600200" indent="-228600">
+              <a:defRPr>
+                <a:solidFill>
+                  <a:schemeClr val="tx1"/>
+                </a:solidFill>
+                <a:latin typeface="Tahoma" charset="0"/>
+              </a:defRPr>
+            </a:lvl4pPr>
+            <a:lvl5pPr marL="2057400" indent="-228600">
+              <a:defRPr>
+                <a:solidFill>
+                  <a:schemeClr val="tx1"/>
+                </a:solidFill>
+                <a:latin typeface="Tahoma" charset="0"/>
+              </a:defRPr>
+            </a:lvl5pPr>
+            <a:lvl6pPr marL="2514600" indent="-228600" eaLnBrk="0" fontAlgn="base" hangingPunct="0">
+              <a:spcBef>
+                <a:spcPct val="0"/>
+              </a:spcBef>
+              <a:spcAft>
+                <a:spcPct val="0"/>
+              </a:spcAft>
+              <a:defRPr>
+                <a:solidFill>
+                  <a:schemeClr val="tx1"/>
+                </a:solidFill>
+                <a:latin typeface="Tahoma" charset="0"/>
+              </a:defRPr>
+            </a:lvl6pPr>
+            <a:lvl7pPr marL="2971800" indent="-228600" eaLnBrk="0" fontAlgn="base" hangingPunct="0">
+              <a:spcBef>
+                <a:spcPct val="0"/>
+              </a:spcBef>
+              <a:spcAft>
+                <a:spcPct val="0"/>
+              </a:spcAft>
+              <a:defRPr>
+                <a:solidFill>
+                  <a:schemeClr val="tx1"/>
+                </a:solidFill>
+                <a:latin typeface="Tahoma" charset="0"/>
+              </a:defRPr>
+            </a:lvl7pPr>
+            <a:lvl8pPr marL="3429000" indent="-228600" eaLnBrk="0" fontAlgn="base" hangingPunct="0">
+              <a:spcBef>
+                <a:spcPct val="0"/>
+              </a:spcBef>
+              <a:spcAft>
+                <a:spcPct val="0"/>
+              </a:spcAft>
+              <a:defRPr>
+                <a:solidFill>
+                  <a:schemeClr val="tx1"/>
+                </a:solidFill>
+                <a:latin typeface="Tahoma" charset="0"/>
+              </a:defRPr>
+            </a:lvl8pPr>
+            <a:lvl9pPr marL="3886200" indent="-228600" eaLnBrk="0" fontAlgn="base" hangingPunct="0">
+              <a:spcBef>
+                <a:spcPct val="0"/>
+              </a:spcBef>
+              <a:spcAft>
+                <a:spcPct val="0"/>
+              </a:spcAft>
+              <a:defRPr>
+                <a:solidFill>
+                  <a:schemeClr val="tx1"/>
+                </a:solidFill>
+                <a:latin typeface="Tahoma" charset="0"/>
+              </a:defRPr>
+            </a:lvl9pPr>
+          </a:lstStyle>
+          <a:p>
+            <a:r>
+              <a:rPr lang="pl-PL" dirty="0"/>
+              <a:t>Compiler Design</a:t>
+            </a:r>
+            <a:endParaRPr lang="en-US" dirty="0"/>
+          </a:p>
+        </p:txBody>
+      </p:sp>
+      <p:sp>
+        <p:nvSpPr>
+          <p:cNvPr id="29700" name="Slide Number Placeholder 5"/>
+          <p:cNvSpPr>
+            <a:spLocks noGrp="1"/>
+          </p:cNvSpPr>
+          <p:nvPr>
+            <p:ph type="sldNum" sz="quarter" idx="12"/>
+            <p:custDataLst>
+              <p:tags r:id="rId4"/>
+            </p:custDataLst>
+          </p:nvPr>
+        </p:nvSpPr>
+        <p:spPr/>
+        <p:txBody>
+          <a:bodyPr/>
+          <a:lstStyle>
+            <a:lvl1pPr>
+              <a:defRPr>
+                <a:solidFill>
+                  <a:schemeClr val="tx1"/>
+                </a:solidFill>
+                <a:latin typeface="Tahoma" charset="0"/>
+              </a:defRPr>
+            </a:lvl1pPr>
+            <a:lvl2pPr marL="742950" indent="-285750">
+              <a:defRPr>
+                <a:solidFill>
+                  <a:schemeClr val="tx1"/>
+                </a:solidFill>
+                <a:latin typeface="Tahoma" charset="0"/>
+              </a:defRPr>
+            </a:lvl2pPr>
+            <a:lvl3pPr marL="1143000" indent="-228600">
+              <a:defRPr>
+                <a:solidFill>
+                  <a:schemeClr val="tx1"/>
+                </a:solidFill>
+                <a:latin typeface="Tahoma" charset="0"/>
+              </a:defRPr>
+            </a:lvl3pPr>
+            <a:lvl4pPr marL="1600200" indent="-228600">
+              <a:defRPr>
+                <a:solidFill>
+                  <a:schemeClr val="tx1"/>
+                </a:solidFill>
+                <a:latin typeface="Tahoma" charset="0"/>
+              </a:defRPr>
+            </a:lvl4pPr>
+            <a:lvl5pPr marL="2057400" indent="-228600">
+              <a:defRPr>
+                <a:solidFill>
+                  <a:schemeClr val="tx1"/>
+                </a:solidFill>
+                <a:latin typeface="Tahoma" charset="0"/>
+              </a:defRPr>
+            </a:lvl5pPr>
+            <a:lvl6pPr marL="2514600" indent="-228600" eaLnBrk="0" fontAlgn="base" hangingPunct="0">
+              <a:spcBef>
+                <a:spcPct val="0"/>
+              </a:spcBef>
+              <a:spcAft>
+                <a:spcPct val="0"/>
+              </a:spcAft>
+              <a:defRPr>
+                <a:solidFill>
+                  <a:schemeClr val="tx1"/>
+                </a:solidFill>
+                <a:latin typeface="Tahoma" charset="0"/>
+              </a:defRPr>
+            </a:lvl6pPr>
+            <a:lvl7pPr marL="2971800" indent="-228600" eaLnBrk="0" fontAlgn="base" hangingPunct="0">
+              <a:spcBef>
+                <a:spcPct val="0"/>
+              </a:spcBef>
+              <a:spcAft>
+                <a:spcPct val="0"/>
+              </a:spcAft>
+              <a:defRPr>
+                <a:solidFill>
+                  <a:schemeClr val="tx1"/>
+                </a:solidFill>
+                <a:latin typeface="Tahoma" charset="0"/>
+              </a:defRPr>
+            </a:lvl7pPr>
+            <a:lvl8pPr marL="3429000" indent="-228600" eaLnBrk="0" fontAlgn="base" hangingPunct="0">
+              <a:spcBef>
+                <a:spcPct val="0"/>
+              </a:spcBef>
+              <a:spcAft>
+                <a:spcPct val="0"/>
+              </a:spcAft>
+              <a:defRPr>
+                <a:solidFill>
+                  <a:schemeClr val="tx1"/>
+                </a:solidFill>
+                <a:latin typeface="Tahoma" charset="0"/>
+              </a:defRPr>
+            </a:lvl8pPr>
+            <a:lvl9pPr marL="3886200" indent="-228600" eaLnBrk="0" fontAlgn="base" hangingPunct="0">
+              <a:spcBef>
+                <a:spcPct val="0"/>
+              </a:spcBef>
+              <a:spcAft>
+                <a:spcPct val="0"/>
+              </a:spcAft>
+              <a:defRPr>
+                <a:solidFill>
+                  <a:schemeClr val="tx1"/>
+                </a:solidFill>
+                <a:latin typeface="Tahoma" charset="0"/>
+              </a:defRPr>
+            </a:lvl9pPr>
+          </a:lstStyle>
+          <a:p>
+            <a:r>
+              <a:rPr lang="en-US"/>
+              <a:t>H-</a:t>
+            </a:r>
+            <a:fld id="{5B11F8BE-A88C-4D07-BF36-8FE086641624}" type="slidenum">
+              <a:rPr lang="en-US" smtClean="0"/>
+              <a:pPr/>
+              <a:t>7</a:t>
+            </a:fld>
+            <a:endParaRPr lang="en-US"/>
+          </a:p>
+        </p:txBody>
+      </p:sp>
+    </p:spTree>
+  </p:cSld>
+  <p:clrMapOvr>
+    <a:masterClrMapping/>
+  </p:clrMapOvr>
+</p:sld>
+</file>
+
+<file path=ppt/slides/slide8.xml><?xml version="1.0" encoding="utf-8"?>
+<p:sld xmlns:a="http://schemas.openxmlformats.org/drawingml/2006/main" xmlns:r="http://schemas.openxmlformats.org/officeDocument/2006/relationships" xmlns:p="http://schemas.openxmlformats.org/presentationml/2006/main">
+  <p:cSld>
+    <p:spTree>
+      <p:nvGrpSpPr>
+        <p:cNvPr id="1" name=""/>
+        <p:cNvGrpSpPr/>
+        <p:nvPr/>
+      </p:nvGrpSpPr>
+      <p:grpSpPr>
+        <a:xfrm>
+          <a:off x="0" y="0"/>
+          <a:ext cx="0" cy="0"/>
+          <a:chOff x="0" y="0"/>
+          <a:chExt cx="0" cy="0"/>
+        </a:xfrm>
+      </p:grpSpPr>
+      <p:sp>
+        <p:nvSpPr>
+          <p:cNvPr id="4098" name="Title 1"/>
+          <p:cNvSpPr>
+            <a:spLocks noGrp="1"/>
+          </p:cNvSpPr>
+          <p:nvPr>
+            <p:ph type="title"/>
+            <p:custDataLst>
+              <p:tags r:id="rId1"/>
+            </p:custDataLst>
+          </p:nvPr>
+        </p:nvSpPr>
+        <p:spPr/>
+        <p:txBody>
+          <a:bodyPr/>
+          <a:lstStyle/>
+          <a:p>
+            <a:r>
+              <a:rPr lang="en-US" dirty="0"/>
+              <a:t>Modularity</a:t>
+            </a:r>
+          </a:p>
+        </p:txBody>
+      </p:sp>
+      <p:sp>
+        <p:nvSpPr>
+          <p:cNvPr id="4099" name="Content Placeholder 2"/>
+          <p:cNvSpPr>
+            <a:spLocks noGrp="1"/>
+          </p:cNvSpPr>
+          <p:nvPr>
+            <p:ph idx="1"/>
+            <p:custDataLst>
+              <p:tags r:id="rId2"/>
+            </p:custDataLst>
+          </p:nvPr>
+        </p:nvSpPr>
+        <p:spPr/>
+        <p:txBody>
+          <a:bodyPr/>
+          <a:lstStyle/>
+          <a:p>
+            <a:r>
+              <a:rPr lang="en-US" dirty="0"/>
+              <a:t>Classic slogans:</a:t>
+            </a:r>
+          </a:p>
+          <a:p>
+            <a:pPr lvl="1"/>
+            <a:r>
+              <a:rPr lang="en-US" dirty="0"/>
+              <a:t>Do one thing well</a:t>
+            </a:r>
+          </a:p>
+          <a:p>
+            <a:pPr lvl="1"/>
+            <a:r>
+              <a:rPr lang="en-US" dirty="0"/>
+              <a:t>Minimize coupling, maximize cohesion</a:t>
+            </a:r>
+          </a:p>
+          <a:p>
+            <a:pPr lvl="1"/>
+            <a:r>
+              <a:rPr lang="en-US" dirty="0"/>
+              <a:t>Isolate operations/abstractions in modules</a:t>
+            </a:r>
+          </a:p>
+          <a:p>
+            <a:pPr lvl="1"/>
+            <a:r>
+              <a:rPr lang="en-US" dirty="0"/>
+              <a:t>Hide implementation details</a:t>
+            </a:r>
+          </a:p>
+          <a:p>
+            <a:pPr lvl="1"/>
+            <a:endParaRPr lang="en-US" dirty="0"/>
+          </a:p>
+          <a:p>
+            <a:r>
+              <a:rPr lang="en-US" dirty="0"/>
+              <a:t>Okay, so where does the </a:t>
+            </a:r>
+            <a:r>
+              <a:rPr lang="en-US" dirty="0" err="1"/>
+              <a:t>typechecker</a:t>
+            </a:r>
+            <a:r>
+              <a:rPr lang="en-US" dirty="0"/>
+              <a:t> module belong in the code?</a:t>
+            </a:r>
+          </a:p>
+        </p:txBody>
+      </p:sp>
+      <p:sp>
+        <p:nvSpPr>
+          <p:cNvPr id="4101" name="Footer Placeholder 4"/>
+          <p:cNvSpPr>
+            <a:spLocks noGrp="1"/>
+          </p:cNvSpPr>
+          <p:nvPr>
+            <p:ph type="ftr" sz="quarter" idx="11"/>
+            <p:custDataLst>
+              <p:tags r:id="rId3"/>
+            </p:custDataLst>
+          </p:nvPr>
+        </p:nvSpPr>
+        <p:spPr/>
+        <p:txBody>
+          <a:bodyPr/>
+          <a:lstStyle>
+            <a:lvl1pPr>
+              <a:defRPr>
+                <a:solidFill>
+                  <a:schemeClr val="tx1"/>
+                </a:solidFill>
+                <a:latin typeface="Tahoma" charset="0"/>
+                <a:ea typeface="ＭＳ Ｐゴシック" charset="0"/>
+              </a:defRPr>
+            </a:lvl1pPr>
+            <a:lvl2pPr marL="742950" indent="-285750">
+              <a:defRPr>
+                <a:solidFill>
+                  <a:schemeClr val="tx1"/>
+                </a:solidFill>
+                <a:latin typeface="Tahoma" charset="0"/>
+                <a:ea typeface="ＭＳ Ｐゴシック" charset="0"/>
+              </a:defRPr>
+            </a:lvl2pPr>
+            <a:lvl3pPr marL="1143000" indent="-228600">
+              <a:defRPr>
+                <a:solidFill>
+                  <a:schemeClr val="tx1"/>
+                </a:solidFill>
+                <a:latin typeface="Tahoma" charset="0"/>
+                <a:ea typeface="ＭＳ Ｐゴシック" charset="0"/>
+              </a:defRPr>
+            </a:lvl3pPr>
+            <a:lvl4pPr marL="1600200" indent="-228600">
+              <a:defRPr>
+                <a:solidFill>
+                  <a:schemeClr val="tx1"/>
+                </a:solidFill>
+                <a:latin typeface="Tahoma" charset="0"/>
+                <a:ea typeface="ＭＳ Ｐゴシック" charset="0"/>
+              </a:defRPr>
+            </a:lvl4pPr>
+            <a:lvl5pPr marL="2057400" indent="-228600">
+              <a:defRPr>
+                <a:solidFill>
+                  <a:schemeClr val="tx1"/>
+                </a:solidFill>
+                <a:latin typeface="Tahoma" charset="0"/>
+                <a:ea typeface="ＭＳ Ｐゴシック" charset="0"/>
+              </a:defRPr>
+            </a:lvl5pPr>
+            <a:lvl6pPr marL="2514600" indent="-228600" eaLnBrk="0" fontAlgn="base" hangingPunct="0">
+              <a:spcBef>
+                <a:spcPct val="0"/>
+              </a:spcBef>
+              <a:spcAft>
+                <a:spcPct val="0"/>
+              </a:spcAft>
+              <a:defRPr>
+                <a:solidFill>
+                  <a:schemeClr val="tx1"/>
+                </a:solidFill>
+                <a:latin typeface="Tahoma" charset="0"/>
+                <a:ea typeface="ＭＳ Ｐゴシック" charset="0"/>
+              </a:defRPr>
+            </a:lvl6pPr>
+            <a:lvl7pPr marL="2971800" indent="-228600" eaLnBrk="0" fontAlgn="base" hangingPunct="0">
+              <a:spcBef>
+                <a:spcPct val="0"/>
+              </a:spcBef>
+              <a:spcAft>
+                <a:spcPct val="0"/>
+              </a:spcAft>
+              <a:defRPr>
+                <a:solidFill>
+                  <a:schemeClr val="tx1"/>
+                </a:solidFill>
+                <a:latin typeface="Tahoma" charset="0"/>
+                <a:ea typeface="ＭＳ Ｐゴシック" charset="0"/>
+              </a:defRPr>
+            </a:lvl7pPr>
+            <a:lvl8pPr marL="3429000" indent="-228600" eaLnBrk="0" fontAlgn="base" hangingPunct="0">
+              <a:spcBef>
+                <a:spcPct val="0"/>
+              </a:spcBef>
+              <a:spcAft>
+                <a:spcPct val="0"/>
+              </a:spcAft>
+              <a:defRPr>
+                <a:solidFill>
+                  <a:schemeClr val="tx1"/>
+                </a:solidFill>
+                <a:latin typeface="Tahoma" charset="0"/>
+                <a:ea typeface="ＭＳ Ｐゴシック" charset="0"/>
+              </a:defRPr>
+            </a:lvl8pPr>
+            <a:lvl9pPr marL="3886200" indent="-228600" eaLnBrk="0" fontAlgn="base" hangingPunct="0">
+              <a:spcBef>
+                <a:spcPct val="0"/>
+              </a:spcBef>
+              <a:spcAft>
+                <a:spcPct val="0"/>
+              </a:spcAft>
+              <a:defRPr>
+                <a:solidFill>
+                  <a:schemeClr val="tx1"/>
+                </a:solidFill>
+                <a:latin typeface="Tahoma" charset="0"/>
+                <a:ea typeface="ＭＳ Ｐゴシック" charset="0"/>
+              </a:defRPr>
+            </a:lvl9pPr>
+          </a:lstStyle>
+          <a:p>
+            <a:r>
+              <a:rPr lang="pl-PL" dirty="0"/>
+              <a:t>Compiler Design</a:t>
+            </a:r>
+            <a:endParaRPr lang="en-US" dirty="0"/>
+          </a:p>
+        </p:txBody>
+      </p:sp>
+      <p:sp>
+        <p:nvSpPr>
+          <p:cNvPr id="4102" name="Slide Number Placeholder 5"/>
+          <p:cNvSpPr>
+            <a:spLocks noGrp="1"/>
+          </p:cNvSpPr>
+          <p:nvPr>
+            <p:ph type="sldNum" sz="quarter" idx="12"/>
+            <p:custDataLst>
+              <p:tags r:id="rId4"/>
+            </p:custDataLst>
+          </p:nvPr>
+        </p:nvSpPr>
+        <p:spPr/>
+        <p:txBody>
+          <a:bodyPr/>
+          <a:lstStyle>
+            <a:lvl1pPr>
+              <a:defRPr>
+                <a:solidFill>
+                  <a:schemeClr val="tx1"/>
+                </a:solidFill>
+                <a:latin typeface="Tahoma" charset="0"/>
+                <a:ea typeface="ＭＳ Ｐゴシック" charset="0"/>
+              </a:defRPr>
+            </a:lvl1pPr>
+            <a:lvl2pPr marL="742950" indent="-285750">
+              <a:defRPr>
+                <a:solidFill>
+                  <a:schemeClr val="tx1"/>
+                </a:solidFill>
+                <a:latin typeface="Tahoma" charset="0"/>
+                <a:ea typeface="ＭＳ Ｐゴシック" charset="0"/>
+              </a:defRPr>
+            </a:lvl2pPr>
+            <a:lvl3pPr marL="1143000" indent="-228600">
+              <a:defRPr>
+                <a:solidFill>
+                  <a:schemeClr val="tx1"/>
+                </a:solidFill>
+                <a:latin typeface="Tahoma" charset="0"/>
+                <a:ea typeface="ＭＳ Ｐゴシック" charset="0"/>
+              </a:defRPr>
+            </a:lvl3pPr>
+            <a:lvl4pPr marL="1600200" indent="-228600">
+              <a:defRPr>
+                <a:solidFill>
+                  <a:schemeClr val="tx1"/>
+                </a:solidFill>
+                <a:latin typeface="Tahoma" charset="0"/>
+                <a:ea typeface="ＭＳ Ｐゴシック" charset="0"/>
+              </a:defRPr>
+            </a:lvl4pPr>
+            <a:lvl5pPr marL="2057400" indent="-228600">
+              <a:defRPr>
+                <a:solidFill>
+                  <a:schemeClr val="tx1"/>
+                </a:solidFill>
+                <a:latin typeface="Tahoma" charset="0"/>
+                <a:ea typeface="ＭＳ Ｐゴシック" charset="0"/>
+              </a:defRPr>
+            </a:lvl5pPr>
+            <a:lvl6pPr marL="2514600" indent="-228600" eaLnBrk="0" fontAlgn="base" hangingPunct="0">
+              <a:spcBef>
+                <a:spcPct val="0"/>
+              </a:spcBef>
+              <a:spcAft>
+                <a:spcPct val="0"/>
+              </a:spcAft>
+              <a:defRPr>
+                <a:solidFill>
+                  <a:schemeClr val="tx1"/>
+                </a:solidFill>
+                <a:latin typeface="Tahoma" charset="0"/>
+                <a:ea typeface="ＭＳ Ｐゴシック" charset="0"/>
+              </a:defRPr>
+            </a:lvl6pPr>
+            <a:lvl7pPr marL="2971800" indent="-228600" eaLnBrk="0" fontAlgn="base" hangingPunct="0">
+              <a:spcBef>
+                <a:spcPct val="0"/>
+              </a:spcBef>
+              <a:spcAft>
+                <a:spcPct val="0"/>
+              </a:spcAft>
+              <a:defRPr>
+                <a:solidFill>
+                  <a:schemeClr val="tx1"/>
+                </a:solidFill>
+                <a:latin typeface="Tahoma" charset="0"/>
+                <a:ea typeface="ＭＳ Ｐゴシック" charset="0"/>
+              </a:defRPr>
+            </a:lvl7pPr>
+            <a:lvl8pPr marL="3429000" indent="-228600" eaLnBrk="0" fontAlgn="base" hangingPunct="0">
+              <a:spcBef>
+                <a:spcPct val="0"/>
+              </a:spcBef>
+              <a:spcAft>
+                <a:spcPct val="0"/>
+              </a:spcAft>
+              <a:defRPr>
+                <a:solidFill>
+                  <a:schemeClr val="tx1"/>
+                </a:solidFill>
+                <a:latin typeface="Tahoma" charset="0"/>
+                <a:ea typeface="ＭＳ Ｐゴシック" charset="0"/>
+              </a:defRPr>
+            </a:lvl8pPr>
+            <a:lvl9pPr marL="3886200" indent="-228600" eaLnBrk="0" fontAlgn="base" hangingPunct="0">
+              <a:spcBef>
+                <a:spcPct val="0"/>
+              </a:spcBef>
+              <a:spcAft>
+                <a:spcPct val="0"/>
+              </a:spcAft>
+              <a:defRPr>
+                <a:solidFill>
+                  <a:schemeClr val="tx1"/>
+                </a:solidFill>
+                <a:latin typeface="Tahoma" charset="0"/>
+                <a:ea typeface="ＭＳ Ｐゴシック" charset="0"/>
+              </a:defRPr>
+            </a:lvl9pPr>
+          </a:lstStyle>
+          <a:p>
+            <a:r>
+              <a:rPr lang="en-US"/>
+              <a:t>H-</a:t>
+            </a:r>
+            <a:fld id="{6ACB3464-9768-6449-AA67-5FB98A5269FA}" type="slidenum">
+              <a:rPr lang="en-US" smtClean="0"/>
+              <a:pPr/>
+              <a:t>8</a:t>
+            </a:fld>
+            <a:endParaRPr lang="en-US"/>
+          </a:p>
+        </p:txBody>
+      </p:sp>
+      <p:pic>
+        <p:nvPicPr>
+          <p:cNvPr id="4103" name="Picture 2" descr="C:\Documents and Settings\perkins\Local Settings\Temporary Internet Files\Content.IE5\63FNL8KE\MCj01571970000[1].wmf"/>
+          <p:cNvPicPr>
+            <a:picLocks noChangeAspect="1" noChangeArrowheads="1"/>
+          </p:cNvPicPr>
+          <p:nvPr>
+            <p:custDataLst>
+              <p:tags r:id="rId5"/>
+            </p:custDataLst>
+          </p:nvPr>
+        </p:nvPicPr>
+        <p:blipFill>
+          <a:blip r:embed="rId8">
+            <a:extLst>
+              <a:ext uri="{28A0092B-C50C-407E-A947-70E740481C1C}">
+                <a14:useLocalDpi xmlns:a14="http://schemas.microsoft.com/office/drawing/2010/main" val="0"/>
+              </a:ext>
+            </a:extLst>
+          </a:blip>
+          <a:srcRect/>
+          <a:stretch>
+            <a:fillRect/>
+          </a:stretch>
+        </p:blipFill>
+        <p:spPr bwMode="auto">
+          <a:xfrm>
+            <a:off x="5029200" y="990600"/>
+            <a:ext cx="889000" cy="1188183"/>
+          </a:xfrm>
+          <a:prstGeom prst="rect">
+            <a:avLst/>
+          </a:prstGeom>
+          <a:noFill/>
+          <a:ln>
+            <a:noFill/>
+          </a:ln>
+          <a:extLst>
+            <a:ext uri="{909E8E84-426E-40dd-AFC4-6F175D3DCCD1}">
+              <a14:hiddenFill xmlns:a14="http://schemas.microsoft.com/office/drawing/2010/main" xmlns="">
+                <a:solidFill>
+                  <a:srgbClr val="FFFFFF"/>
+                </a:solidFill>
+              </a14:hiddenFill>
+            </a:ext>
+            <a:ext uri="{91240B29-F687-4f45-9708-019B960494DF}">
+              <a14:hiddenLine xmlns:a14="http://schemas.microsoft.com/office/drawing/2010/main" xmlns="" w="9525">
+                <a:solidFill>
+                  <a:srgbClr val="000000"/>
+                </a:solidFill>
+                <a:miter lim="800000"/>
+                <a:headEnd/>
+                <a:tailEnd/>
+              </a14:hiddenLine>
+            </a:ext>
+          </a:extLst>
+        </p:spPr>
+      </p:pic>
+      <p:pic>
+        <p:nvPicPr>
+          <p:cNvPr id="4104" name="Picture 3" descr="C:\Documents and Settings\perkins\Local Settings\Temporary Internet Files\Content.IE5\63FNL8KE\MCj02289010000[1].wmf"/>
+          <p:cNvPicPr>
+            <a:picLocks noChangeAspect="1" noChangeArrowheads="1"/>
+          </p:cNvPicPr>
+          <p:nvPr>
+            <p:custDataLst>
+              <p:tags r:id="rId6"/>
+            </p:custDataLst>
+          </p:nvPr>
+        </p:nvPicPr>
+        <p:blipFill>
+          <a:blip r:embed="rId9">
+            <a:extLst>
+              <a:ext uri="{28A0092B-C50C-407E-A947-70E740481C1C}">
+                <a14:useLocalDpi xmlns:a14="http://schemas.microsoft.com/office/drawing/2010/main" val="0"/>
+              </a:ext>
+            </a:extLst>
+          </a:blip>
+          <a:srcRect/>
+          <a:stretch>
+            <a:fillRect/>
+          </a:stretch>
+        </p:blipFill>
+        <p:spPr bwMode="auto">
+          <a:xfrm>
+            <a:off x="6210300" y="1143000"/>
+            <a:ext cx="1638300" cy="914400"/>
+          </a:xfrm>
+          <a:prstGeom prst="rect">
+            <a:avLst/>
+          </a:prstGeom>
+          <a:noFill/>
+          <a:ln>
+            <a:noFill/>
+          </a:ln>
+          <a:extLst>
+            <a:ext uri="{909E8E84-426E-40dd-AFC4-6F175D3DCCD1}">
+              <a14:hiddenFill xmlns:a14="http://schemas.microsoft.com/office/drawing/2010/main" xmlns="">
+                <a:solidFill>
+                  <a:srgbClr val="FFFFFF"/>
+                </a:solidFill>
+              </a14:hiddenFill>
+            </a:ext>
+            <a:ext uri="{91240B29-F687-4f45-9708-019B960494DF}">
+              <a14:hiddenLine xmlns:a14="http://schemas.microsoft.com/office/drawing/2010/main" xmlns="" w="9525">
+                <a:solidFill>
+                  <a:srgbClr val="000000"/>
+                </a:solidFill>
+                <a:miter lim="800000"/>
+                <a:headEnd/>
+                <a:tailEnd/>
+              </a14:hiddenLine>
+            </a:ext>
+          </a:extLst>
+        </p:spPr>
+      </p:pic>
+    </p:spTree>
+    <p:extLst>
+      <p:ext uri="{BB962C8B-B14F-4D97-AF65-F5344CB8AC3E}">
+        <p14:creationId xmlns:p14="http://schemas.microsoft.com/office/powerpoint/2010/main" val="485402930"/>
       </p:ext>
     </p:extLst>
   </p:cSld>
@@ -22892,7 +21254,7 @@
       </p:grpSpPr>
       <p:sp>
         <p:nvSpPr>
-          <p:cNvPr id="26629" name="Rectangle 2"/>
+          <p:cNvPr id="30725" name="Rectangle 2"/>
           <p:cNvSpPr>
             <a:spLocks noGrp="1" noChangeArrowheads="1"/>
           </p:cNvSpPr>
@@ -22908,21 +21270,22 @@
           <a:bodyPr/>
           <a:lstStyle/>
           <a:p>
+            <a:pPr eaLnBrk="1" hangingPunct="1"/>
             <a:r>
               <a:rPr lang="en-US"/>
-              <a:t>AST Generation in YACC/CUP</a:t>
+              <a:t>Where do the Operations Go?</a:t>
             </a:r>
           </a:p>
         </p:txBody>
       </p:sp>
       <p:sp>
         <p:nvSpPr>
-          <p:cNvPr id="26630" name="Rectangle 3"/>
+          <p:cNvPr id="30726" name="Rectangle 3"/>
           <p:cNvSpPr>
             <a:spLocks noGrp="1" noChangeArrowheads="1"/>
           </p:cNvSpPr>
           <p:nvPr>
-            <p:ph type="body" idx="1"/>
+            <p:ph idx="1"/>
             <p:custDataLst>
               <p:tags r:id="rId2"/>
             </p:custDataLst>
@@ -22933,28 +21296,228 @@
           <a:bodyPr/>
           <a:lstStyle/>
           <a:p>
-            <a:r>
-              <a:rPr lang="en-US" dirty="0"/>
-              <a:t>A result type can be specified for each item in the grammar specification</a:t>
-            </a:r>
-          </a:p>
-          <a:p>
-            <a:r>
-              <a:rPr lang="en-US" dirty="0"/>
-              <a:t>Each parser rule can be annotated with a semantic action, which is just a piece of Java code that returns a value of the result type</a:t>
-            </a:r>
-          </a:p>
-          <a:p>
-            <a:r>
-              <a:rPr lang="en-US" dirty="0"/>
-              <a:t>The semantic action is executed when the rule is reduced</a:t>
+            <a:pPr eaLnBrk="1" hangingPunct="1">
+              <a:lnSpc>
+                <a:spcPct val="90000"/>
+              </a:lnSpc>
+            </a:pPr>
+            <a:r>
+              <a:rPr lang="en-US" sz="2800" dirty="0"/>
+              <a:t>Pure “object-oriented” style</a:t>
+            </a:r>
+          </a:p>
+          <a:p>
+            <a:pPr lvl="1" eaLnBrk="1" hangingPunct="1">
+              <a:lnSpc>
+                <a:spcPct val="90000"/>
+              </a:lnSpc>
+            </a:pPr>
+            <a:r>
+              <a:rPr lang="en-US" sz="2400" dirty="0"/>
+              <a:t>Really, really, really smart AST nodes</a:t>
+            </a:r>
+          </a:p>
+          <a:p>
+            <a:pPr lvl="1" eaLnBrk="1" hangingPunct="1">
+              <a:lnSpc>
+                <a:spcPct val="90000"/>
+              </a:lnSpc>
+            </a:pPr>
+            <a:r>
+              <a:rPr lang="en-US" sz="2400" dirty="0"/>
+              <a:t>Each node knows how to perform every operation on itself</a:t>
+            </a:r>
+          </a:p>
+          <a:p>
+            <a:pPr lvl="1" eaLnBrk="1" hangingPunct="1">
+              <a:lnSpc>
+                <a:spcPct val="90000"/>
+              </a:lnSpc>
+              <a:buFont typeface="Wingdings" pitchFamily="2" charset="2"/>
+              <a:buNone/>
+            </a:pPr>
+            <a:r>
+              <a:rPr lang="en-US" sz="2400" dirty="0"/>
+              <a:t>		</a:t>
+            </a:r>
+            <a:r>
+              <a:rPr lang="en-US" sz="1800" dirty="0"/>
+              <a:t>public class </a:t>
+            </a:r>
+            <a:r>
+              <a:rPr lang="en-US" sz="1800" dirty="0" err="1"/>
+              <a:t>WhileNode</a:t>
+            </a:r>
+            <a:r>
+              <a:rPr lang="en-US" sz="1800" dirty="0"/>
+              <a:t> extends </a:t>
+            </a:r>
+            <a:r>
+              <a:rPr lang="en-US" sz="1800" dirty="0" err="1"/>
+              <a:t>StmtNode</a:t>
+            </a:r>
+            <a:r>
+              <a:rPr lang="en-US" sz="1800" dirty="0"/>
+              <a:t> {</a:t>
+            </a:r>
+          </a:p>
+          <a:p>
+            <a:pPr lvl="1" eaLnBrk="1" hangingPunct="1">
+              <a:lnSpc>
+                <a:spcPct val="90000"/>
+              </a:lnSpc>
+              <a:buFont typeface="Wingdings" pitchFamily="2" charset="2"/>
+              <a:buNone/>
+            </a:pPr>
+            <a:r>
+              <a:rPr lang="en-US" sz="1800" dirty="0"/>
+              <a:t>		   public </a:t>
+            </a:r>
+            <a:r>
+              <a:rPr lang="en-US" sz="1800" dirty="0" err="1"/>
+              <a:t>WhileNode</a:t>
+            </a:r>
+            <a:r>
+              <a:rPr lang="en-US" sz="1800" dirty="0"/>
+              <a:t>(…);</a:t>
+            </a:r>
+          </a:p>
+          <a:p>
+            <a:pPr lvl="1" eaLnBrk="1" hangingPunct="1">
+              <a:lnSpc>
+                <a:spcPct val="90000"/>
+              </a:lnSpc>
+              <a:buFont typeface="Wingdings" pitchFamily="2" charset="2"/>
+              <a:buNone/>
+            </a:pPr>
+            <a:r>
+              <a:rPr lang="en-US" sz="1800" dirty="0"/>
+              <a:t>		   public </a:t>
+            </a:r>
+            <a:r>
+              <a:rPr lang="en-US" sz="1800" dirty="0" err="1"/>
+              <a:t>typeCheck</a:t>
+            </a:r>
+            <a:r>
+              <a:rPr lang="en-US" sz="1800" dirty="0"/>
+              <a:t>(…);</a:t>
+            </a:r>
+          </a:p>
+          <a:p>
+            <a:pPr lvl="1" eaLnBrk="1" hangingPunct="1">
+              <a:lnSpc>
+                <a:spcPct val="90000"/>
+              </a:lnSpc>
+              <a:buFont typeface="Wingdings" pitchFamily="2" charset="2"/>
+              <a:buNone/>
+            </a:pPr>
+            <a:r>
+              <a:rPr lang="en-US" sz="1800" dirty="0"/>
+              <a:t>		   public </a:t>
+            </a:r>
+            <a:r>
+              <a:rPr lang="en-US" sz="1800" dirty="0" err="1"/>
+              <a:t>StrengthReductionOptimize</a:t>
+            </a:r>
+            <a:r>
+              <a:rPr lang="en-US" sz="1800" dirty="0"/>
+              <a:t>(…);</a:t>
+            </a:r>
+          </a:p>
+          <a:p>
+            <a:pPr lvl="1" eaLnBrk="1" hangingPunct="1">
+              <a:lnSpc>
+                <a:spcPct val="90000"/>
+              </a:lnSpc>
+              <a:buFont typeface="Wingdings" pitchFamily="2" charset="2"/>
+              <a:buNone/>
+            </a:pPr>
+            <a:r>
+              <a:rPr lang="en-US" sz="1800" dirty="0"/>
+              <a:t>		   public </a:t>
+            </a:r>
+            <a:r>
+              <a:rPr lang="en-US" sz="1800" dirty="0" err="1"/>
+              <a:t>DeadCodeEliminationOptimize</a:t>
+            </a:r>
+            <a:r>
+              <a:rPr lang="en-US" sz="1800" dirty="0"/>
+              <a:t>(…);</a:t>
+            </a:r>
+          </a:p>
+          <a:p>
+            <a:pPr lvl="1" eaLnBrk="1" hangingPunct="1">
+              <a:lnSpc>
+                <a:spcPct val="90000"/>
+              </a:lnSpc>
+              <a:buFont typeface="Wingdings" pitchFamily="2" charset="2"/>
+              <a:buNone/>
+            </a:pPr>
+            <a:r>
+              <a:rPr lang="en-US" sz="1800" dirty="0"/>
+              <a:t>		   public </a:t>
+            </a:r>
+            <a:r>
+              <a:rPr lang="en-US" sz="1800" dirty="0" err="1"/>
+              <a:t>generateCode</a:t>
+            </a:r>
+            <a:r>
+              <a:rPr lang="en-US" sz="1800" dirty="0"/>
+              <a:t>(…);</a:t>
+            </a:r>
+          </a:p>
+          <a:p>
+            <a:pPr lvl="1" eaLnBrk="1" hangingPunct="1">
+              <a:lnSpc>
+                <a:spcPct val="90000"/>
+              </a:lnSpc>
+              <a:buFont typeface="Wingdings" pitchFamily="2" charset="2"/>
+              <a:buNone/>
+            </a:pPr>
+            <a:r>
+              <a:rPr lang="en-US" sz="1800" dirty="0"/>
+              <a:t>		   public </a:t>
+            </a:r>
+            <a:r>
+              <a:rPr lang="en-US" sz="1800" dirty="0" err="1"/>
+              <a:t>prettyPrint</a:t>
+            </a:r>
+            <a:r>
+              <a:rPr lang="en-US" sz="1800" dirty="0"/>
+              <a:t>(…);</a:t>
+            </a:r>
+          </a:p>
+          <a:p>
+            <a:pPr lvl="1" eaLnBrk="1" hangingPunct="1">
+              <a:lnSpc>
+                <a:spcPct val="90000"/>
+              </a:lnSpc>
+              <a:buFont typeface="Wingdings" pitchFamily="2" charset="2"/>
+              <a:buNone/>
+            </a:pPr>
+            <a:r>
+              <a:rPr lang="en-US" sz="1800" dirty="0"/>
+              <a:t>		   …</a:t>
+            </a:r>
+          </a:p>
+          <a:p>
+            <a:pPr lvl="1" eaLnBrk="1" hangingPunct="1">
+              <a:lnSpc>
+                <a:spcPct val="90000"/>
+              </a:lnSpc>
+              <a:buFont typeface="Wingdings" pitchFamily="2" charset="2"/>
+              <a:buNone/>
+            </a:pPr>
+            <a:r>
+              <a:rPr lang="en-US" sz="1800" dirty="0"/>
+              <a:t>		}</a:t>
             </a:r>
           </a:p>
         </p:txBody>
       </p:sp>
       <p:sp>
         <p:nvSpPr>
-          <p:cNvPr id="26627" name="Footer Placeholder 4"/>
+          <p:cNvPr id="30723" name="Footer Placeholder 4"/>
           <p:cNvSpPr>
             <a:spLocks noGrp="1"/>
           </p:cNvSpPr>
@@ -22965,7 +21528,29 @@
             </p:custDataLst>
           </p:nvPr>
         </p:nvSpPr>
-        <p:spPr/>
+        <p:spPr>
+          <a:noFill/>
+          <a:ln/>
+          <a:extLst>
+            <a:ext uri="{909E8E84-426E-40dd-AFC4-6F175D3DCCD1}">
+              <a14:hiddenFill xmlns:a14="http://schemas.microsoft.com/office/drawing/2010/main" xmlns="">
+                <a:solidFill>
+                  <a:srgbClr val="FFFFFF"/>
+                </a:solidFill>
+              </a14:hiddenFill>
+            </a:ext>
+            <a:ext uri="{91240B29-F687-4f45-9708-019B960494DF}">
+              <a14:hiddenLine xmlns:a14="http://schemas.microsoft.com/office/drawing/2010/main" xmlns="" w="9525">
+                <a:solidFill>
+                  <a:srgbClr val="000000"/>
+                </a:solidFill>
+                <a:miter lim="800000"/>
+                <a:headEnd/>
+                <a:tailEnd/>
+              </a14:hiddenLine>
+            </a:ext>
+          </a:extLst>
+        </p:spPr>
         <p:txBody>
           <a:bodyPr/>
           <a:lstStyle>
@@ -23069,7 +21654,7 @@
           <a:p>
             <a:r>
               <a:rPr lang="pl-PL" dirty="0"/>
-              <a:t>UW CSE P 501 Spring 2018</a:t>
+              <a:t>Compiler Design</a:t>
             </a:r>
             <a:endParaRPr lang="en-US" dirty="0"/>
           </a:p>
@@ -23077,7 +21662,7 @@
       </p:sp>
       <p:sp>
         <p:nvSpPr>
-          <p:cNvPr id="26628" name="Slide Number Placeholder 5"/>
+          <p:cNvPr id="30724" name="Slide Number Placeholder 5"/>
           <p:cNvSpPr>
             <a:spLocks noGrp="1"/>
           </p:cNvSpPr>
@@ -23088,7 +21673,29 @@
             </p:custDataLst>
           </p:nvPr>
         </p:nvSpPr>
-        <p:spPr/>
+        <p:spPr>
+          <a:noFill/>
+          <a:ln/>
+          <a:extLst>
+            <a:ext uri="{909E8E84-426E-40dd-AFC4-6F175D3DCCD1}">
+              <a14:hiddenFill xmlns:a14="http://schemas.microsoft.com/office/drawing/2010/main" xmlns="">
+                <a:solidFill>
+                  <a:srgbClr val="FFFFFF"/>
+                </a:solidFill>
+              </a14:hiddenFill>
+            </a:ext>
+            <a:ext uri="{91240B29-F687-4f45-9708-019B960494DF}">
+              <a14:hiddenLine xmlns:a14="http://schemas.microsoft.com/office/drawing/2010/main" xmlns="" w="9525">
+                <a:solidFill>
+                  <a:srgbClr val="000000"/>
+                </a:solidFill>
+                <a:miter lim="800000"/>
+                <a:headEnd/>
+                <a:tailEnd/>
+              </a14:hiddenLine>
+            </a:ext>
+          </a:extLst>
+        </p:spPr>
         <p:txBody>
           <a:bodyPr/>
           <a:lstStyle>
@@ -23194,7 +21801,7 @@
               <a:rPr lang="en-US"/>
               <a:t>H-</a:t>
             </a:r>
-            <a:fld id="{EA481AF8-0090-46B1-A5F0-6F6AFB0D1B83}" type="slidenum">
+            <a:fld id="{201123ED-175A-4236-B91A-C943A74A4F9E}" type="slidenum">
               <a:rPr lang="en-US" smtClean="0"/>
               <a:pPr/>
               <a:t>9</a:t>
@@ -23204,11 +21811,6 @@
         </p:txBody>
       </p:sp>
     </p:spTree>
-    <p:extLst>
-      <p:ext uri="{BB962C8B-B14F-4D97-AF65-F5344CB8AC3E}">
-        <p14:creationId xmlns:p14="http://schemas.microsoft.com/office/powerpoint/2010/main" val="3384766401"/>
-      </p:ext>
-    </p:extLst>
   </p:cSld>
   <p:clrMapOvr>
     <a:masterClrMapping/>
@@ -23727,55 +22329,7 @@
 </p:tagLst>
 </file>
 
-<file path=ppt/tags/tag87.xml><?xml version="1.0" encoding="utf-8"?>
-<p:tagLst xmlns:a="http://schemas.openxmlformats.org/drawingml/2006/main" xmlns:r="http://schemas.openxmlformats.org/officeDocument/2006/relationships" xmlns:p="http://schemas.openxmlformats.org/presentationml/2006/main">
-  <p:tag name="_INSTRUCTOR VIEW19C14C36-AC8E-43BC-9DB6-C2AAF774C7DC|PANE__TAG" val="_"/>
-</p:tagLst>
-</file>
-
-<file path=ppt/tags/tag88.xml><?xml version="1.0" encoding="utf-8"?>
-<p:tagLst xmlns:a="http://schemas.openxmlformats.org/drawingml/2006/main" xmlns:r="http://schemas.openxmlformats.org/officeDocument/2006/relationships" xmlns:p="http://schemas.openxmlformats.org/presentationml/2006/main">
-  <p:tag name="_INSTRUCTOR VIEW19C14C36-AC8E-43BC-9DB6-C2AAF774C7DC|PANE__TAG" val="_"/>
-</p:tagLst>
-</file>
-
-<file path=ppt/tags/tag89.xml><?xml version="1.0" encoding="utf-8"?>
-<p:tagLst xmlns:a="http://schemas.openxmlformats.org/drawingml/2006/main" xmlns:r="http://schemas.openxmlformats.org/officeDocument/2006/relationships" xmlns:p="http://schemas.openxmlformats.org/presentationml/2006/main">
-  <p:tag name="_INSTRUCTOR VIEW19C14C36-AC8E-43BC-9DB6-C2AAF774C7DC|PANE__TAG" val="_"/>
-</p:tagLst>
-</file>
-
 <file path=ppt/tags/tag9.xml><?xml version="1.0" encoding="utf-8"?>
-<p:tagLst xmlns:a="http://schemas.openxmlformats.org/drawingml/2006/main" xmlns:r="http://schemas.openxmlformats.org/officeDocument/2006/relationships" xmlns:p="http://schemas.openxmlformats.org/presentationml/2006/main">
-  <p:tag name="_INSTRUCTOR VIEW19C14C36-AC8E-43BC-9DB6-C2AAF774C7DC|PANE__TAG" val="_"/>
-</p:tagLst>
-</file>
-
-<file path=ppt/tags/tag90.xml><?xml version="1.0" encoding="utf-8"?>
-<p:tagLst xmlns:a="http://schemas.openxmlformats.org/drawingml/2006/main" xmlns:r="http://schemas.openxmlformats.org/officeDocument/2006/relationships" xmlns:p="http://schemas.openxmlformats.org/presentationml/2006/main">
-  <p:tag name="_INSTRUCTOR VIEW19C14C36-AC8E-43BC-9DB6-C2AAF774C7DC|PANE__TAG" val="_"/>
-</p:tagLst>
-</file>
-
-<file path=ppt/tags/tag91.xml><?xml version="1.0" encoding="utf-8"?>
-<p:tagLst xmlns:a="http://schemas.openxmlformats.org/drawingml/2006/main" xmlns:r="http://schemas.openxmlformats.org/officeDocument/2006/relationships" xmlns:p="http://schemas.openxmlformats.org/presentationml/2006/main">
-  <p:tag name="_INSTRUCTOR VIEW19C14C36-AC8E-43BC-9DB6-C2AAF774C7DC|PANE__TAG" val="_"/>
-</p:tagLst>
-</file>
-
-<file path=ppt/tags/tag92.xml><?xml version="1.0" encoding="utf-8"?>
-<p:tagLst xmlns:a="http://schemas.openxmlformats.org/drawingml/2006/main" xmlns:r="http://schemas.openxmlformats.org/officeDocument/2006/relationships" xmlns:p="http://schemas.openxmlformats.org/presentationml/2006/main">
-  <p:tag name="_INSTRUCTOR VIEW19C14C36-AC8E-43BC-9DB6-C2AAF774C7DC|PANE__TAG" val="_"/>
-</p:tagLst>
-</file>
-
-<file path=ppt/tags/tag93.xml><?xml version="1.0" encoding="utf-8"?>
-<p:tagLst xmlns:a="http://schemas.openxmlformats.org/drawingml/2006/main" xmlns:r="http://schemas.openxmlformats.org/officeDocument/2006/relationships" xmlns:p="http://schemas.openxmlformats.org/presentationml/2006/main">
-  <p:tag name="_INSTRUCTOR VIEW19C14C36-AC8E-43BC-9DB6-C2AAF774C7DC|PANE__TAG" val="_"/>
-</p:tagLst>
-</file>
-
-<file path=ppt/tags/tag94.xml><?xml version="1.0" encoding="utf-8"?>
 <p:tagLst xmlns:a="http://schemas.openxmlformats.org/drawingml/2006/main" xmlns:r="http://schemas.openxmlformats.org/officeDocument/2006/relationships" xmlns:p="http://schemas.openxmlformats.org/presentationml/2006/main">
   <p:tag name="_INSTRUCTOR VIEW19C14C36-AC8E-43BC-9DB6-C2AAF774C7DC|PANE__TAG" val="_"/>
 </p:tagLst>

--- a/courses/compilers/lectures/H-ASTs.pptx
+++ b/courses/compilers/lectures/H-ASTs.pptx
@@ -353,6 +353,149 @@
 </p:handoutMaster>
 </file>
 
+<file path=ppt/ink/ink1.xml><?xml version="1.0" encoding="utf-8"?>
+<inkml:ink xmlns:inkml="http://www.w3.org/2003/InkML">
+  <inkml:definitions>
+    <inkml:context xml:id="ctx0">
+      <inkml:inkSource xml:id="inkSrc0">
+        <inkml:traceFormat>
+          <inkml:channel name="X" type="integer" min="-2.14748E9" max="2.14748E9" units="cm"/>
+          <inkml:channel name="Y" type="integer" min="-2.14748E9" max="2.14748E9" units="cm"/>
+          <inkml:channel name="F" type="integer" max="32767" units="dev"/>
+        </inkml:traceFormat>
+        <inkml:channelProperties>
+          <inkml:channelProperty channel="X" name="resolution" value="1000" units="1/cm"/>
+          <inkml:channelProperty channel="Y" name="resolution" value="1000" units="1/cm"/>
+          <inkml:channelProperty channel="F" name="resolution" value="0" units="1/dev"/>
+        </inkml:channelProperties>
+      </inkml:inkSource>
+      <inkml:timestamp xml:id="ts0" timeString="2020-04-01T06:49:39.810"/>
+    </inkml:context>
+    <inkml:brush xml:id="br0">
+      <inkml:brushProperty name="width" value="0.05292" units="cm"/>
+      <inkml:brushProperty name="height" value="0.05292" units="cm"/>
+      <inkml:brushProperty name="color" value="#FF0000"/>
+    </inkml:brush>
+  </inkml:definitions>
+  <inkml:trace contextRef="#ctx0" brushRef="#br0">16331 9373 24575,'0'26'0,"0"0"0,5 1 0,0 1 0,-3 4 0,2-1 0,12 12 0,-3 2 0,1-34 0,-1 19 0,-4-26 0,-1 5 0,-1-6 0,1-3 0,7-21 0,3-16 0,-5 6 0,2-6 0,-1 1 0,1-2 0,0-1 0,-1 3 0,2-2 0,-2 7 0,2-1 0,-1 20 0,-10 29 0,1 13 0,0 9 0,0-4 0,4 16-359,-3-16 0,0 4 0,0-8 359,0-1 0,4 9 0,-4-15 0,3 5 0,-4-19 0,0-4 0,0-6 1077,0-10-1077,4-27 0,1 1 0,1-3 0,-1 1 0,0-1 0,1-3 0,0 1 0,-3 16 0,-1 2 0,1-7 0,1 5 0,4 0 0,-5 10 0,2 0 0,-8 13 0</inkml:trace>
+  <inkml:trace contextRef="#ctx0" brushRef="#br0" timeOffset="1622">17226 9117 24575,'-39'-2'0,"9"12"0,5 0 0,0 2 0,0 7 0,6 1 0,1-1 0,8-9 0,27 29 0,20-22 0,10-4 0,-13 1 0,2 2 0,0-2 0,-1-3 0,0 0 0,-2-2 0,2 2 0,-6-1 0,-10-1 0,-8-3 0,6 11 0,-8-8 0,14 17 0,-18-18 0,3 6 0,-8-8 0,0-1 0,-3 1 0,-3 0 0,-7 1 0,-18 9 0,7-7 0,-14 11 0,3-5 0,7-3 0,-6 1 0,8-4 0,-21-1 0,0 1 0,-2-2 0,20-3 0,6 2 0,17 0 0,-8-3 0,14 3 0</inkml:trace>
+  <inkml:trace contextRef="#ctx0" brushRef="#br0" timeOffset="14986">16357 9934 24575,'-39'0'0,"-1"0"0,0 0 0,-7-1 0,-4 2 0,12 2 0,-6 1 0,-2 2 0,3-1 0,6-1 0,-5 0 0,1 1 0,-6 3 0,-4 3 0,6 0 0,13 0 0,4 0 0,-10 6 0,-4 4 0,2 4 0,10 15 0,10-19 0,2 1 0,5 2 0,3-2 0,2 1 0,-9 14 0,6-10 0,3 1 0,-1 0 0,-3 7 0,2 7 0,1 3 0,5-10 0,0-1 0,-1 5 0,1-1 0,3-6 0,1-2 0,1 8 0,-1 12 0,-2 1 0,1-25 0,0 0-246,-1 23 0,-1-2 246,0-19 0,-2 2 0,2 1 0,-2-7 0,3-16 0,0-7 0,3-6 0</inkml:trace>
+  <inkml:trace contextRef="#ctx0" brushRef="#br0" timeOffset="26139">17809 9603 24575,'52'0'0,"-1"0"0,0 0 0,-11 0 0,0 0 0,3 0 0,6 0 0,1 0 0,-9 0-903,-1 0 0,-6 0 903,13 0 0,-19 0 0,4 0 0,1 0 0,5 0 0,-4 0 0,-1-1 0,0 2 0,15-4 0,-2 12 0,-20 25 0,-6 13 0,-5-3 0,-4-16 0,-2 3 0,2 10 0,2 10 0,-2-1 0,-4-10 0,-7 5 0,0-12 0,0-2 583,0-4-583,0 4 299,0-2-299,0 5 0,0 2 0,0 2 0,0 12 0,0-3 0,0-2 0,0-14 924,0 1-924,0-30 0,0 5 0,0-9 0</inkml:trace>
+  <inkml:trace contextRef="#ctx0" brushRef="#br0" timeOffset="29760">18589 11138 24575,'-27'0'0,"-1"0"0,-12 3 0,-6 2 0,5 0 0,6 0 0,-1 0 0,-10 2 0,-5 0 0,12 1 0,12 3 0,-14 1 0,34-6 0,-1 3 0,8-3 0,0 0 0,0 8 0,45 7 0,-1-1 0,-8-9 0,4-2 0,8-5 0,-1-2 0,-18 1 0,0 1 0,6-3 0,3-2 0,-5 2 0,12 5 0,-17-5 0,-4-1 0,-9 3 0,-9 0 0,-3 2 0,-1 2 0,2 8 0,5 14 0,-4-5 0,4 27 0,-9-25 0,3 3 0,-3-14 0,0-10 0,0 7 0,-3-2 0,-7 10 0,-14 0 0,-10 5 0,5-4 0,-11 4 0,27-16 0,-11 2 0,12-11 0,-21 0 0,6 0 0,-2 0 0,0 0 0,1 0 0,0-1 0,2-1 0,0-2 0,13-2 0,7 0 0,3 3 0,3 0 0</inkml:trace>
+  <inkml:trace contextRef="#ctx0" brushRef="#br0" timeOffset="32028">18863 11099 24575,'0'37'0,"0"-1"0,5 8 0,1 0 0,-5 0 0,1 3 0,4-9 0,3 4 0,1 0 0,-2-5 0,0 3 0,0-2-768,2 1 1,1 2 0,-1-5 767,-4-6 0,0-6 0,4 1 737,-2 2-737,-3-44 0,-7-24 0,-3-11 0,2 9 0,1-3 0,-1 0 0,-2-3 0,-2-1 0,2 0 0,3 8 0,1-3 0,1 3 0,-1 7 190,2 4 0,-2 1-190,-1-15 0,-3-5 0,-1 6 0,-1 15 0,-2 3 0,0-10 0,-1 2 0,-3-1 0,7 25 1185,6-1-1185,-3 1 0,29-12 0,-6 6 0,23-8 0,-9 9 0,-3 3 0,-6 4 0,1 1 0,14-1 0,6 1 0,-22 3 0,-9 4 0,-6 23 0,-5-4 0,5 24 0,-8-8 0,2-1 0,0 2 0,-2 11-487,1-11 0,0-1 487,-2 9 0,0-3 0,-9-9 0,-4 3 0,-6 0 0,-3 1 0,-3 2 0,-1-1 0,-3-2 0,-3-1 0,-5 3 0,2-4 0,0 0 0,3-5 0,13-8 0,24-19 974,13-4-974,17-10 0,14-6 0,-6 1 0,-13 7 0,0 1 0,10-6 0,5-2 0,-13 6 0,-19 8 0</inkml:trace>
+  <inkml:trace contextRef="#ctx0" brushRef="#br0" timeOffset="33075">19263 11579 24575,'-18'33'0,"9"-7"0,-13 7 0,8-13 0,-4 0 0,0 1 0,-1-1 0,-1 2 0,2 0 0,8-6 0,0-6 0,1 2 0,4-4 0,1-4 0,2 1 0</inkml:trace>
+  <inkml:trace contextRef="#ctx0" brushRef="#br0" timeOffset="44825">14445 11347 24575,'0'38'0,"0"0"0,0 1 0,0 2 0,0 1 0,0-1 0,0-4 0,0-1 0,0-1-756,0 20 1,0-9 755,0-18 0,0 2 0,0 1 0,0 4 245,0-6 1,0-1-246,0-4 250,0-2-250,0-10 0,0-44 0,-3 5 0,-1-7 0,1-9 0,0-9 0,-1-2 0,1 7 0,0 10 0,0 5 0,-1-3 192,1-7 1,0-5-1,0 2 1,1 8-193,2 5 0,0 5 0,0-20 0,3 18 0,0 2 0,2 2 0,16-4 0,-8 12 0,14-10 0,-2 19 0,-3-4 0,2 9 0,-8 0 0,29 3 0,-12 9 0,-7-2 0,-3 3 0,1 21 0,-14-2 0,-6-2 0,-2 2 0,-5 20 0,-2-19 0,-1 0 0,-3-4 0,-3-2 0,-10 4 0,-3-2 0,5-7 0,-2 0 0,-18 13 0,-2-3 0,-1-5 0,9-5 0,4-5 0,13-11 0,0-1 0,58-25 0,-18 9 0,19 3 0,4 3 0,-4 4 0,2 4 0,0 0 0,-8 3 0,-9-1 0,-3 3 0,-1 15 0,-5-5 0,-1 11 0,-5 0 0,-7 1 0,1 8 0,-6 8 0,0-10 0,-4 9 0,-8-3 0,1-16 0,-1 0 0,-10 16 0,1-13 0,-5 3 0,1-4 0,0-6 0,1-2 0,-9 13 0,2-3 0,-2-9 0,24-15 0,5-3 0,-1 0 0,5-3 0</inkml:trace>
+  <inkml:trace contextRef="#ctx0" brushRef="#br0" timeOffset="47112">14954 11313 24575,'0'16'0,"3"16"0,2 1 0,-1 5 0,1-12 0,-1-1 0,-2 4 0,4 8 0,-6-14 0,0-15 0,0 9 0,0 24 0,0-16 0,3 17 0,0-28 0,3-5 0,6 15 0,-4-9 0,3 25 0,-5-30 0,-2 11 0,-2-12 0,7 24 0,-6-13 0,9 19 0,-9-10 0,1-11 0,-1 7 0,-3-40 0,0-26 0,0 2 0,0-7 0,0 4 0,0-5 0,0 0 0,0 4 0,0 6 0,0 3 0,0-1 0,0-13 0,0-2 0,0 10 0,0 3 0,0 21 0,0-4 0,17 14 0,25 1 0,5 0 0,-19 1 0,0 0 0,10 1 0,4 1 0,-6-1 0,1 0 0,11 3 0,-24 0 0,6 0 0,-22 0 0,3 0 0</inkml:trace>
+  <inkml:trace contextRef="#ctx0" brushRef="#br0" timeOffset="48269">15119 11733 24575,'50'0'0,"-1"0"0,-2 0 0,-7 0 0,8 0 0,-9 0 0,-1 0 0,10 0 0,-26 0 0,-3 0 0,-9 0 0,-1 0 0,-6 0 0,-1 0 0</inkml:trace>
+  <inkml:trace contextRef="#ctx0" brushRef="#br0" timeOffset="49333">15165 12084 24575,'41'0'0,"0"0"0,11 0 0,-7 0 0,5 0 0,-15 0 0,1 0 0,-4 0 0,18 0 0,-4 0 0,-5 0 0,-24 0 0,15 0 0,-18 0 0,9 0 0,-21 0 0</inkml:trace>
+  <inkml:trace contextRef="#ctx0" brushRef="#br0" timeOffset="53588">14444 12401 24575,'-26'28'0,"0"0"0,1-3 0,2-1 0,6-2 0,0 2 0,-7 6 0,-1 2 0,-3 10 0,0 0 0,-2-1 0,0 0 0,2 3 0,2-4 0,10-18 0,1-1 0,-5 10 0,2-1 0,4-4 0,-6 10 0,3 1 0,9-8 0,-10 15 0,18-33 0,0-9 0</inkml:trace>
+  <inkml:trace contextRef="#ctx0" brushRef="#br0" timeOffset="54996">13422 13536 24575,'0'43'0,"0"-1"0,0 1 0,0 3 0,0 1 0,0-8 0,0 5 0,0-2 0,0-6 0,-1-1 0,2-5 0,1 13 0,-1-33 0,2 0 0,-3-1 0,0-12 0,4-29 0,3-11 0,-1-5 0,1 5 0,2-10 0,2 4 0,0 13 0,1 3 0,2 1 0,6-16 0,2 3 0,-3 6 0,1 9 0,9 15 0,-10 12 0,1 3 0,10 16 0,-7 2 0,2 10 0,-11-6 0,1 0 0,6 8 0,5 13 0,3-2 0,-3-7 0,0 2 0,-6-15 0,-11-9 0,5 5 0,-8-8 0,4 7 0,-7-12 0,-2-2 0,1-2 0</inkml:trace>
+  <inkml:trace contextRef="#ctx0" brushRef="#br0" timeOffset="56250">14611 13484 24575,'26'3'0,"13"8"0,-9-7 0,1 0 0,-3 3 0,0 1 0,1-4 0,0-1 0,0 1 0,1 0 0,7-2 0,-1 1 0,11 3 0,-5-3 0,-59 31 0,-12 5 0,4-3 0,-2 0 0,8-13 0,0 0 0,-15 16 0,1 0 0,18-18 0,-1 1 0,-9 16 0,-5 8 0,3-5 0,7-9 0,1-1 0,-5 13 0,2-4 0,11-16 0,11-21 0,0 0 0</inkml:trace>
+  <inkml:trace contextRef="#ctx0" brushRef="#br0" timeOffset="57203">14882 12518 24575,'0'44'0,"0"-1"0,0 6 0,0-13 0,0 1 0,0-10 0,0-2 0,0 17 0,0 6 0,0-17 0,0-13 0,0-10 0,3 4 0,-3-9 0,3-3 0</inkml:trace>
+  <inkml:trace contextRef="#ctx0" brushRef="#br0" timeOffset="58149">15607 12272 24575,'2'28'0,"-1"0"0,4 11 0,1 2 0,-2-5 0,1 1 0,1 15 0,2-5 0,5-11 0,-10-10 0,0 0 0,12 1 0,-13 1 0,6-1 0,-4 0 0,3 12 0,0-16 0,-4 0 0,0-14 0,-3-7 0</inkml:trace>
+  <inkml:trace contextRef="#ctx0" brushRef="#br0" timeOffset="59576">16045 13466 24575,'-40'17'0,"19"6"0,-11 12 0,27 0 0,2-1 0,1 6 0,0-4 0,2 13 0,0-7 0,0 6 0,0-6 0,2-14 0,0-3 0,1 2 0,1-2 0,7 18 0,5-20 0,13-3 0,16 0 0,-8-10 0,6 0 0,0-9 0,-16 2 0,3-1 0,1-4 0,4-26 0,-12 14 0,-2-1 0,-6-10 0,-5-1 0,8-19 0,-11 6 0,-2 0 0,-1-4 0,-1 5 0,-2 0 0,-3-8 0,-2 3 0,1 12 0,-6 3 0,-13 2 0,-4 5 0,-2 1 0,1 0 0,0 2 0,5 9 0,-22-15 0,22 18 0,-16-6 0,31 12 0,-1 0 0</inkml:trace>
+  <inkml:trace contextRef="#ctx0" brushRef="#br0" timeOffset="69216">19117 12028 24575,'-8'38'0,"1"0"0,-1 0 0,0 7 0,0-1 0,-2-1 0,0 2 0,2-3 0,-1 1 0,1-3 0,0-3 0,0-1 0,-2 7 0,1 3 0,1-8 0,3 2 0,-2 2 0,7-25 0,0-1 0,0-6 0,-3 2 0,2-1 0,-1-1 0,-1 1 0,2-5 0,-1 0 0,-1 6 0,2-3 0,-2 6 0,3-6 0,0-3 0,0-3 0</inkml:trace>
+  <inkml:trace contextRef="#ctx0" brushRef="#br0" timeOffset="73710">18770 13319 24575,'0'33'0,"0"0"0,0 0 0,0 0 0,0-4 0,0-1 0,0 15 0,0 4 0,0-11 0,0-6 0,0-5 0,6-37 0,1-18 0,-1-14 0,1 3 0,2 6 0,1-1 0,-3 1 0,1-5 0,1-1 0,0 3 0,2-1 0,1 2 0,0 2 0,0-2 0,1 0 0,0 0 0,-1-1 0,-1 6 0,2-3 0,3-2 0,-9 30 0,2-2 0,7 32 0,5 25 0,-3-4 0,-7-12 0,1 1-646,2 1 0,4 5 0,-1 0 0,-5-5 646,-5 0 0,-1-3-467,6 9 1,-1-1 466,0 5 0,0-8 0,2 3 0,0-2 0,0-3 0,-1 5 0,0-5 0,-2-8 0,-8-23 0,-1 0 0,2-3 0</inkml:trace>
+  <inkml:trace contextRef="#ctx0" brushRef="#br0" timeOffset="74597">18849 13538 24575,'44'0'0,"0"0"0,-1 0 0,1 0 0,-5 0 0,-3 0 0,1 0 0,3 0 0,1 0 0,-8 0 0,-1 0 0,-23 0 0,-6 0 0,0 0 0</inkml:trace>
+  <inkml:trace contextRef="#ctx0" brushRef="#br0" timeOffset="76176">19709 13083 24575,'-41'16'0,"1"-1"0,7-3 0,1 0 0,-6 7 0,3 0 0,0 0 0,38 1 0,20-1 0,15 11 0,4-9 0,-11-10 0,-1-1 0,-3 2 0,15 1 0,-25-6 0,22 6 0,-13-5 0,-1 0 0,2 0 0,2 3 0,0-1 0,-8 0 0,-14-4 0,2 2 0,-6-1 0,0 1 0,-3-2 0,0 3 0,-3 0 0,-12 11 0,4-8 0,-8 5 0,5-5 0,-2-2 0,0 2 0,-6-3 0,8-2 0,-22 10 0,19-8 0,-12 8 0,14-10 0,-20 17 0,11-10 0,1 1 0,2 0 0,1 1 0,-16 12 0,32-19 0,-4-3 0,8-3 0,-3-3 0</inkml:trace>
+  <inkml:trace contextRef="#ctx0" brushRef="#br0" timeOffset="83502">18936 13929 24575,'-41'2'0,"1"21"0,-3-12 0,14 8 0,4 1 0,9-4 0,-7-1 0,0 1 0,3 6 0,-9 8 0,11-11 0,-2 6 0,10-8 0,-6 13 0,1 2 0,0 1 0,-7 11 0,13-19 0,-7 7 0,0 12 0,0 0 0,4-13 0,0 1 0,-2 6 0,2-8 0,1-8 0,1 8 0,-1-10 0,9-10 0,-3 1 0,3-5 0,1 0 0,-2-2 0,3-2 0</inkml:trace>
+  <inkml:trace contextRef="#ctx0" brushRef="#br0" timeOffset="86194">17708 15236 24575,'3'22'0,"1"6"0,6 20 0,-3-13 0,-1-5 0,-2-2 0,0-9 0,-1 19 0,-3-25 0,0 3 0,0-1 0,3-3 0,0-6 0,3 0 0,-3-6 0,0 0 0</inkml:trace>
+  <inkml:trace contextRef="#ctx0" brushRef="#br0" timeOffset="88956">17780 15347 24575,'38'-17'0,"-1"-1"0,0 0 0,-3 8 0,-1 4 0,2 1 0,-7 8 0,-18 26 0,-1 5 0,-4-6 0,5 15 0,1 1 0,-3-11 0,3 5 0,-5-9 0,-2-11 0,-1 3 0,-3-10 0,0 11 0,0-7 0,0 13 0,0-3 0,0-9 0,0 10 0,3-22 0,0 4 0,0-8 0,0 0 0</inkml:trace>
+  <inkml:trace contextRef="#ctx0" brushRef="#br0" timeOffset="102105">20004 13762 24575,'38'0'0,"9"0"0,-13 3 0,6 1 0,-3 2 0,-5 0 0,0 2-627,18 2 0,-6 2 627,-17 10 409,8 3-409,-15-8 0,-1 2 0,5 6 0,-2 1 0,-4-5 0,-3 0 104,1 4 0,-3 1-104,-7 0 0,0 1 0,2 1 0,-1 1 0,-1-1 0,0 0 0,0-2 0,-1-1 0,6 11 0,-3-4 637,1-1-637,-5-16 0,-2-1 0,-2-6 0,0-1 0,0 5 0,3-3 0,-2 0 0,1 3 0,1-3 0,-2 0 0,4-3 0,-5-4 0,3-2 0</inkml:trace>
+  <inkml:trace contextRef="#ctx0" brushRef="#br0" timeOffset="107406">20439 14811 24575,'6'37'0,"1"-1"0,4 13 0,2 0 0,0-9 0,1 3 0,-4-5 0,2 6 0,0 2 0,0-2 0,-2-7 0,2 4 0,-1-1 0,-2-1 0,1 5 0,0 1 0,0-6 0,7 13 0,-3-9 0,-5 3 0,5 0 0,-5-17 0,-19-52 0,-2-12 0,-2-11 0,1-3 0,3 18 0,2-1 0,2-5 0,1-5 0,1 6 0,0-8 0,4 8 0,0 2 0,0 8 0,0-2 0,-3 6 0,3 1 0,-12-25 0,9 20 0,-5-20 0,8 30 0,0 4 0,0 3 0,0 3 0,0-9 0,37-5 0,11-1 0,-9-3 0,-7 10 0,7 0 0,-3 3 0,-1 5 0,-3 5 0,8 10 0,-13 6 0,-4 3 0,-10 5 0,-10 22 0,-3-23 0,0 4 0,0 4 0,0-11 0,-3 11 0,-13-5 0,-14 9 0,-6-3 0,15-16 0,-2 0 0,-13 6 0,0-1 0,-8 4 0,4-2 0,2-2 0,14-10 0,28-9 0,20-8 0,17-9 0,1 2 0,-3 5 0,1 3 0,0-2 0,6-4 0,0-2 0,-2 4 0,3 4 0,-6 9 0,-19 14 0,-4 2 0,12 4 0,-12 11 0,-5 2 0,-4-2 0,-4-6 0,-3 1 0,-8 1 0,-2-1 0,-10 18 0,2-17 0,-4-2 0,-7-5 0,-1-2 0,3-3 0,-2 1 0,-3-2 0,-5 1 0,4-2 0,1-1 0,0-1 0,-8-2 0,-5 0 0,6-2 0,12-3 0,0 0 0,-14 1 0,2-2 0,12-2 0,8-1 0,9-3 0</inkml:trace>
+  <inkml:trace contextRef="#ctx0" brushRef="#br0" timeOffset="108968">21242 14905 24575,'0'34'0,"0"1"0,1-1 0,1 3 0,0 6 0,-1 5 0,1-1 0,-1-8 0,1-1 0,-1-1 0,1 10 0,0-1 0,-2 2 0,0-5 0,0-7 0,0 3 0,0-32 0,0-55 0,-3 5 0,-1-9 0,-1 1 0,2 9 0,0 0 0,-1-1-601,0 3 0,0-2 1,-1 1-1,1 5 601,-2-3 0,0 6 0,-2-2-260,3 0 1,0 0 259,0 7 0,-1-1 0,7 6 0,21 20 0,6-4 0,2 1 0,19 4 0,0-9 0,-1-1 0,-16 6 0,-5-1 0,-3 1 0,-7 0 583,1 5 0,-10-2 1,-1 3-1</inkml:trace>
+  <inkml:trace contextRef="#ctx0" brushRef="#br0" timeOffset="109853">21324 15096 24575,'33'0'0,"0"0"0,7 0 0,2 0 0,4 0 0,0 0 0,-7 0 0,-5 0 0,-11 0 0,-7 0 0,-3 0 0,1 0 0,-10 0 0,2 0 0</inkml:trace>
+  <inkml:trace contextRef="#ctx0" brushRef="#br0" timeOffset="110732">21310 15582 24575,'44'0'0,"-1"0"0,1 0 0,0 0 0,4 0 0,-1 0 0,-6 0 0,-2 0 0,-3 0 0,-3 0 0,-6 0 0,-1 0 0,3 0 0,-1 0 0,3 0 0,1 0 0,-23 0 0,-2 0 0,-5 0 0</inkml:trace>
+  <inkml:trace contextRef="#ctx0" brushRef="#br0" timeOffset="112166">20503 16478 24575,'-27'22'0,"0"-1"0,-8 6 0,0 3 0,9-5 0,0 2 0,2-1 0,-5 3 0,3 0 0,3-4 0,3 0 0,10 1 0,3 0 0,-3 6 0,1-7 0,0 0 0,5 4 0,-3-10 0,4 5 0,3-15 0,0 10 0,0-13 0,0 8 0</inkml:trace>
+  <inkml:trace contextRef="#ctx0" brushRef="#br0" timeOffset="113324">22100 15871 24575,'51'0'0,"-1"0"0,-5 2 0,1 0 0,6 1 0,-2 2 0,-14 1 0,-1 4 0,9 10 0,-2 4 0,-11-6 0,0 0-479,8 4 1,-2-1 478,4 8 0,-4 4 0,-15-4 0,2 4 0,-2 2 0,-7 6 0,-3-8 0,0 5 0,-2-4 0,1 12 0,-3-9 0,1-3 235,-2-10-235,-4-8 0,0 0 0,-3-3 0,0 0 0,0-8 0,0 3 0</inkml:trace>
+  <inkml:trace contextRef="#ctx0" brushRef="#br0" timeOffset="117544">19792 17478 24575,'6'50'0,"0"-1"0,1-4 0,1-1 0,1-8 0,1-1 0,1-5 0,0-3 0,-3 6 0,5-3 0,-6-5 0,-1-10 0,-3 2 0,2-14 0,5-15 0,-2-32 0,1-10 0,2 24 0,0 0-236,-4-7 0,0-3 0,0 8 236,10 2 0,-1 8 0,-6 10 0,5 0 0,4 7 0,0 4 0,7-2 708,8 3-708,-10 0 0,19 0 0,-21 0 0,4 0 0,-14 0 0,2 14 0,-6-1 0,13 26 0,-11-10 0,-1 1 0,10 13 0,-10-16 0,-1-2 0,-5-5 0,0-6 0,-3 11 0,0-11 0,3 10 0,1-11 0,2 5 0,0-8 0,0-1 0,-3-7 0,0-2 0</inkml:trace>
+  <inkml:trace contextRef="#ctx0" brushRef="#br0" timeOffset="118725">21508 17405 24575,'50'0'0,"0"0"0,-19 0 0,0 0 0,7 0 0,4 0 0,-4 0 0,-1 0 0,-4 0 0,9 0 0,-6 0 0,-33 0 0</inkml:trace>
+  <inkml:trace contextRef="#ctx0" brushRef="#br0" timeOffset="119770">21512 16093 24575,'0'47'0,"0"1"0,0-22 0,0 0 0,0 3 0,0 0 0,0 0 0,0 0 0,0 17 0,0-7 0,0-18 0,0-7 0,0 13 0,0 2 0,0 9 0,3-6 0,2 4 0,1-1 0,-1-3 0,2-2 0,3 5 0,-1-3 0,4 7 0,-4-26 0,-3-6 0,8 3 0,-4 0 0,5 0 0,-8-1 0,-2-6 0</inkml:trace>
+  <inkml:trace contextRef="#ctx0" brushRef="#br0" timeOffset="121534">23103 17081 24575,'0'36'0,"0"1"0,0 5 0,0 8 0,0-13 0,0-9 0,0 4 0,0 1 0,0-6 0,0 12 0,0-24 0,0-9 0,0 0 0</inkml:trace>
+  <inkml:trace contextRef="#ctx0" brushRef="#br0" timeOffset="132765">23162 17292 24575,'0'41'0,"0"-1"0,0 4 0,0-5 0,0-2 0,0-7 0,0-14 0,0 1 0,0 1 0,0-5 0,0 10 0,0-5 0,0 4 0,0-4 0,0-7 0,0 4 0,0-10 0,0 1 0,0 0 0,0 13 0,0-10 0,0 10 0,0-13 0,-2-3 0,1-3 0,-4-30 0,-2-17 0,-1 13 0,1-1 0,0-14 0,1 1 0,-1 11 0,2 8 0,5 12 0,0-11 0,0 20 0,0-6 0,0 11 0,0 0 0</inkml:trace>
+  <inkml:trace contextRef="#ctx0" brushRef="#br0" timeOffset="161124">20636 8798 24575,'0'49'0,"0"0"0,0 0 0,0 0 0,0 0 0,0 0 0,0 0 0,0 0 0,0 0 0,0 3 0,0 1 0,0-1 0,0 0 0,0-1 0,0-1 0,0-2 0,0-2 0,0 7 0,0-2 0,0-2 0,0-2 0,0-1 0,1 6 0,-1-1 0,0-5 0,-1-12 0,-1-6 0,5-26 0,-5-35 0,5 2 0,4-10 0,1-6 0,0-2 0,0 4-618,-1 2 0,0 1 0,-1 0 0,1-3 0,1-4 618,-1 7 0,0-3 0,1-4 0,-1-1 0,1-1 0,1 0 0,-1 1 0,0 1 0,-1 3 0,2-3 0,-1 1 0,0 1 0,0 1 0,1 0 0,-1 1 0,1-1 0,-1 1 0,1-1 0,0 0 0,0 0 0,0 3 0,-1 2 0,0 4 0,2-19 0,0 7 0,5 12 0,5 13 0,1 16 0,0 42 0,-5-3 0,1 5 0,0-1 0,1 4 0,0 0-687,-3-3 0,0 2 1,1-3 686,2 2 0,0 2 0,-3-4 0,0 5 0,1 1 0,-1-4 0,4 7 0,1 1 0,-4-5 0,0 6 0,0 0 0,-2-5 0,3 10 0,-2-5 0,-3-4 0,-1-1-373,2 1 0,-2-3 373,-2-3 1295,1-2 1,1 0-1296,-2 2 0,4 5 0,-32-54 0,-9-13 0,-7-5 0,-2-2 0,9 9 0,0-1 0,1 1 0,-8-5 0,5 5 0,11 9 0</inkml:trace>
+  <inkml:trace contextRef="#ctx0" brushRef="#br0" timeOffset="161745">20816 9332 24575,'44'-7'0,"0"1"0,0-1 0,-2-1 0,4-1 0,-4 0 0,-9 2 0,6 0 0,2-4 0,0-3 0,4-7 0,-19 8 0,13-8 0,-3 1 0,-20 11 0,24-15 0</inkml:trace>
+  <inkml:trace contextRef="#ctx0" brushRef="#br0" timeOffset="162719">21908 7752 24575,'-31'14'0,"9"10"0,-1 9 0,2 0 0,-1 1 0,1 1 0,-1 2 0,0 3 0,1 0 0,2-2 0,0-1 0,3-3 0,0-3 0,1 0 0,-3 13 0,1 6 0,4-8 0,5 4 0,26-26 0,15 2 0,11 1 0,4 1 0,1-2 0,-4-2 0,-10-3 0,-2 1 0,-6-3 0,7 0-547,9 1 1,11 2 0,5 0 0,-3 0 0,-9-1 0,-17-1 255,-12 14 661,-15 17-370,-14-8 0,0-7 0,-7 3 0,-12-2 0,-8 1 0,3-3 0,5-1 0,-2-1-480,-6 0 0,-4 1 0,6-7 480,-8-2 0,11-7 0,10-7 0</inkml:trace>
+  <inkml:trace contextRef="#ctx0" brushRef="#br0" timeOffset="163800">22421 8080 24575,'15'44'0,"-1"0"0,1 1 0,-1-1 0,1 0 0,-1-2 0,0-4 0,0 5 0,-2-3 0,2 8 0,0 2 0,-1-1 0,-1-5 0,-3-11 0,-1-4 0,-1-3 0,5 17 0,0 5 0,-6-19 0,-6-27 0</inkml:trace>
+  <inkml:trace contextRef="#ctx0" brushRef="#br0" timeOffset="164456">22177 7994 24575,'44'-18'0,"0"1"0,-1-1 0,1 1 0,0-1 0,0 1 0,0-1 0,-2 0 0,2-1 0,3-1 0,0-1 0,2 0 0,0-1 0,0 0 0,0 0 0,-1 0 0,-2 1 0,-2 1-164,0 0 0,0-1 0,-2 2 0,-1-1 0,0 0 0,0 1 1,0-1-1,1 0 0,0 0 0,6-3 0,5-3 0,2-1 1,0 0-1,-2 1 0,-3 2 0,-8 4 0,-7 4 0,-12 6 1,0 2-1</inkml:trace>
+  <inkml:trace contextRef="#ctx0" brushRef="#br0" timeOffset="167092">4278 12675 24575,'45'-2'0,"0"0"0,-1 0 0,1-1 0,0 1 0,0 0 0,0 0 0,4-1 0,-1 0 0,0-1 0,1 1 0,1-1 0,3 1-365,-8 1 1,3-1 0,1 1 0,1 0 0,0 0 0,1 0 0,0 0 0,-1 0 0,-1 0-46,2 0 0,0 0 1,0-1-1,0 1 1,-1 0-1,0 0 0,0 0 1,-1 1 8,2 0 1,1 1 0,-2 0 0,0 0 0,0 0-1,0 1 1,-1-1 400,-3 0 0,-2 0 0,0 0 0,0 0 0,1 0 0,2 0 0,4 0 0,-6 0 0,2 0 0,4 0 0,1 0 0,2-1 0,0 1 0,0 0 0,0 0 0,-3 0 0,-1 0 0,-4 1 0,-3-1 0,9 0 0,-5 1 0,-3 0 0,-1-1 0,3 1 0,4 0 0,-5 0 0,4 0 0,3 1 0,2-1 0,0 0 0,0 0 0,-2 1 0,-3 0 0,-4 0 0,-5 0 0,11 2 0,-7 0 0,-3 1 0,1-1 0,4 1 0,0 0 0,-1 0 0,-5 0 7,-3 1 0,-4-1 1,0-1-8,1 0 0,1 0 0,1-1 0,14 1 0,2-1 0,-1 0 0,-12 0 0,-1-1 0,1-1 0,9 2 0,3-2 0,-1 0 0,-11-2 0,0-1 0,0-1 0,-1 1 0,7-1 0,-1-1 0,1 1 0,4-2 0,1 0 0,-2 0 0,-10 1 0,-1-1 0,-4 1 1830,17-1-1830,-7 2 0,-3 1 0,1 2 0,-7 0 0,-1 0 0,8 0 3276,-12 0-1921,-6 0-1355,27 0 0,-20 1 0,12-1 0,7 1 0,6 0 0,3-1 0,0 1 0,-2 0 0,-3 0 0,-8-1-656,3 1 1,-6-1-1,-1 0 1,1 0 0,7 1 591,-8-1 1,5 1-1,3-1 1,2 0 0,2 1-1,-1 0 1,-1-1 0,-1 1-1,-4 0 1,-5 0 63,11 0 0,-3 1 0,-3 0 0,-4 0 0,-5-1 0,10 0 0,0 0 0,-1 2 0,9 1 0,-3 1 0,-14-2 0,-4-2 0,12 8 0,-41-9 0,3 3 0</inkml:trace>
+  <inkml:trace contextRef="#ctx0" brushRef="#br0" timeOffset="168319">4898 13679 24575,'48'0'0,"0"0"0,0 0 0,0 0 0,-1 0 0,1 0 0,0 0 0,0 0 0,0 0 0,0 0 0,-1 0 0,1 0 0,3 0 0,-8 0 0,-2 0 0,2 0 0,7 0-298,-6 0 0,5 0 0,5 0 0,4 0 0,0 0 0,1 0 0,-2 0 0,-2 0 1,-6 0-1,-5 0 0,-8 0-795,6 0 1,-8 0 0,1 0-1,15-3 1,2 0 0,-1 0 492,-7-1 1,-2 0 0,3 0 599,-5 1 0,2 0 0,1 0 0,-1 0 16,1 0 0,1-2 1,-2 2-1,-2 0-16,-3 2 0,-4 1 0,5 0 0,3-1 0,5 0 0,2 0 0,-3 0 0,-9 0 0,1 1 0,-3 0 1092,6 1 0,4 0 0,-10-3-807,-14-4 0,-17 5 0,-3-5 0</inkml:trace>
+  <inkml:trace contextRef="#ctx0" brushRef="#br0" timeOffset="171134">18632 7154 24575,'-11'19'0,"7"10"0,1 11 0,2-5 0,1 16 0,0-14 0,0 5 0,0-9 0,-3-8 0,3-8 0,-6-1 0,6-9 0,-3 1 0,6 12 0,17 3 0,10 10 0,-7-18 0,1-2 0,17 6 0,0-10 0,2-2 0,7-2 0,-13-1 0,2-2 0,4-1 0,-3-2 0,6-5 0,-10 3 0,-1-1 0,-5-7 0,-13-2 0,-1 0 0,-6 3 0,-2-2 0,-4-6 0,-2-1 0,-5-10 0,-4-4 0,-7-14 0,-2 1 0,-1-1 0,3 21 0,1 1 0,-1-6 0,-2 0 0,-9 3 0,-1 3 0,-4-7 0,-3 11 0,-9-1 0,4 4 0,11 5 0,0 2-216,-19-4 1,3 1 215,12 5 0,10 8 0,9-1 0,-7 2 0,8 0 0,-9 0 0,10 2 431,-9 2-431,-1 15 0,-4-4 0,2 15 0,6-15 0,7 2 0,6-8 0,3-5 0,0 1 0</inkml:trace>
+  <inkml:trace contextRef="#ctx0" brushRef="#br0" timeOffset="172356">19057 5914 24575,'0'12'0,"0"10"0,0-2 0,0 15 0,0 2 0,0-8 0,0 9 0,0-3 0,0-19 0,0 5 0,0-15 0,16 32 0,10-18 0,5-1 0,-6 6 0,2-1 0,19-2 0,2-7 0,-21-7 0,-1-3 0,3 0 0,1-2 0,6 1 0,-1-1 0,3-2 0,11-1 0,0-2 0,-22-3 0,6-1 0,-3-4 0,-7-24 0,-11 3 0,-3-3 0,1 3 0,-3-1 0,-4-3 0,-6-2 0,-9 6 0,-7-1 0,2 4 0,1 1 0,-2 1 0,-3-4 0,-4-2 0,2 4 0,-1 5 0,0 2 0,-6-5 0,0 1 0,4 5 0,-2 2 0,-4-6 0,0 2 0,-6 1 0,-2-4 0,17 9 0,2 1 0,4 3 0,-12-11 0</inkml:trace>
+  <inkml:trace contextRef="#ctx0" brushRef="#br0" timeOffset="173757">17535 6096 24575,'-18'24'0,"-4"-2"0,10 2 0,2 2 0,-10 13 0,8-4 0,-1 7 0,3-5 0,3-11 0,0-1 0,-3 18 0,2-6 0,5-22 0,3-9 0,0 5 0,18 10 0,7 2 0,-5-4 0,1-1 0,7 5 0,2-2 0,10-1 0,-24-26 0,3-2 0,6-31 0,0 11 0,-12 4 0,1-5 0,1-3 0,0-5 0,-1 4 0,-5 8 0,0-2 0,4-16 0,1-7 0,-5 5 0,-6 11 0,-8 1 0,-10 0 0,-9-3 0,-2 1 0,3 3 0,1-6 0,-2 5 0,-7 3 0,-6 2 0,8 8 0,8 9 0,18 11 0,0 0 0</inkml:trace>
+  <inkml:trace contextRef="#ctx0" brushRef="#br0" timeOffset="175664">16788 7228 24575,'0'40'0,"0"1"0,0-13 0,0 0 0,0 13 0,0-2 0,0-1 0,0-6 0,0-3 0,0 1 0,0 15 0,0 5 0,6-36 0,30-10 0,9-5 0,3 1 0,-4-1 0,7-1 0,-9-1 0,-4-4 0,-7 0 0,-7-2 0,-20-9 0,-1-6 0,-3-15 0,0 6 0,-11-6 0,-6-1 0,2 12 0,-2 2 0,-4-8 0,-2 2 0,2 8 0,1 3 0,1 2 0,0 1 0,-11-12 0,10 10 0,-5-2 0,-12 0 0,-8-1 0,4 2 0,5 2 0,0 0 0,-5-1 0,-4-2 0,7 6 0,-2 2 0,25 10 0,3 1 0,9 3 0</inkml:trace>
+  <inkml:trace contextRef="#ctx0" brushRef="#br0" timeOffset="-202751.73">19314 10703 24575,'-37'-9'0,"0"-1"0,-1 0 0,9 5 0,-1-1 0,-5-4 0,-3-3 0,2 3 0,-1 3 0,2 2-1639,4 0 1,-2 0 1337,-11-2 1,-4 1 300,2 3 0,-4 2 0,3-1 0,1 0 0,0 0 0,6 2 0,-6 0 0,2 0 0,6 0 0,2-1 0,1 2-325,-16 7 0,3 2 325,7 0 514,5 13 0,1 4-514,13-8 0,1 0 0,-4 4 0,0 1 0,5-4 0,2 1 0,-12 19 0,9-10 0,5 0 0,2 0 0,5-8 1879,-3 12-1879,12-20 1621,0-6-1621,0 3 0,0-8 0,0 0 0</inkml:trace>
+  <inkml:trace contextRef="#ctx0" brushRef="#br0" timeOffset="-201183.73">15146 10822 24575,'-26'14'0,"0"1"0,1 22 0,-1 5 0,0-15 0,-4 0 0,3 2-1093,4 7 1,2 2 0,1-3 761,-1-3 1,1-3 330,3-9 0,0 2 610,-8 20 0,-1 1-610,7-18 0,0 0 0,-7 19 0,0-2 0,-4-5 0,13-14 644,-8 2-644,16-13 0,-7 5 0,12-2 2074,-3 13-2074,0 3 0,0 3 0,2-3 0,1-1 0,-2 5 0,1-2 0,2 6 0,3-18 0,0-8 0,0-1 0,0-3 0,0 3 0,0-3 0,0 2 0,0 5 0,9 3 0,7 2 0,5-6 0,3-1 0,6 0 0,-4 1 0,10 0 0,0-6 0,11-2 0,6 0 0,1-1 0,-3 0 0,-8 0 0,1 2 0,-5-2 0,6 1-469,-2-2 1,7 0 0,5 0 0,2 0 0,-3-1 0,-6-1 0,-10-3-417,8-4 0,-8-2 885,7 0 0,1-2-55,-2-3 0,-2-2 55,-11 1 0,-1-1 0,7-1 0,3-3 0,-1-5 0,1-5 0,-6 3 0,5-9 0,2 2 0,-5-3 0,-30 6 0,-5 0 0,3-9 0,-11-5 0,-5-1 0,1 19 0,-3 1 0,-9-7 0,-5-1 0,-11-1 0,-1 3-818,7 5 0,-1 2 818,6 2 0,-2 1 0,-2 0 0,-2 1 0,-1 1 0,1 1 0,-6-2 0,0 0 0,5 3 0,-1 0 0,-2 0 0,-7-4 0,-2-1 0,2 2 0,12 3 0,1 2 0,-1-1 0,-10-4 0,-1-1 0,3 3 0,6 1 0,1 2 1638,0 2 0,0 1-1447,9 3 0,0 1-191,-6-3 0,0 2 126,-13 0-126,15 0 0,-5-7 0,26-27 0,-2 22 0,10-17 0</inkml:trace>
+</inkml:ink>
+</file>
+
+<file path=ppt/ink/ink2.xml><?xml version="1.0" encoding="utf-8"?>
+<inkml:ink xmlns:inkml="http://www.w3.org/2003/InkML">
+  <inkml:definitions>
+    <inkml:context xml:id="ctx0">
+      <inkml:inkSource xml:id="inkSrc0">
+        <inkml:traceFormat>
+          <inkml:channel name="X" type="integer" min="-2.14748E9" max="2.14748E9" units="cm"/>
+          <inkml:channel name="Y" type="integer" min="-2.14748E9" max="2.14748E9" units="cm"/>
+          <inkml:channel name="F" type="integer" max="32767" units="dev"/>
+        </inkml:traceFormat>
+        <inkml:channelProperties>
+          <inkml:channelProperty channel="X" name="resolution" value="1000" units="1/cm"/>
+          <inkml:channelProperty channel="Y" name="resolution" value="1000" units="1/cm"/>
+          <inkml:channelProperty channel="F" name="resolution" value="0" units="1/dev"/>
+        </inkml:channelProperties>
+      </inkml:inkSource>
+      <inkml:timestamp xml:id="ts0" timeString="2020-04-01T06:55:22.055"/>
+    </inkml:context>
+    <inkml:brush xml:id="br0">
+      <inkml:brushProperty name="width" value="0.05292" units="cm"/>
+      <inkml:brushProperty name="height" value="0.05292" units="cm"/>
+      <inkml:brushProperty name="color" value="#FF0000"/>
+    </inkml:brush>
+  </inkml:definitions>
+  <inkml:trace contextRef="#ctx0" brushRef="#br0">16472 13150 24575,'5'46'0,"1"0"0,-1 0 0,1 0 0,-1 0 0,0 0 0,1 0 0,-1 0 0,0-2 0,-2-7 0,1 0 0,2 5 0,0 2 0,2 7 0,0 4 0,1 0 0,-1-3 0,0-8 0,-1-11 0,5 15 0,4-22 0,-6 1 0,1-5 0,-2 4 0,7 11 0,-8-21 0,4-36 0,-9-19 0,-3 6 0,-1-10 0,0-5 0,0 2 0,-1 7 0,1-8 0,-3-1-547,1 10 1,-1-9 0,0-3 0,-1 1 0,0 4 0,0 10 94,-1 1 0,-1 2 452,0-3 0,-2-6 0,0-1 0,1 5-2,-4-10 1,2 4 1,2 3 0,0 2 0,-4-4 0,8 5 0,28 5 0,6 11 0,5 4 0,7 4 0,2 3 0,-3-1 0,-2 6 1638,-9 7 0,-6 7-734,-9 17-903,-7 3 0,-1 8 1,-1 0-2,-2-3 0,-2-1 0,-1 4 0,0 3 0,-2 4 0,-2 1 0,-1-5-527,-4 0 1,-2-4 0,-2-1 526,-9 11 0,-1-7 0,6-17 0,-2-3-130,-4 0 0,1-1 130,-6 3 0,-1-2 0,0-2 0,2-1 0,-2 0 0,19-13 0,6 0 0,0-3 0</inkml:trace>
+  <inkml:trace contextRef="#ctx0" brushRef="#br0" timeOffset="1076">17080 13592 24575,'2'43'0,"0"1"0,1-6 0,1-1 0,0-3 0,0-3 0,1 3 0,-1 2 0,-1-2 0,-3-15 0,0 7 0,0-14 0,0 1 0,0-29 0,-1-13 0,0-12 0,3 0 0,6-5 0,4 0 0,1-1 0,-3-3 0,1 1 0,8 4 0,13 7 0,7 5 0,-2 10 0,-8 15 0,0 6 0,15-1 0,-5 3 0,-24 0 0,0 0 0,-13 0 0</inkml:trace>
+  <inkml:trace contextRef="#ctx0" brushRef="#br0" timeOffset="2171">17591 13449 24575,'0'46'0,"0"0"0,0-11 0,0 0 0,0-1 0,-1 9 0,2 0 0,3 5 0,6-4 0,5-17 0,6-3 0,13 5 0,2-3 0,-10-11 0,-1-3 0,4 0 0,-2-3 0,-5-9 0,-4-6 0,5-5 0,-1-18 0,-3-5 0,2-6 0,-7 7 0,0-5 0,-3 2 0,-5 5 0,-3 2 0,-2-8 0,-4 2 0,-9-9 0,-12 23 0,1 4 0,-19 6 0,13 0 0,-10 0 0,-6-1 0,29 1 0,-14 1 0,30 4 0</inkml:trace>
+  <inkml:trace contextRef="#ctx0" brushRef="#br0" timeOffset="3578">18186 13466 24575,'-5'45'0,"0"0"0,3-2 0,1 2 0,-2 0 0,-2 3 0,3-4 0,1-3 0,2-4 0,-1 10 0,0-35 0,33 0 0,-16-10 0,14-7 0,1-4 0,-6-4 0,9-9 0,-13-4 0,-1-5 0,-1-2 0,-2-2 0,-8 1 0,-6 11 0,-1-7 0,-3 4 0,0 8 0,-5 0 0,4 30 0,10 20 0,4 9 0,-4 0 0,1 4 0,4 0 0,3 3 0,-3-4 0,1-2 0,-8 2 0,-14-2 0,-9 5 0,-3 1 0,1-8 0,-2 0 0,-5-2 0,-4-1 0,-6 5 0,-1-2 0,4-10 0,2-9 0,2-6 0,-6 0 0,3-5 0,1-7 0,-1-3 0,8-5 0,1-6 0,9-3 0,2-2 0,-1 3 0,8 3 0,-8-11 0,11 15 0,-5-9 0</inkml:trace>
+  <inkml:trace contextRef="#ctx0" brushRef="#br0" timeOffset="4514">16825 14486 24575,'-32'36'0,"0"0"0,0 0 0,-1 0 0,1 0 0,0 0 0,0 1 0,3-2 0,1-2 0,1-2 0,-4 1 0,2-3 0,11-9 0,14-11 0,2-6 0,2 0 0</inkml:trace>
+  <inkml:trace contextRef="#ctx0" brushRef="#br0" timeOffset="5329">18813 14190 24575,'40'2'0,"0"0"0,0 0 0,0 0 0,4 5 0,-2 1 0,2 1 0,-1-4 0,2 0 0,0 1 0,-3 3-846,6 5 0,-3 4 0,-2 0 846,-5-3 0,-1 1 0,-1 1 0,1-1 0,1 1 0,0 0 0,4 0 0,0 0 0,-2-1 0,5 4 0,-4-1 0,-6-9 0,-2 0 404,-4 1 1,-4-2-405,-6-9 0,-2 3 0,-14-3 0</inkml:trace>
+  <inkml:trace contextRef="#ctx0" brushRef="#br0" timeOffset="8386">18343 13599 24575,'0'0'0</inkml:trace>
+</inkml:ink>
+</file>
+
+<file path=ppt/ink/ink3.xml><?xml version="1.0" encoding="utf-8"?>
+<inkml:ink xmlns:inkml="http://www.w3.org/2003/InkML">
+  <inkml:definitions>
+    <inkml:context xml:id="ctx0">
+      <inkml:inkSource xml:id="inkSrc0">
+        <inkml:traceFormat>
+          <inkml:channel name="X" type="integer" min="-2.14748E9" max="2.14748E9" units="cm"/>
+          <inkml:channel name="Y" type="integer" min="-2.14748E9" max="2.14748E9" units="cm"/>
+          <inkml:channel name="F" type="integer" max="32767" units="dev"/>
+        </inkml:traceFormat>
+        <inkml:channelProperties>
+          <inkml:channelProperty channel="X" name="resolution" value="1000" units="1/cm"/>
+          <inkml:channelProperty channel="Y" name="resolution" value="1000" units="1/cm"/>
+          <inkml:channelProperty channel="F" name="resolution" value="0" units="1/dev"/>
+        </inkml:channelProperties>
+      </inkml:inkSource>
+      <inkml:timestamp xml:id="ts0" timeString="2020-04-01T06:56:16.138"/>
+    </inkml:context>
+    <inkml:brush xml:id="br0">
+      <inkml:brushProperty name="width" value="0.05292" units="cm"/>
+      <inkml:brushProperty name="height" value="0.05292" units="cm"/>
+      <inkml:brushProperty name="color" value="#FF0000"/>
+    </inkml:brush>
+  </inkml:definitions>
+  <inkml:trace contextRef="#ctx0" brushRef="#br0">5204 6260 24575,'40'0'0,"-1"0"0,6 1 0,9-1 0,0 0 0,-5-1 0,-9 0 0,-4 0 0,9-2-365,-6 2 1,7-1 0,5-1 0,5 1 0,1-1 0,-1 0 0,-2 1 0,-4-1 0,-7 0-456,8-1 1,-8 1 0,0-1 0,6 0 409,-8 1 0,5 0 1,4 0-1,0 0 1,0 0-1,-2 0 0,-5 1 1,-7 0 177,5 0 0,-7 0 1,0 1 231,18 1 0,-2 0 983,-12 0 1,-2 0-984,1 0 0,1 0 0,-1 0 0,-1 0 0,-6 0 0,2 0 0,8 0 0,-4 0 0,-14-3 0,16 3 0,-38-3 0</inkml:trace>
+  <inkml:trace contextRef="#ctx0" brushRef="#br0" timeOffset="6478">5878 8357 24575,'50'-6'0,"0"0"0,-1 0 0,-1 14 0,0 5 0,3 2 0,-1-5-656,-6-8 1,0-3-1,0-1 1,1 2 0,-2 4-1,-1 6 1,1 4-1,-1 1 1,-3 0 0,-6-4-483,6-3 1,-2-1 999,2 4 1,3 0 0,-2-1 137,6-3 0,1-1 0,-4 1 0,1 2 0,-2-2 0,4-2 0,-2 0 909,-2 0 1,5 0-910,-1-2 0,7 1 0,1-1 0,-4 0 0,-4 0 0,-2-1 0,2 0-330,-1 0 1,5 0 0,-3 1 0,-7-2 329,-2-1 0,-9 0 0,-7 0 3276,-10 0-3139,1 0 0,-7 0 1,0 0-1</inkml:trace>
+  <inkml:trace contextRef="#ctx0" brushRef="#br0" timeOffset="14561">17044 12482 24575,'49'-1'0,"0"-1"0,0 0 0,1 1 0,-1-1 0,0 1 0,0-1 0,1 0 0,-4 2 0,-1-1 0,-3 1 0,1 0 0,1-1 0,2 0-410,-1 0 0,4-1 1,1 1-1,0-1 1,1 0-1,-3 0 0,-3 1 1,-4 0-411,6 0 1,-6 1 0,0 0 0,4 1 272,1 0 1,4 1 0,2 1 0,0-1 0,-3 1 0,-3 0 520,1 0 0,-5 0 0,0 0 0,4 0 26,0 0 0,5 0 0,2 1 0,0-1 0,-5 0 0,-6 1 321,4 0 1,-7 1 0,-4-1-322,-2-2 0,-3 0 0,16 2 0,-15-1 3276,-14-2-1334,5 1 265,-16-2-2207,8 0 1545,1 0-1545,22 0 0,-7 0 0,0 0 0,-9 0 0,1 0 0,24 0 0,2 0 0,0 0 0,-24 0 0,-12 3 0,-8 0 0,1 3 0,-10-3 0,3 0 0,-3-3 0</inkml:trace>
+  <inkml:trace contextRef="#ctx0" brushRef="#br0" timeOffset="27479">5816 9220 24575,'29'0'0,"2"2"0,12 4 0,9 0 0,3 1 0,0 0 0,-5-2 0,1 0 0,-2-2 0,0 0 0,1 1 0,5 0-365,-11 0 1,2 0 0,3 1 0,2 1 0,0-1 0,-1 0 0,-1 0 0,-3-1 0,-2-1-292,10 1 1,-2-2-1,-3 0 1,-1-1 0,-1 1-165,3 1 1,0 1 0,-3-1 0,-4 1 728,-2 0 0,-4 0 1,-1 1 90,12 2 0,-4 1 908,-13-1 0,-4 1-908,3-1 0,-13-3 0,-4-1 0,-7-3 0,-3 0 0</inkml:trace>
+  <inkml:trace contextRef="#ctx0" brushRef="#br0" timeOffset="33816">14378 6448 24575,'50'0'0,"1"0"0,-1 0 0,1 0 0,-1 0 0,-10-1 0,4-1 0,2 1 0,2-1 0,1-1 0,1 1 0,0 0 0,0 0 0,-2-1 0,-1 1 0,-2 0-410,6 0 0,-3 0 1,-2 0-1,0 1 1,0-1-1,1 0 0,2-1 1,3 1 135,-5-1 1,3 0 0,2 0 0,2 0 0,0 0 0,1-1 0,0 1 0,-2-1 0,-1 1 0,-3-1 0,-4 1 0,-3 0-383,13-2 1,-8 1-1,-2-1 1,1 1 0,6 0 527,-8 2 0,5-1 1,2 1-1,2 1 1,0-1-1,0 0 1,-1 1-1,-3-1 0,-3 1-173,2-1 1,-3 1 0,-2 0 0,0 0 0,0 0-1,3 0 301,2 1 0,2 0 0,2 0 0,0 0 0,-2 0 0,-2 0 0,-3 0 0,8 0 0,-3 0 0,-3 0 0,-2 0-449,4 0 0,-3 0 0,0 0 449,5 0 0,1 0 0,-3 0 702,-9 0 0,-3 0 0,-1 0-702,5 0 0,-1 0 802,5 0 0,1 0-802,1 0 0,-3 0 0,3 0 0,-13 2 0,-8-4 819,-19-4 0,-5 5 0,-2-5 0</inkml:trace>
+  <inkml:trace contextRef="#ctx0" brushRef="#br0" timeOffset="37048">6308 11712 24575,'-49'5'0,"1"0"0,-1 0 0,0 0 0,1-1 0,1 3 0,-2 0 0,-2 1 0,-1-1 0,2 1 0,1 0 0,4-2-656,-1 1 1,4-2-1,1 0 1,0 1 0,-2 0 108,0 2 1,-1 0 0,-2 1 0,2 0 0,3-1 0,5-2-856,-18 2 0,9-2 2657,14 2 0,2 0-1255,-6-1 0,5 2 1460,11 8-1460,17 2 0,2 0 0,15 14 0,7 5 0,2-2 0,2 1 899,-4-4 0,1 1 1,1-1-900,0-4 0,0-2 0,-1-1 0,7 6 0,-1-2-269,-2-2 1,4 1 268,1-4 0,3 1 0,-1-2 0,3 3 0,1-1-720,-3-5 1,2-1-1,-2-1 720,3 0 0,-1-1 0,-2-4 0,0 0-527,2 0 0,0 0 527,-7-1 0,4 0 0,6-2 0,7 0 0,-5-1 0,-3 0 0,0 1 113,3-2 0,4 0 0,-5-2-113,-6-4 0,0-1 0,1 0 0,7-1 0,0 0 0,-4-1 0,-3-1 0,-4 0 0,4-1 0,4 0 0,4 1 0,0-2 0,-3-1 0,3-5 0,-3-2 0,-3 1 0,3 0 0,-1-2 0,2 0 0,3-3 0,-6-6 0,-8-9 0,-6-7 0,-1 3 0,10-3 0,-4-5 0,-15 6 0,-2-7 0,-2-4 0,-2 0 0,-2 4-13,-2-2 1,-2 2 0,-4 0 0,-4-3 12,-4 3 0,-4-2 0,-3-3 0,-1 2 0,0 1 0,1 4 0,3-3 0,3 3 0,-5 3 0,-8 1-442,-5 8 0,-8 0 0,-5 1 0,-3 2 0,0 2 0,3 4 0,5 3 442,-11 1 0,5 8 0,-6-2 0,8 1 0,-6-1 0,-2 0 0,0 0 0,2 1 0,3 3-392,-1 3 0,3 1 1,2 2-1,0-1 392,-9-1 0,0 0 0,1 1 300,0 1 1,-1 0-1,5 0-300,2 0 0,0 0 0,0 0 0,-3 0 0,4 0 0,9 0 0,1 0 0,-9 0 0,4 0 91,19-3 1,9 2 0,1-2 0</inkml:trace>
+</inkml:ink>
+</file>
+
 <file path=ppt/notesMasters/notesMaster1.xml><?xml version="1.0" encoding="utf-8"?>
 <p:notesMaster xmlns:a="http://schemas.openxmlformats.org/drawingml/2006/main" xmlns:r="http://schemas.openxmlformats.org/officeDocument/2006/relationships" xmlns:p="http://schemas.openxmlformats.org/presentationml/2006/main">
   <p:cSld>
@@ -1463,7 +1606,7 @@
             </a:pPr>
             <a:fld id="{B60AD7FB-F1F3-2948-9E6C-2A87604025D1}" type="datetime1">
               <a:rPr lang="en-US" smtClean="0"/>
-              <a:t>3/28/20</a:t>
+              <a:t>4/15/20</a:t>
             </a:fld>
             <a:endParaRPr lang="en-US"/>
           </a:p>
@@ -1651,7 +1794,7 @@
             </a:pPr>
             <a:fld id="{023AF736-56C2-4348-8E1B-BD2CDB88AAC5}" type="datetime1">
               <a:rPr lang="en-US" smtClean="0"/>
-              <a:t>3/28/20</a:t>
+              <a:t>4/15/20</a:t>
             </a:fld>
             <a:endParaRPr lang="en-US"/>
           </a:p>
@@ -1849,7 +1992,7 @@
             </a:pPr>
             <a:fld id="{0ABC9D49-02E6-5040-AF49-C7CF73F22999}" type="datetime1">
               <a:rPr lang="en-US" smtClean="0"/>
-              <a:t>3/28/20</a:t>
+              <a:t>4/15/20</a:t>
             </a:fld>
             <a:endParaRPr lang="en-US"/>
           </a:p>
@@ -2037,7 +2180,7 @@
             </a:pPr>
             <a:fld id="{44D32EFF-4EAD-1C43-B42D-6DA85B621DBE}" type="datetime1">
               <a:rPr lang="en-US" smtClean="0"/>
-              <a:t>3/28/20</a:t>
+              <a:t>4/15/20</a:t>
             </a:fld>
             <a:endParaRPr lang="en-US"/>
           </a:p>
@@ -2302,7 +2445,7 @@
             </a:pPr>
             <a:fld id="{85E06CE7-2982-E948-BB45-43F495A20D0F}" type="datetime1">
               <a:rPr lang="en-US" smtClean="0"/>
-              <a:t>3/28/20</a:t>
+              <a:t>4/15/20</a:t>
             </a:fld>
             <a:endParaRPr lang="en-US"/>
           </a:p>
@@ -2607,7 +2750,7 @@
             </a:pPr>
             <a:fld id="{BFB1A2D5-20BC-0449-B9EE-50CD44C5F6D4}" type="datetime1">
               <a:rPr lang="en-US" smtClean="0"/>
-              <a:t>3/28/20</a:t>
+              <a:t>4/15/20</a:t>
             </a:fld>
             <a:endParaRPr lang="en-US"/>
           </a:p>
@@ -3046,7 +3189,7 @@
             </a:pPr>
             <a:fld id="{112EF4D4-06DB-B64A-9DE4-68D2FAEBD28B}" type="datetime1">
               <a:rPr lang="en-US" smtClean="0"/>
-              <a:t>3/28/20</a:t>
+              <a:t>4/15/20</a:t>
             </a:fld>
             <a:endParaRPr lang="en-US"/>
           </a:p>
@@ -3183,7 +3326,7 @@
             </a:pPr>
             <a:fld id="{F470BB67-EA51-DE42-B622-9DDA3F2D4F1F}" type="datetime1">
               <a:rPr lang="en-US" smtClean="0"/>
-              <a:t>3/28/20</a:t>
+              <a:t>4/15/20</a:t>
             </a:fld>
             <a:endParaRPr lang="en-US"/>
           </a:p>
@@ -3298,7 +3441,7 @@
             </a:pPr>
             <a:fld id="{12417D6C-0EA9-144F-989F-CC1BBD6FE5D7}" type="datetime1">
               <a:rPr lang="en-US" smtClean="0"/>
-              <a:t>3/28/20</a:t>
+              <a:t>4/15/20</a:t>
             </a:fld>
             <a:endParaRPr lang="en-US"/>
           </a:p>
@@ -3593,7 +3736,7 @@
             </a:pPr>
             <a:fld id="{0123977C-73AF-9141-B96E-21F799166FCD}" type="datetime1">
               <a:rPr lang="en-US" smtClean="0"/>
-              <a:t>3/28/20</a:t>
+              <a:t>4/15/20</a:t>
             </a:fld>
             <a:endParaRPr lang="en-US"/>
           </a:p>
@@ -3865,7 +4008,7 @@
             </a:pPr>
             <a:fld id="{2855FB36-E022-7A43-8B75-F14E7530852A}" type="datetime1">
               <a:rPr lang="en-US" smtClean="0"/>
-              <a:t>3/28/20</a:t>
+              <a:t>4/15/20</a:t>
             </a:fld>
             <a:endParaRPr lang="en-US"/>
           </a:p>
@@ -4097,7 +4240,7 @@
               <a:pPr>
                 <a:defRPr/>
               </a:pPr>
-              <a:t>3/28/20</a:t>
+              <a:t>4/15/20</a:t>
             </a:fld>
             <a:endParaRPr lang="en-US" dirty="0"/>
           </a:p>
@@ -4535,6 +4678,22 @@
               <a:rPr lang="en-US" sz="2800" dirty="0"/>
               <a:t>ASTs, Modularity, and the Visitor Pattern</a:t>
             </a:r>
+          </a:p>
+          <a:p>
+            <a:pPr eaLnBrk="1" hangingPunct="1"/>
+            <a:endParaRPr lang="en-US" sz="2800" dirty="0"/>
+          </a:p>
+          <a:p>
+            <a:r>
+              <a:rPr lang="en-US" sz="2400" dirty="0">
+                <a:hlinkClick r:id="rId6"/>
+              </a:rPr>
+              <a:t>Credit: UW (Perkins)</a:t>
+            </a:r>
+            <a:endParaRPr lang="en-US" sz="2400" dirty="0"/>
+          </a:p>
+          <a:p>
+            <a:pPr eaLnBrk="1" hangingPunct="1"/>
             <a:endParaRPr lang="en-US" sz="2400" dirty="0"/>
           </a:p>
         </p:txBody>
@@ -19225,6 +19384,57 @@
           </a:p>
         </p:txBody>
       </p:sp>
+      <mc:AlternateContent xmlns:mc="http://schemas.openxmlformats.org/markup-compatibility/2006" xmlns:p14="http://schemas.microsoft.com/office/powerpoint/2010/main">
+        <mc:Choice Requires="p14">
+          <p:contentPart p14:bwMode="auto" r:id="rId2">
+            <p14:nvContentPartPr>
+              <p14:cNvPr id="7" name="Ink 6">
+                <a:extLst>
+                  <a:ext uri="{FF2B5EF4-FFF2-40B4-BE49-F238E27FC236}">
+                    <a16:creationId xmlns:a16="http://schemas.microsoft.com/office/drawing/2014/main" id="{270D8E65-F192-F148-BA69-6162B679439E}"/>
+                  </a:ext>
+                </a:extLst>
+              </p14:cNvPr>
+              <p14:cNvContentPartPr/>
+              <p14:nvPr/>
+            </p14:nvContentPartPr>
+            <p14:xfrm>
+              <a:off x="1540080" y="2014200"/>
+              <a:ext cx="7032960" cy="4438080"/>
+            </p14:xfrm>
+          </p:contentPart>
+        </mc:Choice>
+        <mc:Fallback xmlns="">
+          <p:pic>
+            <p:nvPicPr>
+              <p:cNvPr id="7" name="Ink 6">
+                <a:extLst>
+                  <a:ext uri="{FF2B5EF4-FFF2-40B4-BE49-F238E27FC236}">
+                    <a16:creationId xmlns:a16="http://schemas.microsoft.com/office/drawing/2014/main" id="{270D8E65-F192-F148-BA69-6162B679439E}"/>
+                  </a:ext>
+                </a:extLst>
+              </p:cNvPr>
+              <p:cNvPicPr/>
+              <p:nvPr/>
+            </p:nvPicPr>
+            <p:blipFill>
+              <a:blip r:embed="rId3"/>
+              <a:stretch>
+                <a:fillRect/>
+              </a:stretch>
+            </p:blipFill>
+            <p:spPr>
+              <a:xfrm>
+                <a:off x="1530720" y="2004840"/>
+                <a:ext cx="7051680" cy="4456800"/>
+              </a:xfrm>
+              <a:prstGeom prst="rect">
+                <a:avLst/>
+              </a:prstGeom>
+            </p:spPr>
+          </p:pic>
+        </mc:Fallback>
+      </mc:AlternateContent>
     </p:spTree>
     <p:extLst>
       <p:ext uri="{BB962C8B-B14F-4D97-AF65-F5344CB8AC3E}">
@@ -19552,6 +19762,57 @@
           </a:p>
         </p:txBody>
       </p:sp>
+      <mc:AlternateContent xmlns:mc="http://schemas.openxmlformats.org/markup-compatibility/2006" xmlns:p14="http://schemas.microsoft.com/office/powerpoint/2010/main">
+        <mc:Choice Requires="p14">
+          <p:contentPart p14:bwMode="auto" r:id="rId2">
+            <p14:nvContentPartPr>
+              <p14:cNvPr id="6" name="Ink 5">
+                <a:extLst>
+                  <a:ext uri="{FF2B5EF4-FFF2-40B4-BE49-F238E27FC236}">
+                    <a16:creationId xmlns:a16="http://schemas.microsoft.com/office/drawing/2014/main" id="{C4258992-43AC-704B-902E-D598D1BD1F72}"/>
+                  </a:ext>
+                </a:extLst>
+              </p14:cNvPr>
+              <p14:cNvContentPartPr/>
+              <p14:nvPr/>
+            </p14:nvContentPartPr>
+            <p14:xfrm>
+              <a:off x="5915520" y="4683600"/>
+              <a:ext cx="1288080" cy="693000"/>
+            </p14:xfrm>
+          </p:contentPart>
+        </mc:Choice>
+        <mc:Fallback xmlns="">
+          <p:pic>
+            <p:nvPicPr>
+              <p:cNvPr id="6" name="Ink 5">
+                <a:extLst>
+                  <a:ext uri="{FF2B5EF4-FFF2-40B4-BE49-F238E27FC236}">
+                    <a16:creationId xmlns:a16="http://schemas.microsoft.com/office/drawing/2014/main" id="{C4258992-43AC-704B-902E-D598D1BD1F72}"/>
+                  </a:ext>
+                </a:extLst>
+              </p:cNvPr>
+              <p:cNvPicPr/>
+              <p:nvPr/>
+            </p:nvPicPr>
+            <p:blipFill>
+              <a:blip r:embed="rId3"/>
+              <a:stretch>
+                <a:fillRect/>
+              </a:stretch>
+            </p:blipFill>
+            <p:spPr>
+              <a:xfrm>
+                <a:off x="5906160" y="4674240"/>
+                <a:ext cx="1306800" cy="711720"/>
+              </a:xfrm>
+              <a:prstGeom prst="rect">
+                <a:avLst/>
+              </a:prstGeom>
+            </p:spPr>
+          </p:pic>
+        </mc:Fallback>
+      </mc:AlternateContent>
     </p:spTree>
     <p:extLst>
       <p:ext uri="{BB962C8B-B14F-4D97-AF65-F5344CB8AC3E}">
@@ -20327,6 +20588,57 @@
           </a:p>
         </p:txBody>
       </p:sp>
+      <mc:AlternateContent xmlns:mc="http://schemas.openxmlformats.org/markup-compatibility/2006" xmlns:p14="http://schemas.microsoft.com/office/powerpoint/2010/main">
+        <mc:Choice Requires="p14">
+          <p:contentPart p14:bwMode="auto" r:id="rId8">
+            <p14:nvContentPartPr>
+              <p14:cNvPr id="2" name="Ink 1">
+                <a:extLst>
+                  <a:ext uri="{FF2B5EF4-FFF2-40B4-BE49-F238E27FC236}">
+                    <a16:creationId xmlns:a16="http://schemas.microsoft.com/office/drawing/2014/main" id="{7F28C6BD-FE2D-EB41-8F37-AA3D49794386}"/>
+                  </a:ext>
+                </a:extLst>
+              </p14:cNvPr>
+              <p14:cNvContentPartPr/>
+              <p14:nvPr/>
+            </p14:nvContentPartPr>
+            <p14:xfrm>
+              <a:off x="1803600" y="2226600"/>
+              <a:ext cx="5282640" cy="2383200"/>
+            </p14:xfrm>
+          </p:contentPart>
+        </mc:Choice>
+        <mc:Fallback xmlns="">
+          <p:pic>
+            <p:nvPicPr>
+              <p:cNvPr id="2" name="Ink 1">
+                <a:extLst>
+                  <a:ext uri="{FF2B5EF4-FFF2-40B4-BE49-F238E27FC236}">
+                    <a16:creationId xmlns:a16="http://schemas.microsoft.com/office/drawing/2014/main" id="{7F28C6BD-FE2D-EB41-8F37-AA3D49794386}"/>
+                  </a:ext>
+                </a:extLst>
+              </p:cNvPr>
+              <p:cNvPicPr/>
+              <p:nvPr/>
+            </p:nvPicPr>
+            <p:blipFill>
+              <a:blip r:embed="rId9"/>
+              <a:stretch>
+                <a:fillRect/>
+              </a:stretch>
+            </p:blipFill>
+            <p:spPr>
+              <a:xfrm>
+                <a:off x="1794240" y="2217240"/>
+                <a:ext cx="5301360" cy="2401920"/>
+              </a:xfrm>
+              <a:prstGeom prst="rect">
+                <a:avLst/>
+              </a:prstGeom>
+            </p:spPr>
+          </p:pic>
+        </mc:Fallback>
+      </mc:AlternateContent>
     </p:spTree>
     <p:extLst>
       <p:ext uri="{BB962C8B-B14F-4D97-AF65-F5344CB8AC3E}">
